--- a/docs/diagrams/TableModeSequenceDiagram.pptx
+++ b/docs/diagrams/TableModeSequenceDiagram.pptx
@@ -212,7 +212,7 @@
           <a:p>
             <a:fld id="{F5CC4B3F-88C1-4FFA-B1B6-F41C21DC6924}" type="datetimeFigureOut">
               <a:rPr lang="en-US" smtClean="0"/>
-              <a:t>3/19/19</a:t>
+              <a:t>4/1/19</a:t>
             </a:fld>
             <a:endParaRPr lang="en-US"/>
           </a:p>
@@ -658,7 +658,7 @@
           <a:p>
             <a:fld id="{78C97017-6FC3-485B-9764-EAC9E56C1D49}" type="datetimeFigureOut">
               <a:rPr lang="en-US" smtClean="0"/>
-              <a:t>3/19/19</a:t>
+              <a:t>4/1/19</a:t>
             </a:fld>
             <a:endParaRPr lang="en-US"/>
           </a:p>
@@ -826,7 +826,7 @@
           <a:p>
             <a:fld id="{78C97017-6FC3-485B-9764-EAC9E56C1D49}" type="datetimeFigureOut">
               <a:rPr lang="en-US" smtClean="0"/>
-              <a:t>3/19/19</a:t>
+              <a:t>4/1/19</a:t>
             </a:fld>
             <a:endParaRPr lang="en-US"/>
           </a:p>
@@ -1004,7 +1004,7 @@
           <a:p>
             <a:fld id="{78C97017-6FC3-485B-9764-EAC9E56C1D49}" type="datetimeFigureOut">
               <a:rPr lang="en-US" smtClean="0"/>
-              <a:t>3/19/19</a:t>
+              <a:t>4/1/19</a:t>
             </a:fld>
             <a:endParaRPr lang="en-US"/>
           </a:p>
@@ -1172,7 +1172,7 @@
           <a:p>
             <a:fld id="{78C97017-6FC3-485B-9764-EAC9E56C1D49}" type="datetimeFigureOut">
               <a:rPr lang="en-US" smtClean="0"/>
-              <a:t>3/19/19</a:t>
+              <a:t>4/1/19</a:t>
             </a:fld>
             <a:endParaRPr lang="en-US"/>
           </a:p>
@@ -1417,7 +1417,7 @@
           <a:p>
             <a:fld id="{78C97017-6FC3-485B-9764-EAC9E56C1D49}" type="datetimeFigureOut">
               <a:rPr lang="en-US" smtClean="0"/>
-              <a:t>3/19/19</a:t>
+              <a:t>4/1/19</a:t>
             </a:fld>
             <a:endParaRPr lang="en-US"/>
           </a:p>
@@ -1702,7 +1702,7 @@
           <a:p>
             <a:fld id="{78C97017-6FC3-485B-9764-EAC9E56C1D49}" type="datetimeFigureOut">
               <a:rPr lang="en-US" smtClean="0"/>
-              <a:t>3/19/19</a:t>
+              <a:t>4/1/19</a:t>
             </a:fld>
             <a:endParaRPr lang="en-US"/>
           </a:p>
@@ -2121,7 +2121,7 @@
           <a:p>
             <a:fld id="{78C97017-6FC3-485B-9764-EAC9E56C1D49}" type="datetimeFigureOut">
               <a:rPr lang="en-US" smtClean="0"/>
-              <a:t>3/19/19</a:t>
+              <a:t>4/1/19</a:t>
             </a:fld>
             <a:endParaRPr lang="en-US"/>
           </a:p>
@@ -2238,7 +2238,7 @@
           <a:p>
             <a:fld id="{78C97017-6FC3-485B-9764-EAC9E56C1D49}" type="datetimeFigureOut">
               <a:rPr lang="en-US" smtClean="0"/>
-              <a:t>3/19/19</a:t>
+              <a:t>4/1/19</a:t>
             </a:fld>
             <a:endParaRPr lang="en-US"/>
           </a:p>
@@ -2333,7 +2333,7 @@
           <a:p>
             <a:fld id="{78C97017-6FC3-485B-9764-EAC9E56C1D49}" type="datetimeFigureOut">
               <a:rPr lang="en-US" smtClean="0"/>
-              <a:t>3/19/19</a:t>
+              <a:t>4/1/19</a:t>
             </a:fld>
             <a:endParaRPr lang="en-US"/>
           </a:p>
@@ -2608,7 +2608,7 @@
           <a:p>
             <a:fld id="{78C97017-6FC3-485B-9764-EAC9E56C1D49}" type="datetimeFigureOut">
               <a:rPr lang="en-US" smtClean="0"/>
-              <a:t>3/19/19</a:t>
+              <a:t>4/1/19</a:t>
             </a:fld>
             <a:endParaRPr lang="en-US"/>
           </a:p>
@@ -2860,7 +2860,7 @@
           <a:p>
             <a:fld id="{78C97017-6FC3-485B-9764-EAC9E56C1D49}" type="datetimeFigureOut">
               <a:rPr lang="en-US" smtClean="0"/>
-              <a:t>3/19/19</a:t>
+              <a:t>4/1/19</a:t>
             </a:fld>
             <a:endParaRPr lang="en-US"/>
           </a:p>
@@ -3071,7 +3071,7 @@
           <a:p>
             <a:fld id="{78C97017-6FC3-485B-9764-EAC9E56C1D49}" type="datetimeFigureOut">
               <a:rPr lang="en-US" smtClean="0"/>
-              <a:t>3/19/19</a:t>
+              <a:t>4/1/19</a:t>
             </a:fld>
             <a:endParaRPr lang="en-US"/>
           </a:p>
@@ -3512,7 +3512,7 @@
           <p:cNvPr id="89" name="Straight Connector 88">
             <a:extLst>
               <a:ext uri="{FF2B5EF4-FFF2-40B4-BE49-F238E27FC236}">
-                <a16:creationId xmlns="" xmlns:a16="http://schemas.microsoft.com/office/drawing/2014/main" id="{E4E1C8CA-49DF-45D8-80A5-D5C8282EE927}"/>
+                <a16:creationId xmlns:a16="http://schemas.microsoft.com/office/drawing/2014/main" xmlns="" id="{E4E1C8CA-49DF-45D8-80A5-D5C8282EE927}"/>
               </a:ext>
             </a:extLst>
           </p:cNvPr>
@@ -4696,7 +4696,7 @@
           <p:cNvPr id="66" name="Straight Arrow Connector 65">
             <a:extLst>
               <a:ext uri="{FF2B5EF4-FFF2-40B4-BE49-F238E27FC236}">
-                <a16:creationId xmlns="" xmlns:a16="http://schemas.microsoft.com/office/drawing/2014/main" id="{39916E2E-195A-4DC8-B025-B05FA87E6796}"/>
+                <a16:creationId xmlns:a16="http://schemas.microsoft.com/office/drawing/2014/main" xmlns="" id="{39916E2E-195A-4DC8-B025-B05FA87E6796}"/>
               </a:ext>
             </a:extLst>
           </p:cNvPr>
@@ -4740,7 +4740,7 @@
           <p:cNvPr id="67" name="Straight Arrow Connector 66">
             <a:extLst>
               <a:ext uri="{FF2B5EF4-FFF2-40B4-BE49-F238E27FC236}">
-                <a16:creationId xmlns="" xmlns:a16="http://schemas.microsoft.com/office/drawing/2014/main" id="{D881596E-177C-4FDC-8E60-CAB90B3D5FAB}"/>
+                <a16:creationId xmlns:a16="http://schemas.microsoft.com/office/drawing/2014/main" xmlns="" id="{D881596E-177C-4FDC-8E60-CAB90B3D5FAB}"/>
               </a:ext>
             </a:extLst>
           </p:cNvPr>
@@ -4784,7 +4784,7 @@
           <p:cNvPr id="69" name="Straight Arrow Connector 68">
             <a:extLst>
               <a:ext uri="{FF2B5EF4-FFF2-40B4-BE49-F238E27FC236}">
-                <a16:creationId xmlns="" xmlns:a16="http://schemas.microsoft.com/office/drawing/2014/main" id="{7C9F21BC-13A9-471F-825A-2621FD36355F}"/>
+                <a16:creationId xmlns:a16="http://schemas.microsoft.com/office/drawing/2014/main" xmlns="" id="{7C9F21BC-13A9-471F-825A-2621FD36355F}"/>
               </a:ext>
             </a:extLst>
           </p:cNvPr>
@@ -4830,7 +4830,7 @@
           <p:cNvPr id="88" name="TextBox 87">
             <a:extLst>
               <a:ext uri="{FF2B5EF4-FFF2-40B4-BE49-F238E27FC236}">
-                <a16:creationId xmlns="" xmlns:a16="http://schemas.microsoft.com/office/drawing/2014/main" id="{B85C6184-7378-4E89-A338-72B1E5056F4F}"/>
+                <a16:creationId xmlns:a16="http://schemas.microsoft.com/office/drawing/2014/main" xmlns="" id="{B85C6184-7378-4E89-A338-72B1E5056F4F}"/>
               </a:ext>
             </a:extLst>
           </p:cNvPr>
@@ -5028,7 +5028,7 @@
           <p:cNvPr id="60" name="Straight Arrow Connector 59">
             <a:extLst>
               <a:ext uri="{FF2B5EF4-FFF2-40B4-BE49-F238E27FC236}">
-                <a16:creationId xmlns="" xmlns:a16="http://schemas.microsoft.com/office/drawing/2014/main" id="{7C9F21BC-13A9-471F-825A-2621FD36355F}"/>
+                <a16:creationId xmlns:a16="http://schemas.microsoft.com/office/drawing/2014/main" xmlns="" id="{7C9F21BC-13A9-471F-825A-2621FD36355F}"/>
               </a:ext>
             </a:extLst>
           </p:cNvPr>
@@ -5074,7 +5074,7 @@
           <p:cNvPr id="63" name="Straight Arrow Connector 62">
             <a:extLst>
               <a:ext uri="{FF2B5EF4-FFF2-40B4-BE49-F238E27FC236}">
-                <a16:creationId xmlns="" xmlns:a16="http://schemas.microsoft.com/office/drawing/2014/main" id="{7C9F21BC-13A9-471F-825A-2621FD36355F}"/>
+                <a16:creationId xmlns:a16="http://schemas.microsoft.com/office/drawing/2014/main" xmlns="" id="{7C9F21BC-13A9-471F-825A-2621FD36355F}"/>
               </a:ext>
             </a:extLst>
           </p:cNvPr>
@@ -6256,7 +6256,7 @@
           <p:cNvPr id="117" name="Straight Connector 116">
             <a:extLst>
               <a:ext uri="{FF2B5EF4-FFF2-40B4-BE49-F238E27FC236}">
-                <a16:creationId xmlns="" xmlns:a16="http://schemas.microsoft.com/office/drawing/2014/main" id="{E4E1C8CA-49DF-45D8-80A5-D5C8282EE927}"/>
+                <a16:creationId xmlns:a16="http://schemas.microsoft.com/office/drawing/2014/main" xmlns="" id="{E4E1C8CA-49DF-45D8-80A5-D5C8282EE927}"/>
               </a:ext>
             </a:extLst>
           </p:cNvPr>
@@ -6386,7 +6386,7 @@
           <p:cNvPr id="134" name="Straight Arrow Connector 133">
             <a:extLst>
               <a:ext uri="{FF2B5EF4-FFF2-40B4-BE49-F238E27FC236}">
-                <a16:creationId xmlns="" xmlns:a16="http://schemas.microsoft.com/office/drawing/2014/main" id="{7C9F21BC-13A9-471F-825A-2621FD36355F}"/>
+                <a16:creationId xmlns:a16="http://schemas.microsoft.com/office/drawing/2014/main" xmlns="" id="{7C9F21BC-13A9-471F-825A-2621FD36355F}"/>
               </a:ext>
             </a:extLst>
           </p:cNvPr>
@@ -6433,7 +6433,7 @@
           <p:cNvPr id="136" name="TextBox 135">
             <a:extLst>
               <a:ext uri="{FF2B5EF4-FFF2-40B4-BE49-F238E27FC236}">
-                <a16:creationId xmlns="" xmlns:a16="http://schemas.microsoft.com/office/drawing/2014/main" id="{B85C6184-7378-4E89-A338-72B1E5056F4F}"/>
+                <a16:creationId xmlns:a16="http://schemas.microsoft.com/office/drawing/2014/main" xmlns="" id="{B85C6184-7378-4E89-A338-72B1E5056F4F}"/>
               </a:ext>
             </a:extLst>
           </p:cNvPr>
@@ -6484,39 +6484,6 @@
               <a:t>able 3</a:t>
             </a:r>
             <a:endParaRPr lang="en-US" sz="1100" i="1" dirty="0"/>
-          </a:p>
-        </p:txBody>
-      </p:sp>
-      <p:sp>
-        <p:nvSpPr>
-          <p:cNvPr id="141" name="TextBox 140"/>
-          <p:cNvSpPr txBox="1"/>
-          <p:nvPr/>
-        </p:nvSpPr>
-        <p:spPr>
-          <a:xfrm>
-            <a:off x="4753252" y="2941777"/>
-            <a:ext cx="258404" cy="261610"/>
-          </a:xfrm>
-          <a:prstGeom prst="rect">
-            <a:avLst/>
-          </a:prstGeom>
-          <a:noFill/>
-        </p:spPr>
-        <p:txBody>
-          <a:bodyPr wrap="none" rtlCol="0">
-            <a:spAutoFit/>
-          </a:bodyPr>
-          <a:lstStyle/>
-          <a:p>
-            <a:r>
-              <a:rPr lang="en-SG" sz="1100" dirty="0">
-                <a:solidFill>
-                  <a:srgbClr val="002060"/>
-                </a:solidFill>
-              </a:rPr>
-              <a:t>X</a:t>
-            </a:r>
           </a:p>
         </p:txBody>
       </p:sp>
@@ -6610,7 +6577,7 @@
           <p:cNvPr id="146" name="Straight Arrow Connector 145">
             <a:extLst>
               <a:ext uri="{FF2B5EF4-FFF2-40B4-BE49-F238E27FC236}">
-                <a16:creationId xmlns="" xmlns:a16="http://schemas.microsoft.com/office/drawing/2014/main" id="{7C9F21BC-13A9-471F-825A-2621FD36355F}"/>
+                <a16:creationId xmlns:a16="http://schemas.microsoft.com/office/drawing/2014/main" xmlns="" id="{7C9F21BC-13A9-471F-825A-2621FD36355F}"/>
               </a:ext>
             </a:extLst>
           </p:cNvPr>
@@ -6807,7 +6774,7 @@
           <p:cNvPr id="150" name="Straight Arrow Connector 149">
             <a:extLst>
               <a:ext uri="{FF2B5EF4-FFF2-40B4-BE49-F238E27FC236}">
-                <a16:creationId xmlns="" xmlns:a16="http://schemas.microsoft.com/office/drawing/2014/main" id="{7C9F21BC-13A9-471F-825A-2621FD36355F}"/>
+                <a16:creationId xmlns:a16="http://schemas.microsoft.com/office/drawing/2014/main" xmlns="" id="{7C9F21BC-13A9-471F-825A-2621FD36355F}"/>
               </a:ext>
             </a:extLst>
           </p:cNvPr>
@@ -6985,7 +6952,7 @@
           <p:cNvPr id="156" name="Straight Arrow Connector 155">
             <a:extLst>
               <a:ext uri="{FF2B5EF4-FFF2-40B4-BE49-F238E27FC236}">
-                <a16:creationId xmlns="" xmlns:a16="http://schemas.microsoft.com/office/drawing/2014/main" id="{7C9F21BC-13A9-471F-825A-2621FD36355F}"/>
+                <a16:creationId xmlns:a16="http://schemas.microsoft.com/office/drawing/2014/main" xmlns="" id="{7C9F21BC-13A9-471F-825A-2621FD36355F}"/>
               </a:ext>
             </a:extLst>
           </p:cNvPr>

--- a/docs/diagrams/TableModeSequenceDiagram.pptx
+++ b/docs/diagrams/TableModeSequenceDiagram.pptx
@@ -212,7 +212,7 @@
           <a:p>
             <a:fld id="{F5CC4B3F-88C1-4FFA-B1B6-F41C21DC6924}" type="datetimeFigureOut">
               <a:rPr lang="en-US" smtClean="0"/>
-              <a:t>4/1/19</a:t>
+              <a:t>4/9/19</a:t>
             </a:fld>
             <a:endParaRPr lang="en-US"/>
           </a:p>
@@ -479,6 +479,90 @@
 </p:notesMaster>
 </file>
 
+<file path=ppt/notesSlides/notesSlide1.xml><?xml version="1.0" encoding="utf-8"?>
+<p:notes xmlns:a="http://schemas.openxmlformats.org/drawingml/2006/main" xmlns:r="http://schemas.openxmlformats.org/officeDocument/2006/relationships" xmlns:p="http://schemas.openxmlformats.org/presentationml/2006/main">
+  <p:cSld>
+    <p:spTree>
+      <p:nvGrpSpPr>
+        <p:cNvPr id="1" name=""/>
+        <p:cNvGrpSpPr/>
+        <p:nvPr/>
+      </p:nvGrpSpPr>
+      <p:grpSpPr>
+        <a:xfrm>
+          <a:off x="0" y="0"/>
+          <a:ext cx="0" cy="0"/>
+          <a:chOff x="0" y="0"/>
+          <a:chExt cx="0" cy="0"/>
+        </a:xfrm>
+      </p:grpSpPr>
+      <p:sp>
+        <p:nvSpPr>
+          <p:cNvPr id="2" name="Slide Image Placeholder 1"/>
+          <p:cNvSpPr>
+            <a:spLocks noGrp="1" noRot="1" noChangeAspect="1"/>
+          </p:cNvSpPr>
+          <p:nvPr>
+            <p:ph type="sldImg"/>
+          </p:nvPr>
+        </p:nvSpPr>
+        <p:spPr/>
+      </p:sp>
+      <p:sp>
+        <p:nvSpPr>
+          <p:cNvPr id="3" name="Notes Placeholder 2"/>
+          <p:cNvSpPr>
+            <a:spLocks noGrp="1"/>
+          </p:cNvSpPr>
+          <p:nvPr>
+            <p:ph type="body" idx="1"/>
+          </p:nvPr>
+        </p:nvSpPr>
+        <p:spPr/>
+        <p:txBody>
+          <a:bodyPr/>
+          <a:lstStyle/>
+          <a:p>
+            <a:endParaRPr lang="en-US" dirty="0"/>
+          </a:p>
+        </p:txBody>
+      </p:sp>
+      <p:sp>
+        <p:nvSpPr>
+          <p:cNvPr id="4" name="Slide Number Placeholder 3"/>
+          <p:cNvSpPr>
+            <a:spLocks noGrp="1"/>
+          </p:cNvSpPr>
+          <p:nvPr>
+            <p:ph type="sldNum" sz="quarter" idx="10"/>
+          </p:nvPr>
+        </p:nvSpPr>
+        <p:spPr/>
+        <p:txBody>
+          <a:bodyPr/>
+          <a:lstStyle/>
+          <a:p>
+            <a:fld id="{5A7AB025-77E3-4BD1-A2FD-B3183DBA47A3}" type="slidenum">
+              <a:rPr lang="en-US" smtClean="0"/>
+              <a:t>1</a:t>
+            </a:fld>
+            <a:endParaRPr lang="en-US"/>
+          </a:p>
+        </p:txBody>
+      </p:sp>
+    </p:spTree>
+    <p:extLst>
+      <p:ext uri="{BB962C8B-B14F-4D97-AF65-F5344CB8AC3E}">
+        <p14:creationId xmlns:p14="http://schemas.microsoft.com/office/powerpoint/2010/main" val="646685011"/>
+      </p:ext>
+    </p:extLst>
+  </p:cSld>
+  <p:clrMapOvr>
+    <a:masterClrMapping/>
+  </p:clrMapOvr>
+</p:notes>
+</file>
+
 <file path=ppt/slideLayouts/slideLayout1.xml><?xml version="1.0" encoding="utf-8"?>
 <p:sldLayout xmlns:a="http://schemas.openxmlformats.org/drawingml/2006/main" xmlns:r="http://schemas.openxmlformats.org/officeDocument/2006/relationships" xmlns:p="http://schemas.openxmlformats.org/presentationml/2006/main" type="title" preserve="1">
   <p:cSld name="Title Slide">
@@ -658,7 +742,7 @@
           <a:p>
             <a:fld id="{78C97017-6FC3-485B-9764-EAC9E56C1D49}" type="datetimeFigureOut">
               <a:rPr lang="en-US" smtClean="0"/>
-              <a:t>4/1/19</a:t>
+              <a:t>4/9/19</a:t>
             </a:fld>
             <a:endParaRPr lang="en-US"/>
           </a:p>
@@ -826,7 +910,7 @@
           <a:p>
             <a:fld id="{78C97017-6FC3-485B-9764-EAC9E56C1D49}" type="datetimeFigureOut">
               <a:rPr lang="en-US" smtClean="0"/>
-              <a:t>4/1/19</a:t>
+              <a:t>4/9/19</a:t>
             </a:fld>
             <a:endParaRPr lang="en-US"/>
           </a:p>
@@ -1004,7 +1088,7 @@
           <a:p>
             <a:fld id="{78C97017-6FC3-485B-9764-EAC9E56C1D49}" type="datetimeFigureOut">
               <a:rPr lang="en-US" smtClean="0"/>
-              <a:t>4/1/19</a:t>
+              <a:t>4/9/19</a:t>
             </a:fld>
             <a:endParaRPr lang="en-US"/>
           </a:p>
@@ -1172,7 +1256,7 @@
           <a:p>
             <a:fld id="{78C97017-6FC3-485B-9764-EAC9E56C1D49}" type="datetimeFigureOut">
               <a:rPr lang="en-US" smtClean="0"/>
-              <a:t>4/1/19</a:t>
+              <a:t>4/9/19</a:t>
             </a:fld>
             <a:endParaRPr lang="en-US"/>
           </a:p>
@@ -1417,7 +1501,7 @@
           <a:p>
             <a:fld id="{78C97017-6FC3-485B-9764-EAC9E56C1D49}" type="datetimeFigureOut">
               <a:rPr lang="en-US" smtClean="0"/>
-              <a:t>4/1/19</a:t>
+              <a:t>4/9/19</a:t>
             </a:fld>
             <a:endParaRPr lang="en-US"/>
           </a:p>
@@ -1702,7 +1786,7 @@
           <a:p>
             <a:fld id="{78C97017-6FC3-485B-9764-EAC9E56C1D49}" type="datetimeFigureOut">
               <a:rPr lang="en-US" smtClean="0"/>
-              <a:t>4/1/19</a:t>
+              <a:t>4/9/19</a:t>
             </a:fld>
             <a:endParaRPr lang="en-US"/>
           </a:p>
@@ -2121,7 +2205,7 @@
           <a:p>
             <a:fld id="{78C97017-6FC3-485B-9764-EAC9E56C1D49}" type="datetimeFigureOut">
               <a:rPr lang="en-US" smtClean="0"/>
-              <a:t>4/1/19</a:t>
+              <a:t>4/9/19</a:t>
             </a:fld>
             <a:endParaRPr lang="en-US"/>
           </a:p>
@@ -2238,7 +2322,7 @@
           <a:p>
             <a:fld id="{78C97017-6FC3-485B-9764-EAC9E56C1D49}" type="datetimeFigureOut">
               <a:rPr lang="en-US" smtClean="0"/>
-              <a:t>4/1/19</a:t>
+              <a:t>4/9/19</a:t>
             </a:fld>
             <a:endParaRPr lang="en-US"/>
           </a:p>
@@ -2333,7 +2417,7 @@
           <a:p>
             <a:fld id="{78C97017-6FC3-485B-9764-EAC9E56C1D49}" type="datetimeFigureOut">
               <a:rPr lang="en-US" smtClean="0"/>
-              <a:t>4/1/19</a:t>
+              <a:t>4/9/19</a:t>
             </a:fld>
             <a:endParaRPr lang="en-US"/>
           </a:p>
@@ -2608,7 +2692,7 @@
           <a:p>
             <a:fld id="{78C97017-6FC3-485B-9764-EAC9E56C1D49}" type="datetimeFigureOut">
               <a:rPr lang="en-US" smtClean="0"/>
-              <a:t>4/1/19</a:t>
+              <a:t>4/9/19</a:t>
             </a:fld>
             <a:endParaRPr lang="en-US"/>
           </a:p>
@@ -2860,7 +2944,7 @@
           <a:p>
             <a:fld id="{78C97017-6FC3-485B-9764-EAC9E56C1D49}" type="datetimeFigureOut">
               <a:rPr lang="en-US" smtClean="0"/>
-              <a:t>4/1/19</a:t>
+              <a:t>4/9/19</a:t>
             </a:fld>
             <a:endParaRPr lang="en-US"/>
           </a:p>
@@ -3071,7 +3155,7 @@
           <a:p>
             <a:fld id="{78C97017-6FC3-485B-9764-EAC9E56C1D49}" type="datetimeFigureOut">
               <a:rPr lang="en-US" smtClean="0"/>
-              <a:t>4/1/19</a:t>
+              <a:t>4/9/19</a:t>
             </a:fld>
             <a:endParaRPr lang="en-US"/>
           </a:p>
@@ -3454,8 +3538,8 @@
         </p:nvSpPr>
         <p:spPr>
           <a:xfrm>
-            <a:off x="8076911" y="176420"/>
-            <a:ext cx="3903825" cy="7706506"/>
+            <a:off x="9157387" y="203716"/>
+            <a:ext cx="3903825" cy="10007084"/>
           </a:xfrm>
           <a:prstGeom prst="roundRect">
             <a:avLst>
@@ -3512,7 +3596,7 @@
           <p:cNvPr id="89" name="Straight Connector 88">
             <a:extLst>
               <a:ext uri="{FF2B5EF4-FFF2-40B4-BE49-F238E27FC236}">
-                <a16:creationId xmlns:a16="http://schemas.microsoft.com/office/drawing/2014/main" xmlns="" id="{E4E1C8CA-49DF-45D8-80A5-D5C8282EE927}"/>
+                <a16:creationId xmlns="" xmlns:a16="http://schemas.microsoft.com/office/drawing/2014/main" id="{E4E1C8CA-49DF-45D8-80A5-D5C8282EE927}"/>
               </a:ext>
             </a:extLst>
           </p:cNvPr>
@@ -3524,7 +3608,7 @@
         </p:nvCxnSpPr>
         <p:spPr>
           <a:xfrm>
-            <a:off x="9689517" y="2745982"/>
+            <a:off x="10769993" y="2773279"/>
             <a:ext cx="3805" cy="3606788"/>
           </a:xfrm>
           <a:prstGeom prst="line">
@@ -3561,8 +3645,8 @@
         </p:nvSpPr>
         <p:spPr>
           <a:xfrm>
-            <a:off x="-297951" y="176420"/>
-            <a:ext cx="1943479" cy="7748380"/>
+            <a:off x="-297951" y="176419"/>
+            <a:ext cx="1943479" cy="10034381"/>
           </a:xfrm>
           <a:prstGeom prst="roundRect">
             <a:avLst>
@@ -3623,8 +3707,8 @@
         </p:nvSpPr>
         <p:spPr>
           <a:xfrm>
-            <a:off x="1737806" y="176420"/>
-            <a:ext cx="6265345" cy="7748380"/>
+            <a:off x="1737973" y="219404"/>
+            <a:ext cx="7339110" cy="9991396"/>
           </a:xfrm>
           <a:prstGeom prst="roundRect">
             <a:avLst>
@@ -3745,8 +3829,8 @@
         </p:nvCxnSpPr>
         <p:spPr>
           <a:xfrm>
-            <a:off x="2829726" y="907618"/>
-            <a:ext cx="41023" cy="6348293"/>
+            <a:off x="2846927" y="878348"/>
+            <a:ext cx="0" cy="7914054"/>
           </a:xfrm>
           <a:prstGeom prst="line">
             <a:avLst/>
@@ -3782,8 +3866,8 @@
         </p:nvSpPr>
         <p:spPr>
           <a:xfrm>
-            <a:off x="2757717" y="1363919"/>
-            <a:ext cx="163704" cy="5494082"/>
+            <a:off x="2757718" y="1363918"/>
+            <a:ext cx="163386" cy="7246682"/>
           </a:xfrm>
           <a:prstGeom prst="rect">
             <a:avLst/>
@@ -4104,9 +4188,9 @@
           <p:nvPr/>
         </p:nvCxnSpPr>
         <p:spPr>
-          <a:xfrm>
-            <a:off x="875067" y="6858000"/>
-            <a:ext cx="1954659" cy="1"/>
+          <a:xfrm flipV="1">
+            <a:off x="857925" y="8617699"/>
+            <a:ext cx="1996120" cy="0"/>
           </a:xfrm>
           <a:prstGeom prst="straightConnector1">
             <a:avLst/>
@@ -4143,8 +4227,8 @@
         </p:nvSpPr>
         <p:spPr>
           <a:xfrm>
-            <a:off x="7483314" y="4157246"/>
-            <a:ext cx="954489" cy="338554"/>
+            <a:off x="7563423" y="4339104"/>
+            <a:ext cx="1832324" cy="169277"/>
           </a:xfrm>
           <a:prstGeom prst="rect">
             <a:avLst/>
@@ -4168,34 +4252,26 @@
             </a:lvl1pPr>
           </a:lstStyle>
           <a:p>
-            <a:r>
-              <a:rPr lang="en-US" sz="1100" dirty="0" smtClean="0">
+            <a:pPr algn="l"/>
+            <a:r>
+              <a:rPr lang="en-US" sz="1100" smtClean="0">
                 <a:solidFill>
                   <a:schemeClr val="accent4">
                     <a:lumMod val="75000"/>
                   </a:schemeClr>
                 </a:solidFill>
               </a:rPr>
-              <a:t>setSelected</a:t>
-            </a:r>
-            <a:br>
-              <a:rPr lang="en-US" sz="1100" dirty="0" smtClean="0">
+              <a:t>setSelectedTable(</a:t>
+            </a:r>
+            <a:r>
+              <a:rPr lang="en-US" sz="1100" i="1" smtClean="0">
                 <a:solidFill>
                   <a:schemeClr val="accent4">
                     <a:lumMod val="75000"/>
                   </a:schemeClr>
                 </a:solidFill>
               </a:rPr>
-            </a:br>
-            <a:r>
-              <a:rPr lang="en-US" sz="1100" dirty="0" smtClean="0">
-                <a:solidFill>
-                  <a:schemeClr val="accent4">
-                    <a:lumMod val="75000"/>
-                  </a:schemeClr>
-                </a:solidFill>
-              </a:rPr>
-              <a:t>Table(</a:t>
+              <a:t>table </a:t>
             </a:r>
             <a:r>
               <a:rPr lang="en-US" sz="1100" i="1" dirty="0" smtClean="0">
@@ -4205,7 +4281,7 @@
                   </a:schemeClr>
                 </a:solidFill>
               </a:rPr>
-              <a:t>table 3</a:t>
+              <a:t>3</a:t>
             </a:r>
             <a:r>
               <a:rPr lang="en-US" sz="1100" dirty="0" smtClean="0">
@@ -4274,7 +4350,7 @@
         </p:nvSpPr>
         <p:spPr>
           <a:xfrm>
-            <a:off x="4918540" y="5981923"/>
+            <a:off x="4947822" y="6842421"/>
             <a:ext cx="621216" cy="169277"/>
           </a:xfrm>
           <a:prstGeom prst="rect">
@@ -4314,7 +4390,7 @@
         </p:nvSpPr>
         <p:spPr>
           <a:xfrm>
-            <a:off x="1447800" y="6629400"/>
+            <a:off x="1472119" y="8389098"/>
             <a:ext cx="762000" cy="169277"/>
           </a:xfrm>
           <a:prstGeom prst="rect">
@@ -4354,7 +4430,7 @@
         </p:nvSpPr>
         <p:spPr>
           <a:xfrm>
-            <a:off x="9177059" y="2410555"/>
+            <a:off x="10257535" y="2437852"/>
             <a:ext cx="1024915" cy="335427"/>
           </a:xfrm>
           <a:prstGeom prst="rect">
@@ -4428,7 +4504,7 @@
         </p:nvSpPr>
         <p:spPr>
           <a:xfrm>
-            <a:off x="9617754" y="3423160"/>
+            <a:off x="10698230" y="3450457"/>
             <a:ext cx="135552" cy="522741"/>
           </a:xfrm>
           <a:prstGeom prst="rect">
@@ -4469,14 +4545,337 @@
       </p:sp>
       <p:sp>
         <p:nvSpPr>
-          <p:cNvPr id="93" name="TextBox 92"/>
+          <p:cNvPr id="40" name="Rectangle 62"/>
+          <p:cNvSpPr/>
+          <p:nvPr/>
+        </p:nvSpPr>
+        <p:spPr>
+          <a:xfrm>
+            <a:off x="9279550" y="2447023"/>
+            <a:ext cx="841636" cy="300180"/>
+          </a:xfrm>
+          <a:prstGeom prst="rect">
+            <a:avLst/>
+          </a:prstGeom>
+          <a:solidFill>
+            <a:srgbClr val="7030A0"/>
+          </a:solidFill>
+          <a:ln w="19050">
+            <a:solidFill>
+              <a:srgbClr val="7030A0"/>
+            </a:solidFill>
+          </a:ln>
+          <a:effectLst/>
+        </p:spPr>
+        <p:style>
+          <a:lnRef idx="1">
+            <a:schemeClr val="accent2"/>
+          </a:lnRef>
+          <a:fillRef idx="2">
+            <a:schemeClr val="accent2"/>
+          </a:fillRef>
+          <a:effectRef idx="1">
+            <a:schemeClr val="accent2"/>
+          </a:effectRef>
+          <a:fontRef idx="minor">
+            <a:schemeClr val="dk1"/>
+          </a:fontRef>
+        </p:style>
+        <p:txBody>
+          <a:bodyPr rtlCol="0" anchor="ctr"/>
+          <a:lstStyle/>
+          <a:p>
+            <a:pPr algn="ctr"/>
+            <a:r>
+              <a:rPr lang="en-US" sz="1200" dirty="0" smtClean="0">
+                <a:solidFill>
+                  <a:schemeClr val="bg1"/>
+                </a:solidFill>
+              </a:rPr>
+              <a:t>:Model</a:t>
+            </a:r>
+            <a:endParaRPr lang="en-SG" sz="1200" dirty="0">
+              <a:solidFill>
+                <a:schemeClr val="bg1"/>
+              </a:solidFill>
+            </a:endParaRPr>
+          </a:p>
+        </p:txBody>
+      </p:sp>
+      <p:cxnSp>
+        <p:nvCxnSpPr>
+          <p:cNvPr id="46" name="Straight Connector 45"/>
+          <p:cNvCxnSpPr>
+            <a:cxnSpLocks/>
+          </p:cNvCxnSpPr>
+          <p:nvPr/>
+        </p:nvCxnSpPr>
+        <p:spPr>
+          <a:xfrm flipH="1">
+            <a:off x="9719522" y="2738129"/>
+            <a:ext cx="715" cy="3614641"/>
+          </a:xfrm>
+          <a:prstGeom prst="line">
+            <a:avLst/>
+          </a:prstGeom>
+          <a:ln w="19050">
+            <a:solidFill>
+              <a:srgbClr val="7030A0"/>
+            </a:solidFill>
+            <a:prstDash val="sysDash"/>
+          </a:ln>
+          <a:effectLst/>
+        </p:spPr>
+        <p:style>
+          <a:lnRef idx="1">
+            <a:schemeClr val="accent1"/>
+          </a:lnRef>
+          <a:fillRef idx="2">
+            <a:schemeClr val="accent1"/>
+          </a:fillRef>
+          <a:effectRef idx="1">
+            <a:schemeClr val="accent1"/>
+          </a:effectRef>
+          <a:fontRef idx="minor">
+            <a:schemeClr val="dk1"/>
+          </a:fontRef>
+        </p:style>
+      </p:cxnSp>
+      <p:sp>
+        <p:nvSpPr>
+          <p:cNvPr id="49" name="Rectangle 48"/>
+          <p:cNvSpPr/>
+          <p:nvPr/>
+        </p:nvSpPr>
+        <p:spPr>
+          <a:xfrm>
+            <a:off x="9627223" y="3338989"/>
+            <a:ext cx="168896" cy="775693"/>
+          </a:xfrm>
+          <a:prstGeom prst="rect">
+            <a:avLst/>
+          </a:prstGeom>
+          <a:solidFill>
+            <a:srgbClr val="7030A0"/>
+          </a:solidFill>
+          <a:ln>
+            <a:solidFill>
+              <a:srgbClr val="7030A0"/>
+            </a:solidFill>
+          </a:ln>
+          <a:effectLst/>
+        </p:spPr>
+        <p:style>
+          <a:lnRef idx="1">
+            <a:schemeClr val="accent3"/>
+          </a:lnRef>
+          <a:fillRef idx="2">
+            <a:schemeClr val="accent3"/>
+          </a:fillRef>
+          <a:effectRef idx="1">
+            <a:schemeClr val="accent3"/>
+          </a:effectRef>
+          <a:fontRef idx="minor">
+            <a:schemeClr val="dk1"/>
+          </a:fontRef>
+        </p:style>
+        <p:txBody>
+          <a:bodyPr rtlCol="0" anchor="ctr"/>
+          <a:lstStyle/>
+          <a:p>
+            <a:pPr algn="ctr"/>
+            <a:endParaRPr lang="en-SG" sz="1400"/>
+          </a:p>
+        </p:txBody>
+      </p:sp>
+      <p:cxnSp>
+        <p:nvCxnSpPr>
+          <p:cNvPr id="50" name="Straight Arrow Connector 49"/>
+          <p:cNvCxnSpPr>
+            <a:cxnSpLocks/>
+          </p:cNvCxnSpPr>
+          <p:nvPr/>
+        </p:nvCxnSpPr>
+        <p:spPr>
+          <a:xfrm>
+            <a:off x="7352104" y="3338989"/>
+            <a:ext cx="2275119" cy="0"/>
+          </a:xfrm>
+          <a:prstGeom prst="straightConnector1">
+            <a:avLst/>
+          </a:prstGeom>
+          <a:ln w="19050">
+            <a:solidFill>
+              <a:srgbClr val="0070C0"/>
+            </a:solidFill>
+            <a:tailEnd type="arrow"/>
+          </a:ln>
+        </p:spPr>
+        <p:style>
+          <a:lnRef idx="1">
+            <a:schemeClr val="accent1"/>
+          </a:lnRef>
+          <a:fillRef idx="0">
+            <a:schemeClr val="accent1"/>
+          </a:fillRef>
+          <a:effectRef idx="0">
+            <a:schemeClr val="accent1"/>
+          </a:effectRef>
+          <a:fontRef idx="minor">
+            <a:schemeClr val="tx1"/>
+          </a:fontRef>
+        </p:style>
+      </p:cxnSp>
+      <p:cxnSp>
+        <p:nvCxnSpPr>
+          <p:cNvPr id="66" name="Straight Arrow Connector 65">
+            <a:extLst>
+              <a:ext uri="{FF2B5EF4-FFF2-40B4-BE49-F238E27FC236}">
+                <a16:creationId xmlns="" xmlns:a16="http://schemas.microsoft.com/office/drawing/2014/main" id="{39916E2E-195A-4DC8-B025-B05FA87E6796}"/>
+              </a:ext>
+            </a:extLst>
+          </p:cNvPr>
+          <p:cNvCxnSpPr>
+            <a:cxnSpLocks/>
+          </p:cNvCxnSpPr>
+          <p:nvPr/>
+        </p:nvCxnSpPr>
+        <p:spPr>
+          <a:xfrm>
+            <a:off x="2910533" y="3155281"/>
+            <a:ext cx="4239798" cy="2632"/>
+          </a:xfrm>
+          <a:prstGeom prst="straightConnector1">
+            <a:avLst/>
+          </a:prstGeom>
+          <a:ln w="19050">
+            <a:solidFill>
+              <a:srgbClr val="0070C0"/>
+            </a:solidFill>
+            <a:tailEnd type="arrow"/>
+          </a:ln>
+        </p:spPr>
+        <p:style>
+          <a:lnRef idx="1">
+            <a:schemeClr val="accent1"/>
+          </a:lnRef>
+          <a:fillRef idx="0">
+            <a:schemeClr val="accent1"/>
+          </a:fillRef>
+          <a:effectRef idx="0">
+            <a:schemeClr val="accent1"/>
+          </a:effectRef>
+          <a:fontRef idx="minor">
+            <a:schemeClr val="tx1"/>
+          </a:fontRef>
+        </p:style>
+      </p:cxnSp>
+      <p:cxnSp>
+        <p:nvCxnSpPr>
+          <p:cNvPr id="67" name="Straight Arrow Connector 66">
+            <a:extLst>
+              <a:ext uri="{FF2B5EF4-FFF2-40B4-BE49-F238E27FC236}">
+                <a16:creationId xmlns="" xmlns:a16="http://schemas.microsoft.com/office/drawing/2014/main" id="{D881596E-177C-4FDC-8E60-CAB90B3D5FAB}"/>
+              </a:ext>
+            </a:extLst>
+          </p:cNvPr>
+          <p:cNvCxnSpPr>
+            <a:cxnSpLocks/>
+          </p:cNvCxnSpPr>
+          <p:nvPr/>
+        </p:nvCxnSpPr>
+        <p:spPr>
+          <a:xfrm>
+            <a:off x="2880322" y="1531401"/>
+            <a:ext cx="1931015" cy="1795"/>
+          </a:xfrm>
+          <a:prstGeom prst="straightConnector1">
+            <a:avLst/>
+          </a:prstGeom>
+          <a:ln w="19050">
+            <a:solidFill>
+              <a:srgbClr val="0070C0"/>
+            </a:solidFill>
+            <a:tailEnd type="arrow"/>
+          </a:ln>
+        </p:spPr>
+        <p:style>
+          <a:lnRef idx="1">
+            <a:schemeClr val="accent1"/>
+          </a:lnRef>
+          <a:fillRef idx="0">
+            <a:schemeClr val="accent1"/>
+          </a:fillRef>
+          <a:effectRef idx="0">
+            <a:schemeClr val="accent1"/>
+          </a:effectRef>
+          <a:fontRef idx="minor">
+            <a:schemeClr val="tx1"/>
+          </a:fontRef>
+        </p:style>
+      </p:cxnSp>
+      <p:cxnSp>
+        <p:nvCxnSpPr>
+          <p:cNvPr id="69" name="Straight Arrow Connector 68">
+            <a:extLst>
+              <a:ext uri="{FF2B5EF4-FFF2-40B4-BE49-F238E27FC236}">
+                <a16:creationId xmlns="" xmlns:a16="http://schemas.microsoft.com/office/drawing/2014/main" id="{7C9F21BC-13A9-471F-825A-2621FD36355F}"/>
+              </a:ext>
+            </a:extLst>
+          </p:cNvPr>
+          <p:cNvCxnSpPr>
+            <a:cxnSpLocks/>
+          </p:cNvCxnSpPr>
+          <p:nvPr/>
+        </p:nvCxnSpPr>
+        <p:spPr>
+          <a:xfrm>
+            <a:off x="2962565" y="7073546"/>
+            <a:ext cx="4241549" cy="0"/>
+          </a:xfrm>
+          <a:prstGeom prst="straightConnector1">
+            <a:avLst/>
+          </a:prstGeom>
+          <a:ln w="19050">
+            <a:solidFill>
+              <a:srgbClr val="0070C0"/>
+            </a:solidFill>
+            <a:prstDash val="sysDash"/>
+            <a:headEnd type="arrow" w="med" len="med"/>
+            <a:tailEnd type="none" w="med" len="med"/>
+          </a:ln>
+        </p:spPr>
+        <p:style>
+          <a:lnRef idx="1">
+            <a:schemeClr val="accent1"/>
+          </a:lnRef>
+          <a:fillRef idx="0">
+            <a:schemeClr val="accent1"/>
+          </a:fillRef>
+          <a:effectRef idx="0">
+            <a:schemeClr val="accent1"/>
+          </a:effectRef>
+          <a:fontRef idx="minor">
+            <a:schemeClr val="tx1"/>
+          </a:fontRef>
+        </p:style>
+      </p:cxnSp>
+      <p:sp>
+        <p:nvSpPr>
+          <p:cNvPr id="88" name="TextBox 87">
+            <a:extLst>
+              <a:ext uri="{FF2B5EF4-FFF2-40B4-BE49-F238E27FC236}">
+                <a16:creationId xmlns="" xmlns:a16="http://schemas.microsoft.com/office/drawing/2014/main" id="{B85C6184-7378-4E89-A338-72B1E5056F4F}"/>
+              </a:ext>
+            </a:extLst>
+          </p:cNvPr>
           <p:cNvSpPr txBox="1"/>
           <p:nvPr/>
         </p:nvSpPr>
         <p:spPr>
           <a:xfrm>
-            <a:off x="3065544" y="6474286"/>
-            <a:ext cx="2039856" cy="169277"/>
+            <a:off x="10834076" y="3363887"/>
+            <a:ext cx="1576367" cy="169277"/>
           </a:xfrm>
           <a:prstGeom prst="rect">
             <a:avLst/>
@@ -4501,351 +4900,51 @@
           </a:lstStyle>
           <a:p>
             <a:r>
-              <a:rPr lang="en-US" sz="1100" dirty="0" smtClean="0"/>
-              <a:t>changeMode(TABLE_MODE)</a:t>
-            </a:r>
-            <a:endParaRPr lang="en-US" sz="1100" dirty="0"/>
-          </a:p>
-        </p:txBody>
-      </p:sp>
-      <p:sp>
-        <p:nvSpPr>
-          <p:cNvPr id="40" name="Rectangle 62"/>
-          <p:cNvSpPr/>
-          <p:nvPr/>
-        </p:nvSpPr>
-        <p:spPr>
-          <a:xfrm>
-            <a:off x="8199074" y="2419726"/>
-            <a:ext cx="841636" cy="300180"/>
-          </a:xfrm>
-          <a:prstGeom prst="rect">
-            <a:avLst/>
-          </a:prstGeom>
-          <a:solidFill>
-            <a:srgbClr val="7030A0"/>
-          </a:solidFill>
-          <a:ln w="19050">
-            <a:solidFill>
-              <a:srgbClr val="7030A0"/>
-            </a:solidFill>
-          </a:ln>
-          <a:effectLst/>
-        </p:spPr>
-        <p:style>
-          <a:lnRef idx="1">
-            <a:schemeClr val="accent2"/>
-          </a:lnRef>
-          <a:fillRef idx="2">
-            <a:schemeClr val="accent2"/>
-          </a:fillRef>
-          <a:effectRef idx="1">
-            <a:schemeClr val="accent2"/>
-          </a:effectRef>
-          <a:fontRef idx="minor">
-            <a:schemeClr val="dk1"/>
-          </a:fontRef>
-        </p:style>
-        <p:txBody>
-          <a:bodyPr rtlCol="0" anchor="ctr"/>
-          <a:lstStyle/>
-          <a:p>
-            <a:pPr algn="ctr"/>
-            <a:r>
-              <a:rPr lang="en-US" sz="1200" dirty="0" smtClean="0">
+              <a:rPr lang="en-US" sz="1100" dirty="0" smtClean="0">
                 <a:solidFill>
-                  <a:schemeClr val="bg1"/>
+                  <a:srgbClr val="7030A0"/>
                 </a:solidFill>
               </a:rPr>
-              <a:t>:Model</a:t>
-            </a:r>
-            <a:endParaRPr lang="en-SG" sz="1200" dirty="0">
-              <a:solidFill>
-                <a:schemeClr val="bg1"/>
-              </a:solidFill>
-            </a:endParaRPr>
-          </a:p>
-        </p:txBody>
-      </p:sp>
-      <p:cxnSp>
-        <p:nvCxnSpPr>
-          <p:cNvPr id="46" name="Straight Connector 45"/>
-          <p:cNvCxnSpPr>
-            <a:cxnSpLocks/>
-          </p:cNvCxnSpPr>
-          <p:nvPr/>
-        </p:nvCxnSpPr>
-        <p:spPr>
-          <a:xfrm flipH="1">
-            <a:off x="8639081" y="2710832"/>
-            <a:ext cx="680" cy="3779804"/>
-          </a:xfrm>
-          <a:prstGeom prst="line">
-            <a:avLst/>
-          </a:prstGeom>
-          <a:ln w="19050">
-            <a:solidFill>
-              <a:srgbClr val="7030A0"/>
-            </a:solidFill>
-            <a:prstDash val="sysDash"/>
+              <a:t>getTableFromNumber(</a:t>
+            </a:r>
+            <a:r>
+              <a:rPr lang="en-US" sz="1100" i="1" dirty="0" smtClean="0">
+                <a:solidFill>
+                  <a:srgbClr val="7030A0"/>
+                </a:solidFill>
+              </a:rPr>
+              <a:t>3</a:t>
+            </a:r>
+            <a:r>
+              <a:rPr lang="en-US" sz="1100" dirty="0" smtClean="0">
+                <a:solidFill>
+                  <a:srgbClr val="7030A0"/>
+                </a:solidFill>
+              </a:rPr>
+              <a:t>)</a:t>
+            </a:r>
+            <a:endParaRPr lang="en-US" sz="1100" dirty="0"/>
+          </a:p>
+        </p:txBody>
+      </p:sp>
+      <p:sp>
+        <p:nvSpPr>
+          <p:cNvPr id="41" name="TextBox 40"/>
+          <p:cNvSpPr txBox="1"/>
+          <p:nvPr/>
+        </p:nvSpPr>
+        <p:spPr>
+          <a:xfrm>
+            <a:off x="9767276" y="3265268"/>
+            <a:ext cx="837100" cy="169277"/>
+          </a:xfrm>
+          <a:prstGeom prst="rect">
+            <a:avLst/>
+          </a:prstGeom>
+          <a:noFill/>
+          <a:ln>
+            <a:noFill/>
           </a:ln>
-          <a:effectLst/>
-        </p:spPr>
-        <p:style>
-          <a:lnRef idx="1">
-            <a:schemeClr val="accent1"/>
-          </a:lnRef>
-          <a:fillRef idx="2">
-            <a:schemeClr val="accent1"/>
-          </a:fillRef>
-          <a:effectRef idx="1">
-            <a:schemeClr val="accent1"/>
-          </a:effectRef>
-          <a:fontRef idx="minor">
-            <a:schemeClr val="dk1"/>
-          </a:fontRef>
-        </p:style>
-      </p:cxnSp>
-      <p:sp>
-        <p:nvSpPr>
-          <p:cNvPr id="49" name="Rectangle 48"/>
-          <p:cNvSpPr/>
-          <p:nvPr/>
-        </p:nvSpPr>
-        <p:spPr>
-          <a:xfrm>
-            <a:off x="8546747" y="3311692"/>
-            <a:ext cx="168896" cy="775693"/>
-          </a:xfrm>
-          <a:prstGeom prst="rect">
-            <a:avLst/>
-          </a:prstGeom>
-          <a:solidFill>
-            <a:srgbClr val="7030A0"/>
-          </a:solidFill>
-          <a:ln>
-            <a:solidFill>
-              <a:srgbClr val="7030A0"/>
-            </a:solidFill>
-          </a:ln>
-          <a:effectLst/>
-        </p:spPr>
-        <p:style>
-          <a:lnRef idx="1">
-            <a:schemeClr val="accent3"/>
-          </a:lnRef>
-          <a:fillRef idx="2">
-            <a:schemeClr val="accent3"/>
-          </a:fillRef>
-          <a:effectRef idx="1">
-            <a:schemeClr val="accent3"/>
-          </a:effectRef>
-          <a:fontRef idx="minor">
-            <a:schemeClr val="dk1"/>
-          </a:fontRef>
-        </p:style>
-        <p:txBody>
-          <a:bodyPr rtlCol="0" anchor="ctr"/>
-          <a:lstStyle/>
-          <a:p>
-            <a:pPr algn="ctr"/>
-            <a:endParaRPr lang="en-SG" sz="1400"/>
-          </a:p>
-        </p:txBody>
-      </p:sp>
-      <p:cxnSp>
-        <p:nvCxnSpPr>
-          <p:cNvPr id="50" name="Straight Arrow Connector 49"/>
-          <p:cNvCxnSpPr>
-            <a:cxnSpLocks/>
-          </p:cNvCxnSpPr>
-          <p:nvPr/>
-        </p:nvCxnSpPr>
-        <p:spPr>
-          <a:xfrm>
-            <a:off x="7331756" y="3310682"/>
-            <a:ext cx="1210345" cy="0"/>
-          </a:xfrm>
-          <a:prstGeom prst="straightConnector1">
-            <a:avLst/>
-          </a:prstGeom>
-          <a:ln w="19050">
-            <a:solidFill>
-              <a:srgbClr val="0070C0"/>
-            </a:solidFill>
-            <a:tailEnd type="arrow"/>
-          </a:ln>
-        </p:spPr>
-        <p:style>
-          <a:lnRef idx="1">
-            <a:schemeClr val="accent1"/>
-          </a:lnRef>
-          <a:fillRef idx="0">
-            <a:schemeClr val="accent1"/>
-          </a:fillRef>
-          <a:effectRef idx="0">
-            <a:schemeClr val="accent1"/>
-          </a:effectRef>
-          <a:fontRef idx="minor">
-            <a:schemeClr val="tx1"/>
-          </a:fontRef>
-        </p:style>
-      </p:cxnSp>
-      <p:cxnSp>
-        <p:nvCxnSpPr>
-          <p:cNvPr id="66" name="Straight Arrow Connector 65">
-            <a:extLst>
-              <a:ext uri="{FF2B5EF4-FFF2-40B4-BE49-F238E27FC236}">
-                <a16:creationId xmlns:a16="http://schemas.microsoft.com/office/drawing/2014/main" xmlns="" id="{39916E2E-195A-4DC8-B025-B05FA87E6796}"/>
-              </a:ext>
-            </a:extLst>
-          </p:cNvPr>
-          <p:cNvCxnSpPr>
-            <a:cxnSpLocks/>
-          </p:cNvCxnSpPr>
-          <p:nvPr/>
-        </p:nvCxnSpPr>
-        <p:spPr>
-          <a:xfrm>
-            <a:off x="2910533" y="3155281"/>
-            <a:ext cx="4239798" cy="2632"/>
-          </a:xfrm>
-          <a:prstGeom prst="straightConnector1">
-            <a:avLst/>
-          </a:prstGeom>
-          <a:ln w="19050">
-            <a:solidFill>
-              <a:srgbClr val="0070C0"/>
-            </a:solidFill>
-            <a:tailEnd type="arrow"/>
-          </a:ln>
-        </p:spPr>
-        <p:style>
-          <a:lnRef idx="1">
-            <a:schemeClr val="accent1"/>
-          </a:lnRef>
-          <a:fillRef idx="0">
-            <a:schemeClr val="accent1"/>
-          </a:fillRef>
-          <a:effectRef idx="0">
-            <a:schemeClr val="accent1"/>
-          </a:effectRef>
-          <a:fontRef idx="minor">
-            <a:schemeClr val="tx1"/>
-          </a:fontRef>
-        </p:style>
-      </p:cxnSp>
-      <p:cxnSp>
-        <p:nvCxnSpPr>
-          <p:cNvPr id="67" name="Straight Arrow Connector 66">
-            <a:extLst>
-              <a:ext uri="{FF2B5EF4-FFF2-40B4-BE49-F238E27FC236}">
-                <a16:creationId xmlns:a16="http://schemas.microsoft.com/office/drawing/2014/main" xmlns="" id="{D881596E-177C-4FDC-8E60-CAB90B3D5FAB}"/>
-              </a:ext>
-            </a:extLst>
-          </p:cNvPr>
-          <p:cNvCxnSpPr>
-            <a:cxnSpLocks/>
-          </p:cNvCxnSpPr>
-          <p:nvPr/>
-        </p:nvCxnSpPr>
-        <p:spPr>
-          <a:xfrm>
-            <a:off x="2880322" y="1531401"/>
-            <a:ext cx="1931015" cy="1795"/>
-          </a:xfrm>
-          <a:prstGeom prst="straightConnector1">
-            <a:avLst/>
-          </a:prstGeom>
-          <a:ln w="19050">
-            <a:solidFill>
-              <a:srgbClr val="0070C0"/>
-            </a:solidFill>
-            <a:tailEnd type="arrow"/>
-          </a:ln>
-        </p:spPr>
-        <p:style>
-          <a:lnRef idx="1">
-            <a:schemeClr val="accent1"/>
-          </a:lnRef>
-          <a:fillRef idx="0">
-            <a:schemeClr val="accent1"/>
-          </a:fillRef>
-          <a:effectRef idx="0">
-            <a:schemeClr val="accent1"/>
-          </a:effectRef>
-          <a:fontRef idx="minor">
-            <a:schemeClr val="tx1"/>
-          </a:fontRef>
-        </p:style>
-      </p:cxnSp>
-      <p:cxnSp>
-        <p:nvCxnSpPr>
-          <p:cNvPr id="69" name="Straight Arrow Connector 68">
-            <a:extLst>
-              <a:ext uri="{FF2B5EF4-FFF2-40B4-BE49-F238E27FC236}">
-                <a16:creationId xmlns:a16="http://schemas.microsoft.com/office/drawing/2014/main" xmlns="" id="{7C9F21BC-13A9-471F-825A-2621FD36355F}"/>
-              </a:ext>
-            </a:extLst>
-          </p:cNvPr>
-          <p:cNvCxnSpPr>
-            <a:cxnSpLocks/>
-          </p:cNvCxnSpPr>
-          <p:nvPr/>
-        </p:nvCxnSpPr>
-        <p:spPr>
-          <a:xfrm>
-            <a:off x="2933283" y="6213048"/>
-            <a:ext cx="4241549" cy="0"/>
-          </a:xfrm>
-          <a:prstGeom prst="straightConnector1">
-            <a:avLst/>
-          </a:prstGeom>
-          <a:ln w="19050">
-            <a:solidFill>
-              <a:srgbClr val="0070C0"/>
-            </a:solidFill>
-            <a:prstDash val="sysDash"/>
-            <a:headEnd type="arrow" w="med" len="med"/>
-            <a:tailEnd type="none" w="med" len="med"/>
-          </a:ln>
-        </p:spPr>
-        <p:style>
-          <a:lnRef idx="1">
-            <a:schemeClr val="accent1"/>
-          </a:lnRef>
-          <a:fillRef idx="0">
-            <a:schemeClr val="accent1"/>
-          </a:fillRef>
-          <a:effectRef idx="0">
-            <a:schemeClr val="accent1"/>
-          </a:effectRef>
-          <a:fontRef idx="minor">
-            <a:schemeClr val="tx1"/>
-          </a:fontRef>
-        </p:style>
-      </p:cxnSp>
-      <p:sp>
-        <p:nvSpPr>
-          <p:cNvPr id="88" name="TextBox 87">
-            <a:extLst>
-              <a:ext uri="{FF2B5EF4-FFF2-40B4-BE49-F238E27FC236}">
-                <a16:creationId xmlns:a16="http://schemas.microsoft.com/office/drawing/2014/main" xmlns="" id="{B85C6184-7378-4E89-A338-72B1E5056F4F}"/>
-              </a:ext>
-            </a:extLst>
-          </p:cNvPr>
-          <p:cNvSpPr txBox="1"/>
-          <p:nvPr/>
-        </p:nvSpPr>
-        <p:spPr>
-          <a:xfrm>
-            <a:off x="9753600" y="3336590"/>
-            <a:ext cx="1576367" cy="169277"/>
-          </a:xfrm>
-          <a:prstGeom prst="rect">
-            <a:avLst/>
-          </a:prstGeom>
-          <a:noFill/>
         </p:spPr>
         <p:txBody>
           <a:bodyPr wrap="square" lIns="0" tIns="0" rIns="0" bIns="0" rtlCol="0">
@@ -4870,46 +4969,708 @@
                   <a:srgbClr val="7030A0"/>
                 </a:solidFill>
               </a:rPr>
-              <a:t>getTableFromNumber(</a:t>
-            </a:r>
-            <a:r>
-              <a:rPr lang="en-US" sz="1100" i="1" dirty="0" smtClean="0">
+              <a:t>getTables()</a:t>
+            </a:r>
+            <a:endParaRPr lang="en-US" sz="1100" dirty="0">
+              <a:solidFill>
+                <a:schemeClr val="accent4">
+                  <a:lumMod val="75000"/>
+                </a:schemeClr>
+              </a:solidFill>
+            </a:endParaRPr>
+          </a:p>
+        </p:txBody>
+      </p:sp>
+      <p:cxnSp>
+        <p:nvCxnSpPr>
+          <p:cNvPr id="52" name="Straight Arrow Connector 51"/>
+          <p:cNvCxnSpPr>
+            <a:cxnSpLocks/>
+          </p:cNvCxnSpPr>
+          <p:nvPr/>
+        </p:nvCxnSpPr>
+        <p:spPr>
+          <a:xfrm>
+            <a:off x="9767276" y="3472082"/>
+            <a:ext cx="923068" cy="0"/>
+          </a:xfrm>
+          <a:prstGeom prst="straightConnector1">
+            <a:avLst/>
+          </a:prstGeom>
+          <a:ln w="19050">
+            <a:solidFill>
+              <a:srgbClr val="7030A0"/>
+            </a:solidFill>
+            <a:tailEnd type="arrow"/>
+          </a:ln>
+        </p:spPr>
+        <p:style>
+          <a:lnRef idx="1">
+            <a:schemeClr val="accent1"/>
+          </a:lnRef>
+          <a:fillRef idx="0">
+            <a:schemeClr val="accent1"/>
+          </a:fillRef>
+          <a:effectRef idx="0">
+            <a:schemeClr val="accent1"/>
+          </a:effectRef>
+          <a:fontRef idx="minor">
+            <a:schemeClr val="tx1"/>
+          </a:fontRef>
+        </p:style>
+      </p:cxnSp>
+      <p:cxnSp>
+        <p:nvCxnSpPr>
+          <p:cNvPr id="60" name="Straight Arrow Connector 59">
+            <a:extLst>
+              <a:ext uri="{FF2B5EF4-FFF2-40B4-BE49-F238E27FC236}">
+                <a16:creationId xmlns="" xmlns:a16="http://schemas.microsoft.com/office/drawing/2014/main" id="{7C9F21BC-13A9-471F-825A-2621FD36355F}"/>
+              </a:ext>
+            </a:extLst>
+          </p:cNvPr>
+          <p:cNvCxnSpPr>
+            <a:cxnSpLocks/>
+          </p:cNvCxnSpPr>
+          <p:nvPr/>
+        </p:nvCxnSpPr>
+        <p:spPr>
+          <a:xfrm>
+            <a:off x="10843159" y="3818373"/>
+            <a:ext cx="1509517" cy="9352"/>
+          </a:xfrm>
+          <a:prstGeom prst="straightConnector1">
+            <a:avLst/>
+          </a:prstGeom>
+          <a:ln w="19050">
+            <a:solidFill>
+              <a:srgbClr val="7030A0"/>
+            </a:solidFill>
+            <a:prstDash val="sysDash"/>
+            <a:headEnd type="arrow" w="med" len="med"/>
+            <a:tailEnd type="none" w="med" len="med"/>
+          </a:ln>
+        </p:spPr>
+        <p:style>
+          <a:lnRef idx="1">
+            <a:schemeClr val="accent1"/>
+          </a:lnRef>
+          <a:fillRef idx="0">
+            <a:schemeClr val="accent1"/>
+          </a:fillRef>
+          <a:effectRef idx="0">
+            <a:schemeClr val="accent1"/>
+          </a:effectRef>
+          <a:fontRef idx="minor">
+            <a:schemeClr val="tx1"/>
+          </a:fontRef>
+        </p:style>
+      </p:cxnSp>
+      <p:cxnSp>
+        <p:nvCxnSpPr>
+          <p:cNvPr id="63" name="Straight Arrow Connector 62">
+            <a:extLst>
+              <a:ext uri="{FF2B5EF4-FFF2-40B4-BE49-F238E27FC236}">
+                <a16:creationId xmlns="" xmlns:a16="http://schemas.microsoft.com/office/drawing/2014/main" id="{7C9F21BC-13A9-471F-825A-2621FD36355F}"/>
+              </a:ext>
+            </a:extLst>
+          </p:cNvPr>
+          <p:cNvCxnSpPr>
+            <a:cxnSpLocks/>
+          </p:cNvCxnSpPr>
+          <p:nvPr/>
+        </p:nvCxnSpPr>
+        <p:spPr>
+          <a:xfrm>
+            <a:off x="7327769" y="4110960"/>
+            <a:ext cx="2393815" cy="0"/>
+          </a:xfrm>
+          <a:prstGeom prst="straightConnector1">
+            <a:avLst/>
+          </a:prstGeom>
+          <a:ln w="19050">
+            <a:solidFill>
+              <a:srgbClr val="7030A0"/>
+            </a:solidFill>
+            <a:prstDash val="sysDash"/>
+            <a:headEnd type="arrow" w="med" len="med"/>
+            <a:tailEnd type="none" w="med" len="med"/>
+          </a:ln>
+        </p:spPr>
+        <p:style>
+          <a:lnRef idx="1">
+            <a:schemeClr val="accent1"/>
+          </a:lnRef>
+          <a:fillRef idx="0">
+            <a:schemeClr val="accent1"/>
+          </a:fillRef>
+          <a:effectRef idx="0">
+            <a:schemeClr val="accent1"/>
+          </a:effectRef>
+          <a:fontRef idx="minor">
+            <a:schemeClr val="tx1"/>
+          </a:fontRef>
+        </p:style>
+      </p:cxnSp>
+      <p:sp>
+        <p:nvSpPr>
+          <p:cNvPr id="44" name="Rectangle 62"/>
+          <p:cNvSpPr/>
+          <p:nvPr/>
+        </p:nvSpPr>
+        <p:spPr>
+          <a:xfrm>
+            <a:off x="131548" y="521470"/>
+            <a:ext cx="1236883" cy="335666"/>
+          </a:xfrm>
+          <a:prstGeom prst="rect">
+            <a:avLst/>
+          </a:prstGeom>
+          <a:solidFill>
+            <a:srgbClr val="00B050"/>
+          </a:solidFill>
+          <a:ln w="19050">
+            <a:solidFill>
+              <a:srgbClr val="00B050"/>
+            </a:solidFill>
+          </a:ln>
+          <a:effectLst/>
+        </p:spPr>
+        <p:style>
+          <a:lnRef idx="1">
+            <a:schemeClr val="accent2"/>
+          </a:lnRef>
+          <a:fillRef idx="2">
+            <a:schemeClr val="accent2"/>
+          </a:fillRef>
+          <a:effectRef idx="1">
+            <a:schemeClr val="accent2"/>
+          </a:effectRef>
+          <a:fontRef idx="minor">
+            <a:schemeClr val="dk1"/>
+          </a:fontRef>
+        </p:style>
+        <p:txBody>
+          <a:bodyPr rtlCol="0" anchor="ctr"/>
+          <a:lstStyle/>
+          <a:p>
+            <a:pPr algn="ctr"/>
+            <a:r>
+              <a:rPr lang="en-US" sz="1200" dirty="0" smtClean="0">
                 <a:solidFill>
-                  <a:srgbClr val="7030A0"/>
+                  <a:schemeClr val="bg1"/>
                 </a:solidFill>
               </a:rPr>
-              <a:t>3</a:t>
-            </a:r>
+              <a:t>:MainWindow</a:t>
+            </a:r>
+            <a:endParaRPr lang="en-SG" sz="1200" dirty="0">
+              <a:solidFill>
+                <a:schemeClr val="bg1"/>
+              </a:solidFill>
+            </a:endParaRPr>
+          </a:p>
+        </p:txBody>
+      </p:sp>
+      <p:cxnSp>
+        <p:nvCxnSpPr>
+          <p:cNvPr id="47" name="Straight Arrow Connector 46"/>
+          <p:cNvCxnSpPr/>
+          <p:nvPr/>
+        </p:nvCxnSpPr>
+        <p:spPr>
+          <a:xfrm>
+            <a:off x="-1524000" y="1173960"/>
+            <a:ext cx="2197789" cy="0"/>
+          </a:xfrm>
+          <a:prstGeom prst="straightConnector1">
+            <a:avLst/>
+          </a:prstGeom>
+          <a:ln w="19050">
+            <a:solidFill>
+              <a:srgbClr val="00B050"/>
+            </a:solidFill>
+            <a:tailEnd type="arrow"/>
+          </a:ln>
+        </p:spPr>
+        <p:style>
+          <a:lnRef idx="1">
+            <a:schemeClr val="accent1"/>
+          </a:lnRef>
+          <a:fillRef idx="0">
+            <a:schemeClr val="accent1"/>
+          </a:fillRef>
+          <a:effectRef idx="0">
+            <a:schemeClr val="accent1"/>
+          </a:effectRef>
+          <a:fontRef idx="minor">
+            <a:schemeClr val="tx1"/>
+          </a:fontRef>
+        </p:style>
+      </p:cxnSp>
+      <p:cxnSp>
+        <p:nvCxnSpPr>
+          <p:cNvPr id="48" name="Straight Connector 47"/>
+          <p:cNvCxnSpPr>
+            <a:cxnSpLocks/>
+          </p:cNvCxnSpPr>
+          <p:nvPr/>
+        </p:nvCxnSpPr>
+        <p:spPr>
+          <a:xfrm>
+            <a:off x="774021" y="878348"/>
+            <a:ext cx="0" cy="9346597"/>
+          </a:xfrm>
+          <a:prstGeom prst="line">
+            <a:avLst/>
+          </a:prstGeom>
+          <a:ln w="19050">
+            <a:solidFill>
+              <a:srgbClr val="00B050"/>
+            </a:solidFill>
+            <a:prstDash val="sysDash"/>
+          </a:ln>
+          <a:effectLst/>
+        </p:spPr>
+        <p:style>
+          <a:lnRef idx="1">
+            <a:schemeClr val="accent1"/>
+          </a:lnRef>
+          <a:fillRef idx="2">
+            <a:schemeClr val="accent1"/>
+          </a:fillRef>
+          <a:effectRef idx="1">
+            <a:schemeClr val="accent1"/>
+          </a:effectRef>
+          <a:fontRef idx="minor">
+            <a:schemeClr val="dk1"/>
+          </a:fontRef>
+        </p:style>
+      </p:cxnSp>
+      <p:sp>
+        <p:nvSpPr>
+          <p:cNvPr id="51" name="TextBox 50"/>
+          <p:cNvSpPr txBox="1"/>
+          <p:nvPr/>
+        </p:nvSpPr>
+        <p:spPr>
+          <a:xfrm>
+            <a:off x="-1576354" y="937526"/>
+            <a:ext cx="2229424" cy="169277"/>
+          </a:xfrm>
+          <a:prstGeom prst="rect">
+            <a:avLst/>
+          </a:prstGeom>
+          <a:noFill/>
+        </p:spPr>
+        <p:txBody>
+          <a:bodyPr wrap="square" lIns="0" tIns="0" rIns="0" bIns="0" rtlCol="0">
+            <a:spAutoFit/>
+          </a:bodyPr>
+          <a:lstStyle/>
+          <a:p>
+            <a:pPr algn="r"/>
             <a:r>
               <a:rPr lang="en-US" sz="1100" dirty="0" smtClean="0">
                 <a:solidFill>
-                  <a:srgbClr val="7030A0"/>
+                  <a:srgbClr val="00B050"/>
                 </a:solidFill>
               </a:rPr>
-              <a:t>)</a:t>
-            </a:r>
-            <a:endParaRPr lang="en-US" sz="1100" dirty="0"/>
-          </a:p>
-        </p:txBody>
-      </p:sp>
-      <p:sp>
-        <p:nvSpPr>
-          <p:cNvPr id="41" name="TextBox 40"/>
-          <p:cNvSpPr txBox="1"/>
-          <p:nvPr/>
-        </p:nvSpPr>
-        <p:spPr>
-          <a:xfrm>
-            <a:off x="8686800" y="3237971"/>
-            <a:ext cx="837100" cy="169277"/>
+              <a:t>executeCommand(“tableMode 3”)</a:t>
+            </a:r>
+            <a:endParaRPr lang="en-US" sz="1100" dirty="0">
+              <a:solidFill>
+                <a:srgbClr val="00B050"/>
+              </a:solidFill>
+            </a:endParaRPr>
+          </a:p>
+        </p:txBody>
+      </p:sp>
+      <p:sp>
+        <p:nvSpPr>
+          <p:cNvPr id="53" name="Rectangle 52"/>
+          <p:cNvSpPr/>
+          <p:nvPr/>
+        </p:nvSpPr>
+        <p:spPr>
+          <a:xfrm>
+            <a:off x="673788" y="1173959"/>
+            <a:ext cx="196861" cy="8808240"/>
           </a:xfrm>
           <a:prstGeom prst="rect">
             <a:avLst/>
           </a:prstGeom>
-          <a:noFill/>
+          <a:solidFill>
+            <a:srgbClr val="00B050"/>
+          </a:solidFill>
           <a:ln>
             <a:noFill/>
           </a:ln>
+          <a:effectLst/>
+        </p:spPr>
+        <p:style>
+          <a:lnRef idx="1">
+            <a:schemeClr val="accent3"/>
+          </a:lnRef>
+          <a:fillRef idx="2">
+            <a:schemeClr val="accent3"/>
+          </a:fillRef>
+          <a:effectRef idx="1">
+            <a:schemeClr val="accent3"/>
+          </a:effectRef>
+          <a:fontRef idx="minor">
+            <a:schemeClr val="dk1"/>
+          </a:fontRef>
+        </p:style>
+        <p:txBody>
+          <a:bodyPr rtlCol="0" anchor="ctr"/>
+          <a:lstStyle/>
+          <a:p>
+            <a:pPr algn="ctr"/>
+            <a:endParaRPr lang="en-SG" sz="1400"/>
+          </a:p>
+        </p:txBody>
+      </p:sp>
+      <p:cxnSp>
+        <p:nvCxnSpPr>
+          <p:cNvPr id="64" name="Straight Connector 63"/>
+          <p:cNvCxnSpPr>
+            <a:cxnSpLocks/>
+          </p:cNvCxnSpPr>
+          <p:nvPr/>
+        </p:nvCxnSpPr>
+        <p:spPr>
+          <a:xfrm>
+            <a:off x="6148655" y="1812100"/>
+            <a:ext cx="790" cy="1163244"/>
+          </a:xfrm>
+          <a:prstGeom prst="line">
+            <a:avLst/>
+          </a:prstGeom>
+          <a:ln w="19050">
+            <a:solidFill>
+              <a:srgbClr val="0070C0"/>
+            </a:solidFill>
+            <a:prstDash val="sysDash"/>
+          </a:ln>
+          <a:effectLst/>
+        </p:spPr>
+        <p:style>
+          <a:lnRef idx="1">
+            <a:schemeClr val="accent1"/>
+          </a:lnRef>
+          <a:fillRef idx="2">
+            <a:schemeClr val="accent1"/>
+          </a:fillRef>
+          <a:effectRef idx="1">
+            <a:schemeClr val="accent1"/>
+          </a:effectRef>
+          <a:fontRef idx="minor">
+            <a:schemeClr val="dk1"/>
+          </a:fontRef>
+        </p:style>
+      </p:cxnSp>
+      <p:sp>
+        <p:nvSpPr>
+          <p:cNvPr id="68" name="Rectangle 67"/>
+          <p:cNvSpPr/>
+          <p:nvPr/>
+        </p:nvSpPr>
+        <p:spPr>
+          <a:xfrm>
+            <a:off x="6074570" y="1770294"/>
+            <a:ext cx="148170" cy="135499"/>
+          </a:xfrm>
+          <a:prstGeom prst="rect">
+            <a:avLst/>
+          </a:prstGeom>
+          <a:solidFill>
+            <a:srgbClr val="0070C0"/>
+          </a:solidFill>
+          <a:ln>
+            <a:solidFill>
+              <a:srgbClr val="0070C0"/>
+            </a:solidFill>
+          </a:ln>
+          <a:effectLst/>
+        </p:spPr>
+        <p:style>
+          <a:lnRef idx="1">
+            <a:schemeClr val="accent3"/>
+          </a:lnRef>
+          <a:fillRef idx="2">
+            <a:schemeClr val="accent3"/>
+          </a:fillRef>
+          <a:effectRef idx="1">
+            <a:schemeClr val="accent3"/>
+          </a:effectRef>
+          <a:fontRef idx="minor">
+            <a:schemeClr val="dk1"/>
+          </a:fontRef>
+        </p:style>
+        <p:txBody>
+          <a:bodyPr rtlCol="0" anchor="ctr"/>
+          <a:lstStyle/>
+          <a:p>
+            <a:pPr algn="ctr"/>
+            <a:endParaRPr lang="en-SG" sz="1400"/>
+          </a:p>
+        </p:txBody>
+      </p:sp>
+      <p:cxnSp>
+        <p:nvCxnSpPr>
+          <p:cNvPr id="70" name="Straight Arrow Connector 69"/>
+          <p:cNvCxnSpPr>
+            <a:endCxn id="78" idx="1"/>
+          </p:cNvCxnSpPr>
+          <p:nvPr/>
+        </p:nvCxnSpPr>
+        <p:spPr>
+          <a:xfrm>
+            <a:off x="6222740" y="2193988"/>
+            <a:ext cx="461673" cy="0"/>
+          </a:xfrm>
+          <a:prstGeom prst="straightConnector1">
+            <a:avLst/>
+          </a:prstGeom>
+          <a:ln w="19050">
+            <a:solidFill>
+              <a:srgbClr val="0070C0"/>
+            </a:solidFill>
+            <a:tailEnd type="arrow"/>
+          </a:ln>
+        </p:spPr>
+        <p:style>
+          <a:lnRef idx="1">
+            <a:schemeClr val="accent1"/>
+          </a:lnRef>
+          <a:fillRef idx="0">
+            <a:schemeClr val="accent1"/>
+          </a:fillRef>
+          <a:effectRef idx="0">
+            <a:schemeClr val="accent1"/>
+          </a:effectRef>
+          <a:fontRef idx="minor">
+            <a:schemeClr val="tx1"/>
+          </a:fontRef>
+        </p:style>
+      </p:cxnSp>
+      <p:sp>
+        <p:nvSpPr>
+          <p:cNvPr id="62" name="Rectangle 62"/>
+          <p:cNvSpPr/>
+          <p:nvPr/>
+        </p:nvSpPr>
+        <p:spPr>
+          <a:xfrm>
+            <a:off x="5539756" y="1422604"/>
+            <a:ext cx="1254645" cy="369236"/>
+          </a:xfrm>
+          <a:prstGeom prst="rect">
+            <a:avLst/>
+          </a:prstGeom>
+          <a:solidFill>
+            <a:srgbClr val="0070C0"/>
+          </a:solidFill>
+          <a:ln w="19050">
+            <a:solidFill>
+              <a:srgbClr val="0070C0"/>
+            </a:solidFill>
+          </a:ln>
+          <a:effectLst/>
+        </p:spPr>
+        <p:style>
+          <a:lnRef idx="1">
+            <a:schemeClr val="accent2"/>
+          </a:lnRef>
+          <a:fillRef idx="2">
+            <a:schemeClr val="accent2"/>
+          </a:fillRef>
+          <a:effectRef idx="1">
+            <a:schemeClr val="accent2"/>
+          </a:effectRef>
+          <a:fontRef idx="minor">
+            <a:schemeClr val="dk1"/>
+          </a:fontRef>
+        </p:style>
+        <p:txBody>
+          <a:bodyPr rtlCol="0" anchor="ctr"/>
+          <a:lstStyle/>
+          <a:p>
+            <a:pPr algn="ctr"/>
+            <a:r>
+              <a:rPr lang="en-US" sz="1200" dirty="0" smtClean="0">
+                <a:solidFill>
+                  <a:schemeClr val="bg1"/>
+                </a:solidFill>
+              </a:rPr>
+              <a:t>:TableMode</a:t>
+            </a:r>
+            <a:r>
+              <a:rPr lang="en-US" sz="1200" smtClean="0">
+                <a:solidFill>
+                  <a:schemeClr val="bg1"/>
+                </a:solidFill>
+              </a:rPr>
+              <a:t/>
+            </a:r>
+            <a:br>
+              <a:rPr lang="en-US" sz="1200" smtClean="0">
+                <a:solidFill>
+                  <a:schemeClr val="bg1"/>
+                </a:solidFill>
+              </a:rPr>
+            </a:br>
+            <a:r>
+              <a:rPr lang="en-US" sz="1200" smtClean="0">
+                <a:solidFill>
+                  <a:schemeClr val="bg1"/>
+                </a:solidFill>
+              </a:rPr>
+              <a:t>CommandParser</a:t>
+            </a:r>
+            <a:endParaRPr lang="en-SG" sz="1200" dirty="0">
+              <a:solidFill>
+                <a:schemeClr val="bg1"/>
+              </a:solidFill>
+            </a:endParaRPr>
+          </a:p>
+        </p:txBody>
+      </p:sp>
+      <p:cxnSp>
+        <p:nvCxnSpPr>
+          <p:cNvPr id="71" name="Straight Arrow Connector 70"/>
+          <p:cNvCxnSpPr/>
+          <p:nvPr/>
+        </p:nvCxnSpPr>
+        <p:spPr>
+          <a:xfrm>
+            <a:off x="4953000" y="1905793"/>
+            <a:ext cx="1181928" cy="0"/>
+          </a:xfrm>
+          <a:prstGeom prst="straightConnector1">
+            <a:avLst/>
+          </a:prstGeom>
+          <a:ln w="19050">
+            <a:solidFill>
+              <a:srgbClr val="0070C0"/>
+            </a:solidFill>
+            <a:prstDash val="sysDash"/>
+            <a:headEnd type="arrow" w="med" len="med"/>
+            <a:tailEnd type="none" w="med" len="med"/>
+          </a:ln>
+        </p:spPr>
+        <p:style>
+          <a:lnRef idx="1">
+            <a:schemeClr val="accent1"/>
+          </a:lnRef>
+          <a:fillRef idx="0">
+            <a:schemeClr val="accent1"/>
+          </a:fillRef>
+          <a:effectRef idx="0">
+            <a:schemeClr val="accent1"/>
+          </a:effectRef>
+          <a:fontRef idx="minor">
+            <a:schemeClr val="tx1"/>
+          </a:fontRef>
+        </p:style>
+      </p:cxnSp>
+      <p:cxnSp>
+        <p:nvCxnSpPr>
+          <p:cNvPr id="73" name="Straight Arrow Connector 72"/>
+          <p:cNvCxnSpPr/>
+          <p:nvPr/>
+        </p:nvCxnSpPr>
+        <p:spPr>
+          <a:xfrm flipV="1">
+            <a:off x="4953000" y="2090410"/>
+            <a:ext cx="1118451" cy="1"/>
+          </a:xfrm>
+          <a:prstGeom prst="straightConnector1">
+            <a:avLst/>
+          </a:prstGeom>
+          <a:ln w="19050">
+            <a:solidFill>
+              <a:srgbClr val="0070C0"/>
+            </a:solidFill>
+            <a:tailEnd type="arrow"/>
+          </a:ln>
+        </p:spPr>
+        <p:style>
+          <a:lnRef idx="1">
+            <a:schemeClr val="accent1"/>
+          </a:lnRef>
+          <a:fillRef idx="0">
+            <a:schemeClr val="accent1"/>
+          </a:fillRef>
+          <a:effectRef idx="0">
+            <a:schemeClr val="accent1"/>
+          </a:effectRef>
+          <a:fontRef idx="minor">
+            <a:schemeClr val="tx1"/>
+          </a:fontRef>
+        </p:style>
+      </p:cxnSp>
+      <p:sp>
+        <p:nvSpPr>
+          <p:cNvPr id="74" name="Rectangle 73"/>
+          <p:cNvSpPr/>
+          <p:nvPr/>
+        </p:nvSpPr>
+        <p:spPr>
+          <a:xfrm>
+            <a:off x="6074570" y="2085731"/>
+            <a:ext cx="136698" cy="613784"/>
+          </a:xfrm>
+          <a:prstGeom prst="rect">
+            <a:avLst/>
+          </a:prstGeom>
+          <a:solidFill>
+            <a:srgbClr val="0070C0"/>
+          </a:solidFill>
+          <a:ln>
+            <a:solidFill>
+              <a:srgbClr val="0070C0"/>
+            </a:solidFill>
+          </a:ln>
+          <a:effectLst/>
+        </p:spPr>
+        <p:style>
+          <a:lnRef idx="1">
+            <a:schemeClr val="accent3"/>
+          </a:lnRef>
+          <a:fillRef idx="2">
+            <a:schemeClr val="accent3"/>
+          </a:fillRef>
+          <a:effectRef idx="1">
+            <a:schemeClr val="accent3"/>
+          </a:effectRef>
+          <a:fontRef idx="minor">
+            <a:schemeClr val="dk1"/>
+          </a:fontRef>
+        </p:style>
+        <p:txBody>
+          <a:bodyPr rtlCol="0" anchor="ctr"/>
+          <a:lstStyle/>
+          <a:p>
+            <a:pPr algn="ctr"/>
+            <a:endParaRPr lang="en-SG" sz="1400"/>
+          </a:p>
+        </p:txBody>
+      </p:sp>
+      <p:sp>
+        <p:nvSpPr>
+          <p:cNvPr id="77" name="TextBox 76"/>
+          <p:cNvSpPr txBox="1"/>
+          <p:nvPr/>
+        </p:nvSpPr>
+        <p:spPr>
+          <a:xfrm>
+            <a:off x="5233086" y="1902033"/>
+            <a:ext cx="737148" cy="169277"/>
+          </a:xfrm>
+          <a:prstGeom prst="rect">
+            <a:avLst/>
+          </a:prstGeom>
+          <a:noFill/>
         </p:spPr>
         <p:txBody>
           <a:bodyPr wrap="square" lIns="0" tIns="0" rIns="0" bIns="0" rtlCol="0">
@@ -4929,213 +5690,33 @@
           </a:lstStyle>
           <a:p>
             <a:r>
-              <a:rPr lang="en-US" sz="1100" dirty="0" smtClean="0">
-                <a:solidFill>
-                  <a:srgbClr val="7030A0"/>
-                </a:solidFill>
-              </a:rPr>
-              <a:t>getTables()</a:t>
-            </a:r>
-            <a:endParaRPr lang="en-US" sz="1100" dirty="0">
-              <a:solidFill>
-                <a:schemeClr val="accent4">
-                  <a:lumMod val="75000"/>
-                </a:schemeClr>
-              </a:solidFill>
-            </a:endParaRPr>
-          </a:p>
-        </p:txBody>
-      </p:sp>
-      <p:cxnSp>
-        <p:nvCxnSpPr>
-          <p:cNvPr id="13" name="Curved Connector 12"/>
-          <p:cNvCxnSpPr/>
-          <p:nvPr/>
-        </p:nvCxnSpPr>
-        <p:spPr>
-          <a:xfrm rot="16200000" flipH="1">
-            <a:off x="7204702" y="5983962"/>
-            <a:ext cx="156923" cy="76200"/>
-          </a:xfrm>
-          <a:prstGeom prst="curvedConnector4">
-            <a:avLst>
-              <a:gd name="adj1" fmla="val -1"/>
-              <a:gd name="adj2" fmla="val 337387"/>
-            </a:avLst>
-          </a:prstGeom>
+              <a:rPr lang="en-US" sz="1100" dirty="0" smtClean="0"/>
+              <a:t>parse(”3”)</a:t>
+            </a:r>
+            <a:endParaRPr lang="en-US" sz="1100" dirty="0"/>
+          </a:p>
+        </p:txBody>
+      </p:sp>
+      <p:sp>
+        <p:nvSpPr>
+          <p:cNvPr id="78" name="Rectangle 62"/>
+          <p:cNvSpPr/>
+          <p:nvPr/>
+        </p:nvSpPr>
+        <p:spPr>
+          <a:xfrm>
+            <a:off x="6684413" y="2009370"/>
+            <a:ext cx="1108966" cy="369236"/>
+          </a:xfrm>
+          <a:prstGeom prst="rect">
+            <a:avLst/>
+          </a:prstGeom>
+          <a:solidFill>
+            <a:srgbClr val="0070C0"/>
+          </a:solidFill>
           <a:ln w="19050">
             <a:solidFill>
               <a:srgbClr val="0070C0"/>
-            </a:solidFill>
-            <a:tailEnd type="triangle"/>
-          </a:ln>
-        </p:spPr>
-        <p:style>
-          <a:lnRef idx="1">
-            <a:schemeClr val="accent1"/>
-          </a:lnRef>
-          <a:fillRef idx="0">
-            <a:schemeClr val="accent1"/>
-          </a:fillRef>
-          <a:effectRef idx="0">
-            <a:schemeClr val="accent1"/>
-          </a:effectRef>
-          <a:fontRef idx="minor">
-            <a:schemeClr val="tx1"/>
-          </a:fontRef>
-        </p:style>
-      </p:cxnSp>
-      <p:cxnSp>
-        <p:nvCxnSpPr>
-          <p:cNvPr id="52" name="Straight Arrow Connector 51"/>
-          <p:cNvCxnSpPr>
-            <a:cxnSpLocks/>
-          </p:cNvCxnSpPr>
-          <p:nvPr/>
-        </p:nvCxnSpPr>
-        <p:spPr>
-          <a:xfrm>
-            <a:off x="8686800" y="3444785"/>
-            <a:ext cx="923068" cy="0"/>
-          </a:xfrm>
-          <a:prstGeom prst="straightConnector1">
-            <a:avLst/>
-          </a:prstGeom>
-          <a:ln w="19050">
-            <a:solidFill>
-              <a:srgbClr val="7030A0"/>
-            </a:solidFill>
-            <a:tailEnd type="arrow"/>
-          </a:ln>
-        </p:spPr>
-        <p:style>
-          <a:lnRef idx="1">
-            <a:schemeClr val="accent1"/>
-          </a:lnRef>
-          <a:fillRef idx="0">
-            <a:schemeClr val="accent1"/>
-          </a:fillRef>
-          <a:effectRef idx="0">
-            <a:schemeClr val="accent1"/>
-          </a:effectRef>
-          <a:fontRef idx="minor">
-            <a:schemeClr val="tx1"/>
-          </a:fontRef>
-        </p:style>
-      </p:cxnSp>
-      <p:cxnSp>
-        <p:nvCxnSpPr>
-          <p:cNvPr id="60" name="Straight Arrow Connector 59">
-            <a:extLst>
-              <a:ext uri="{FF2B5EF4-FFF2-40B4-BE49-F238E27FC236}">
-                <a16:creationId xmlns:a16="http://schemas.microsoft.com/office/drawing/2014/main" xmlns="" id="{7C9F21BC-13A9-471F-825A-2621FD36355F}"/>
-              </a:ext>
-            </a:extLst>
-          </p:cNvPr>
-          <p:cNvCxnSpPr>
-            <a:cxnSpLocks/>
-          </p:cNvCxnSpPr>
-          <p:nvPr/>
-        </p:nvCxnSpPr>
-        <p:spPr>
-          <a:xfrm>
-            <a:off x="9762683" y="3791076"/>
-            <a:ext cx="1509517" cy="9352"/>
-          </a:xfrm>
-          <a:prstGeom prst="straightConnector1">
-            <a:avLst/>
-          </a:prstGeom>
-          <a:ln w="19050">
-            <a:solidFill>
-              <a:srgbClr val="7030A0"/>
-            </a:solidFill>
-            <a:prstDash val="sysDash"/>
-            <a:headEnd type="arrow" w="med" len="med"/>
-            <a:tailEnd type="none" w="med" len="med"/>
-          </a:ln>
-        </p:spPr>
-        <p:style>
-          <a:lnRef idx="1">
-            <a:schemeClr val="accent1"/>
-          </a:lnRef>
-          <a:fillRef idx="0">
-            <a:schemeClr val="accent1"/>
-          </a:fillRef>
-          <a:effectRef idx="0">
-            <a:schemeClr val="accent1"/>
-          </a:effectRef>
-          <a:fontRef idx="minor">
-            <a:schemeClr val="tx1"/>
-          </a:fontRef>
-        </p:style>
-      </p:cxnSp>
-      <p:cxnSp>
-        <p:nvCxnSpPr>
-          <p:cNvPr id="63" name="Straight Arrow Connector 62">
-            <a:extLst>
-              <a:ext uri="{FF2B5EF4-FFF2-40B4-BE49-F238E27FC236}">
-                <a16:creationId xmlns:a16="http://schemas.microsoft.com/office/drawing/2014/main" xmlns="" id="{7C9F21BC-13A9-471F-825A-2621FD36355F}"/>
-              </a:ext>
-            </a:extLst>
-          </p:cNvPr>
-          <p:cNvCxnSpPr>
-            <a:cxnSpLocks/>
-            <a:endCxn id="49" idx="2"/>
-          </p:cNvCxnSpPr>
-          <p:nvPr/>
-        </p:nvCxnSpPr>
-        <p:spPr>
-          <a:xfrm>
-            <a:off x="7335139" y="4087384"/>
-            <a:ext cx="1296056" cy="0"/>
-          </a:xfrm>
-          <a:prstGeom prst="straightConnector1">
-            <a:avLst/>
-          </a:prstGeom>
-          <a:ln w="19050">
-            <a:solidFill>
-              <a:srgbClr val="7030A0"/>
-            </a:solidFill>
-            <a:prstDash val="sysDash"/>
-            <a:headEnd type="arrow" w="med" len="med"/>
-            <a:tailEnd type="none" w="med" len="med"/>
-          </a:ln>
-        </p:spPr>
-        <p:style>
-          <a:lnRef idx="1">
-            <a:schemeClr val="accent1"/>
-          </a:lnRef>
-          <a:fillRef idx="0">
-            <a:schemeClr val="accent1"/>
-          </a:fillRef>
-          <a:effectRef idx="0">
-            <a:schemeClr val="accent1"/>
-          </a:effectRef>
-          <a:fontRef idx="minor">
-            <a:schemeClr val="tx1"/>
-          </a:fontRef>
-        </p:style>
-      </p:cxnSp>
-      <p:sp>
-        <p:nvSpPr>
-          <p:cNvPr id="44" name="Rectangle 62"/>
-          <p:cNvSpPr/>
-          <p:nvPr/>
-        </p:nvSpPr>
-        <p:spPr>
-          <a:xfrm>
-            <a:off x="131548" y="521470"/>
-            <a:ext cx="1236883" cy="335666"/>
-          </a:xfrm>
-          <a:prstGeom prst="rect">
-            <a:avLst/>
-          </a:prstGeom>
-          <a:solidFill>
-            <a:srgbClr val="00B050"/>
-          </a:solidFill>
-          <a:ln w="19050">
-            <a:solidFill>
-              <a:srgbClr val="00B050"/>
             </a:solidFill>
           </a:ln>
           <a:effectLst/>
@@ -5160,12 +5741,35 @@
           <a:p>
             <a:pPr algn="ctr"/>
             <a:r>
+              <a:rPr lang="en-US" sz="1200" smtClean="0">
+                <a:solidFill>
+                  <a:schemeClr val="bg1"/>
+                </a:solidFill>
+              </a:rPr>
+              <a:t>tm:TableMode</a:t>
+            </a:r>
+            <a:r>
               <a:rPr lang="en-US" sz="1200" dirty="0" smtClean="0">
                 <a:solidFill>
                   <a:schemeClr val="bg1"/>
                 </a:solidFill>
               </a:rPr>
-              <a:t>:MainWindow</a:t>
+              <a:t/>
+            </a:r>
+            <a:br>
+              <a:rPr lang="en-US" sz="1200" dirty="0" smtClean="0">
+                <a:solidFill>
+                  <a:schemeClr val="bg1"/>
+                </a:solidFill>
+              </a:rPr>
+            </a:br>
+            <a:r>
+              <a:rPr lang="en-US" sz="1200" dirty="0" smtClean="0">
+                <a:solidFill>
+                  <a:schemeClr val="bg1"/>
+                </a:solidFill>
+              </a:rPr>
+              <a:t>Command</a:t>
             </a:r>
             <a:endParaRPr lang="en-SG" sz="1200" dirty="0">
               <a:solidFill>
@@ -5177,21 +5781,21 @@
       </p:sp>
       <p:cxnSp>
         <p:nvCxnSpPr>
-          <p:cNvPr id="47" name="Straight Arrow Connector 46"/>
+          <p:cNvPr id="85" name="Straight Arrow Connector 84"/>
           <p:cNvCxnSpPr/>
           <p:nvPr/>
         </p:nvCxnSpPr>
         <p:spPr>
           <a:xfrm>
-            <a:off x="-1524000" y="1173960"/>
-            <a:ext cx="2197789" cy="0"/>
+            <a:off x="4966726" y="1607222"/>
+            <a:ext cx="584697" cy="1"/>
           </a:xfrm>
           <a:prstGeom prst="straightConnector1">
             <a:avLst/>
           </a:prstGeom>
           <a:ln w="19050">
             <a:solidFill>
-              <a:srgbClr val="00B050"/>
+              <a:srgbClr val="0070C0"/>
             </a:solidFill>
             <a:tailEnd type="arrow"/>
           </a:ln>
@@ -5211,103 +5815,27 @@
           </a:fontRef>
         </p:style>
       </p:cxnSp>
-      <p:cxnSp>
-        <p:nvCxnSpPr>
-          <p:cNvPr id="48" name="Straight Connector 47"/>
-          <p:cNvCxnSpPr>
-            <a:cxnSpLocks/>
-          </p:cNvCxnSpPr>
-          <p:nvPr/>
-        </p:nvCxnSpPr>
-        <p:spPr>
-          <a:xfrm>
-            <a:off x="749989" y="863421"/>
-            <a:ext cx="33665" cy="6756578"/>
-          </a:xfrm>
-          <a:prstGeom prst="line">
-            <a:avLst/>
-          </a:prstGeom>
-          <a:ln w="19050">
-            <a:solidFill>
-              <a:srgbClr val="00B050"/>
-            </a:solidFill>
-            <a:prstDash val="sysDash"/>
-          </a:ln>
-          <a:effectLst/>
-        </p:spPr>
-        <p:style>
-          <a:lnRef idx="1">
-            <a:schemeClr val="accent1"/>
-          </a:lnRef>
-          <a:fillRef idx="2">
-            <a:schemeClr val="accent1"/>
-          </a:fillRef>
-          <a:effectRef idx="1">
-            <a:schemeClr val="accent1"/>
-          </a:effectRef>
-          <a:fontRef idx="minor">
-            <a:schemeClr val="dk1"/>
-          </a:fontRef>
-        </p:style>
-      </p:cxnSp>
-      <p:sp>
-        <p:nvSpPr>
-          <p:cNvPr id="51" name="TextBox 50"/>
-          <p:cNvSpPr txBox="1"/>
-          <p:nvPr/>
-        </p:nvSpPr>
-        <p:spPr>
-          <a:xfrm>
-            <a:off x="-1576354" y="937526"/>
-            <a:ext cx="2229424" cy="169277"/>
+      <p:sp>
+        <p:nvSpPr>
+          <p:cNvPr id="87" name="Rectangle 86"/>
+          <p:cNvSpPr/>
+          <p:nvPr/>
+        </p:nvSpPr>
+        <p:spPr>
+          <a:xfrm>
+            <a:off x="7159595" y="2366276"/>
+            <a:ext cx="148170" cy="135499"/>
           </a:xfrm>
           <a:prstGeom prst="rect">
             <a:avLst/>
           </a:prstGeom>
-          <a:noFill/>
-        </p:spPr>
-        <p:txBody>
-          <a:bodyPr wrap="square" lIns="0" tIns="0" rIns="0" bIns="0" rtlCol="0">
-            <a:spAutoFit/>
-          </a:bodyPr>
-          <a:lstStyle/>
-          <a:p>
-            <a:pPr algn="r"/>
-            <a:r>
-              <a:rPr lang="en-US" sz="1100" dirty="0" smtClean="0">
-                <a:solidFill>
-                  <a:srgbClr val="00B050"/>
-                </a:solidFill>
-              </a:rPr>
-              <a:t>executeCommand(“tableMode 3”)</a:t>
-            </a:r>
-            <a:endParaRPr lang="en-US" sz="1100" dirty="0">
-              <a:solidFill>
-                <a:srgbClr val="00B050"/>
-              </a:solidFill>
-            </a:endParaRPr>
-          </a:p>
-        </p:txBody>
-      </p:sp>
-      <p:sp>
-        <p:nvSpPr>
-          <p:cNvPr id="53" name="Rectangle 52"/>
-          <p:cNvSpPr/>
-          <p:nvPr/>
-        </p:nvSpPr>
-        <p:spPr>
-          <a:xfrm>
-            <a:off x="673789" y="1173960"/>
-            <a:ext cx="201278" cy="6293640"/>
-          </a:xfrm>
-          <a:prstGeom prst="rect">
-            <a:avLst/>
-          </a:prstGeom>
           <a:solidFill>
-            <a:srgbClr val="00B050"/>
+            <a:srgbClr val="0070C0"/>
           </a:solidFill>
           <a:ln>
-            <a:noFill/>
+            <a:solidFill>
+              <a:srgbClr val="0070C0"/>
+            </a:solidFill>
           </a:ln>
           <a:effectLst/>
         </p:spPr>
@@ -5336,7 +5864,7 @@
       </p:sp>
       <p:cxnSp>
         <p:nvCxnSpPr>
-          <p:cNvPr id="64" name="Straight Connector 63"/>
+          <p:cNvPr id="90" name="Straight Connector 89"/>
           <p:cNvCxnSpPr>
             <a:cxnSpLocks/>
           </p:cNvCxnSpPr>
@@ -5344,8 +5872,8 @@
         </p:nvCxnSpPr>
         <p:spPr>
           <a:xfrm>
-            <a:off x="6148655" y="1812100"/>
-            <a:ext cx="790" cy="1163244"/>
+            <a:off x="7240228" y="2464953"/>
+            <a:ext cx="34432" cy="3887817"/>
           </a:xfrm>
           <a:prstGeom prst="line">
             <a:avLst/>
@@ -5373,183 +5901,18 @@
           </a:fontRef>
         </p:style>
       </p:cxnSp>
-      <p:sp>
-        <p:nvSpPr>
-          <p:cNvPr id="68" name="Rectangle 67"/>
-          <p:cNvSpPr/>
-          <p:nvPr/>
-        </p:nvSpPr>
-        <p:spPr>
-          <a:xfrm>
-            <a:off x="6074570" y="1770294"/>
-            <a:ext cx="148170" cy="135499"/>
-          </a:xfrm>
-          <a:prstGeom prst="rect">
-            <a:avLst/>
-          </a:prstGeom>
-          <a:solidFill>
-            <a:srgbClr val="0070C0"/>
-          </a:solidFill>
-          <a:ln>
-            <a:solidFill>
-              <a:srgbClr val="0070C0"/>
-            </a:solidFill>
-          </a:ln>
-          <a:effectLst/>
-        </p:spPr>
-        <p:style>
-          <a:lnRef idx="1">
-            <a:schemeClr val="accent3"/>
-          </a:lnRef>
-          <a:fillRef idx="2">
-            <a:schemeClr val="accent3"/>
-          </a:fillRef>
-          <a:effectRef idx="1">
-            <a:schemeClr val="accent3"/>
-          </a:effectRef>
-          <a:fontRef idx="minor">
-            <a:schemeClr val="dk1"/>
-          </a:fontRef>
-        </p:style>
-        <p:txBody>
-          <a:bodyPr rtlCol="0" anchor="ctr"/>
-          <a:lstStyle/>
-          <a:p>
-            <a:pPr algn="ctr"/>
-            <a:endParaRPr lang="en-SG" sz="1400"/>
-          </a:p>
-        </p:txBody>
-      </p:sp>
       <p:cxnSp>
         <p:nvCxnSpPr>
-          <p:cNvPr id="70" name="Straight Arrow Connector 69"/>
+          <p:cNvPr id="91" name="Straight Arrow Connector 90"/>
           <p:cNvCxnSpPr>
-            <a:endCxn id="78" idx="1"/>
+            <a:endCxn id="87" idx="2"/>
           </p:cNvCxnSpPr>
           <p:nvPr/>
         </p:nvCxnSpPr>
         <p:spPr>
           <a:xfrm>
-            <a:off x="6222740" y="2193988"/>
-            <a:ext cx="461673" cy="0"/>
-          </a:xfrm>
-          <a:prstGeom prst="straightConnector1">
-            <a:avLst/>
-          </a:prstGeom>
-          <a:ln w="19050">
-            <a:solidFill>
-              <a:srgbClr val="0070C0"/>
-            </a:solidFill>
-            <a:tailEnd type="arrow"/>
-          </a:ln>
-        </p:spPr>
-        <p:style>
-          <a:lnRef idx="1">
-            <a:schemeClr val="accent1"/>
-          </a:lnRef>
-          <a:fillRef idx="0">
-            <a:schemeClr val="accent1"/>
-          </a:fillRef>
-          <a:effectRef idx="0">
-            <a:schemeClr val="accent1"/>
-          </a:effectRef>
-          <a:fontRef idx="minor">
-            <a:schemeClr val="tx1"/>
-          </a:fontRef>
-        </p:style>
-      </p:cxnSp>
-      <p:sp>
-        <p:nvSpPr>
-          <p:cNvPr id="62" name="Rectangle 62"/>
-          <p:cNvSpPr/>
-          <p:nvPr/>
-        </p:nvSpPr>
-        <p:spPr>
-          <a:xfrm>
-            <a:off x="5539756" y="1422604"/>
-            <a:ext cx="1254645" cy="369236"/>
-          </a:xfrm>
-          <a:prstGeom prst="rect">
-            <a:avLst/>
-          </a:prstGeom>
-          <a:solidFill>
-            <a:srgbClr val="0070C0"/>
-          </a:solidFill>
-          <a:ln w="19050">
-            <a:solidFill>
-              <a:srgbClr val="0070C0"/>
-            </a:solidFill>
-          </a:ln>
-          <a:effectLst/>
-        </p:spPr>
-        <p:style>
-          <a:lnRef idx="1">
-            <a:schemeClr val="accent2"/>
-          </a:lnRef>
-          <a:fillRef idx="2">
-            <a:schemeClr val="accent2"/>
-          </a:fillRef>
-          <a:effectRef idx="1">
-            <a:schemeClr val="accent2"/>
-          </a:effectRef>
-          <a:fontRef idx="minor">
-            <a:schemeClr val="dk1"/>
-          </a:fontRef>
-        </p:style>
-        <p:txBody>
-          <a:bodyPr rtlCol="0" anchor="ctr"/>
-          <a:lstStyle/>
-          <a:p>
-            <a:pPr algn="ctr"/>
-            <a:r>
-              <a:rPr lang="en-US" sz="1200" dirty="0" smtClean="0">
-                <a:solidFill>
-                  <a:schemeClr val="bg1"/>
-                </a:solidFill>
-              </a:rPr>
-              <a:t>:TableMode</a:t>
-            </a:r>
-            <a:r>
-              <a:rPr lang="en-US" sz="1200" smtClean="0">
-                <a:solidFill>
-                  <a:schemeClr val="bg1"/>
-                </a:solidFill>
-              </a:rPr>
-              <a:t/>
-            </a:r>
-            <a:br>
-              <a:rPr lang="en-US" sz="1200" smtClean="0">
-                <a:solidFill>
-                  <a:schemeClr val="bg1"/>
-                </a:solidFill>
-              </a:rPr>
-            </a:br>
-            <a:r>
-              <a:rPr lang="en-US" sz="1200" smtClean="0">
-                <a:solidFill>
-                  <a:schemeClr val="bg1"/>
-                </a:solidFill>
-              </a:rPr>
-              <a:t>CommandParser</a:t>
-            </a:r>
-            <a:endParaRPr lang="en-SG" sz="1200" dirty="0">
-              <a:solidFill>
-                <a:schemeClr val="bg1"/>
-              </a:solidFill>
-            </a:endParaRPr>
-          </a:p>
-        </p:txBody>
-      </p:sp>
-      <p:cxnSp>
-        <p:nvCxnSpPr>
-          <p:cNvPr id="71" name="Straight Arrow Connector 70"/>
-          <p:cNvCxnSpPr/>
-          <p:nvPr/>
-        </p:nvCxnSpPr>
-        <p:spPr>
-          <a:xfrm>
-            <a:off x="4953000" y="1905793"/>
-            <a:ext cx="1181928" cy="0"/>
+            <a:off x="6211268" y="2501775"/>
+            <a:ext cx="1022412" cy="0"/>
           </a:xfrm>
           <a:prstGeom prst="straightConnector1">
             <a:avLst/>
@@ -5580,14 +5943,16 @@
       </p:cxnSp>
       <p:cxnSp>
         <p:nvCxnSpPr>
-          <p:cNvPr id="73" name="Straight Arrow Connector 72"/>
-          <p:cNvCxnSpPr/>
+          <p:cNvPr id="94" name="Straight Arrow Connector 93"/>
+          <p:cNvCxnSpPr>
+            <a:endCxn id="74" idx="2"/>
+          </p:cNvCxnSpPr>
           <p:nvPr/>
         </p:nvCxnSpPr>
         <p:spPr>
-          <a:xfrm flipV="1">
-            <a:off x="4953000" y="2090410"/>
-            <a:ext cx="1118451" cy="1"/>
+          <a:xfrm>
+            <a:off x="4958438" y="2699515"/>
+            <a:ext cx="1184481" cy="0"/>
           </a:xfrm>
           <a:prstGeom prst="straightConnector1">
             <a:avLst/>
@@ -5596,7 +5961,9 @@
             <a:solidFill>
               <a:srgbClr val="0070C0"/>
             </a:solidFill>
-            <a:tailEnd type="arrow"/>
+            <a:prstDash val="sysDash"/>
+            <a:headEnd type="arrow" w="med" len="med"/>
+            <a:tailEnd type="none" w="med" len="med"/>
           </a:ln>
         </p:spPr>
         <p:style>
@@ -5616,61 +5983,85 @@
       </p:cxnSp>
       <p:sp>
         <p:nvSpPr>
-          <p:cNvPr id="74" name="Rectangle 73"/>
-          <p:cNvSpPr/>
-          <p:nvPr/>
-        </p:nvSpPr>
-        <p:spPr>
-          <a:xfrm>
-            <a:off x="6074570" y="2085731"/>
-            <a:ext cx="136698" cy="613784"/>
+          <p:cNvPr id="100" name="TextBox 99"/>
+          <p:cNvSpPr txBox="1"/>
+          <p:nvPr/>
+        </p:nvSpPr>
+        <p:spPr>
+          <a:xfrm>
+            <a:off x="6019800" y="2917820"/>
+            <a:ext cx="258404" cy="261610"/>
           </a:xfrm>
           <a:prstGeom prst="rect">
             <a:avLst/>
           </a:prstGeom>
-          <a:solidFill>
-            <a:srgbClr val="0070C0"/>
-          </a:solidFill>
-          <a:ln>
+          <a:noFill/>
+        </p:spPr>
+        <p:txBody>
+          <a:bodyPr wrap="none" rtlCol="0">
+            <a:spAutoFit/>
+          </a:bodyPr>
+          <a:lstStyle/>
+          <a:p>
+            <a:r>
+              <a:rPr lang="en-SG" sz="1100" dirty="0">
+                <a:solidFill>
+                  <a:srgbClr val="002060"/>
+                </a:solidFill>
+              </a:rPr>
+              <a:t>X</a:t>
+            </a:r>
+          </a:p>
+        </p:txBody>
+      </p:sp>
+      <p:cxnSp>
+        <p:nvCxnSpPr>
+          <p:cNvPr id="101" name="Straight Arrow Connector 100"/>
+          <p:cNvCxnSpPr/>
+          <p:nvPr/>
+        </p:nvCxnSpPr>
+        <p:spPr>
+          <a:xfrm>
+            <a:off x="2910533" y="2903597"/>
+            <a:ext cx="1922009" cy="0"/>
+          </a:xfrm>
+          <a:prstGeom prst="straightConnector1">
+            <a:avLst/>
+          </a:prstGeom>
+          <a:ln w="19050">
             <a:solidFill>
               <a:srgbClr val="0070C0"/>
             </a:solidFill>
+            <a:prstDash val="sysDash"/>
+            <a:headEnd type="arrow" w="med" len="med"/>
+            <a:tailEnd type="none" w="med" len="med"/>
           </a:ln>
-          <a:effectLst/>
         </p:spPr>
         <p:style>
           <a:lnRef idx="1">
-            <a:schemeClr val="accent3"/>
+            <a:schemeClr val="accent1"/>
           </a:lnRef>
-          <a:fillRef idx="2">
-            <a:schemeClr val="accent3"/>
+          <a:fillRef idx="0">
+            <a:schemeClr val="accent1"/>
           </a:fillRef>
-          <a:effectRef idx="1">
-            <a:schemeClr val="accent3"/>
+          <a:effectRef idx="0">
+            <a:schemeClr val="accent1"/>
           </a:effectRef>
           <a:fontRef idx="minor">
-            <a:schemeClr val="dk1"/>
+            <a:schemeClr val="tx1"/>
           </a:fontRef>
         </p:style>
-        <p:txBody>
-          <a:bodyPr rtlCol="0" anchor="ctr"/>
-          <a:lstStyle/>
-          <a:p>
-            <a:pPr algn="ctr"/>
-            <a:endParaRPr lang="en-SG" sz="1400"/>
-          </a:p>
-        </p:txBody>
-      </p:sp>
-      <p:sp>
-        <p:nvSpPr>
-          <p:cNvPr id="77" name="TextBox 76"/>
+      </p:cxnSp>
+      <p:sp>
+        <p:nvSpPr>
+          <p:cNvPr id="103" name="TextBox 102"/>
           <p:cNvSpPr txBox="1"/>
           <p:nvPr/>
         </p:nvSpPr>
         <p:spPr>
           <a:xfrm>
-            <a:off x="5233086" y="1902033"/>
-            <a:ext cx="737148" cy="169277"/>
+            <a:off x="3124200" y="2726323"/>
+            <a:ext cx="855809" cy="169277"/>
           </a:xfrm>
           <a:prstGeom prst="rect">
             <a:avLst/>
@@ -5695,8 +6086,8 @@
           </a:lstStyle>
           <a:p>
             <a:r>
-              <a:rPr lang="en-US" sz="1100" dirty="0" smtClean="0"/>
-              <a:t>parse(”3”)</a:t>
+              <a:rPr lang="en-US" sz="1100" smtClean="0"/>
+              <a:t>tm</a:t>
             </a:r>
             <a:endParaRPr lang="en-US" sz="1100" dirty="0"/>
           </a:p>
@@ -5704,132 +6095,14 @@
       </p:sp>
       <p:sp>
         <p:nvSpPr>
-          <p:cNvPr id="78" name="Rectangle 62"/>
+          <p:cNvPr id="106" name="Rectangle 105"/>
           <p:cNvSpPr/>
           <p:nvPr/>
         </p:nvSpPr>
         <p:spPr>
           <a:xfrm>
-            <a:off x="6684413" y="2009370"/>
-            <a:ext cx="1108966" cy="369236"/>
-          </a:xfrm>
-          <a:prstGeom prst="rect">
-            <a:avLst/>
-          </a:prstGeom>
-          <a:solidFill>
-            <a:srgbClr val="0070C0"/>
-          </a:solidFill>
-          <a:ln w="19050">
-            <a:solidFill>
-              <a:srgbClr val="0070C0"/>
-            </a:solidFill>
-          </a:ln>
-          <a:effectLst/>
-        </p:spPr>
-        <p:style>
-          <a:lnRef idx="1">
-            <a:schemeClr val="accent2"/>
-          </a:lnRef>
-          <a:fillRef idx="2">
-            <a:schemeClr val="accent2"/>
-          </a:fillRef>
-          <a:effectRef idx="1">
-            <a:schemeClr val="accent2"/>
-          </a:effectRef>
-          <a:fontRef idx="minor">
-            <a:schemeClr val="dk1"/>
-          </a:fontRef>
-        </p:style>
-        <p:txBody>
-          <a:bodyPr rtlCol="0" anchor="ctr"/>
-          <a:lstStyle/>
-          <a:p>
-            <a:pPr algn="ctr"/>
-            <a:r>
-              <a:rPr lang="en-US" sz="1200" smtClean="0">
-                <a:solidFill>
-                  <a:schemeClr val="bg1"/>
-                </a:solidFill>
-              </a:rPr>
-              <a:t>tm:TableMode</a:t>
-            </a:r>
-            <a:r>
-              <a:rPr lang="en-US" sz="1200" dirty="0" smtClean="0">
-                <a:solidFill>
-                  <a:schemeClr val="bg1"/>
-                </a:solidFill>
-              </a:rPr>
-              <a:t/>
-            </a:r>
-            <a:br>
-              <a:rPr lang="en-US" sz="1200" dirty="0" smtClean="0">
-                <a:solidFill>
-                  <a:schemeClr val="bg1"/>
-                </a:solidFill>
-              </a:rPr>
-            </a:br>
-            <a:r>
-              <a:rPr lang="en-US" sz="1200" dirty="0" smtClean="0">
-                <a:solidFill>
-                  <a:schemeClr val="bg1"/>
-                </a:solidFill>
-              </a:rPr>
-              <a:t>Command</a:t>
-            </a:r>
-            <a:endParaRPr lang="en-SG" sz="1200" dirty="0">
-              <a:solidFill>
-                <a:schemeClr val="bg1"/>
-              </a:solidFill>
-            </a:endParaRPr>
-          </a:p>
-        </p:txBody>
-      </p:sp>
-      <p:cxnSp>
-        <p:nvCxnSpPr>
-          <p:cNvPr id="85" name="Straight Arrow Connector 84"/>
-          <p:cNvCxnSpPr/>
-          <p:nvPr/>
-        </p:nvCxnSpPr>
-        <p:spPr>
-          <a:xfrm>
-            <a:off x="4966726" y="1607222"/>
-            <a:ext cx="584697" cy="1"/>
-          </a:xfrm>
-          <a:prstGeom prst="straightConnector1">
-            <a:avLst/>
-          </a:prstGeom>
-          <a:ln w="19050">
-            <a:solidFill>
-              <a:srgbClr val="0070C0"/>
-            </a:solidFill>
-            <a:tailEnd type="arrow"/>
-          </a:ln>
-        </p:spPr>
-        <p:style>
-          <a:lnRef idx="1">
-            <a:schemeClr val="accent1"/>
-          </a:lnRef>
-          <a:fillRef idx="0">
-            <a:schemeClr val="accent1"/>
-          </a:fillRef>
-          <a:effectRef idx="0">
-            <a:schemeClr val="accent1"/>
-          </a:effectRef>
-          <a:fontRef idx="minor">
-            <a:schemeClr val="tx1"/>
-          </a:fontRef>
-        </p:style>
-      </p:cxnSp>
-      <p:sp>
-        <p:nvSpPr>
-          <p:cNvPr id="87" name="Rectangle 86"/>
-          <p:cNvSpPr/>
-          <p:nvPr/>
-        </p:nvSpPr>
-        <p:spPr>
-          <a:xfrm>
-            <a:off x="7159595" y="2366276"/>
-            <a:ext cx="148170" cy="135499"/>
+            <a:off x="7170435" y="3153109"/>
+            <a:ext cx="157334" cy="3931151"/>
           </a:xfrm>
           <a:prstGeom prst="rect">
             <a:avLst/>
@@ -5867,206 +6140,16 @@
           </a:p>
         </p:txBody>
       </p:sp>
-      <p:cxnSp>
-        <p:nvCxnSpPr>
-          <p:cNvPr id="90" name="Straight Connector 89"/>
-          <p:cNvCxnSpPr>
-            <a:cxnSpLocks/>
-          </p:cNvCxnSpPr>
-          <p:nvPr/>
-        </p:nvCxnSpPr>
-        <p:spPr>
-          <a:xfrm>
-            <a:off x="7240228" y="2464953"/>
-            <a:ext cx="34432" cy="3887817"/>
-          </a:xfrm>
-          <a:prstGeom prst="line">
-            <a:avLst/>
-          </a:prstGeom>
-          <a:ln w="19050">
-            <a:solidFill>
-              <a:srgbClr val="0070C0"/>
-            </a:solidFill>
-            <a:prstDash val="sysDash"/>
-          </a:ln>
-          <a:effectLst/>
-        </p:spPr>
-        <p:style>
-          <a:lnRef idx="1">
-            <a:schemeClr val="accent1"/>
-          </a:lnRef>
-          <a:fillRef idx="2">
-            <a:schemeClr val="accent1"/>
-          </a:fillRef>
-          <a:effectRef idx="1">
-            <a:schemeClr val="accent1"/>
-          </a:effectRef>
-          <a:fontRef idx="minor">
-            <a:schemeClr val="dk1"/>
-          </a:fontRef>
-        </p:style>
-      </p:cxnSp>
-      <p:cxnSp>
-        <p:nvCxnSpPr>
-          <p:cNvPr id="91" name="Straight Arrow Connector 90"/>
-          <p:cNvCxnSpPr>
-            <a:endCxn id="87" idx="2"/>
-          </p:cNvCxnSpPr>
-          <p:nvPr/>
-        </p:nvCxnSpPr>
-        <p:spPr>
-          <a:xfrm>
-            <a:off x="6211268" y="2501775"/>
-            <a:ext cx="1022412" cy="0"/>
-          </a:xfrm>
-          <a:prstGeom prst="straightConnector1">
-            <a:avLst/>
-          </a:prstGeom>
-          <a:ln w="19050">
-            <a:solidFill>
-              <a:srgbClr val="0070C0"/>
-            </a:solidFill>
-            <a:prstDash val="sysDash"/>
-            <a:headEnd type="arrow" w="med" len="med"/>
-            <a:tailEnd type="none" w="med" len="med"/>
-          </a:ln>
-        </p:spPr>
-        <p:style>
-          <a:lnRef idx="1">
-            <a:schemeClr val="accent1"/>
-          </a:lnRef>
-          <a:fillRef idx="0">
-            <a:schemeClr val="accent1"/>
-          </a:fillRef>
-          <a:effectRef idx="0">
-            <a:schemeClr val="accent1"/>
-          </a:effectRef>
-          <a:fontRef idx="minor">
-            <a:schemeClr val="tx1"/>
-          </a:fontRef>
-        </p:style>
-      </p:cxnSp>
-      <p:cxnSp>
-        <p:nvCxnSpPr>
-          <p:cNvPr id="94" name="Straight Arrow Connector 93"/>
-          <p:cNvCxnSpPr>
-            <a:endCxn id="74" idx="2"/>
-          </p:cNvCxnSpPr>
-          <p:nvPr/>
-        </p:nvCxnSpPr>
-        <p:spPr>
-          <a:xfrm>
-            <a:off x="4958438" y="2699515"/>
-            <a:ext cx="1184481" cy="0"/>
-          </a:xfrm>
-          <a:prstGeom prst="straightConnector1">
-            <a:avLst/>
-          </a:prstGeom>
-          <a:ln w="19050">
-            <a:solidFill>
-              <a:srgbClr val="0070C0"/>
-            </a:solidFill>
-            <a:prstDash val="sysDash"/>
-            <a:headEnd type="arrow" w="med" len="med"/>
-            <a:tailEnd type="none" w="med" len="med"/>
-          </a:ln>
-        </p:spPr>
-        <p:style>
-          <a:lnRef idx="1">
-            <a:schemeClr val="accent1"/>
-          </a:lnRef>
-          <a:fillRef idx="0">
-            <a:schemeClr val="accent1"/>
-          </a:fillRef>
-          <a:effectRef idx="0">
-            <a:schemeClr val="accent1"/>
-          </a:effectRef>
-          <a:fontRef idx="minor">
-            <a:schemeClr val="tx1"/>
-          </a:fontRef>
-        </p:style>
-      </p:cxnSp>
-      <p:sp>
-        <p:nvSpPr>
-          <p:cNvPr id="100" name="TextBox 99"/>
+      <p:sp>
+        <p:nvSpPr>
+          <p:cNvPr id="111" name="TextBox 110"/>
           <p:cNvSpPr txBox="1"/>
           <p:nvPr/>
         </p:nvSpPr>
         <p:spPr>
           <a:xfrm>
-            <a:off x="6019800" y="2917820"/>
-            <a:ext cx="258404" cy="261610"/>
-          </a:xfrm>
-          <a:prstGeom prst="rect">
-            <a:avLst/>
-          </a:prstGeom>
-          <a:noFill/>
-        </p:spPr>
-        <p:txBody>
-          <a:bodyPr wrap="none" rtlCol="0">
-            <a:spAutoFit/>
-          </a:bodyPr>
-          <a:lstStyle/>
-          <a:p>
-            <a:r>
-              <a:rPr lang="en-SG" sz="1100" dirty="0">
-                <a:solidFill>
-                  <a:srgbClr val="002060"/>
-                </a:solidFill>
-              </a:rPr>
-              <a:t>X</a:t>
-            </a:r>
-          </a:p>
-        </p:txBody>
-      </p:sp>
-      <p:cxnSp>
-        <p:nvCxnSpPr>
-          <p:cNvPr id="101" name="Straight Arrow Connector 100"/>
-          <p:cNvCxnSpPr/>
-          <p:nvPr/>
-        </p:nvCxnSpPr>
-        <p:spPr>
-          <a:xfrm>
-            <a:off x="2910533" y="2903597"/>
-            <a:ext cx="1922009" cy="0"/>
-          </a:xfrm>
-          <a:prstGeom prst="straightConnector1">
-            <a:avLst/>
-          </a:prstGeom>
-          <a:ln w="19050">
-            <a:solidFill>
-              <a:srgbClr val="0070C0"/>
-            </a:solidFill>
-            <a:prstDash val="sysDash"/>
-            <a:headEnd type="arrow" w="med" len="med"/>
-            <a:tailEnd type="none" w="med" len="med"/>
-          </a:ln>
-        </p:spPr>
-        <p:style>
-          <a:lnRef idx="1">
-            <a:schemeClr val="accent1"/>
-          </a:lnRef>
-          <a:fillRef idx="0">
-            <a:schemeClr val="accent1"/>
-          </a:fillRef>
-          <a:effectRef idx="0">
-            <a:schemeClr val="accent1"/>
-          </a:effectRef>
-          <a:fontRef idx="minor">
-            <a:schemeClr val="tx1"/>
-          </a:fontRef>
-        </p:style>
-      </p:cxnSp>
-      <p:sp>
-        <p:nvSpPr>
-          <p:cNvPr id="103" name="TextBox 102"/>
-          <p:cNvSpPr txBox="1"/>
-          <p:nvPr/>
-        </p:nvSpPr>
-        <p:spPr>
-          <a:xfrm>
-            <a:off x="3124200" y="2726323"/>
-            <a:ext cx="855809" cy="169277"/>
+            <a:off x="7819157" y="3094791"/>
+            <a:ext cx="1298078" cy="169277"/>
           </a:xfrm>
           <a:prstGeom prst="rect">
             <a:avLst/>
@@ -6090,9 +6173,16 @@
             </a:lvl1pPr>
           </a:lstStyle>
           <a:p>
-            <a:r>
-              <a:rPr lang="en-US" sz="1100" smtClean="0"/>
-              <a:t>tm</a:t>
+            <a:pPr algn="l"/>
+            <a:r>
+              <a:rPr lang="en-US" sz="1100" dirty="0" smtClean="0">
+                <a:solidFill>
+                  <a:schemeClr val="accent4">
+                    <a:lumMod val="75000"/>
+                  </a:schemeClr>
+                </a:solidFill>
+              </a:rPr>
+              <a:t>getRestOrRant()</a:t>
             </a:r>
             <a:endParaRPr lang="en-US" sz="1100" dirty="0"/>
           </a:p>
@@ -6100,24 +6190,166 @@
       </p:sp>
       <p:sp>
         <p:nvSpPr>
-          <p:cNvPr id="106" name="Rectangle 105"/>
+          <p:cNvPr id="116" name="Rectangle 62"/>
           <p:cNvSpPr/>
           <p:nvPr/>
         </p:nvSpPr>
         <p:spPr>
           <a:xfrm>
-            <a:off x="7170434" y="3153110"/>
-            <a:ext cx="158707" cy="3059938"/>
+            <a:off x="12049840" y="2405903"/>
+            <a:ext cx="841636" cy="351261"/>
           </a:xfrm>
           <a:prstGeom prst="rect">
             <a:avLst/>
           </a:prstGeom>
           <a:solidFill>
-            <a:srgbClr val="0070C0"/>
+            <a:srgbClr val="7030A0"/>
+          </a:solidFill>
+          <a:ln w="19050">
+            <a:solidFill>
+              <a:srgbClr val="7030A0"/>
+            </a:solidFill>
+          </a:ln>
+          <a:effectLst/>
+        </p:spPr>
+        <p:style>
+          <a:lnRef idx="1">
+            <a:schemeClr val="accent2"/>
+          </a:lnRef>
+          <a:fillRef idx="2">
+            <a:schemeClr val="accent2"/>
+          </a:fillRef>
+          <a:effectRef idx="1">
+            <a:schemeClr val="accent2"/>
+          </a:effectRef>
+          <a:fontRef idx="minor">
+            <a:schemeClr val="dk1"/>
+          </a:fontRef>
+        </p:style>
+        <p:txBody>
+          <a:bodyPr rtlCol="0" anchor="ctr"/>
+          <a:lstStyle/>
+          <a:p>
+            <a:pPr algn="ctr"/>
+            <a:r>
+              <a:rPr lang="en-US" sz="1200" dirty="0" smtClean="0">
+                <a:solidFill>
+                  <a:schemeClr val="bg1"/>
+                </a:solidFill>
+              </a:rPr>
+              <a:t>:ReadOnlyTables</a:t>
+            </a:r>
+            <a:endParaRPr lang="en-SG" sz="1200" dirty="0">
+              <a:solidFill>
+                <a:schemeClr val="bg1"/>
+              </a:solidFill>
+            </a:endParaRPr>
+          </a:p>
+        </p:txBody>
+      </p:sp>
+      <p:cxnSp>
+        <p:nvCxnSpPr>
+          <p:cNvPr id="117" name="Straight Connector 116">
+            <a:extLst>
+              <a:ext uri="{FF2B5EF4-FFF2-40B4-BE49-F238E27FC236}">
+                <a16:creationId xmlns="" xmlns:a16="http://schemas.microsoft.com/office/drawing/2014/main" id="{E4E1C8CA-49DF-45D8-80A5-D5C8282EE927}"/>
+              </a:ext>
+            </a:extLst>
+          </p:cNvPr>
+          <p:cNvCxnSpPr>
+            <a:cxnSpLocks/>
+          </p:cNvCxnSpPr>
+          <p:nvPr/>
+        </p:nvCxnSpPr>
+        <p:spPr>
+          <a:xfrm flipH="1">
+            <a:off x="12452395" y="2759295"/>
+            <a:ext cx="4656" cy="3620772"/>
+          </a:xfrm>
+          <a:prstGeom prst="line">
+            <a:avLst/>
+          </a:prstGeom>
+          <a:ln w="19050">
+            <a:solidFill>
+              <a:srgbClr val="7030A0"/>
+            </a:solidFill>
+            <a:prstDash val="sysDash"/>
+          </a:ln>
+          <a:effectLst/>
+        </p:spPr>
+        <p:style>
+          <a:lnRef idx="1">
+            <a:schemeClr val="accent1"/>
+          </a:lnRef>
+          <a:fillRef idx="2">
+            <a:schemeClr val="accent1"/>
+          </a:fillRef>
+          <a:effectRef idx="1">
+            <a:schemeClr val="accent1"/>
+          </a:effectRef>
+          <a:fontRef idx="minor">
+            <a:schemeClr val="dk1"/>
+          </a:fontRef>
+        </p:style>
+      </p:cxnSp>
+      <p:cxnSp>
+        <p:nvCxnSpPr>
+          <p:cNvPr id="124" name="Straight Arrow Connector 123"/>
+          <p:cNvCxnSpPr>
+            <a:cxnSpLocks/>
+          </p:cNvCxnSpPr>
+          <p:nvPr/>
+        </p:nvCxnSpPr>
+        <p:spPr>
+          <a:xfrm flipV="1">
+            <a:off x="10834076" y="3589438"/>
+            <a:ext cx="1538015" cy="3384"/>
+          </a:xfrm>
+          <a:prstGeom prst="straightConnector1">
+            <a:avLst/>
+          </a:prstGeom>
+          <a:ln w="19050">
+            <a:solidFill>
+              <a:srgbClr val="7030A0"/>
+            </a:solidFill>
+            <a:tailEnd type="arrow"/>
+          </a:ln>
+        </p:spPr>
+        <p:style>
+          <a:lnRef idx="1">
+            <a:schemeClr val="accent1"/>
+          </a:lnRef>
+          <a:fillRef idx="0">
+            <a:schemeClr val="accent1"/>
+          </a:fillRef>
+          <a:effectRef idx="0">
+            <a:schemeClr val="accent1"/>
+          </a:effectRef>
+          <a:fontRef idx="minor">
+            <a:schemeClr val="tx1"/>
+          </a:fontRef>
+        </p:style>
+      </p:cxnSp>
+      <p:sp>
+        <p:nvSpPr>
+          <p:cNvPr id="126" name="Rectangle 125"/>
+          <p:cNvSpPr/>
+          <p:nvPr/>
+        </p:nvSpPr>
+        <p:spPr>
+          <a:xfrm>
+            <a:off x="12379977" y="3594954"/>
+            <a:ext cx="152400" cy="254065"/>
+          </a:xfrm>
+          <a:prstGeom prst="rect">
+            <a:avLst/>
+          </a:prstGeom>
+          <a:solidFill>
+            <a:srgbClr val="7030A0"/>
           </a:solidFill>
           <a:ln>
             <a:solidFill>
-              <a:srgbClr val="0070C0"/>
+              <a:srgbClr val="7030A0"/>
             </a:solidFill>
           </a:ln>
           <a:effectLst/>
@@ -6145,16 +6377,69 @@
           </a:p>
         </p:txBody>
       </p:sp>
-      <p:sp>
-        <p:nvSpPr>
-          <p:cNvPr id="111" name="TextBox 110"/>
+      <p:cxnSp>
+        <p:nvCxnSpPr>
+          <p:cNvPr id="134" name="Straight Arrow Connector 133">
+            <a:extLst>
+              <a:ext uri="{FF2B5EF4-FFF2-40B4-BE49-F238E27FC236}">
+                <a16:creationId xmlns="" xmlns:a16="http://schemas.microsoft.com/office/drawing/2014/main" id="{7C9F21BC-13A9-471F-825A-2621FD36355F}"/>
+              </a:ext>
+            </a:extLst>
+          </p:cNvPr>
+          <p:cNvCxnSpPr>
+            <a:cxnSpLocks/>
+            <a:endCxn id="86" idx="2"/>
+          </p:cNvCxnSpPr>
+          <p:nvPr/>
+        </p:nvCxnSpPr>
+        <p:spPr>
+          <a:xfrm>
+            <a:off x="9786869" y="3968522"/>
+            <a:ext cx="979137" cy="4676"/>
+          </a:xfrm>
+          <a:prstGeom prst="straightConnector1">
+            <a:avLst/>
+          </a:prstGeom>
+          <a:ln w="19050">
+            <a:solidFill>
+              <a:srgbClr val="7030A0"/>
+            </a:solidFill>
+            <a:prstDash val="sysDash"/>
+            <a:headEnd type="arrow" w="med" len="med"/>
+            <a:tailEnd type="none" w="med" len="med"/>
+          </a:ln>
+        </p:spPr>
+        <p:style>
+          <a:lnRef idx="1">
+            <a:schemeClr val="accent1"/>
+          </a:lnRef>
+          <a:fillRef idx="0">
+            <a:schemeClr val="accent1"/>
+          </a:fillRef>
+          <a:effectRef idx="0">
+            <a:schemeClr val="accent1"/>
+          </a:effectRef>
+          <a:fontRef idx="minor">
+            <a:schemeClr val="tx1"/>
+          </a:fontRef>
+        </p:style>
+      </p:cxnSp>
+      <p:sp>
+        <p:nvSpPr>
+          <p:cNvPr id="136" name="TextBox 135">
+            <a:extLst>
+              <a:ext uri="{FF2B5EF4-FFF2-40B4-BE49-F238E27FC236}">
+                <a16:creationId xmlns="" xmlns:a16="http://schemas.microsoft.com/office/drawing/2014/main" id="{B85C6184-7378-4E89-A338-72B1E5056F4F}"/>
+              </a:ext>
+            </a:extLst>
+          </p:cNvPr>
           <p:cNvSpPr txBox="1"/>
           <p:nvPr/>
         </p:nvSpPr>
         <p:spPr>
           <a:xfrm>
-            <a:off x="7162193" y="3110096"/>
-            <a:ext cx="1298078" cy="169277"/>
+            <a:off x="8060788" y="3887480"/>
+            <a:ext cx="1103671" cy="169277"/>
           </a:xfrm>
           <a:prstGeom prst="rect">
             <a:avLst/>
@@ -6178,172 +6463,37 @@
             </a:lvl1pPr>
           </a:lstStyle>
           <a:p>
-            <a:r>
-              <a:rPr lang="en-US" sz="1100" dirty="0" smtClean="0">
+            <a:pPr algn="l"/>
+            <a:r>
+              <a:rPr lang="en-US" sz="1100" i="1" dirty="0">
                 <a:solidFill>
-                  <a:schemeClr val="accent4">
-                    <a:lumMod val="75000"/>
-                  </a:schemeClr>
+                  <a:srgbClr val="7030A0"/>
                 </a:solidFill>
               </a:rPr>
-              <a:t>getRestOrRant()</a:t>
-            </a:r>
-            <a:endParaRPr lang="en-US" sz="1100" dirty="0"/>
-          </a:p>
-        </p:txBody>
-      </p:sp>
-      <p:sp>
-        <p:nvSpPr>
-          <p:cNvPr id="116" name="Rectangle 62"/>
-          <p:cNvSpPr/>
-          <p:nvPr/>
-        </p:nvSpPr>
-        <p:spPr>
-          <a:xfrm>
-            <a:off x="10969364" y="2378606"/>
-            <a:ext cx="841636" cy="351261"/>
-          </a:xfrm>
-          <a:prstGeom prst="rect">
-            <a:avLst/>
-          </a:prstGeom>
-          <a:solidFill>
-            <a:srgbClr val="7030A0"/>
-          </a:solidFill>
-          <a:ln w="19050">
-            <a:solidFill>
-              <a:srgbClr val="7030A0"/>
-            </a:solidFill>
-          </a:ln>
-          <a:effectLst/>
-        </p:spPr>
-        <p:style>
-          <a:lnRef idx="1">
-            <a:schemeClr val="accent2"/>
-          </a:lnRef>
-          <a:fillRef idx="2">
-            <a:schemeClr val="accent2"/>
-          </a:fillRef>
-          <a:effectRef idx="1">
-            <a:schemeClr val="accent2"/>
-          </a:effectRef>
-          <a:fontRef idx="minor">
-            <a:schemeClr val="dk1"/>
-          </a:fontRef>
-        </p:style>
-        <p:txBody>
-          <a:bodyPr rtlCol="0" anchor="ctr"/>
-          <a:lstStyle/>
-          <a:p>
-            <a:pPr algn="ctr"/>
-            <a:r>
-              <a:rPr lang="en-US" sz="1200" dirty="0" smtClean="0">
+              <a:t>t</a:t>
+            </a:r>
+            <a:r>
+              <a:rPr lang="en-US" sz="1100" i="1" dirty="0" smtClean="0">
                 <a:solidFill>
-                  <a:schemeClr val="bg1"/>
+                  <a:srgbClr val="7030A0"/>
                 </a:solidFill>
               </a:rPr>
-              <a:t>:ReadOnlyTables</a:t>
-            </a:r>
-            <a:endParaRPr lang="en-SG" sz="1200" dirty="0">
-              <a:solidFill>
-                <a:schemeClr val="bg1"/>
-              </a:solidFill>
-            </a:endParaRPr>
-          </a:p>
-        </p:txBody>
-      </p:sp>
-      <p:cxnSp>
-        <p:nvCxnSpPr>
-          <p:cNvPr id="117" name="Straight Connector 116">
-            <a:extLst>
-              <a:ext uri="{FF2B5EF4-FFF2-40B4-BE49-F238E27FC236}">
-                <a16:creationId xmlns:a16="http://schemas.microsoft.com/office/drawing/2014/main" xmlns="" id="{E4E1C8CA-49DF-45D8-80A5-D5C8282EE927}"/>
-              </a:ext>
-            </a:extLst>
-          </p:cNvPr>
-          <p:cNvCxnSpPr>
-            <a:cxnSpLocks/>
-          </p:cNvCxnSpPr>
-          <p:nvPr/>
-        </p:nvCxnSpPr>
-        <p:spPr>
-          <a:xfrm flipH="1">
-            <a:off x="11371919" y="2731998"/>
-            <a:ext cx="4656" cy="3620772"/>
-          </a:xfrm>
-          <a:prstGeom prst="line">
-            <a:avLst/>
-          </a:prstGeom>
-          <a:ln w="19050">
-            <a:solidFill>
-              <a:srgbClr val="7030A0"/>
-            </a:solidFill>
-            <a:prstDash val="sysDash"/>
-          </a:ln>
-          <a:effectLst/>
-        </p:spPr>
-        <p:style>
-          <a:lnRef idx="1">
-            <a:schemeClr val="accent1"/>
-          </a:lnRef>
-          <a:fillRef idx="2">
-            <a:schemeClr val="accent1"/>
-          </a:fillRef>
-          <a:effectRef idx="1">
-            <a:schemeClr val="accent1"/>
-          </a:effectRef>
-          <a:fontRef idx="minor">
-            <a:schemeClr val="dk1"/>
-          </a:fontRef>
-        </p:style>
-      </p:cxnSp>
-      <p:cxnSp>
-        <p:nvCxnSpPr>
-          <p:cNvPr id="124" name="Straight Arrow Connector 123"/>
-          <p:cNvCxnSpPr>
-            <a:cxnSpLocks/>
-          </p:cNvCxnSpPr>
-          <p:nvPr/>
-        </p:nvCxnSpPr>
-        <p:spPr>
-          <a:xfrm flipV="1">
-            <a:off x="9753600" y="3562141"/>
-            <a:ext cx="1538015" cy="3384"/>
-          </a:xfrm>
-          <a:prstGeom prst="straightConnector1">
-            <a:avLst/>
-          </a:prstGeom>
-          <a:ln w="19050">
-            <a:solidFill>
-              <a:srgbClr val="7030A0"/>
-            </a:solidFill>
-            <a:tailEnd type="arrow"/>
-          </a:ln>
-        </p:spPr>
-        <p:style>
-          <a:lnRef idx="1">
-            <a:schemeClr val="accent1"/>
-          </a:lnRef>
-          <a:fillRef idx="0">
-            <a:schemeClr val="accent1"/>
-          </a:fillRef>
-          <a:effectRef idx="0">
-            <a:schemeClr val="accent1"/>
-          </a:effectRef>
-          <a:fontRef idx="minor">
-            <a:schemeClr val="tx1"/>
-          </a:fontRef>
-        </p:style>
-      </p:cxnSp>
-      <p:sp>
-        <p:nvSpPr>
-          <p:cNvPr id="126" name="Rectangle 125"/>
+              <a:t>able 3</a:t>
+            </a:r>
+            <a:endParaRPr lang="en-US" sz="1100" i="1" dirty="0"/>
+          </a:p>
+        </p:txBody>
+      </p:sp>
+      <p:sp>
+        <p:nvSpPr>
+          <p:cNvPr id="144" name="Rectangle 143"/>
           <p:cNvSpPr/>
           <p:nvPr/>
         </p:nvSpPr>
         <p:spPr>
           <a:xfrm>
-            <a:off x="11299501" y="3567657"/>
-            <a:ext cx="152400" cy="254065"/>
+            <a:off x="9650262" y="4543406"/>
+            <a:ext cx="145857" cy="185175"/>
           </a:xfrm>
           <a:prstGeom prst="rect">
             <a:avLst/>
@@ -6383,23 +6533,61 @@
       </p:sp>
       <p:cxnSp>
         <p:nvCxnSpPr>
-          <p:cNvPr id="134" name="Straight Arrow Connector 133">
+          <p:cNvPr id="145" name="Straight Arrow Connector 144"/>
+          <p:cNvCxnSpPr>
+            <a:cxnSpLocks/>
+          </p:cNvCxnSpPr>
+          <p:nvPr/>
+        </p:nvCxnSpPr>
+        <p:spPr>
+          <a:xfrm flipV="1">
+            <a:off x="7319045" y="4563303"/>
+            <a:ext cx="2360081" cy="0"/>
+          </a:xfrm>
+          <a:prstGeom prst="straightConnector1">
+            <a:avLst/>
+          </a:prstGeom>
+          <a:ln w="19050">
+            <a:solidFill>
+              <a:srgbClr val="0070C0"/>
+            </a:solidFill>
+            <a:tailEnd type="arrow"/>
+          </a:ln>
+        </p:spPr>
+        <p:style>
+          <a:lnRef idx="1">
+            <a:schemeClr val="accent1"/>
+          </a:lnRef>
+          <a:fillRef idx="0">
+            <a:schemeClr val="accent1"/>
+          </a:fillRef>
+          <a:effectRef idx="0">
+            <a:schemeClr val="accent1"/>
+          </a:effectRef>
+          <a:fontRef idx="minor">
+            <a:schemeClr val="tx1"/>
+          </a:fontRef>
+        </p:style>
+      </p:cxnSp>
+      <p:cxnSp>
+        <p:nvCxnSpPr>
+          <p:cNvPr id="146" name="Straight Arrow Connector 145">
             <a:extLst>
               <a:ext uri="{FF2B5EF4-FFF2-40B4-BE49-F238E27FC236}">
-                <a16:creationId xmlns:a16="http://schemas.microsoft.com/office/drawing/2014/main" xmlns="" id="{7C9F21BC-13A9-471F-825A-2621FD36355F}"/>
+                <a16:creationId xmlns="" xmlns:a16="http://schemas.microsoft.com/office/drawing/2014/main" id="{7C9F21BC-13A9-471F-825A-2621FD36355F}"/>
               </a:ext>
             </a:extLst>
           </p:cNvPr>
           <p:cNvCxnSpPr>
             <a:cxnSpLocks/>
-            <a:endCxn id="86" idx="2"/>
+            <a:endCxn id="144" idx="2"/>
           </p:cNvCxnSpPr>
           <p:nvPr/>
         </p:nvCxnSpPr>
         <p:spPr>
           <a:xfrm>
-            <a:off x="8706393" y="3941225"/>
-            <a:ext cx="979137" cy="4676"/>
+            <a:off x="7315200" y="4728581"/>
+            <a:ext cx="2407991" cy="0"/>
           </a:xfrm>
           <a:prstGeom prst="straightConnector1">
             <a:avLst/>
@@ -6430,20 +6618,14 @@
       </p:cxnSp>
       <p:sp>
         <p:nvSpPr>
-          <p:cNvPr id="136" name="TextBox 135">
-            <a:extLst>
-              <a:ext uri="{FF2B5EF4-FFF2-40B4-BE49-F238E27FC236}">
-                <a16:creationId xmlns:a16="http://schemas.microsoft.com/office/drawing/2014/main" xmlns="" id="{B85C6184-7378-4E89-A338-72B1E5056F4F}"/>
-              </a:ext>
-            </a:extLst>
-          </p:cNvPr>
+          <p:cNvPr id="147" name="TextBox 146"/>
           <p:cNvSpPr txBox="1"/>
           <p:nvPr/>
         </p:nvSpPr>
         <p:spPr>
           <a:xfrm>
-            <a:off x="6786536" y="3887693"/>
-            <a:ext cx="1103671" cy="169277"/>
+            <a:off x="7493386" y="4936123"/>
+            <a:ext cx="2044944" cy="169277"/>
           </a:xfrm>
           <a:prstGeom prst="rect">
             <a:avLst/>
@@ -6467,36 +6649,41 @@
             </a:lvl1pPr>
           </a:lstStyle>
           <a:p>
-            <a:r>
-              <a:rPr lang="en-US" sz="1100" i="1" dirty="0">
+            <a:pPr algn="l"/>
+            <a:r>
+              <a:rPr lang="en-US" sz="1100" smtClean="0">
                 <a:solidFill>
-                  <a:srgbClr val="7030A0"/>
+                  <a:schemeClr val="accent4">
+                    <a:lumMod val="75000"/>
+                  </a:schemeClr>
                 </a:solidFill>
               </a:rPr>
-              <a:t>t</a:t>
-            </a:r>
-            <a:r>
-              <a:rPr lang="en-US" sz="1100" i="1" dirty="0" smtClean="0">
+              <a:t>updateFilteredOrderItemList</a:t>
+            </a:r>
+            <a:r>
+              <a:rPr lang="en-US" sz="1100" dirty="0" smtClean="0">
                 <a:solidFill>
-                  <a:srgbClr val="7030A0"/>
+                  <a:schemeClr val="accent4">
+                    <a:lumMod val="75000"/>
+                  </a:schemeClr>
                 </a:solidFill>
               </a:rPr>
-              <a:t>able 3</a:t>
-            </a:r>
-            <a:endParaRPr lang="en-US" sz="1100" i="1" dirty="0"/>
-          </a:p>
-        </p:txBody>
-      </p:sp>
-      <p:sp>
-        <p:nvSpPr>
-          <p:cNvPr id="144" name="Rectangle 143"/>
+              <a:t>()</a:t>
+            </a:r>
+            <a:endParaRPr lang="en-US" sz="1100" dirty="0"/>
+          </a:p>
+        </p:txBody>
+      </p:sp>
+      <p:sp>
+        <p:nvSpPr>
+          <p:cNvPr id="148" name="Rectangle 147"/>
           <p:cNvSpPr/>
           <p:nvPr/>
         </p:nvSpPr>
         <p:spPr>
           <a:xfrm>
-            <a:off x="8569786" y="4516109"/>
-            <a:ext cx="145857" cy="185175"/>
+            <a:off x="9642926" y="5146391"/>
+            <a:ext cx="153193" cy="194286"/>
           </a:xfrm>
           <a:prstGeom prst="rect">
             <a:avLst/>
@@ -6536,16 +6723,16 @@
       </p:sp>
       <p:cxnSp>
         <p:nvCxnSpPr>
-          <p:cNvPr id="145" name="Straight Arrow Connector 144"/>
+          <p:cNvPr id="149" name="Straight Arrow Connector 148"/>
           <p:cNvCxnSpPr>
             <a:cxnSpLocks/>
           </p:cNvCxnSpPr>
           <p:nvPr/>
         </p:nvCxnSpPr>
         <p:spPr>
-          <a:xfrm>
-            <a:off x="7359441" y="4516109"/>
-            <a:ext cx="1210345" cy="0"/>
+          <a:xfrm flipV="1">
+            <a:off x="7337070" y="5148695"/>
+            <a:ext cx="2290821" cy="409"/>
           </a:xfrm>
           <a:prstGeom prst="straightConnector1">
             <a:avLst/>
@@ -6574,10 +6761,10 @@
       </p:cxnSp>
       <p:cxnSp>
         <p:nvCxnSpPr>
-          <p:cNvPr id="146" name="Straight Arrow Connector 145">
+          <p:cNvPr id="150" name="Straight Arrow Connector 149">
             <a:extLst>
               <a:ext uri="{FF2B5EF4-FFF2-40B4-BE49-F238E27FC236}">
-                <a16:creationId xmlns:a16="http://schemas.microsoft.com/office/drawing/2014/main" xmlns="" id="{7C9F21BC-13A9-471F-825A-2621FD36355F}"/>
+                <a16:creationId xmlns="" xmlns:a16="http://schemas.microsoft.com/office/drawing/2014/main" id="{7C9F21BC-13A9-471F-825A-2621FD36355F}"/>
               </a:ext>
             </a:extLst>
           </p:cNvPr>
@@ -6588,8 +6775,8 @@
         </p:nvCxnSpPr>
         <p:spPr>
           <a:xfrm>
-            <a:off x="7343025" y="4701284"/>
-            <a:ext cx="1296056" cy="0"/>
+            <a:off x="7299924" y="5340677"/>
+            <a:ext cx="2327299" cy="0"/>
           </a:xfrm>
           <a:prstGeom prst="straightConnector1">
             <a:avLst/>
@@ -6620,14 +6807,14 @@
       </p:cxnSp>
       <p:sp>
         <p:nvSpPr>
-          <p:cNvPr id="147" name="TextBox 146"/>
+          <p:cNvPr id="170" name="TextBox 169"/>
           <p:cNvSpPr txBox="1"/>
           <p:nvPr/>
         </p:nvSpPr>
         <p:spPr>
           <a:xfrm>
-            <a:off x="7544597" y="4758804"/>
-            <a:ext cx="954489" cy="338554"/>
+            <a:off x="7240228" y="5564010"/>
+            <a:ext cx="769778" cy="507831"/>
           </a:xfrm>
           <a:prstGeom prst="rect">
             <a:avLst/>
@@ -6652,106 +6839,60 @@
           </a:lstStyle>
           <a:p>
             <a:r>
-              <a:rPr lang="en-US" sz="1100" dirty="0" smtClean="0">
-                <a:solidFill>
-                  <a:schemeClr val="accent4">
-                    <a:lumMod val="75000"/>
-                  </a:schemeClr>
-                </a:solidFill>
-              </a:rPr>
-              <a:t>updateFiltered</a:t>
+              <a:rPr lang="en-US" sz="1100" dirty="0"/>
+              <a:t>g</a:t>
+            </a:r>
+            <a:r>
+              <a:rPr lang="en-US" sz="1100" dirty="0" smtClean="0"/>
+              <a:t>enerate</a:t>
+            </a:r>
+            <a:r>
+              <a:rPr lang="en-US" sz="1100" smtClean="0"/>
+              <a:t/>
             </a:r>
             <a:br>
-              <a:rPr lang="en-US" sz="1100" dirty="0" smtClean="0">
-                <a:solidFill>
-                  <a:schemeClr val="accent4">
-                    <a:lumMod val="75000"/>
-                  </a:schemeClr>
-                </a:solidFill>
-              </a:rPr>
+              <a:rPr lang="en-US" sz="1100" smtClean="0"/>
             </a:br>
             <a:r>
-              <a:rPr lang="en-US" sz="1100" dirty="0" smtClean="0">
-                <a:solidFill>
-                  <a:schemeClr val="accent4">
-                    <a:lumMod val="75000"/>
-                  </a:schemeClr>
-                </a:solidFill>
-              </a:rPr>
-              <a:t>OrderItemList()</a:t>
+              <a:rPr lang="en-US" sz="1100" smtClean="0"/>
+              <a:t>Command</a:t>
+            </a:r>
+            <a:br>
+              <a:rPr lang="en-US" sz="1100" smtClean="0"/>
+            </a:br>
+            <a:r>
+              <a:rPr lang="en-US" sz="1100" smtClean="0"/>
+              <a:t>Result</a:t>
+            </a:r>
+            <a:r>
+              <a:rPr lang="en-US" sz="1100" dirty="0" smtClean="0"/>
+              <a:t>()</a:t>
             </a:r>
             <a:endParaRPr lang="en-US" sz="1100" dirty="0"/>
-          </a:p>
-        </p:txBody>
-      </p:sp>
-      <p:sp>
-        <p:nvSpPr>
-          <p:cNvPr id="148" name="Rectangle 147"/>
-          <p:cNvSpPr/>
-          <p:nvPr/>
-        </p:nvSpPr>
-        <p:spPr>
-          <a:xfrm>
-            <a:off x="8562450" y="5119094"/>
-            <a:ext cx="153193" cy="194286"/>
-          </a:xfrm>
-          <a:prstGeom prst="rect">
-            <a:avLst/>
-          </a:prstGeom>
-          <a:solidFill>
-            <a:srgbClr val="7030A0"/>
-          </a:solidFill>
-          <a:ln>
-            <a:solidFill>
-              <a:srgbClr val="7030A0"/>
-            </a:solidFill>
-          </a:ln>
-          <a:effectLst/>
-        </p:spPr>
-        <p:style>
-          <a:lnRef idx="1">
-            <a:schemeClr val="accent3"/>
-          </a:lnRef>
-          <a:fillRef idx="2">
-            <a:schemeClr val="accent3"/>
-          </a:fillRef>
-          <a:effectRef idx="1">
-            <a:schemeClr val="accent3"/>
-          </a:effectRef>
-          <a:fontRef idx="minor">
-            <a:schemeClr val="dk1"/>
-          </a:fontRef>
-        </p:style>
-        <p:txBody>
-          <a:bodyPr rtlCol="0" anchor="ctr"/>
-          <a:lstStyle/>
-          <a:p>
-            <a:pPr algn="ctr"/>
-            <a:endParaRPr lang="en-SG" sz="1400"/>
           </a:p>
         </p:txBody>
       </p:sp>
       <p:cxnSp>
         <p:nvCxnSpPr>
-          <p:cNvPr id="149" name="Straight Arrow Connector 148"/>
-          <p:cNvCxnSpPr>
-            <a:cxnSpLocks/>
-          </p:cNvCxnSpPr>
+          <p:cNvPr id="183" name="Straight Arrow Connector 182"/>
+          <p:cNvCxnSpPr/>
           <p:nvPr/>
         </p:nvCxnSpPr>
         <p:spPr>
           <a:xfrm>
-            <a:off x="7352105" y="5119093"/>
-            <a:ext cx="1210345" cy="0"/>
+            <a:off x="-1200714" y="9962254"/>
+            <a:ext cx="1954659" cy="1"/>
           </a:xfrm>
           <a:prstGeom prst="straightConnector1">
             <a:avLst/>
           </a:prstGeom>
           <a:ln w="19050">
             <a:solidFill>
-              <a:srgbClr val="0070C0"/>
+              <a:srgbClr val="00B050"/>
             </a:solidFill>
-            <a:tailEnd type="arrow"/>
+            <a:prstDash val="sysDash"/>
+            <a:headEnd type="arrow" w="med" len="med"/>
+            <a:tailEnd type="none" w="med" len="med"/>
           </a:ln>
         </p:spPr>
         <p:style>
@@ -6769,62 +6910,16 @@
           </a:fontRef>
         </p:style>
       </p:cxnSp>
-      <p:cxnSp>
-        <p:nvCxnSpPr>
-          <p:cNvPr id="150" name="Straight Arrow Connector 149">
-            <a:extLst>
-              <a:ext uri="{FF2B5EF4-FFF2-40B4-BE49-F238E27FC236}">
-                <a16:creationId xmlns:a16="http://schemas.microsoft.com/office/drawing/2014/main" xmlns="" id="{7C9F21BC-13A9-471F-825A-2621FD36355F}"/>
-              </a:ext>
-            </a:extLst>
-          </p:cNvPr>
-          <p:cNvCxnSpPr>
-            <a:cxnSpLocks/>
-          </p:cNvCxnSpPr>
-          <p:nvPr/>
-        </p:nvCxnSpPr>
-        <p:spPr>
-          <a:xfrm>
-            <a:off x="7329141" y="5313380"/>
-            <a:ext cx="1296056" cy="0"/>
-          </a:xfrm>
-          <a:prstGeom prst="straightConnector1">
-            <a:avLst/>
-          </a:prstGeom>
-          <a:ln w="19050">
-            <a:solidFill>
-              <a:srgbClr val="7030A0"/>
-            </a:solidFill>
-            <a:prstDash val="sysDash"/>
-            <a:headEnd type="arrow" w="med" len="med"/>
-            <a:tailEnd type="none" w="med" len="med"/>
-          </a:ln>
-        </p:spPr>
-        <p:style>
-          <a:lnRef idx="1">
-            <a:schemeClr val="accent1"/>
-          </a:lnRef>
-          <a:fillRef idx="0">
-            <a:schemeClr val="accent1"/>
-          </a:fillRef>
-          <a:effectRef idx="0">
-            <a:schemeClr val="accent1"/>
-          </a:effectRef>
-          <a:fontRef idx="minor">
-            <a:schemeClr val="tx1"/>
-          </a:fontRef>
-        </p:style>
-      </p:cxnSp>
-      <p:sp>
-        <p:nvSpPr>
-          <p:cNvPr id="153" name="TextBox 152"/>
+      <p:sp>
+        <p:nvSpPr>
+          <p:cNvPr id="184" name="TextBox 183"/>
           <p:cNvSpPr txBox="1"/>
           <p:nvPr/>
         </p:nvSpPr>
         <p:spPr>
           <a:xfrm>
-            <a:off x="7549012" y="5366097"/>
-            <a:ext cx="954489" cy="169277"/>
+            <a:off x="-463872" y="9741728"/>
+            <a:ext cx="762000" cy="169277"/>
           </a:xfrm>
           <a:prstGeom prst="rect">
             <a:avLst/>
@@ -6849,39 +6944,76 @@
           </a:lstStyle>
           <a:p>
             <a:r>
-              <a:rPr lang="en-US" sz="1100" dirty="0" smtClean="0">
+              <a:rPr lang="en-US" sz="1100" dirty="0">
                 <a:solidFill>
-                  <a:schemeClr val="accent4">
-                    <a:lumMod val="75000"/>
-                  </a:schemeClr>
+                  <a:srgbClr val="00B050"/>
                 </a:solidFill>
               </a:rPr>
-              <a:t>updateMode()</a:t>
-            </a:r>
-            <a:endParaRPr lang="en-US" sz="1100" dirty="0"/>
-          </a:p>
-        </p:txBody>
-      </p:sp>
-      <p:sp>
-        <p:nvSpPr>
-          <p:cNvPr id="154" name="Rectangle 153"/>
+              <a:t>result</a:t>
+            </a:r>
+          </a:p>
+        </p:txBody>
+      </p:sp>
+      <p:cxnSp>
+        <p:nvCxnSpPr>
+          <p:cNvPr id="92" name="Curved Connector 91"/>
+          <p:cNvCxnSpPr/>
+          <p:nvPr/>
+        </p:nvCxnSpPr>
+        <p:spPr>
+          <a:xfrm rot="16200000" flipH="1">
+            <a:off x="7183362" y="6834341"/>
+            <a:ext cx="156923" cy="76200"/>
+          </a:xfrm>
+          <a:prstGeom prst="curvedConnector4">
+            <a:avLst>
+              <a:gd name="adj1" fmla="val -1"/>
+              <a:gd name="adj2" fmla="val 434948"/>
+            </a:avLst>
+          </a:prstGeom>
+          <a:ln w="19050">
+            <a:solidFill>
+              <a:srgbClr val="0070C0"/>
+            </a:solidFill>
+            <a:prstDash val="sysDash"/>
+            <a:tailEnd type="triangle"/>
+          </a:ln>
+        </p:spPr>
+        <p:style>
+          <a:lnRef idx="1">
+            <a:schemeClr val="accent1"/>
+          </a:lnRef>
+          <a:fillRef idx="0">
+            <a:schemeClr val="accent1"/>
+          </a:fillRef>
+          <a:effectRef idx="0">
+            <a:schemeClr val="accent1"/>
+          </a:effectRef>
+          <a:fontRef idx="minor">
+            <a:schemeClr val="tx1"/>
+          </a:fontRef>
+        </p:style>
+      </p:cxnSp>
+      <p:sp>
+        <p:nvSpPr>
+          <p:cNvPr id="96" name="Rectangle 95"/>
           <p:cNvSpPr/>
           <p:nvPr/>
         </p:nvSpPr>
         <p:spPr>
           <a:xfrm>
-            <a:off x="8566865" y="5562601"/>
-            <a:ext cx="153193" cy="194286"/>
+            <a:off x="7255136" y="6209152"/>
+            <a:ext cx="130260" cy="586547"/>
           </a:xfrm>
           <a:prstGeom prst="rect">
             <a:avLst/>
           </a:prstGeom>
           <a:solidFill>
-            <a:srgbClr val="7030A0"/>
+            <a:srgbClr val="0070C0"/>
           </a:solidFill>
-          <a:ln>
+          <a:ln w="12700">
             <a:solidFill>
-              <a:srgbClr val="7030A0"/>
+              <a:schemeClr val="bg1"/>
             </a:solidFill>
           </a:ln>
           <a:effectLst/>
@@ -6909,18 +7041,63 @@
           </a:p>
         </p:txBody>
       </p:sp>
+      <p:sp>
+        <p:nvSpPr>
+          <p:cNvPr id="97" name="Rectangle 96"/>
+          <p:cNvSpPr/>
+          <p:nvPr/>
+        </p:nvSpPr>
+        <p:spPr>
+          <a:xfrm>
+            <a:off x="8168935" y="6494147"/>
+            <a:ext cx="148170" cy="135499"/>
+          </a:xfrm>
+          <a:prstGeom prst="rect">
+            <a:avLst/>
+          </a:prstGeom>
+          <a:solidFill>
+            <a:srgbClr val="0070C0"/>
+          </a:solidFill>
+          <a:ln>
+            <a:solidFill>
+              <a:srgbClr val="0070C0"/>
+            </a:solidFill>
+          </a:ln>
+          <a:effectLst/>
+        </p:spPr>
+        <p:style>
+          <a:lnRef idx="1">
+            <a:schemeClr val="accent3"/>
+          </a:lnRef>
+          <a:fillRef idx="2">
+            <a:schemeClr val="accent3"/>
+          </a:fillRef>
+          <a:effectRef idx="1">
+            <a:schemeClr val="accent3"/>
+          </a:effectRef>
+          <a:fontRef idx="minor">
+            <a:schemeClr val="dk1"/>
+          </a:fontRef>
+        </p:style>
+        <p:txBody>
+          <a:bodyPr rtlCol="0" anchor="ctr"/>
+          <a:lstStyle/>
+          <a:p>
+            <a:pPr algn="ctr"/>
+            <a:endParaRPr lang="en-SG" sz="1400"/>
+          </a:p>
+        </p:txBody>
+      </p:sp>
       <p:cxnSp>
         <p:nvCxnSpPr>
-          <p:cNvPr id="155" name="Straight Arrow Connector 154"/>
-          <p:cNvCxnSpPr>
-            <a:cxnSpLocks/>
-          </p:cNvCxnSpPr>
+          <p:cNvPr id="98" name="Straight Arrow Connector 97"/>
+          <p:cNvCxnSpPr/>
           <p:nvPr/>
         </p:nvCxnSpPr>
         <p:spPr>
-          <a:xfrm>
-            <a:off x="7356520" y="5562600"/>
-            <a:ext cx="1210345" cy="0"/>
+          <a:xfrm flipV="1">
+            <a:off x="7372212" y="6331075"/>
+            <a:ext cx="261909" cy="0"/>
           </a:xfrm>
           <a:prstGeom prst="straightConnector1">
             <a:avLst/>
@@ -6949,29 +7126,21 @@
       </p:cxnSp>
       <p:cxnSp>
         <p:nvCxnSpPr>
-          <p:cNvPr id="156" name="Straight Arrow Connector 155">
-            <a:extLst>
-              <a:ext uri="{FF2B5EF4-FFF2-40B4-BE49-F238E27FC236}">
-                <a16:creationId xmlns:a16="http://schemas.microsoft.com/office/drawing/2014/main" xmlns="" id="{7C9F21BC-13A9-471F-825A-2621FD36355F}"/>
-              </a:ext>
-            </a:extLst>
-          </p:cNvPr>
-          <p:cNvCxnSpPr>
-            <a:cxnSpLocks/>
-          </p:cNvCxnSpPr>
+          <p:cNvPr id="99" name="Straight Arrow Connector 98"/>
+          <p:cNvCxnSpPr/>
           <p:nvPr/>
         </p:nvCxnSpPr>
         <p:spPr>
-          <a:xfrm>
-            <a:off x="7333556" y="5756887"/>
-            <a:ext cx="1296056" cy="0"/>
+          <a:xfrm flipV="1">
+            <a:off x="7372212" y="6629646"/>
+            <a:ext cx="932859" cy="0"/>
           </a:xfrm>
           <a:prstGeom prst="straightConnector1">
             <a:avLst/>
           </a:prstGeom>
           <a:ln w="19050">
             <a:solidFill>
-              <a:srgbClr val="7030A0"/>
+              <a:srgbClr val="0070C0"/>
             </a:solidFill>
             <a:prstDash val="sysDash"/>
             <a:headEnd type="arrow" w="med" len="med"/>
@@ -6993,16 +7162,153 @@
           </a:fontRef>
         </p:style>
       </p:cxnSp>
-      <p:sp>
-        <p:nvSpPr>
-          <p:cNvPr id="170" name="TextBox 169"/>
+      <p:cxnSp>
+        <p:nvCxnSpPr>
+          <p:cNvPr id="102" name="Straight Connector 101"/>
+          <p:cNvCxnSpPr>
+            <a:cxnSpLocks/>
+          </p:cNvCxnSpPr>
+          <p:nvPr/>
+        </p:nvCxnSpPr>
+        <p:spPr>
+          <a:xfrm>
+            <a:off x="8243020" y="6265272"/>
+            <a:ext cx="0" cy="3107328"/>
+          </a:xfrm>
+          <a:prstGeom prst="line">
+            <a:avLst/>
+          </a:prstGeom>
+          <a:ln w="19050">
+            <a:solidFill>
+              <a:srgbClr val="0070C0"/>
+            </a:solidFill>
+            <a:prstDash val="sysDash"/>
+          </a:ln>
+          <a:effectLst/>
+        </p:spPr>
+        <p:style>
+          <a:lnRef idx="1">
+            <a:schemeClr val="accent1"/>
+          </a:lnRef>
+          <a:fillRef idx="2">
+            <a:schemeClr val="accent1"/>
+          </a:fillRef>
+          <a:effectRef idx="1">
+            <a:schemeClr val="accent1"/>
+          </a:effectRef>
+          <a:fontRef idx="minor">
+            <a:schemeClr val="dk1"/>
+          </a:fontRef>
+        </p:style>
+      </p:cxnSp>
+      <p:sp>
+        <p:nvSpPr>
+          <p:cNvPr id="104" name="Rectangle 62"/>
+          <p:cNvSpPr/>
+          <p:nvPr/>
+        </p:nvSpPr>
+        <p:spPr>
+          <a:xfrm>
+            <a:off x="7634121" y="6146457"/>
+            <a:ext cx="1286425" cy="369236"/>
+          </a:xfrm>
+          <a:prstGeom prst="rect">
+            <a:avLst/>
+          </a:prstGeom>
+          <a:solidFill>
+            <a:srgbClr val="0070C0"/>
+          </a:solidFill>
+          <a:ln w="19050">
+            <a:solidFill>
+              <a:srgbClr val="0070C0"/>
+            </a:solidFill>
+          </a:ln>
+          <a:effectLst/>
+        </p:spPr>
+        <p:style>
+          <a:lnRef idx="1">
+            <a:schemeClr val="accent2"/>
+          </a:lnRef>
+          <a:fillRef idx="2">
+            <a:schemeClr val="accent2"/>
+          </a:fillRef>
+          <a:effectRef idx="1">
+            <a:schemeClr val="accent2"/>
+          </a:effectRef>
+          <a:fontRef idx="minor">
+            <a:schemeClr val="dk1"/>
+          </a:fontRef>
+        </p:style>
+        <p:txBody>
+          <a:bodyPr rtlCol="0" anchor="ctr"/>
+          <a:lstStyle/>
+          <a:p>
+            <a:pPr algn="ctr"/>
+            <a:r>
+              <a:rPr lang="en-US" sz="1200" dirty="0" smtClean="0">
+                <a:solidFill>
+                  <a:schemeClr val="bg1"/>
+                </a:solidFill>
+              </a:rPr>
+              <a:t>result:CommandResult</a:t>
+            </a:r>
+            <a:endParaRPr lang="en-SG" sz="1200" dirty="0">
+              <a:solidFill>
+                <a:schemeClr val="bg1"/>
+              </a:solidFill>
+            </a:endParaRPr>
+          </a:p>
+        </p:txBody>
+      </p:sp>
+      <p:cxnSp>
+        <p:nvCxnSpPr>
+          <p:cNvPr id="105" name="Curved Connector 104"/>
+          <p:cNvCxnSpPr/>
+          <p:nvPr/>
+        </p:nvCxnSpPr>
+        <p:spPr>
+          <a:xfrm rot="16200000" flipH="1">
+            <a:off x="7201294" y="6076978"/>
+            <a:ext cx="156923" cy="76200"/>
+          </a:xfrm>
+          <a:prstGeom prst="curvedConnector4">
+            <a:avLst>
+              <a:gd name="adj1" fmla="val -1"/>
+              <a:gd name="adj2" fmla="val 337387"/>
+            </a:avLst>
+          </a:prstGeom>
+          <a:ln w="19050">
+            <a:solidFill>
+              <a:srgbClr val="0070C0"/>
+            </a:solidFill>
+            <a:tailEnd type="triangle"/>
+          </a:ln>
+        </p:spPr>
+        <p:style>
+          <a:lnRef idx="1">
+            <a:schemeClr val="accent1"/>
+          </a:lnRef>
+          <a:fillRef idx="0">
+            <a:schemeClr val="accent1"/>
+          </a:fillRef>
+          <a:effectRef idx="0">
+            <a:schemeClr val="accent1"/>
+          </a:effectRef>
+          <a:fontRef idx="minor">
+            <a:schemeClr val="tx1"/>
+          </a:fontRef>
+        </p:style>
+      </p:cxnSp>
+      <p:sp>
+        <p:nvSpPr>
+          <p:cNvPr id="107" name="TextBox 106"/>
           <p:cNvSpPr txBox="1"/>
           <p:nvPr/>
         </p:nvSpPr>
         <p:spPr>
           <a:xfrm>
-            <a:off x="7231222" y="6091173"/>
-            <a:ext cx="769778" cy="507831"/>
+            <a:off x="7182607" y="6904269"/>
+            <a:ext cx="621216" cy="169277"/>
           </a:xfrm>
           <a:prstGeom prst="rect">
             <a:avLst/>
@@ -7028,60 +7334,132 @@
           <a:p>
             <a:r>
               <a:rPr lang="en-US" sz="1100" dirty="0"/>
-              <a:t>g</a:t>
-            </a:r>
-            <a:r>
-              <a:rPr lang="en-US" sz="1100" dirty="0" smtClean="0"/>
-              <a:t>enerate</a:t>
-            </a:r>
-            <a:r>
-              <a:rPr lang="en-US" sz="1100" smtClean="0"/>
-              <a:t/>
-            </a:r>
-            <a:br>
-              <a:rPr lang="en-US" sz="1100" smtClean="0"/>
-            </a:br>
-            <a:r>
-              <a:rPr lang="en-US" sz="1100" smtClean="0"/>
-              <a:t>Command</a:t>
-            </a:r>
-            <a:br>
-              <a:rPr lang="en-US" sz="1100" smtClean="0"/>
-            </a:br>
-            <a:r>
-              <a:rPr lang="en-US" sz="1100" smtClean="0"/>
-              <a:t>Result</a:t>
-            </a:r>
-            <a:r>
-              <a:rPr lang="en-US" sz="1100" dirty="0" smtClean="0"/>
-              <a:t>()</a:t>
-            </a:r>
-            <a:endParaRPr lang="en-US" sz="1100" dirty="0"/>
+              <a:t>result</a:t>
+            </a:r>
+          </a:p>
+        </p:txBody>
+      </p:sp>
+      <p:sp>
+        <p:nvSpPr>
+          <p:cNvPr id="108" name="Rectangle 107"/>
+          <p:cNvSpPr/>
+          <p:nvPr/>
+        </p:nvSpPr>
+        <p:spPr>
+          <a:xfrm>
+            <a:off x="8168563" y="7495667"/>
+            <a:ext cx="136508" cy="236591"/>
+          </a:xfrm>
+          <a:prstGeom prst="rect">
+            <a:avLst/>
+          </a:prstGeom>
+          <a:solidFill>
+            <a:srgbClr val="0070C0"/>
+          </a:solidFill>
+          <a:ln>
+            <a:solidFill>
+              <a:srgbClr val="0070C0"/>
+            </a:solidFill>
+          </a:ln>
+          <a:effectLst/>
+        </p:spPr>
+        <p:style>
+          <a:lnRef idx="1">
+            <a:schemeClr val="accent3"/>
+          </a:lnRef>
+          <a:fillRef idx="2">
+            <a:schemeClr val="accent3"/>
+          </a:fillRef>
+          <a:effectRef idx="1">
+            <a:schemeClr val="accent3"/>
+          </a:effectRef>
+          <a:fontRef idx="minor">
+            <a:schemeClr val="dk1"/>
+          </a:fontRef>
+        </p:style>
+        <p:txBody>
+          <a:bodyPr rtlCol="0" anchor="ctr"/>
+          <a:lstStyle/>
+          <a:p>
+            <a:pPr algn="ctr"/>
+            <a:endParaRPr lang="en-SG" sz="1400"/>
+          </a:p>
+        </p:txBody>
+      </p:sp>
+      <p:sp>
+        <p:nvSpPr>
+          <p:cNvPr id="109" name="Rectangle 108"/>
+          <p:cNvSpPr/>
+          <p:nvPr/>
+        </p:nvSpPr>
+        <p:spPr>
+          <a:xfrm>
+            <a:off x="8180597" y="8792402"/>
+            <a:ext cx="136508" cy="236591"/>
+          </a:xfrm>
+          <a:prstGeom prst="rect">
+            <a:avLst/>
+          </a:prstGeom>
+          <a:solidFill>
+            <a:srgbClr val="0070C0"/>
+          </a:solidFill>
+          <a:ln>
+            <a:solidFill>
+              <a:srgbClr val="0070C0"/>
+            </a:solidFill>
+          </a:ln>
+          <a:effectLst/>
+        </p:spPr>
+        <p:style>
+          <a:lnRef idx="1">
+            <a:schemeClr val="accent3"/>
+          </a:lnRef>
+          <a:fillRef idx="2">
+            <a:schemeClr val="accent3"/>
+          </a:fillRef>
+          <a:effectRef idx="1">
+            <a:schemeClr val="accent3"/>
+          </a:effectRef>
+          <a:fontRef idx="minor">
+            <a:schemeClr val="dk1"/>
+          </a:fontRef>
+        </p:style>
+        <p:txBody>
+          <a:bodyPr rtlCol="0" anchor="ctr"/>
+          <a:lstStyle/>
+          <a:p>
+            <a:pPr algn="ctr"/>
+            <a:endParaRPr lang="en-SG" sz="1400"/>
           </a:p>
         </p:txBody>
       </p:sp>
       <p:cxnSp>
         <p:nvCxnSpPr>
-          <p:cNvPr id="174" name="Curved Connector 173"/>
-          <p:cNvCxnSpPr/>
+          <p:cNvPr id="110" name="Straight Arrow Connector 109">
+            <a:extLst>
+              <a:ext uri="{FF2B5EF4-FFF2-40B4-BE49-F238E27FC236}">
+                <a16:creationId xmlns="" xmlns:a16="http://schemas.microsoft.com/office/drawing/2014/main" id="{39916E2E-195A-4DC8-B025-B05FA87E6796}"/>
+              </a:ext>
+            </a:extLst>
+          </p:cNvPr>
+          <p:cNvCxnSpPr>
+            <a:cxnSpLocks/>
+          </p:cNvCxnSpPr>
           <p:nvPr/>
         </p:nvCxnSpPr>
         <p:spPr>
-          <a:xfrm rot="16200000" flipH="1">
-            <a:off x="2820205" y="6514648"/>
-            <a:ext cx="156923" cy="76200"/>
-          </a:xfrm>
-          <a:prstGeom prst="curvedConnector4">
-            <a:avLst>
-              <a:gd name="adj1" fmla="val -1"/>
-              <a:gd name="adj2" fmla="val 359406"/>
-            </a:avLst>
+          <a:xfrm>
+            <a:off x="2936138" y="7510585"/>
+            <a:ext cx="5226578" cy="0"/>
+          </a:xfrm>
+          <a:prstGeom prst="straightConnector1">
+            <a:avLst/>
           </a:prstGeom>
           <a:ln w="19050">
             <a:solidFill>
               <a:srgbClr val="0070C0"/>
             </a:solidFill>
-            <a:tailEnd type="triangle"/>
+            <a:tailEnd type="arrow"/>
           </a:ln>
         </p:spPr>
         <p:style>
@@ -7099,16 +7477,62 @@
           </a:fontRef>
         </p:style>
       </p:cxnSp>
-      <p:sp>
-        <p:nvSpPr>
-          <p:cNvPr id="181" name="TextBox 180"/>
+      <p:cxnSp>
+        <p:nvCxnSpPr>
+          <p:cNvPr id="112" name="Straight Arrow Connector 111">
+            <a:extLst>
+              <a:ext uri="{FF2B5EF4-FFF2-40B4-BE49-F238E27FC236}">
+                <a16:creationId xmlns="" xmlns:a16="http://schemas.microsoft.com/office/drawing/2014/main" id="{7C9F21BC-13A9-471F-825A-2621FD36355F}"/>
+              </a:ext>
+            </a:extLst>
+          </p:cNvPr>
+          <p:cNvCxnSpPr>
+            <a:cxnSpLocks/>
+          </p:cNvCxnSpPr>
+          <p:nvPr/>
+        </p:nvCxnSpPr>
+        <p:spPr>
+          <a:xfrm>
+            <a:off x="2936138" y="7728874"/>
+            <a:ext cx="5261173" cy="0"/>
+          </a:xfrm>
+          <a:prstGeom prst="straightConnector1">
+            <a:avLst/>
+          </a:prstGeom>
+          <a:ln w="19050">
+            <a:solidFill>
+              <a:srgbClr val="0070C0"/>
+            </a:solidFill>
+            <a:prstDash val="sysDash"/>
+            <a:headEnd type="arrow" w="med" len="med"/>
+            <a:tailEnd type="none" w="med" len="med"/>
+          </a:ln>
+        </p:spPr>
+        <p:style>
+          <a:lnRef idx="1">
+            <a:schemeClr val="accent1"/>
+          </a:lnRef>
+          <a:fillRef idx="0">
+            <a:schemeClr val="accent1"/>
+          </a:fillRef>
+          <a:effectRef idx="0">
+            <a:schemeClr val="accent1"/>
+          </a:effectRef>
+          <a:fontRef idx="minor">
+            <a:schemeClr val="tx1"/>
+          </a:fontRef>
+        </p:style>
+      </p:cxnSp>
+      <p:sp>
+        <p:nvSpPr>
+          <p:cNvPr id="113" name="TextBox 112"/>
           <p:cNvSpPr txBox="1"/>
           <p:nvPr/>
         </p:nvSpPr>
         <p:spPr>
           <a:xfrm>
-            <a:off x="838200" y="7340131"/>
-            <a:ext cx="2438400" cy="170454"/>
+            <a:off x="5277039" y="7271285"/>
+            <a:ext cx="1517361" cy="169277"/>
           </a:xfrm>
           <a:prstGeom prst="rect">
             <a:avLst/>
@@ -7132,117 +7556,25 @@
             </a:lvl1pPr>
           </a:lstStyle>
           <a:p>
-            <a:r>
-              <a:rPr lang="en-US" sz="1100" smtClean="0">
-                <a:solidFill>
-                  <a:srgbClr val="00B050"/>
-                </a:solidFill>
-              </a:rPr>
-              <a:t>handleChangeMode</a:t>
-            </a:r>
-            <a:r>
-              <a:rPr lang="en-US" sz="1100" dirty="0" smtClean="0">
-                <a:solidFill>
-                  <a:srgbClr val="00B050"/>
-                </a:solidFill>
-              </a:rPr>
-              <a:t>(TABLE_MODE)</a:t>
-            </a:r>
-            <a:endParaRPr lang="en-US" sz="1100" dirty="0">
-              <a:solidFill>
-                <a:srgbClr val="00B050"/>
-              </a:solidFill>
-            </a:endParaRPr>
-          </a:p>
-        </p:txBody>
-      </p:sp>
-      <p:cxnSp>
-        <p:nvCxnSpPr>
-          <p:cNvPr id="182" name="Curved Connector 181"/>
-          <p:cNvCxnSpPr/>
-          <p:nvPr/>
-        </p:nvCxnSpPr>
-        <p:spPr>
-          <a:xfrm rot="16200000" flipH="1">
-            <a:off x="752535" y="7190532"/>
-            <a:ext cx="156923" cy="76200"/>
-          </a:xfrm>
-          <a:prstGeom prst="curvedConnector4">
-            <a:avLst>
-              <a:gd name="adj1" fmla="val -1"/>
-              <a:gd name="adj2" fmla="val 359406"/>
-            </a:avLst>
-          </a:prstGeom>
-          <a:ln w="19050">
-            <a:solidFill>
-              <a:srgbClr val="00B050"/>
-            </a:solidFill>
-            <a:tailEnd type="triangle"/>
-          </a:ln>
-        </p:spPr>
-        <p:style>
-          <a:lnRef idx="1">
-            <a:schemeClr val="accent1"/>
-          </a:lnRef>
-          <a:fillRef idx="0">
-            <a:schemeClr val="accent1"/>
-          </a:fillRef>
-          <a:effectRef idx="0">
-            <a:schemeClr val="accent1"/>
-          </a:effectRef>
-          <a:fontRef idx="minor">
-            <a:schemeClr val="tx1"/>
-          </a:fontRef>
-        </p:style>
-      </p:cxnSp>
-      <p:cxnSp>
-        <p:nvCxnSpPr>
-          <p:cNvPr id="183" name="Straight Arrow Connector 182"/>
-          <p:cNvCxnSpPr/>
-          <p:nvPr/>
-        </p:nvCxnSpPr>
-        <p:spPr>
-          <a:xfrm>
-            <a:off x="-1318970" y="7467599"/>
-            <a:ext cx="1954659" cy="1"/>
-          </a:xfrm>
-          <a:prstGeom prst="straightConnector1">
-            <a:avLst/>
-          </a:prstGeom>
-          <a:ln w="19050">
-            <a:solidFill>
-              <a:srgbClr val="00B050"/>
-            </a:solidFill>
-            <a:prstDash val="sysDash"/>
-            <a:headEnd type="arrow" w="med" len="med"/>
-            <a:tailEnd type="none" w="med" len="med"/>
-          </a:ln>
-        </p:spPr>
-        <p:style>
-          <a:lnRef idx="1">
-            <a:schemeClr val="accent1"/>
-          </a:lnRef>
-          <a:fillRef idx="0">
-            <a:schemeClr val="accent1"/>
-          </a:fillRef>
-          <a:effectRef idx="0">
-            <a:schemeClr val="accent1"/>
-          </a:effectRef>
-          <a:fontRef idx="minor">
-            <a:schemeClr val="tx1"/>
-          </a:fontRef>
-        </p:style>
-      </p:cxnSp>
-      <p:sp>
-        <p:nvSpPr>
-          <p:cNvPr id="184" name="TextBox 183"/>
+            <a:pPr algn="l"/>
+            <a:r>
+              <a:rPr lang="en-US" sz="1100" dirty="0" smtClean="0"/>
+              <a:t>newModeStatus()</a:t>
+            </a:r>
+            <a:endParaRPr lang="en-US" sz="1100" dirty="0"/>
+          </a:p>
+        </p:txBody>
+      </p:sp>
+      <p:sp>
+        <p:nvSpPr>
+          <p:cNvPr id="114" name="TextBox 113"/>
           <p:cNvSpPr txBox="1"/>
           <p:nvPr/>
         </p:nvSpPr>
         <p:spPr>
           <a:xfrm>
-            <a:off x="-582128" y="7247073"/>
-            <a:ext cx="762000" cy="169277"/>
+            <a:off x="5354295" y="7534601"/>
+            <a:ext cx="1183196" cy="169277"/>
           </a:xfrm>
           <a:prstGeom prst="rect">
             <a:avLst/>
@@ -7266,17 +7598,539 @@
             </a:lvl1pPr>
           </a:lstStyle>
           <a:p>
-            <a:r>
-              <a:rPr lang="en-US" sz="1100" dirty="0">
+            <a:pPr algn="l"/>
+            <a:r>
+              <a:rPr lang="en-US" sz="1100" dirty="0" smtClean="0"/>
+              <a:t>TABLE</a:t>
+            </a:r>
+            <a:r>
+              <a:rPr lang="en-US" sz="1100" dirty="0" smtClean="0"/>
+              <a:t>_MODE</a:t>
+            </a:r>
+            <a:endParaRPr lang="en-US" sz="1100" dirty="0"/>
+          </a:p>
+        </p:txBody>
+      </p:sp>
+      <p:sp>
+        <p:nvSpPr>
+          <p:cNvPr id="120" name="TextBox 119"/>
+          <p:cNvSpPr txBox="1"/>
+          <p:nvPr/>
+        </p:nvSpPr>
+        <p:spPr>
+          <a:xfrm>
+            <a:off x="3175900" y="7954485"/>
+            <a:ext cx="2039856" cy="169277"/>
+          </a:xfrm>
+          <a:prstGeom prst="rect">
+            <a:avLst/>
+          </a:prstGeom>
+          <a:noFill/>
+        </p:spPr>
+        <p:txBody>
+          <a:bodyPr wrap="square" lIns="0" tIns="0" rIns="0" bIns="0" rtlCol="0">
+            <a:spAutoFit/>
+          </a:bodyPr>
+          <a:lstStyle>
+            <a:defPPr>
+              <a:defRPr lang="en-US"/>
+            </a:defPPr>
+            <a:lvl1pPr algn="r">
+              <a:defRPr sz="1400">
+                <a:solidFill>
+                  <a:srgbClr val="0070C0"/>
+                </a:solidFill>
+              </a:defRPr>
+            </a:lvl1pPr>
+          </a:lstStyle>
+          <a:p>
+            <a:pPr algn="l"/>
+            <a:r>
+              <a:rPr lang="en-US" sz="1100" dirty="0" smtClean="0"/>
+              <a:t>changeMode(TABLE_MODE</a:t>
+            </a:r>
+            <a:r>
+              <a:rPr lang="en-US" sz="1100" dirty="0" smtClean="0"/>
+              <a:t>)</a:t>
+            </a:r>
+            <a:endParaRPr lang="en-US" sz="1100" dirty="0"/>
+          </a:p>
+        </p:txBody>
+      </p:sp>
+      <p:cxnSp>
+        <p:nvCxnSpPr>
+          <p:cNvPr id="121" name="Curved Connector 120"/>
+          <p:cNvCxnSpPr/>
+          <p:nvPr/>
+        </p:nvCxnSpPr>
+        <p:spPr>
+          <a:xfrm rot="16200000" flipH="1">
+            <a:off x="2793796" y="8330506"/>
+            <a:ext cx="156923" cy="76200"/>
+          </a:xfrm>
+          <a:prstGeom prst="curvedConnector4">
+            <a:avLst>
+              <a:gd name="adj1" fmla="val -1"/>
+              <a:gd name="adj2" fmla="val 434948"/>
+            </a:avLst>
+          </a:prstGeom>
+          <a:ln w="19050">
+            <a:solidFill>
+              <a:srgbClr val="0070C0"/>
+            </a:solidFill>
+            <a:prstDash val="sysDash"/>
+            <a:tailEnd type="triangle"/>
+          </a:ln>
+        </p:spPr>
+        <p:style>
+          <a:lnRef idx="1">
+            <a:schemeClr val="accent1"/>
+          </a:lnRef>
+          <a:fillRef idx="0">
+            <a:schemeClr val="accent1"/>
+          </a:fillRef>
+          <a:effectRef idx="0">
+            <a:schemeClr val="accent1"/>
+          </a:effectRef>
+          <a:fontRef idx="minor">
+            <a:schemeClr val="tx1"/>
+          </a:fontRef>
+        </p:style>
+      </p:cxnSp>
+      <p:sp>
+        <p:nvSpPr>
+          <p:cNvPr id="122" name="Rectangle 121"/>
+          <p:cNvSpPr/>
+          <p:nvPr/>
+        </p:nvSpPr>
+        <p:spPr>
+          <a:xfrm>
+            <a:off x="2854045" y="8100231"/>
+            <a:ext cx="144427" cy="185240"/>
+          </a:xfrm>
+          <a:prstGeom prst="rect">
+            <a:avLst/>
+          </a:prstGeom>
+          <a:solidFill>
+            <a:srgbClr val="0070C0"/>
+          </a:solidFill>
+          <a:ln w="12700">
+            <a:solidFill>
+              <a:schemeClr val="bg1"/>
+            </a:solidFill>
+          </a:ln>
+          <a:effectLst/>
+        </p:spPr>
+        <p:style>
+          <a:lnRef idx="1">
+            <a:schemeClr val="accent3"/>
+          </a:lnRef>
+          <a:fillRef idx="2">
+            <a:schemeClr val="accent3"/>
+          </a:fillRef>
+          <a:effectRef idx="1">
+            <a:schemeClr val="accent3"/>
+          </a:effectRef>
+          <a:fontRef idx="minor">
+            <a:schemeClr val="dk1"/>
+          </a:fontRef>
+        </p:style>
+        <p:txBody>
+          <a:bodyPr rtlCol="0" anchor="ctr"/>
+          <a:lstStyle/>
+          <a:p>
+            <a:pPr algn="ctr"/>
+            <a:endParaRPr lang="en-SG" sz="1400"/>
+          </a:p>
+        </p:txBody>
+      </p:sp>
+      <p:cxnSp>
+        <p:nvCxnSpPr>
+          <p:cNvPr id="123" name="Curved Connector 122"/>
+          <p:cNvCxnSpPr/>
+          <p:nvPr/>
+        </p:nvCxnSpPr>
+        <p:spPr>
+          <a:xfrm rot="16200000" flipH="1">
+            <a:off x="2798938" y="7952012"/>
+            <a:ext cx="156923" cy="76200"/>
+          </a:xfrm>
+          <a:prstGeom prst="curvedConnector4">
+            <a:avLst>
+              <a:gd name="adj1" fmla="val -1"/>
+              <a:gd name="adj2" fmla="val 359406"/>
+            </a:avLst>
+          </a:prstGeom>
+          <a:ln w="19050">
+            <a:solidFill>
+              <a:srgbClr val="0070C0"/>
+            </a:solidFill>
+            <a:tailEnd type="triangle"/>
+          </a:ln>
+        </p:spPr>
+        <p:style>
+          <a:lnRef idx="1">
+            <a:schemeClr val="accent1"/>
+          </a:lnRef>
+          <a:fillRef idx="0">
+            <a:schemeClr val="accent1"/>
+          </a:fillRef>
+          <a:effectRef idx="0">
+            <a:schemeClr val="accent1"/>
+          </a:effectRef>
+          <a:fontRef idx="minor">
+            <a:schemeClr val="tx1"/>
+          </a:fontRef>
+        </p:style>
+      </p:cxnSp>
+      <p:sp>
+        <p:nvSpPr>
+          <p:cNvPr id="125" name="TextBox 124"/>
+          <p:cNvSpPr txBox="1"/>
+          <p:nvPr/>
+        </p:nvSpPr>
+        <p:spPr>
+          <a:xfrm>
+            <a:off x="1128224" y="9331507"/>
+            <a:ext cx="2438400" cy="170454"/>
+          </a:xfrm>
+          <a:prstGeom prst="rect">
+            <a:avLst/>
+          </a:prstGeom>
+          <a:noFill/>
+        </p:spPr>
+        <p:txBody>
+          <a:bodyPr wrap="square" lIns="0" tIns="0" rIns="0" bIns="0" rtlCol="0">
+            <a:spAutoFit/>
+          </a:bodyPr>
+          <a:lstStyle>
+            <a:defPPr>
+              <a:defRPr lang="en-US"/>
+            </a:defPPr>
+            <a:lvl1pPr algn="r">
+              <a:defRPr sz="1400">
+                <a:solidFill>
+                  <a:srgbClr val="0070C0"/>
+                </a:solidFill>
+              </a:defRPr>
+            </a:lvl1pPr>
+          </a:lstStyle>
+          <a:p>
+            <a:pPr algn="l"/>
+            <a:r>
+              <a:rPr lang="en-US" sz="1100" dirty="0" smtClean="0">
                 <a:solidFill>
                   <a:srgbClr val="00B050"/>
                 </a:solidFill>
               </a:rPr>
-              <a:t>result</a:t>
-            </a:r>
-          </a:p>
-        </p:txBody>
-      </p:sp>
+              <a:t>handleChangeMode(TABLE_MODE</a:t>
+            </a:r>
+            <a:r>
+              <a:rPr lang="en-US" sz="1100" dirty="0" smtClean="0">
+                <a:solidFill>
+                  <a:srgbClr val="00B050"/>
+                </a:solidFill>
+              </a:rPr>
+              <a:t>)</a:t>
+            </a:r>
+            <a:endParaRPr lang="en-US" sz="1100" dirty="0">
+              <a:solidFill>
+                <a:srgbClr val="00B050"/>
+              </a:solidFill>
+            </a:endParaRPr>
+          </a:p>
+        </p:txBody>
+      </p:sp>
+      <p:cxnSp>
+        <p:nvCxnSpPr>
+          <p:cNvPr id="127" name="Curved Connector 126"/>
+          <p:cNvCxnSpPr/>
+          <p:nvPr/>
+        </p:nvCxnSpPr>
+        <p:spPr>
+          <a:xfrm rot="16200000" flipH="1">
+            <a:off x="735679" y="9300172"/>
+            <a:ext cx="156923" cy="76200"/>
+          </a:xfrm>
+          <a:prstGeom prst="curvedConnector4">
+            <a:avLst>
+              <a:gd name="adj1" fmla="val -1"/>
+              <a:gd name="adj2" fmla="val 359406"/>
+            </a:avLst>
+          </a:prstGeom>
+          <a:ln w="19050">
+            <a:solidFill>
+              <a:srgbClr val="00B050"/>
+            </a:solidFill>
+            <a:tailEnd type="triangle"/>
+          </a:ln>
+        </p:spPr>
+        <p:style>
+          <a:lnRef idx="1">
+            <a:schemeClr val="accent1"/>
+          </a:lnRef>
+          <a:fillRef idx="0">
+            <a:schemeClr val="accent1"/>
+          </a:fillRef>
+          <a:effectRef idx="0">
+            <a:schemeClr val="accent1"/>
+          </a:effectRef>
+          <a:fontRef idx="minor">
+            <a:schemeClr val="tx1"/>
+          </a:fontRef>
+        </p:style>
+      </p:cxnSp>
+      <p:cxnSp>
+        <p:nvCxnSpPr>
+          <p:cNvPr id="128" name="Curved Connector 127"/>
+          <p:cNvCxnSpPr/>
+          <p:nvPr/>
+        </p:nvCxnSpPr>
+        <p:spPr>
+          <a:xfrm rot="16200000" flipH="1">
+            <a:off x="726687" y="9687123"/>
+            <a:ext cx="156923" cy="76200"/>
+          </a:xfrm>
+          <a:prstGeom prst="curvedConnector4">
+            <a:avLst>
+              <a:gd name="adj1" fmla="val -1"/>
+              <a:gd name="adj2" fmla="val 434948"/>
+            </a:avLst>
+          </a:prstGeom>
+          <a:ln w="19050">
+            <a:solidFill>
+              <a:srgbClr val="00B050"/>
+            </a:solidFill>
+            <a:prstDash val="sysDash"/>
+            <a:tailEnd type="triangle"/>
+          </a:ln>
+        </p:spPr>
+        <p:style>
+          <a:lnRef idx="1">
+            <a:schemeClr val="accent1"/>
+          </a:lnRef>
+          <a:fillRef idx="0">
+            <a:schemeClr val="accent1"/>
+          </a:fillRef>
+          <a:effectRef idx="0">
+            <a:schemeClr val="accent1"/>
+          </a:effectRef>
+          <a:fontRef idx="minor">
+            <a:schemeClr val="tx1"/>
+          </a:fontRef>
+        </p:style>
+      </p:cxnSp>
+      <p:sp>
+        <p:nvSpPr>
+          <p:cNvPr id="129" name="Rectangle 128"/>
+          <p:cNvSpPr/>
+          <p:nvPr/>
+        </p:nvSpPr>
+        <p:spPr>
+          <a:xfrm>
+            <a:off x="786936" y="9456848"/>
+            <a:ext cx="144427" cy="185240"/>
+          </a:xfrm>
+          <a:prstGeom prst="rect">
+            <a:avLst/>
+          </a:prstGeom>
+          <a:solidFill>
+            <a:srgbClr val="00B050"/>
+          </a:solidFill>
+          <a:ln w="12700">
+            <a:solidFill>
+              <a:schemeClr val="bg1"/>
+            </a:solidFill>
+          </a:ln>
+          <a:effectLst/>
+        </p:spPr>
+        <p:style>
+          <a:lnRef idx="1">
+            <a:schemeClr val="accent3"/>
+          </a:lnRef>
+          <a:fillRef idx="2">
+            <a:schemeClr val="accent3"/>
+          </a:fillRef>
+          <a:effectRef idx="1">
+            <a:schemeClr val="accent3"/>
+          </a:effectRef>
+          <a:fontRef idx="minor">
+            <a:schemeClr val="dk1"/>
+          </a:fontRef>
+        </p:style>
+        <p:txBody>
+          <a:bodyPr rtlCol="0" anchor="ctr"/>
+          <a:lstStyle/>
+          <a:p>
+            <a:pPr algn="ctr"/>
+            <a:endParaRPr lang="en-SG" sz="1400"/>
+          </a:p>
+        </p:txBody>
+      </p:sp>
+      <p:cxnSp>
+        <p:nvCxnSpPr>
+          <p:cNvPr id="130" name="Straight Arrow Connector 129"/>
+          <p:cNvCxnSpPr/>
+          <p:nvPr/>
+        </p:nvCxnSpPr>
+        <p:spPr>
+          <a:xfrm>
+            <a:off x="857925" y="8792402"/>
+            <a:ext cx="7308248" cy="0"/>
+          </a:xfrm>
+          <a:prstGeom prst="straightConnector1">
+            <a:avLst/>
+          </a:prstGeom>
+          <a:ln w="19050">
+            <a:solidFill>
+              <a:srgbClr val="00B050"/>
+            </a:solidFill>
+            <a:tailEnd type="arrow"/>
+          </a:ln>
+        </p:spPr>
+        <p:style>
+          <a:lnRef idx="1">
+            <a:schemeClr val="accent1"/>
+          </a:lnRef>
+          <a:fillRef idx="0">
+            <a:schemeClr val="accent1"/>
+          </a:fillRef>
+          <a:effectRef idx="0">
+            <a:schemeClr val="accent1"/>
+          </a:effectRef>
+          <a:fontRef idx="minor">
+            <a:schemeClr val="tx1"/>
+          </a:fontRef>
+        </p:style>
+      </p:cxnSp>
+      <p:sp>
+        <p:nvSpPr>
+          <p:cNvPr id="131" name="TextBox 130"/>
+          <p:cNvSpPr txBox="1"/>
+          <p:nvPr/>
+        </p:nvSpPr>
+        <p:spPr>
+          <a:xfrm>
+            <a:off x="4716969" y="8580002"/>
+            <a:ext cx="1183196" cy="169277"/>
+          </a:xfrm>
+          <a:prstGeom prst="rect">
+            <a:avLst/>
+          </a:prstGeom>
+          <a:noFill/>
+        </p:spPr>
+        <p:txBody>
+          <a:bodyPr wrap="square" lIns="0" tIns="0" rIns="0" bIns="0" rtlCol="0">
+            <a:spAutoFit/>
+          </a:bodyPr>
+          <a:lstStyle>
+            <a:defPPr>
+              <a:defRPr lang="en-US"/>
+            </a:defPPr>
+            <a:lvl1pPr algn="r">
+              <a:defRPr sz="1400">
+                <a:solidFill>
+                  <a:srgbClr val="0070C0"/>
+                </a:solidFill>
+              </a:defRPr>
+            </a:lvl1pPr>
+          </a:lstStyle>
+          <a:p>
+            <a:r>
+              <a:rPr lang="en-US" sz="1100" dirty="0" smtClean="0"/>
+              <a:t>newModeStatus()</a:t>
+            </a:r>
+            <a:endParaRPr lang="en-US" sz="1100" dirty="0"/>
+          </a:p>
+        </p:txBody>
+      </p:sp>
+      <p:sp>
+        <p:nvSpPr>
+          <p:cNvPr id="132" name="TextBox 131"/>
+          <p:cNvSpPr txBox="1"/>
+          <p:nvPr/>
+        </p:nvSpPr>
+        <p:spPr>
+          <a:xfrm>
+            <a:off x="4685441" y="8846442"/>
+            <a:ext cx="1183196" cy="169277"/>
+          </a:xfrm>
+          <a:prstGeom prst="rect">
+            <a:avLst/>
+          </a:prstGeom>
+          <a:noFill/>
+        </p:spPr>
+        <p:txBody>
+          <a:bodyPr wrap="square" lIns="0" tIns="0" rIns="0" bIns="0" rtlCol="0">
+            <a:spAutoFit/>
+          </a:bodyPr>
+          <a:lstStyle>
+            <a:defPPr>
+              <a:defRPr lang="en-US"/>
+            </a:defPPr>
+            <a:lvl1pPr algn="r">
+              <a:defRPr sz="1400">
+                <a:solidFill>
+                  <a:srgbClr val="0070C0"/>
+                </a:solidFill>
+              </a:defRPr>
+            </a:lvl1pPr>
+          </a:lstStyle>
+          <a:p>
+            <a:r>
+              <a:rPr lang="en-US" sz="1100" smtClean="0"/>
+              <a:t>TABLE_MODE</a:t>
+            </a:r>
+            <a:endParaRPr lang="en-US" sz="1100" dirty="0"/>
+          </a:p>
+        </p:txBody>
+      </p:sp>
+      <p:cxnSp>
+        <p:nvCxnSpPr>
+          <p:cNvPr id="133" name="Straight Arrow Connector 132">
+            <a:extLst>
+              <a:ext uri="{FF2B5EF4-FFF2-40B4-BE49-F238E27FC236}">
+                <a16:creationId xmlns="" xmlns:a16="http://schemas.microsoft.com/office/drawing/2014/main" id="{7C9F21BC-13A9-471F-825A-2621FD36355F}"/>
+              </a:ext>
+            </a:extLst>
+          </p:cNvPr>
+          <p:cNvCxnSpPr>
+            <a:cxnSpLocks/>
+          </p:cNvCxnSpPr>
+          <p:nvPr/>
+        </p:nvCxnSpPr>
+        <p:spPr>
+          <a:xfrm>
+            <a:off x="857925" y="9028993"/>
+            <a:ext cx="7350934" cy="0"/>
+          </a:xfrm>
+          <a:prstGeom prst="straightConnector1">
+            <a:avLst/>
+          </a:prstGeom>
+          <a:ln w="19050">
+            <a:solidFill>
+              <a:srgbClr val="0070C0"/>
+            </a:solidFill>
+            <a:prstDash val="sysDash"/>
+            <a:headEnd type="arrow" w="med" len="med"/>
+            <a:tailEnd type="none" w="med" len="med"/>
+          </a:ln>
+        </p:spPr>
+        <p:style>
+          <a:lnRef idx="1">
+            <a:schemeClr val="accent1"/>
+          </a:lnRef>
+          <a:fillRef idx="0">
+            <a:schemeClr val="accent1"/>
+          </a:fillRef>
+          <a:effectRef idx="0">
+            <a:schemeClr val="accent1"/>
+          </a:effectRef>
+          <a:fontRef idx="minor">
+            <a:schemeClr val="tx1"/>
+          </a:fontRef>
+        </p:style>
+      </p:cxnSp>
     </p:spTree>
     <p:extLst>
       <p:ext uri="{BB962C8B-B14F-4D97-AF65-F5344CB8AC3E}">

--- a/docs/diagrams/TableModeSequenceDiagram.pptx
+++ b/docs/diagrams/TableModeSequenceDiagram.pptx
@@ -5,10 +5,11 @@
     <p:sldMasterId id="2147483648" r:id="rId1"/>
   </p:sldMasterIdLst>
   <p:notesMasterIdLst>
-    <p:notesMasterId r:id="rId3"/>
+    <p:notesMasterId r:id="rId4"/>
   </p:notesMasterIdLst>
   <p:sldIdLst>
     <p:sldId id="267" r:id="rId2"/>
+    <p:sldId id="268" r:id="rId3"/>
   </p:sldIdLst>
   <p:sldSz cx="12192000" cy="6858000"/>
   <p:notesSz cx="6858000" cy="9144000"/>
@@ -212,7 +213,7 @@
           <a:p>
             <a:fld id="{F5CC4B3F-88C1-4FFA-B1B6-F41C21DC6924}" type="datetimeFigureOut">
               <a:rPr lang="en-US" smtClean="0"/>
-              <a:t>4/9/19</a:t>
+              <a:t>4/13/19</a:t>
             </a:fld>
             <a:endParaRPr lang="en-US"/>
           </a:p>
@@ -563,6 +564,90 @@
 </p:notes>
 </file>
 
+<file path=ppt/notesSlides/notesSlide2.xml><?xml version="1.0" encoding="utf-8"?>
+<p:notes xmlns:a="http://schemas.openxmlformats.org/drawingml/2006/main" xmlns:r="http://schemas.openxmlformats.org/officeDocument/2006/relationships" xmlns:p="http://schemas.openxmlformats.org/presentationml/2006/main">
+  <p:cSld>
+    <p:spTree>
+      <p:nvGrpSpPr>
+        <p:cNvPr id="1" name=""/>
+        <p:cNvGrpSpPr/>
+        <p:nvPr/>
+      </p:nvGrpSpPr>
+      <p:grpSpPr>
+        <a:xfrm>
+          <a:off x="0" y="0"/>
+          <a:ext cx="0" cy="0"/>
+          <a:chOff x="0" y="0"/>
+          <a:chExt cx="0" cy="0"/>
+        </a:xfrm>
+      </p:grpSpPr>
+      <p:sp>
+        <p:nvSpPr>
+          <p:cNvPr id="2" name="Slide Image Placeholder 1"/>
+          <p:cNvSpPr>
+            <a:spLocks noGrp="1" noRot="1" noChangeAspect="1"/>
+          </p:cNvSpPr>
+          <p:nvPr>
+            <p:ph type="sldImg"/>
+          </p:nvPr>
+        </p:nvSpPr>
+        <p:spPr/>
+      </p:sp>
+      <p:sp>
+        <p:nvSpPr>
+          <p:cNvPr id="3" name="Notes Placeholder 2"/>
+          <p:cNvSpPr>
+            <a:spLocks noGrp="1"/>
+          </p:cNvSpPr>
+          <p:nvPr>
+            <p:ph type="body" idx="1"/>
+          </p:nvPr>
+        </p:nvSpPr>
+        <p:spPr/>
+        <p:txBody>
+          <a:bodyPr/>
+          <a:lstStyle/>
+          <a:p>
+            <a:endParaRPr lang="en-US" dirty="0"/>
+          </a:p>
+        </p:txBody>
+      </p:sp>
+      <p:sp>
+        <p:nvSpPr>
+          <p:cNvPr id="4" name="Slide Number Placeholder 3"/>
+          <p:cNvSpPr>
+            <a:spLocks noGrp="1"/>
+          </p:cNvSpPr>
+          <p:nvPr>
+            <p:ph type="sldNum" sz="quarter" idx="10"/>
+          </p:nvPr>
+        </p:nvSpPr>
+        <p:spPr/>
+        <p:txBody>
+          <a:bodyPr/>
+          <a:lstStyle/>
+          <a:p>
+            <a:fld id="{5A7AB025-77E3-4BD1-A2FD-B3183DBA47A3}" type="slidenum">
+              <a:rPr lang="en-US" smtClean="0"/>
+              <a:t>2</a:t>
+            </a:fld>
+            <a:endParaRPr lang="en-US"/>
+          </a:p>
+        </p:txBody>
+      </p:sp>
+    </p:spTree>
+    <p:extLst>
+      <p:ext uri="{BB962C8B-B14F-4D97-AF65-F5344CB8AC3E}">
+        <p14:creationId xmlns:p14="http://schemas.microsoft.com/office/powerpoint/2010/main" val="2125108314"/>
+      </p:ext>
+    </p:extLst>
+  </p:cSld>
+  <p:clrMapOvr>
+    <a:masterClrMapping/>
+  </p:clrMapOvr>
+</p:notes>
+</file>
+
 <file path=ppt/slideLayouts/slideLayout1.xml><?xml version="1.0" encoding="utf-8"?>
 <p:sldLayout xmlns:a="http://schemas.openxmlformats.org/drawingml/2006/main" xmlns:r="http://schemas.openxmlformats.org/officeDocument/2006/relationships" xmlns:p="http://schemas.openxmlformats.org/presentationml/2006/main" type="title" preserve="1">
   <p:cSld name="Title Slide">
@@ -742,7 +827,7 @@
           <a:p>
             <a:fld id="{78C97017-6FC3-485B-9764-EAC9E56C1D49}" type="datetimeFigureOut">
               <a:rPr lang="en-US" smtClean="0"/>
-              <a:t>4/9/19</a:t>
+              <a:t>4/13/19</a:t>
             </a:fld>
             <a:endParaRPr lang="en-US"/>
           </a:p>
@@ -910,7 +995,7 @@
           <a:p>
             <a:fld id="{78C97017-6FC3-485B-9764-EAC9E56C1D49}" type="datetimeFigureOut">
               <a:rPr lang="en-US" smtClean="0"/>
-              <a:t>4/9/19</a:t>
+              <a:t>4/13/19</a:t>
             </a:fld>
             <a:endParaRPr lang="en-US"/>
           </a:p>
@@ -1088,7 +1173,7 @@
           <a:p>
             <a:fld id="{78C97017-6FC3-485B-9764-EAC9E56C1D49}" type="datetimeFigureOut">
               <a:rPr lang="en-US" smtClean="0"/>
-              <a:t>4/9/19</a:t>
+              <a:t>4/13/19</a:t>
             </a:fld>
             <a:endParaRPr lang="en-US"/>
           </a:p>
@@ -1256,7 +1341,7 @@
           <a:p>
             <a:fld id="{78C97017-6FC3-485B-9764-EAC9E56C1D49}" type="datetimeFigureOut">
               <a:rPr lang="en-US" smtClean="0"/>
-              <a:t>4/9/19</a:t>
+              <a:t>4/13/19</a:t>
             </a:fld>
             <a:endParaRPr lang="en-US"/>
           </a:p>
@@ -1501,7 +1586,7 @@
           <a:p>
             <a:fld id="{78C97017-6FC3-485B-9764-EAC9E56C1D49}" type="datetimeFigureOut">
               <a:rPr lang="en-US" smtClean="0"/>
-              <a:t>4/9/19</a:t>
+              <a:t>4/13/19</a:t>
             </a:fld>
             <a:endParaRPr lang="en-US"/>
           </a:p>
@@ -1786,7 +1871,7 @@
           <a:p>
             <a:fld id="{78C97017-6FC3-485B-9764-EAC9E56C1D49}" type="datetimeFigureOut">
               <a:rPr lang="en-US" smtClean="0"/>
-              <a:t>4/9/19</a:t>
+              <a:t>4/13/19</a:t>
             </a:fld>
             <a:endParaRPr lang="en-US"/>
           </a:p>
@@ -2205,7 +2290,7 @@
           <a:p>
             <a:fld id="{78C97017-6FC3-485B-9764-EAC9E56C1D49}" type="datetimeFigureOut">
               <a:rPr lang="en-US" smtClean="0"/>
-              <a:t>4/9/19</a:t>
+              <a:t>4/13/19</a:t>
             </a:fld>
             <a:endParaRPr lang="en-US"/>
           </a:p>
@@ -2322,7 +2407,7 @@
           <a:p>
             <a:fld id="{78C97017-6FC3-485B-9764-EAC9E56C1D49}" type="datetimeFigureOut">
               <a:rPr lang="en-US" smtClean="0"/>
-              <a:t>4/9/19</a:t>
+              <a:t>4/13/19</a:t>
             </a:fld>
             <a:endParaRPr lang="en-US"/>
           </a:p>
@@ -2417,7 +2502,7 @@
           <a:p>
             <a:fld id="{78C97017-6FC3-485B-9764-EAC9E56C1D49}" type="datetimeFigureOut">
               <a:rPr lang="en-US" smtClean="0"/>
-              <a:t>4/9/19</a:t>
+              <a:t>4/13/19</a:t>
             </a:fld>
             <a:endParaRPr lang="en-US"/>
           </a:p>
@@ -2692,7 +2777,7 @@
           <a:p>
             <a:fld id="{78C97017-6FC3-485B-9764-EAC9E56C1D49}" type="datetimeFigureOut">
               <a:rPr lang="en-US" smtClean="0"/>
-              <a:t>4/9/19</a:t>
+              <a:t>4/13/19</a:t>
             </a:fld>
             <a:endParaRPr lang="en-US"/>
           </a:p>
@@ -2944,7 +3029,7 @@
           <a:p>
             <a:fld id="{78C97017-6FC3-485B-9764-EAC9E56C1D49}" type="datetimeFigureOut">
               <a:rPr lang="en-US" smtClean="0"/>
-              <a:t>4/9/19</a:t>
+              <a:t>4/13/19</a:t>
             </a:fld>
             <a:endParaRPr lang="en-US"/>
           </a:p>
@@ -3155,7 +3240,7 @@
           <a:p>
             <a:fld id="{78C97017-6FC3-485B-9764-EAC9E56C1D49}" type="datetimeFigureOut">
               <a:rPr lang="en-US" smtClean="0"/>
-              <a:t>4/9/19</a:t>
+              <a:t>4/13/19</a:t>
             </a:fld>
             <a:endParaRPr lang="en-US"/>
           </a:p>
@@ -3596,7 +3681,7 @@
           <p:cNvPr id="89" name="Straight Connector 88">
             <a:extLst>
               <a:ext uri="{FF2B5EF4-FFF2-40B4-BE49-F238E27FC236}">
-                <a16:creationId xmlns="" xmlns:a16="http://schemas.microsoft.com/office/drawing/2014/main" id="{E4E1C8CA-49DF-45D8-80A5-D5C8282EE927}"/>
+                <a16:creationId xmlns:a16="http://schemas.microsoft.com/office/drawing/2014/main" xmlns="" id="{E4E1C8CA-49DF-45D8-80A5-D5C8282EE927}"/>
               </a:ext>
             </a:extLst>
           </p:cNvPr>
@@ -4731,7 +4816,7 @@
           <p:cNvPr id="66" name="Straight Arrow Connector 65">
             <a:extLst>
               <a:ext uri="{FF2B5EF4-FFF2-40B4-BE49-F238E27FC236}">
-                <a16:creationId xmlns="" xmlns:a16="http://schemas.microsoft.com/office/drawing/2014/main" id="{39916E2E-195A-4DC8-B025-B05FA87E6796}"/>
+                <a16:creationId xmlns:a16="http://schemas.microsoft.com/office/drawing/2014/main" xmlns="" id="{39916E2E-195A-4DC8-B025-B05FA87E6796}"/>
               </a:ext>
             </a:extLst>
           </p:cNvPr>
@@ -4775,7 +4860,7 @@
           <p:cNvPr id="67" name="Straight Arrow Connector 66">
             <a:extLst>
               <a:ext uri="{FF2B5EF4-FFF2-40B4-BE49-F238E27FC236}">
-                <a16:creationId xmlns="" xmlns:a16="http://schemas.microsoft.com/office/drawing/2014/main" id="{D881596E-177C-4FDC-8E60-CAB90B3D5FAB}"/>
+                <a16:creationId xmlns:a16="http://schemas.microsoft.com/office/drawing/2014/main" xmlns="" id="{D881596E-177C-4FDC-8E60-CAB90B3D5FAB}"/>
               </a:ext>
             </a:extLst>
           </p:cNvPr>
@@ -4819,7 +4904,7 @@
           <p:cNvPr id="69" name="Straight Arrow Connector 68">
             <a:extLst>
               <a:ext uri="{FF2B5EF4-FFF2-40B4-BE49-F238E27FC236}">
-                <a16:creationId xmlns="" xmlns:a16="http://schemas.microsoft.com/office/drawing/2014/main" id="{7C9F21BC-13A9-471F-825A-2621FD36355F}"/>
+                <a16:creationId xmlns:a16="http://schemas.microsoft.com/office/drawing/2014/main" xmlns="" id="{7C9F21BC-13A9-471F-825A-2621FD36355F}"/>
               </a:ext>
             </a:extLst>
           </p:cNvPr>
@@ -4865,7 +4950,7 @@
           <p:cNvPr id="88" name="TextBox 87">
             <a:extLst>
               <a:ext uri="{FF2B5EF4-FFF2-40B4-BE49-F238E27FC236}">
-                <a16:creationId xmlns="" xmlns:a16="http://schemas.microsoft.com/office/drawing/2014/main" id="{B85C6184-7378-4E89-A338-72B1E5056F4F}"/>
+                <a16:creationId xmlns:a16="http://schemas.microsoft.com/office/drawing/2014/main" xmlns="" id="{B85C6184-7378-4E89-A338-72B1E5056F4F}"/>
               </a:ext>
             </a:extLst>
           </p:cNvPr>
@@ -5024,7 +5109,7 @@
           <p:cNvPr id="60" name="Straight Arrow Connector 59">
             <a:extLst>
               <a:ext uri="{FF2B5EF4-FFF2-40B4-BE49-F238E27FC236}">
-                <a16:creationId xmlns="" xmlns:a16="http://schemas.microsoft.com/office/drawing/2014/main" id="{7C9F21BC-13A9-471F-825A-2621FD36355F}"/>
+                <a16:creationId xmlns:a16="http://schemas.microsoft.com/office/drawing/2014/main" xmlns="" id="{7C9F21BC-13A9-471F-825A-2621FD36355F}"/>
               </a:ext>
             </a:extLst>
           </p:cNvPr>
@@ -5070,7 +5155,7 @@
           <p:cNvPr id="63" name="Straight Arrow Connector 62">
             <a:extLst>
               <a:ext uri="{FF2B5EF4-FFF2-40B4-BE49-F238E27FC236}">
-                <a16:creationId xmlns="" xmlns:a16="http://schemas.microsoft.com/office/drawing/2014/main" id="{7C9F21BC-13A9-471F-825A-2621FD36355F}"/>
+                <a16:creationId xmlns:a16="http://schemas.microsoft.com/office/drawing/2014/main" xmlns="" id="{7C9F21BC-13A9-471F-825A-2621FD36355F}"/>
               </a:ext>
             </a:extLst>
           </p:cNvPr>
@@ -6252,7 +6337,7 @@
           <p:cNvPr id="117" name="Straight Connector 116">
             <a:extLst>
               <a:ext uri="{FF2B5EF4-FFF2-40B4-BE49-F238E27FC236}">
-                <a16:creationId xmlns="" xmlns:a16="http://schemas.microsoft.com/office/drawing/2014/main" id="{E4E1C8CA-49DF-45D8-80A5-D5C8282EE927}"/>
+                <a16:creationId xmlns:a16="http://schemas.microsoft.com/office/drawing/2014/main" xmlns="" id="{E4E1C8CA-49DF-45D8-80A5-D5C8282EE927}"/>
               </a:ext>
             </a:extLst>
           </p:cNvPr>
@@ -6382,7 +6467,7 @@
           <p:cNvPr id="134" name="Straight Arrow Connector 133">
             <a:extLst>
               <a:ext uri="{FF2B5EF4-FFF2-40B4-BE49-F238E27FC236}">
-                <a16:creationId xmlns="" xmlns:a16="http://schemas.microsoft.com/office/drawing/2014/main" id="{7C9F21BC-13A9-471F-825A-2621FD36355F}"/>
+                <a16:creationId xmlns:a16="http://schemas.microsoft.com/office/drawing/2014/main" xmlns="" id="{7C9F21BC-13A9-471F-825A-2621FD36355F}"/>
               </a:ext>
             </a:extLst>
           </p:cNvPr>
@@ -6429,7 +6514,7 @@
           <p:cNvPr id="136" name="TextBox 135">
             <a:extLst>
               <a:ext uri="{FF2B5EF4-FFF2-40B4-BE49-F238E27FC236}">
-                <a16:creationId xmlns="" xmlns:a16="http://schemas.microsoft.com/office/drawing/2014/main" id="{B85C6184-7378-4E89-A338-72B1E5056F4F}"/>
+                <a16:creationId xmlns:a16="http://schemas.microsoft.com/office/drawing/2014/main" xmlns="" id="{B85C6184-7378-4E89-A338-72B1E5056F4F}"/>
               </a:ext>
             </a:extLst>
           </p:cNvPr>
@@ -6574,7 +6659,7 @@
           <p:cNvPr id="146" name="Straight Arrow Connector 145">
             <a:extLst>
               <a:ext uri="{FF2B5EF4-FFF2-40B4-BE49-F238E27FC236}">
-                <a16:creationId xmlns="" xmlns:a16="http://schemas.microsoft.com/office/drawing/2014/main" id="{7C9F21BC-13A9-471F-825A-2621FD36355F}"/>
+                <a16:creationId xmlns:a16="http://schemas.microsoft.com/office/drawing/2014/main" xmlns="" id="{7C9F21BC-13A9-471F-825A-2621FD36355F}"/>
               </a:ext>
             </a:extLst>
           </p:cNvPr>
@@ -6764,7 +6849,7 @@
           <p:cNvPr id="150" name="Straight Arrow Connector 149">
             <a:extLst>
               <a:ext uri="{FF2B5EF4-FFF2-40B4-BE49-F238E27FC236}">
-                <a16:creationId xmlns="" xmlns:a16="http://schemas.microsoft.com/office/drawing/2014/main" id="{7C9F21BC-13A9-471F-825A-2621FD36355F}"/>
+                <a16:creationId xmlns:a16="http://schemas.microsoft.com/office/drawing/2014/main" xmlns="" id="{7C9F21BC-13A9-471F-825A-2621FD36355F}"/>
               </a:ext>
             </a:extLst>
           </p:cNvPr>
@@ -7438,7 +7523,7 @@
           <p:cNvPr id="110" name="Straight Arrow Connector 109">
             <a:extLst>
               <a:ext uri="{FF2B5EF4-FFF2-40B4-BE49-F238E27FC236}">
-                <a16:creationId xmlns="" xmlns:a16="http://schemas.microsoft.com/office/drawing/2014/main" id="{39916E2E-195A-4DC8-B025-B05FA87E6796}"/>
+                <a16:creationId xmlns:a16="http://schemas.microsoft.com/office/drawing/2014/main" xmlns="" id="{39916E2E-195A-4DC8-B025-B05FA87E6796}"/>
               </a:ext>
             </a:extLst>
           </p:cNvPr>
@@ -7482,7 +7567,7 @@
           <p:cNvPr id="112" name="Straight Arrow Connector 111">
             <a:extLst>
               <a:ext uri="{FF2B5EF4-FFF2-40B4-BE49-F238E27FC236}">
-                <a16:creationId xmlns="" xmlns:a16="http://schemas.microsoft.com/office/drawing/2014/main" id="{7C9F21BC-13A9-471F-825A-2621FD36355F}"/>
+                <a16:creationId xmlns:a16="http://schemas.microsoft.com/office/drawing/2014/main" xmlns="" id="{7C9F21BC-13A9-471F-825A-2621FD36355F}"/>
               </a:ext>
             </a:extLst>
           </p:cNvPr>
@@ -7601,11 +7686,7 @@
             <a:pPr algn="l"/>
             <a:r>
               <a:rPr lang="en-US" sz="1100" dirty="0" smtClean="0"/>
-              <a:t>TABLE</a:t>
-            </a:r>
-            <a:r>
-              <a:rPr lang="en-US" sz="1100" dirty="0" smtClean="0"/>
-              <a:t>_MODE</a:t>
+              <a:t>TABLE_MODE</a:t>
             </a:r>
             <a:endParaRPr lang="en-US" sz="1100" dirty="0"/>
           </a:p>
@@ -7647,11 +7728,7 @@
             <a:pPr algn="l"/>
             <a:r>
               <a:rPr lang="en-US" sz="1100" dirty="0" smtClean="0"/>
-              <a:t>changeMode(TABLE_MODE</a:t>
-            </a:r>
-            <a:r>
-              <a:rPr lang="en-US" sz="1100" dirty="0" smtClean="0"/>
-              <a:t>)</a:t>
+              <a:t>changeMode(TABLE_MODE)</a:t>
             </a:r>
             <a:endParaRPr lang="en-US" sz="1100" dirty="0"/>
           </a:p>
@@ -7823,15 +7900,7 @@
                   <a:srgbClr val="00B050"/>
                 </a:solidFill>
               </a:rPr>
-              <a:t>handleChangeMode(TABLE_MODE</a:t>
-            </a:r>
-            <a:r>
-              <a:rPr lang="en-US" sz="1100" dirty="0" smtClean="0">
-                <a:solidFill>
-                  <a:srgbClr val="00B050"/>
-                </a:solidFill>
-              </a:rPr>
-              <a:t>)</a:t>
+              <a:t>handleChangeMode(TABLE_MODE)</a:t>
             </a:r>
             <a:endParaRPr lang="en-US" sz="1100" dirty="0">
               <a:solidFill>
@@ -8090,7 +8159,7 @@
           <p:cNvPr id="133" name="Straight Arrow Connector 132">
             <a:extLst>
               <a:ext uri="{FF2B5EF4-FFF2-40B4-BE49-F238E27FC236}">
-                <a16:creationId xmlns="" xmlns:a16="http://schemas.microsoft.com/office/drawing/2014/main" id="{7C9F21BC-13A9-471F-825A-2621FD36355F}"/>
+                <a16:creationId xmlns:a16="http://schemas.microsoft.com/office/drawing/2014/main" xmlns="" id="{7C9F21BC-13A9-471F-825A-2621FD36355F}"/>
               </a:ext>
             </a:extLst>
           </p:cNvPr>
@@ -8135,6 +8204,2292 @@
     <p:extLst>
       <p:ext uri="{BB962C8B-B14F-4D97-AF65-F5344CB8AC3E}">
         <p14:creationId xmlns:p14="http://schemas.microsoft.com/office/powerpoint/2010/main" val="3945898909"/>
+      </p:ext>
+    </p:extLst>
+  </p:cSld>
+  <p:clrMapOvr>
+    <a:masterClrMapping/>
+  </p:clrMapOvr>
+</p:sld>
+</file>
+
+<file path=ppt/slides/slide2.xml><?xml version="1.0" encoding="utf-8"?>
+<p:sld xmlns:a="http://schemas.openxmlformats.org/drawingml/2006/main" xmlns:r="http://schemas.openxmlformats.org/officeDocument/2006/relationships" xmlns:p="http://schemas.openxmlformats.org/presentationml/2006/main">
+  <p:cSld>
+    <p:spTree>
+      <p:nvGrpSpPr>
+        <p:cNvPr id="1" name=""/>
+        <p:cNvGrpSpPr/>
+        <p:nvPr/>
+      </p:nvGrpSpPr>
+      <p:grpSpPr>
+        <a:xfrm>
+          <a:off x="0" y="0"/>
+          <a:ext cx="0" cy="0"/>
+          <a:chOff x="0" y="0"/>
+          <a:chExt cx="0" cy="0"/>
+        </a:xfrm>
+      </p:grpSpPr>
+      <p:sp>
+        <p:nvSpPr>
+          <p:cNvPr id="119" name="Rectangle 65"/>
+          <p:cNvSpPr/>
+          <p:nvPr/>
+        </p:nvSpPr>
+        <p:spPr>
+          <a:xfrm>
+            <a:off x="2743200" y="533400"/>
+            <a:ext cx="3112136" cy="5562600"/>
+          </a:xfrm>
+          <a:prstGeom prst="roundRect">
+            <a:avLst>
+              <a:gd name="adj" fmla="val 3484"/>
+            </a:avLst>
+          </a:prstGeom>
+          <a:solidFill>
+            <a:schemeClr val="accent1">
+              <a:lumMod val="20000"/>
+              <a:lumOff val="80000"/>
+            </a:schemeClr>
+          </a:solidFill>
+          <a:ln w="19050">
+            <a:noFill/>
+          </a:ln>
+          <a:effectLst/>
+        </p:spPr>
+        <p:style>
+          <a:lnRef idx="1">
+            <a:schemeClr val="accent2"/>
+          </a:lnRef>
+          <a:fillRef idx="2">
+            <a:schemeClr val="accent2"/>
+          </a:fillRef>
+          <a:effectRef idx="1">
+            <a:schemeClr val="accent2"/>
+          </a:effectRef>
+          <a:fontRef idx="minor">
+            <a:schemeClr val="dk1"/>
+          </a:fontRef>
+        </p:style>
+        <p:txBody>
+          <a:bodyPr rtlCol="0" anchor="t"/>
+          <a:lstStyle/>
+          <a:p>
+            <a:r>
+              <a:rPr lang="en-US" sz="1200" b="1" dirty="0">
+                <a:solidFill>
+                  <a:srgbClr val="0070C0"/>
+                </a:solidFill>
+              </a:rPr>
+              <a:t>Logic</a:t>
+            </a:r>
+            <a:endParaRPr lang="en-SG" sz="1200" b="1" dirty="0">
+              <a:solidFill>
+                <a:srgbClr val="0070C0"/>
+              </a:solidFill>
+            </a:endParaRPr>
+          </a:p>
+        </p:txBody>
+      </p:sp>
+      <p:sp>
+        <p:nvSpPr>
+          <p:cNvPr id="56" name="Rectangle 65"/>
+          <p:cNvSpPr/>
+          <p:nvPr/>
+        </p:nvSpPr>
+        <p:spPr>
+          <a:xfrm>
+            <a:off x="5935640" y="533400"/>
+            <a:ext cx="3903825" cy="5562600"/>
+          </a:xfrm>
+          <a:prstGeom prst="roundRect">
+            <a:avLst>
+              <a:gd name="adj" fmla="val 3484"/>
+            </a:avLst>
+          </a:prstGeom>
+          <a:solidFill>
+            <a:schemeClr val="accent4">
+              <a:lumMod val="20000"/>
+              <a:lumOff val="80000"/>
+            </a:schemeClr>
+          </a:solidFill>
+          <a:ln w="19050">
+            <a:noFill/>
+          </a:ln>
+          <a:effectLst/>
+        </p:spPr>
+        <p:style>
+          <a:lnRef idx="1">
+            <a:schemeClr val="accent2"/>
+          </a:lnRef>
+          <a:fillRef idx="2">
+            <a:schemeClr val="accent2"/>
+          </a:fillRef>
+          <a:effectRef idx="1">
+            <a:schemeClr val="accent2"/>
+          </a:effectRef>
+          <a:fontRef idx="minor">
+            <a:schemeClr val="dk1"/>
+          </a:fontRef>
+        </p:style>
+        <p:txBody>
+          <a:bodyPr rtlCol="0" anchor="t"/>
+          <a:lstStyle/>
+          <a:p>
+            <a:r>
+              <a:rPr lang="en-US" sz="1200" b="1" dirty="0">
+                <a:solidFill>
+                  <a:srgbClr val="7030A0"/>
+                </a:solidFill>
+              </a:rPr>
+              <a:t>Model</a:t>
+            </a:r>
+            <a:endParaRPr lang="en-SG" sz="1200" b="1" dirty="0">
+              <a:solidFill>
+                <a:srgbClr val="7030A0"/>
+              </a:solidFill>
+            </a:endParaRPr>
+          </a:p>
+        </p:txBody>
+      </p:sp>
+      <p:cxnSp>
+        <p:nvCxnSpPr>
+          <p:cNvPr id="89" name="Straight Connector 88">
+            <a:extLst>
+              <a:ext uri="{FF2B5EF4-FFF2-40B4-BE49-F238E27FC236}">
+                <a16:creationId xmlns:a16="http://schemas.microsoft.com/office/drawing/2014/main" xmlns="" id="{E4E1C8CA-49DF-45D8-80A5-D5C8282EE927}"/>
+              </a:ext>
+            </a:extLst>
+          </p:cNvPr>
+          <p:cNvCxnSpPr>
+            <a:cxnSpLocks/>
+            <a:stCxn id="84" idx="2"/>
+          </p:cNvCxnSpPr>
+          <p:nvPr/>
+        </p:nvCxnSpPr>
+        <p:spPr>
+          <a:xfrm>
+            <a:off x="7548246" y="1477879"/>
+            <a:ext cx="3805" cy="3606788"/>
+          </a:xfrm>
+          <a:prstGeom prst="line">
+            <a:avLst/>
+          </a:prstGeom>
+          <a:ln w="19050">
+            <a:solidFill>
+              <a:srgbClr val="7030A0"/>
+            </a:solidFill>
+            <a:prstDash val="sysDash"/>
+          </a:ln>
+          <a:effectLst/>
+        </p:spPr>
+        <p:style>
+          <a:lnRef idx="1">
+            <a:schemeClr val="accent1"/>
+          </a:lnRef>
+          <a:fillRef idx="2">
+            <a:schemeClr val="accent1"/>
+          </a:fillRef>
+          <a:effectRef idx="1">
+            <a:schemeClr val="accent1"/>
+          </a:effectRef>
+          <a:fontRef idx="minor">
+            <a:schemeClr val="dk1"/>
+          </a:fontRef>
+        </p:style>
+      </p:cxnSp>
+      <p:sp>
+        <p:nvSpPr>
+          <p:cNvPr id="79" name="TextBox 78"/>
+          <p:cNvSpPr txBox="1"/>
+          <p:nvPr/>
+        </p:nvSpPr>
+        <p:spPr>
+          <a:xfrm>
+            <a:off x="4341676" y="3043704"/>
+            <a:ext cx="1832324" cy="169277"/>
+          </a:xfrm>
+          <a:prstGeom prst="rect">
+            <a:avLst/>
+          </a:prstGeom>
+          <a:noFill/>
+        </p:spPr>
+        <p:txBody>
+          <a:bodyPr wrap="square" lIns="0" tIns="0" rIns="0" bIns="0" rtlCol="0">
+            <a:spAutoFit/>
+          </a:bodyPr>
+          <a:lstStyle>
+            <a:defPPr>
+              <a:defRPr lang="en-US"/>
+            </a:defPPr>
+            <a:lvl1pPr algn="r">
+              <a:defRPr sz="1400">
+                <a:solidFill>
+                  <a:srgbClr val="0070C0"/>
+                </a:solidFill>
+              </a:defRPr>
+            </a:lvl1pPr>
+          </a:lstStyle>
+          <a:p>
+            <a:pPr algn="l"/>
+            <a:r>
+              <a:rPr lang="en-US" sz="1100" smtClean="0">
+                <a:solidFill>
+                  <a:schemeClr val="accent4">
+                    <a:lumMod val="75000"/>
+                  </a:schemeClr>
+                </a:solidFill>
+              </a:rPr>
+              <a:t>setSelectedTable(</a:t>
+            </a:r>
+            <a:r>
+              <a:rPr lang="en-US" sz="1100" i="1" smtClean="0">
+                <a:solidFill>
+                  <a:schemeClr val="accent4">
+                    <a:lumMod val="75000"/>
+                  </a:schemeClr>
+                </a:solidFill>
+              </a:rPr>
+              <a:t>table </a:t>
+            </a:r>
+            <a:r>
+              <a:rPr lang="en-US" sz="1100" i="1" dirty="0" smtClean="0">
+                <a:solidFill>
+                  <a:schemeClr val="accent4">
+                    <a:lumMod val="75000"/>
+                  </a:schemeClr>
+                </a:solidFill>
+              </a:rPr>
+              <a:t>3</a:t>
+            </a:r>
+            <a:r>
+              <a:rPr lang="en-US" sz="1100" dirty="0" smtClean="0">
+                <a:solidFill>
+                  <a:schemeClr val="accent4">
+                    <a:lumMod val="75000"/>
+                  </a:schemeClr>
+                </a:solidFill>
+              </a:rPr>
+              <a:t>)</a:t>
+            </a:r>
+            <a:endParaRPr lang="en-US" sz="1100" dirty="0"/>
+          </a:p>
+        </p:txBody>
+      </p:sp>
+      <p:sp>
+        <p:nvSpPr>
+          <p:cNvPr id="84" name="Rectangle 62"/>
+          <p:cNvSpPr/>
+          <p:nvPr/>
+        </p:nvSpPr>
+        <p:spPr>
+          <a:xfrm>
+            <a:off x="7035788" y="1142452"/>
+            <a:ext cx="1024915" cy="335427"/>
+          </a:xfrm>
+          <a:prstGeom prst="rect">
+            <a:avLst/>
+          </a:prstGeom>
+          <a:solidFill>
+            <a:srgbClr val="7030A0"/>
+          </a:solidFill>
+          <a:ln w="19050">
+            <a:solidFill>
+              <a:srgbClr val="7030A0"/>
+            </a:solidFill>
+          </a:ln>
+          <a:effectLst/>
+        </p:spPr>
+        <p:style>
+          <a:lnRef idx="1">
+            <a:schemeClr val="accent2"/>
+          </a:lnRef>
+          <a:fillRef idx="2">
+            <a:schemeClr val="accent2"/>
+          </a:fillRef>
+          <a:effectRef idx="1">
+            <a:schemeClr val="accent2"/>
+          </a:effectRef>
+          <a:fontRef idx="minor">
+            <a:schemeClr val="dk1"/>
+          </a:fontRef>
+        </p:style>
+        <p:txBody>
+          <a:bodyPr rtlCol="0" anchor="ctr"/>
+          <a:lstStyle/>
+          <a:p>
+            <a:pPr algn="ctr"/>
+            <a:r>
+              <a:rPr lang="en-US" sz="1200" dirty="0" smtClean="0">
+                <a:solidFill>
+                  <a:schemeClr val="bg1"/>
+                </a:solidFill>
+              </a:rPr>
+              <a:t>:ReadOnly</a:t>
+            </a:r>
+            <a:br>
+              <a:rPr lang="en-US" sz="1200" dirty="0" smtClean="0">
+                <a:solidFill>
+                  <a:schemeClr val="bg1"/>
+                </a:solidFill>
+              </a:rPr>
+            </a:br>
+            <a:r>
+              <a:rPr lang="en-US" sz="1200" dirty="0" smtClean="0">
+                <a:solidFill>
+                  <a:schemeClr val="bg1"/>
+                </a:solidFill>
+              </a:rPr>
+              <a:t>RestOrRant</a:t>
+            </a:r>
+            <a:endParaRPr lang="en-SG" sz="1200" dirty="0">
+              <a:solidFill>
+                <a:schemeClr val="bg1"/>
+              </a:solidFill>
+            </a:endParaRPr>
+          </a:p>
+        </p:txBody>
+      </p:sp>
+      <p:sp>
+        <p:nvSpPr>
+          <p:cNvPr id="86" name="Rectangle 85"/>
+          <p:cNvSpPr/>
+          <p:nvPr/>
+        </p:nvSpPr>
+        <p:spPr>
+          <a:xfrm>
+            <a:off x="7476483" y="2155057"/>
+            <a:ext cx="135552" cy="522741"/>
+          </a:xfrm>
+          <a:prstGeom prst="rect">
+            <a:avLst/>
+          </a:prstGeom>
+          <a:solidFill>
+            <a:srgbClr val="7030A0"/>
+          </a:solidFill>
+          <a:ln>
+            <a:solidFill>
+              <a:srgbClr val="7030A0"/>
+            </a:solidFill>
+          </a:ln>
+          <a:effectLst/>
+        </p:spPr>
+        <p:style>
+          <a:lnRef idx="1">
+            <a:schemeClr val="accent3"/>
+          </a:lnRef>
+          <a:fillRef idx="2">
+            <a:schemeClr val="accent3"/>
+          </a:fillRef>
+          <a:effectRef idx="1">
+            <a:schemeClr val="accent3"/>
+          </a:effectRef>
+          <a:fontRef idx="minor">
+            <a:schemeClr val="dk1"/>
+          </a:fontRef>
+        </p:style>
+        <p:txBody>
+          <a:bodyPr rtlCol="0" anchor="ctr"/>
+          <a:lstStyle/>
+          <a:p>
+            <a:pPr algn="ctr"/>
+            <a:endParaRPr lang="en-SG" sz="1400"/>
+          </a:p>
+        </p:txBody>
+      </p:sp>
+      <p:sp>
+        <p:nvSpPr>
+          <p:cNvPr id="40" name="Rectangle 62"/>
+          <p:cNvSpPr/>
+          <p:nvPr/>
+        </p:nvSpPr>
+        <p:spPr>
+          <a:xfrm>
+            <a:off x="6057803" y="1151623"/>
+            <a:ext cx="841636" cy="300180"/>
+          </a:xfrm>
+          <a:prstGeom prst="rect">
+            <a:avLst/>
+          </a:prstGeom>
+          <a:solidFill>
+            <a:srgbClr val="7030A0"/>
+          </a:solidFill>
+          <a:ln w="19050">
+            <a:solidFill>
+              <a:srgbClr val="7030A0"/>
+            </a:solidFill>
+          </a:ln>
+          <a:effectLst/>
+        </p:spPr>
+        <p:style>
+          <a:lnRef idx="1">
+            <a:schemeClr val="accent2"/>
+          </a:lnRef>
+          <a:fillRef idx="2">
+            <a:schemeClr val="accent2"/>
+          </a:fillRef>
+          <a:effectRef idx="1">
+            <a:schemeClr val="accent2"/>
+          </a:effectRef>
+          <a:fontRef idx="minor">
+            <a:schemeClr val="dk1"/>
+          </a:fontRef>
+        </p:style>
+        <p:txBody>
+          <a:bodyPr rtlCol="0" anchor="ctr"/>
+          <a:lstStyle/>
+          <a:p>
+            <a:pPr algn="ctr"/>
+            <a:r>
+              <a:rPr lang="en-US" sz="1200" dirty="0" smtClean="0">
+                <a:solidFill>
+                  <a:schemeClr val="bg1"/>
+                </a:solidFill>
+              </a:rPr>
+              <a:t>:Model</a:t>
+            </a:r>
+            <a:endParaRPr lang="en-SG" sz="1200" dirty="0">
+              <a:solidFill>
+                <a:schemeClr val="bg1"/>
+              </a:solidFill>
+            </a:endParaRPr>
+          </a:p>
+        </p:txBody>
+      </p:sp>
+      <p:cxnSp>
+        <p:nvCxnSpPr>
+          <p:cNvPr id="46" name="Straight Connector 45"/>
+          <p:cNvCxnSpPr>
+            <a:cxnSpLocks/>
+          </p:cNvCxnSpPr>
+          <p:nvPr/>
+        </p:nvCxnSpPr>
+        <p:spPr>
+          <a:xfrm flipH="1">
+            <a:off x="6497775" y="1442729"/>
+            <a:ext cx="715" cy="3614641"/>
+          </a:xfrm>
+          <a:prstGeom prst="line">
+            <a:avLst/>
+          </a:prstGeom>
+          <a:ln w="19050">
+            <a:solidFill>
+              <a:srgbClr val="7030A0"/>
+            </a:solidFill>
+            <a:prstDash val="sysDash"/>
+          </a:ln>
+          <a:effectLst/>
+        </p:spPr>
+        <p:style>
+          <a:lnRef idx="1">
+            <a:schemeClr val="accent1"/>
+          </a:lnRef>
+          <a:fillRef idx="2">
+            <a:schemeClr val="accent1"/>
+          </a:fillRef>
+          <a:effectRef idx="1">
+            <a:schemeClr val="accent1"/>
+          </a:effectRef>
+          <a:fontRef idx="minor">
+            <a:schemeClr val="dk1"/>
+          </a:fontRef>
+        </p:style>
+      </p:cxnSp>
+      <p:sp>
+        <p:nvSpPr>
+          <p:cNvPr id="49" name="Rectangle 48"/>
+          <p:cNvSpPr/>
+          <p:nvPr/>
+        </p:nvSpPr>
+        <p:spPr>
+          <a:xfrm>
+            <a:off x="6405476" y="2043589"/>
+            <a:ext cx="168896" cy="775693"/>
+          </a:xfrm>
+          <a:prstGeom prst="rect">
+            <a:avLst/>
+          </a:prstGeom>
+          <a:solidFill>
+            <a:srgbClr val="7030A0"/>
+          </a:solidFill>
+          <a:ln>
+            <a:solidFill>
+              <a:srgbClr val="7030A0"/>
+            </a:solidFill>
+          </a:ln>
+          <a:effectLst/>
+        </p:spPr>
+        <p:style>
+          <a:lnRef idx="1">
+            <a:schemeClr val="accent3"/>
+          </a:lnRef>
+          <a:fillRef idx="2">
+            <a:schemeClr val="accent3"/>
+          </a:fillRef>
+          <a:effectRef idx="1">
+            <a:schemeClr val="accent3"/>
+          </a:effectRef>
+          <a:fontRef idx="minor">
+            <a:schemeClr val="dk1"/>
+          </a:fontRef>
+        </p:style>
+        <p:txBody>
+          <a:bodyPr rtlCol="0" anchor="ctr"/>
+          <a:lstStyle/>
+          <a:p>
+            <a:pPr algn="ctr"/>
+            <a:endParaRPr lang="en-SG" sz="1400"/>
+          </a:p>
+        </p:txBody>
+      </p:sp>
+      <p:cxnSp>
+        <p:nvCxnSpPr>
+          <p:cNvPr id="50" name="Straight Arrow Connector 49"/>
+          <p:cNvCxnSpPr>
+            <a:cxnSpLocks/>
+          </p:cNvCxnSpPr>
+          <p:nvPr/>
+        </p:nvCxnSpPr>
+        <p:spPr>
+          <a:xfrm>
+            <a:off x="4130357" y="2043589"/>
+            <a:ext cx="2275119" cy="0"/>
+          </a:xfrm>
+          <a:prstGeom prst="straightConnector1">
+            <a:avLst/>
+          </a:prstGeom>
+          <a:ln w="19050">
+            <a:solidFill>
+              <a:srgbClr val="0070C0"/>
+            </a:solidFill>
+            <a:tailEnd type="arrow"/>
+          </a:ln>
+        </p:spPr>
+        <p:style>
+          <a:lnRef idx="1">
+            <a:schemeClr val="accent1"/>
+          </a:lnRef>
+          <a:fillRef idx="0">
+            <a:schemeClr val="accent1"/>
+          </a:fillRef>
+          <a:effectRef idx="0">
+            <a:schemeClr val="accent1"/>
+          </a:effectRef>
+          <a:fontRef idx="minor">
+            <a:schemeClr val="tx1"/>
+          </a:fontRef>
+        </p:style>
+      </p:cxnSp>
+      <p:cxnSp>
+        <p:nvCxnSpPr>
+          <p:cNvPr id="69" name="Straight Arrow Connector 68">
+            <a:extLst>
+              <a:ext uri="{FF2B5EF4-FFF2-40B4-BE49-F238E27FC236}">
+                <a16:creationId xmlns:a16="http://schemas.microsoft.com/office/drawing/2014/main" xmlns="" id="{7C9F21BC-13A9-471F-825A-2621FD36355F}"/>
+              </a:ext>
+            </a:extLst>
+          </p:cNvPr>
+          <p:cNvCxnSpPr>
+            <a:cxnSpLocks/>
+          </p:cNvCxnSpPr>
+          <p:nvPr/>
+        </p:nvCxnSpPr>
+        <p:spPr>
+          <a:xfrm>
+            <a:off x="2511001" y="5778146"/>
+            <a:ext cx="1471366" cy="0"/>
+          </a:xfrm>
+          <a:prstGeom prst="straightConnector1">
+            <a:avLst/>
+          </a:prstGeom>
+          <a:ln w="19050">
+            <a:solidFill>
+              <a:srgbClr val="0070C0"/>
+            </a:solidFill>
+            <a:prstDash val="sysDash"/>
+            <a:headEnd type="arrow" w="med" len="med"/>
+            <a:tailEnd type="none" w="med" len="med"/>
+          </a:ln>
+        </p:spPr>
+        <p:style>
+          <a:lnRef idx="1">
+            <a:schemeClr val="accent1"/>
+          </a:lnRef>
+          <a:fillRef idx="0">
+            <a:schemeClr val="accent1"/>
+          </a:fillRef>
+          <a:effectRef idx="0">
+            <a:schemeClr val="accent1"/>
+          </a:effectRef>
+          <a:fontRef idx="minor">
+            <a:schemeClr val="tx1"/>
+          </a:fontRef>
+        </p:style>
+      </p:cxnSp>
+      <p:sp>
+        <p:nvSpPr>
+          <p:cNvPr id="88" name="TextBox 87">
+            <a:extLst>
+              <a:ext uri="{FF2B5EF4-FFF2-40B4-BE49-F238E27FC236}">
+                <a16:creationId xmlns:a16="http://schemas.microsoft.com/office/drawing/2014/main" xmlns="" id="{B85C6184-7378-4E89-A338-72B1E5056F4F}"/>
+              </a:ext>
+            </a:extLst>
+          </p:cNvPr>
+          <p:cNvSpPr txBox="1"/>
+          <p:nvPr/>
+        </p:nvSpPr>
+        <p:spPr>
+          <a:xfrm>
+            <a:off x="7612329" y="2068487"/>
+            <a:ext cx="1576367" cy="169277"/>
+          </a:xfrm>
+          <a:prstGeom prst="rect">
+            <a:avLst/>
+          </a:prstGeom>
+          <a:noFill/>
+        </p:spPr>
+        <p:txBody>
+          <a:bodyPr wrap="square" lIns="0" tIns="0" rIns="0" bIns="0" rtlCol="0">
+            <a:spAutoFit/>
+          </a:bodyPr>
+          <a:lstStyle>
+            <a:defPPr>
+              <a:defRPr lang="en-US"/>
+            </a:defPPr>
+            <a:lvl1pPr algn="r">
+              <a:defRPr sz="1400">
+                <a:solidFill>
+                  <a:srgbClr val="0070C0"/>
+                </a:solidFill>
+              </a:defRPr>
+            </a:lvl1pPr>
+          </a:lstStyle>
+          <a:p>
+            <a:r>
+              <a:rPr lang="en-US" sz="1100" dirty="0" smtClean="0">
+                <a:solidFill>
+                  <a:srgbClr val="7030A0"/>
+                </a:solidFill>
+              </a:rPr>
+              <a:t>getTableFromNumber(</a:t>
+            </a:r>
+            <a:r>
+              <a:rPr lang="en-US" sz="1100" i="1" dirty="0" smtClean="0">
+                <a:solidFill>
+                  <a:srgbClr val="7030A0"/>
+                </a:solidFill>
+              </a:rPr>
+              <a:t>3</a:t>
+            </a:r>
+            <a:r>
+              <a:rPr lang="en-US" sz="1100" dirty="0" smtClean="0">
+                <a:solidFill>
+                  <a:srgbClr val="7030A0"/>
+                </a:solidFill>
+              </a:rPr>
+              <a:t>)</a:t>
+            </a:r>
+            <a:endParaRPr lang="en-US" sz="1100" dirty="0"/>
+          </a:p>
+        </p:txBody>
+      </p:sp>
+      <p:sp>
+        <p:nvSpPr>
+          <p:cNvPr id="41" name="TextBox 40"/>
+          <p:cNvSpPr txBox="1"/>
+          <p:nvPr/>
+        </p:nvSpPr>
+        <p:spPr>
+          <a:xfrm>
+            <a:off x="6545529" y="1969868"/>
+            <a:ext cx="837100" cy="169277"/>
+          </a:xfrm>
+          <a:prstGeom prst="rect">
+            <a:avLst/>
+          </a:prstGeom>
+          <a:noFill/>
+          <a:ln>
+            <a:noFill/>
+          </a:ln>
+        </p:spPr>
+        <p:txBody>
+          <a:bodyPr wrap="square" lIns="0" tIns="0" rIns="0" bIns="0" rtlCol="0">
+            <a:spAutoFit/>
+          </a:bodyPr>
+          <a:lstStyle>
+            <a:defPPr>
+              <a:defRPr lang="en-US"/>
+            </a:defPPr>
+            <a:lvl1pPr algn="r">
+              <a:defRPr sz="1400">
+                <a:solidFill>
+                  <a:srgbClr val="0070C0"/>
+                </a:solidFill>
+              </a:defRPr>
+            </a:lvl1pPr>
+          </a:lstStyle>
+          <a:p>
+            <a:r>
+              <a:rPr lang="en-US" sz="1100" dirty="0" smtClean="0">
+                <a:solidFill>
+                  <a:srgbClr val="7030A0"/>
+                </a:solidFill>
+              </a:rPr>
+              <a:t>getTables()</a:t>
+            </a:r>
+            <a:endParaRPr lang="en-US" sz="1100" dirty="0">
+              <a:solidFill>
+                <a:schemeClr val="accent4">
+                  <a:lumMod val="75000"/>
+                </a:schemeClr>
+              </a:solidFill>
+            </a:endParaRPr>
+          </a:p>
+        </p:txBody>
+      </p:sp>
+      <p:cxnSp>
+        <p:nvCxnSpPr>
+          <p:cNvPr id="52" name="Straight Arrow Connector 51"/>
+          <p:cNvCxnSpPr>
+            <a:cxnSpLocks/>
+          </p:cNvCxnSpPr>
+          <p:nvPr/>
+        </p:nvCxnSpPr>
+        <p:spPr>
+          <a:xfrm>
+            <a:off x="6545529" y="2176682"/>
+            <a:ext cx="923068" cy="0"/>
+          </a:xfrm>
+          <a:prstGeom prst="straightConnector1">
+            <a:avLst/>
+          </a:prstGeom>
+          <a:ln w="19050">
+            <a:solidFill>
+              <a:srgbClr val="7030A0"/>
+            </a:solidFill>
+            <a:tailEnd type="arrow"/>
+          </a:ln>
+        </p:spPr>
+        <p:style>
+          <a:lnRef idx="1">
+            <a:schemeClr val="accent1"/>
+          </a:lnRef>
+          <a:fillRef idx="0">
+            <a:schemeClr val="accent1"/>
+          </a:fillRef>
+          <a:effectRef idx="0">
+            <a:schemeClr val="accent1"/>
+          </a:effectRef>
+          <a:fontRef idx="minor">
+            <a:schemeClr val="tx1"/>
+          </a:fontRef>
+        </p:style>
+      </p:cxnSp>
+      <p:cxnSp>
+        <p:nvCxnSpPr>
+          <p:cNvPr id="60" name="Straight Arrow Connector 59">
+            <a:extLst>
+              <a:ext uri="{FF2B5EF4-FFF2-40B4-BE49-F238E27FC236}">
+                <a16:creationId xmlns:a16="http://schemas.microsoft.com/office/drawing/2014/main" xmlns="" id="{7C9F21BC-13A9-471F-825A-2621FD36355F}"/>
+              </a:ext>
+            </a:extLst>
+          </p:cNvPr>
+          <p:cNvCxnSpPr>
+            <a:cxnSpLocks/>
+          </p:cNvCxnSpPr>
+          <p:nvPr/>
+        </p:nvCxnSpPr>
+        <p:spPr>
+          <a:xfrm>
+            <a:off x="7621412" y="2522973"/>
+            <a:ext cx="1509517" cy="9352"/>
+          </a:xfrm>
+          <a:prstGeom prst="straightConnector1">
+            <a:avLst/>
+          </a:prstGeom>
+          <a:ln w="19050">
+            <a:solidFill>
+              <a:srgbClr val="7030A0"/>
+            </a:solidFill>
+            <a:prstDash val="sysDash"/>
+            <a:headEnd type="arrow" w="med" len="med"/>
+            <a:tailEnd type="none" w="med" len="med"/>
+          </a:ln>
+        </p:spPr>
+        <p:style>
+          <a:lnRef idx="1">
+            <a:schemeClr val="accent1"/>
+          </a:lnRef>
+          <a:fillRef idx="0">
+            <a:schemeClr val="accent1"/>
+          </a:fillRef>
+          <a:effectRef idx="0">
+            <a:schemeClr val="accent1"/>
+          </a:effectRef>
+          <a:fontRef idx="minor">
+            <a:schemeClr val="tx1"/>
+          </a:fontRef>
+        </p:style>
+      </p:cxnSp>
+      <p:cxnSp>
+        <p:nvCxnSpPr>
+          <p:cNvPr id="63" name="Straight Arrow Connector 62">
+            <a:extLst>
+              <a:ext uri="{FF2B5EF4-FFF2-40B4-BE49-F238E27FC236}">
+                <a16:creationId xmlns:a16="http://schemas.microsoft.com/office/drawing/2014/main" xmlns="" id="{7C9F21BC-13A9-471F-825A-2621FD36355F}"/>
+              </a:ext>
+            </a:extLst>
+          </p:cNvPr>
+          <p:cNvCxnSpPr>
+            <a:cxnSpLocks/>
+          </p:cNvCxnSpPr>
+          <p:nvPr/>
+        </p:nvCxnSpPr>
+        <p:spPr>
+          <a:xfrm>
+            <a:off x="4106022" y="2815560"/>
+            <a:ext cx="2393815" cy="0"/>
+          </a:xfrm>
+          <a:prstGeom prst="straightConnector1">
+            <a:avLst/>
+          </a:prstGeom>
+          <a:ln w="19050">
+            <a:solidFill>
+              <a:srgbClr val="7030A0"/>
+            </a:solidFill>
+            <a:prstDash val="sysDash"/>
+            <a:headEnd type="arrow" w="med" len="med"/>
+            <a:tailEnd type="none" w="med" len="med"/>
+          </a:ln>
+        </p:spPr>
+        <p:style>
+          <a:lnRef idx="1">
+            <a:schemeClr val="accent1"/>
+          </a:lnRef>
+          <a:fillRef idx="0">
+            <a:schemeClr val="accent1"/>
+          </a:fillRef>
+          <a:effectRef idx="0">
+            <a:schemeClr val="accent1"/>
+          </a:effectRef>
+          <a:fontRef idx="minor">
+            <a:schemeClr val="tx1"/>
+          </a:fontRef>
+        </p:style>
+      </p:cxnSp>
+      <p:sp>
+        <p:nvSpPr>
+          <p:cNvPr id="78" name="Rectangle 62"/>
+          <p:cNvSpPr/>
+          <p:nvPr/>
+        </p:nvSpPr>
+        <p:spPr>
+          <a:xfrm>
+            <a:off x="3447493" y="783376"/>
+            <a:ext cx="1108966" cy="369236"/>
+          </a:xfrm>
+          <a:prstGeom prst="rect">
+            <a:avLst/>
+          </a:prstGeom>
+          <a:solidFill>
+            <a:srgbClr val="0070C0"/>
+          </a:solidFill>
+          <a:ln w="19050">
+            <a:solidFill>
+              <a:srgbClr val="0070C0"/>
+            </a:solidFill>
+          </a:ln>
+          <a:effectLst/>
+        </p:spPr>
+        <p:style>
+          <a:lnRef idx="1">
+            <a:schemeClr val="accent2"/>
+          </a:lnRef>
+          <a:fillRef idx="2">
+            <a:schemeClr val="accent2"/>
+          </a:fillRef>
+          <a:effectRef idx="1">
+            <a:schemeClr val="accent2"/>
+          </a:effectRef>
+          <a:fontRef idx="minor">
+            <a:schemeClr val="dk1"/>
+          </a:fontRef>
+        </p:style>
+        <p:txBody>
+          <a:bodyPr rtlCol="0" anchor="ctr"/>
+          <a:lstStyle/>
+          <a:p>
+            <a:pPr algn="ctr"/>
+            <a:r>
+              <a:rPr lang="en-US" sz="1200" smtClean="0">
+                <a:solidFill>
+                  <a:schemeClr val="bg1"/>
+                </a:solidFill>
+              </a:rPr>
+              <a:t>tm:TableMode</a:t>
+            </a:r>
+            <a:r>
+              <a:rPr lang="en-US" sz="1200" dirty="0" smtClean="0">
+                <a:solidFill>
+                  <a:schemeClr val="bg1"/>
+                </a:solidFill>
+              </a:rPr>
+              <a:t/>
+            </a:r>
+            <a:br>
+              <a:rPr lang="en-US" sz="1200" dirty="0" smtClean="0">
+                <a:solidFill>
+                  <a:schemeClr val="bg1"/>
+                </a:solidFill>
+              </a:rPr>
+            </a:br>
+            <a:r>
+              <a:rPr lang="en-US" sz="1200" dirty="0" smtClean="0">
+                <a:solidFill>
+                  <a:schemeClr val="bg1"/>
+                </a:solidFill>
+              </a:rPr>
+              <a:t>Command</a:t>
+            </a:r>
+            <a:endParaRPr lang="en-SG" sz="1200" dirty="0">
+              <a:solidFill>
+                <a:schemeClr val="bg1"/>
+              </a:solidFill>
+            </a:endParaRPr>
+          </a:p>
+        </p:txBody>
+      </p:sp>
+      <p:cxnSp>
+        <p:nvCxnSpPr>
+          <p:cNvPr id="90" name="Straight Connector 89"/>
+          <p:cNvCxnSpPr>
+            <a:cxnSpLocks/>
+          </p:cNvCxnSpPr>
+          <p:nvPr/>
+        </p:nvCxnSpPr>
+        <p:spPr>
+          <a:xfrm>
+            <a:off x="4018481" y="1169553"/>
+            <a:ext cx="34432" cy="3887817"/>
+          </a:xfrm>
+          <a:prstGeom prst="line">
+            <a:avLst/>
+          </a:prstGeom>
+          <a:ln w="19050">
+            <a:solidFill>
+              <a:srgbClr val="0070C0"/>
+            </a:solidFill>
+            <a:prstDash val="sysDash"/>
+          </a:ln>
+          <a:effectLst/>
+        </p:spPr>
+        <p:style>
+          <a:lnRef idx="1">
+            <a:schemeClr val="accent1"/>
+          </a:lnRef>
+          <a:fillRef idx="2">
+            <a:schemeClr val="accent1"/>
+          </a:fillRef>
+          <a:effectRef idx="1">
+            <a:schemeClr val="accent1"/>
+          </a:effectRef>
+          <a:fontRef idx="minor">
+            <a:schemeClr val="dk1"/>
+          </a:fontRef>
+        </p:style>
+      </p:cxnSp>
+      <p:sp>
+        <p:nvSpPr>
+          <p:cNvPr id="106" name="Rectangle 105"/>
+          <p:cNvSpPr/>
+          <p:nvPr/>
+        </p:nvSpPr>
+        <p:spPr>
+          <a:xfrm>
+            <a:off x="3948688" y="1857709"/>
+            <a:ext cx="157334" cy="3931151"/>
+          </a:xfrm>
+          <a:prstGeom prst="rect">
+            <a:avLst/>
+          </a:prstGeom>
+          <a:solidFill>
+            <a:srgbClr val="0070C0"/>
+          </a:solidFill>
+          <a:ln>
+            <a:solidFill>
+              <a:srgbClr val="0070C0"/>
+            </a:solidFill>
+          </a:ln>
+          <a:effectLst/>
+        </p:spPr>
+        <p:style>
+          <a:lnRef idx="1">
+            <a:schemeClr val="accent3"/>
+          </a:lnRef>
+          <a:fillRef idx="2">
+            <a:schemeClr val="accent3"/>
+          </a:fillRef>
+          <a:effectRef idx="1">
+            <a:schemeClr val="accent3"/>
+          </a:effectRef>
+          <a:fontRef idx="minor">
+            <a:schemeClr val="dk1"/>
+          </a:fontRef>
+        </p:style>
+        <p:txBody>
+          <a:bodyPr rtlCol="0" anchor="ctr"/>
+          <a:lstStyle/>
+          <a:p>
+            <a:pPr algn="ctr"/>
+            <a:endParaRPr lang="en-SG" sz="1400"/>
+          </a:p>
+        </p:txBody>
+      </p:sp>
+      <p:sp>
+        <p:nvSpPr>
+          <p:cNvPr id="111" name="TextBox 110"/>
+          <p:cNvSpPr txBox="1"/>
+          <p:nvPr/>
+        </p:nvSpPr>
+        <p:spPr>
+          <a:xfrm>
+            <a:off x="4597410" y="1799391"/>
+            <a:ext cx="1298078" cy="169277"/>
+          </a:xfrm>
+          <a:prstGeom prst="rect">
+            <a:avLst/>
+          </a:prstGeom>
+          <a:noFill/>
+        </p:spPr>
+        <p:txBody>
+          <a:bodyPr wrap="square" lIns="0" tIns="0" rIns="0" bIns="0" rtlCol="0">
+            <a:spAutoFit/>
+          </a:bodyPr>
+          <a:lstStyle>
+            <a:defPPr>
+              <a:defRPr lang="en-US"/>
+            </a:defPPr>
+            <a:lvl1pPr algn="r">
+              <a:defRPr sz="1400">
+                <a:solidFill>
+                  <a:srgbClr val="0070C0"/>
+                </a:solidFill>
+              </a:defRPr>
+            </a:lvl1pPr>
+          </a:lstStyle>
+          <a:p>
+            <a:pPr algn="l"/>
+            <a:r>
+              <a:rPr lang="en-US" sz="1100" dirty="0" smtClean="0">
+                <a:solidFill>
+                  <a:schemeClr val="accent4">
+                    <a:lumMod val="75000"/>
+                  </a:schemeClr>
+                </a:solidFill>
+              </a:rPr>
+              <a:t>getRestOrRant()</a:t>
+            </a:r>
+            <a:endParaRPr lang="en-US" sz="1100" dirty="0"/>
+          </a:p>
+        </p:txBody>
+      </p:sp>
+      <p:sp>
+        <p:nvSpPr>
+          <p:cNvPr id="116" name="Rectangle 62"/>
+          <p:cNvSpPr/>
+          <p:nvPr/>
+        </p:nvSpPr>
+        <p:spPr>
+          <a:xfrm>
+            <a:off x="8828093" y="1110503"/>
+            <a:ext cx="841636" cy="351261"/>
+          </a:xfrm>
+          <a:prstGeom prst="rect">
+            <a:avLst/>
+          </a:prstGeom>
+          <a:solidFill>
+            <a:srgbClr val="7030A0"/>
+          </a:solidFill>
+          <a:ln w="19050">
+            <a:solidFill>
+              <a:srgbClr val="7030A0"/>
+            </a:solidFill>
+          </a:ln>
+          <a:effectLst/>
+        </p:spPr>
+        <p:style>
+          <a:lnRef idx="1">
+            <a:schemeClr val="accent2"/>
+          </a:lnRef>
+          <a:fillRef idx="2">
+            <a:schemeClr val="accent2"/>
+          </a:fillRef>
+          <a:effectRef idx="1">
+            <a:schemeClr val="accent2"/>
+          </a:effectRef>
+          <a:fontRef idx="minor">
+            <a:schemeClr val="dk1"/>
+          </a:fontRef>
+        </p:style>
+        <p:txBody>
+          <a:bodyPr rtlCol="0" anchor="ctr"/>
+          <a:lstStyle/>
+          <a:p>
+            <a:pPr algn="ctr"/>
+            <a:r>
+              <a:rPr lang="en-US" sz="1200" dirty="0" smtClean="0">
+                <a:solidFill>
+                  <a:schemeClr val="bg1"/>
+                </a:solidFill>
+              </a:rPr>
+              <a:t>:ReadOnlyTables</a:t>
+            </a:r>
+            <a:endParaRPr lang="en-SG" sz="1200" dirty="0">
+              <a:solidFill>
+                <a:schemeClr val="bg1"/>
+              </a:solidFill>
+            </a:endParaRPr>
+          </a:p>
+        </p:txBody>
+      </p:sp>
+      <p:cxnSp>
+        <p:nvCxnSpPr>
+          <p:cNvPr id="117" name="Straight Connector 116">
+            <a:extLst>
+              <a:ext uri="{FF2B5EF4-FFF2-40B4-BE49-F238E27FC236}">
+                <a16:creationId xmlns:a16="http://schemas.microsoft.com/office/drawing/2014/main" xmlns="" id="{E4E1C8CA-49DF-45D8-80A5-D5C8282EE927}"/>
+              </a:ext>
+            </a:extLst>
+          </p:cNvPr>
+          <p:cNvCxnSpPr>
+            <a:cxnSpLocks/>
+          </p:cNvCxnSpPr>
+          <p:nvPr/>
+        </p:nvCxnSpPr>
+        <p:spPr>
+          <a:xfrm flipH="1">
+            <a:off x="9230648" y="1463895"/>
+            <a:ext cx="4656" cy="3620772"/>
+          </a:xfrm>
+          <a:prstGeom prst="line">
+            <a:avLst/>
+          </a:prstGeom>
+          <a:ln w="19050">
+            <a:solidFill>
+              <a:srgbClr val="7030A0"/>
+            </a:solidFill>
+            <a:prstDash val="sysDash"/>
+          </a:ln>
+          <a:effectLst/>
+        </p:spPr>
+        <p:style>
+          <a:lnRef idx="1">
+            <a:schemeClr val="accent1"/>
+          </a:lnRef>
+          <a:fillRef idx="2">
+            <a:schemeClr val="accent1"/>
+          </a:fillRef>
+          <a:effectRef idx="1">
+            <a:schemeClr val="accent1"/>
+          </a:effectRef>
+          <a:fontRef idx="minor">
+            <a:schemeClr val="dk1"/>
+          </a:fontRef>
+        </p:style>
+      </p:cxnSp>
+      <p:cxnSp>
+        <p:nvCxnSpPr>
+          <p:cNvPr id="124" name="Straight Arrow Connector 123"/>
+          <p:cNvCxnSpPr>
+            <a:cxnSpLocks/>
+          </p:cNvCxnSpPr>
+          <p:nvPr/>
+        </p:nvCxnSpPr>
+        <p:spPr>
+          <a:xfrm flipV="1">
+            <a:off x="7612329" y="2294038"/>
+            <a:ext cx="1538015" cy="3384"/>
+          </a:xfrm>
+          <a:prstGeom prst="straightConnector1">
+            <a:avLst/>
+          </a:prstGeom>
+          <a:ln w="19050">
+            <a:solidFill>
+              <a:srgbClr val="7030A0"/>
+            </a:solidFill>
+            <a:tailEnd type="arrow"/>
+          </a:ln>
+        </p:spPr>
+        <p:style>
+          <a:lnRef idx="1">
+            <a:schemeClr val="accent1"/>
+          </a:lnRef>
+          <a:fillRef idx="0">
+            <a:schemeClr val="accent1"/>
+          </a:fillRef>
+          <a:effectRef idx="0">
+            <a:schemeClr val="accent1"/>
+          </a:effectRef>
+          <a:fontRef idx="minor">
+            <a:schemeClr val="tx1"/>
+          </a:fontRef>
+        </p:style>
+      </p:cxnSp>
+      <p:sp>
+        <p:nvSpPr>
+          <p:cNvPr id="126" name="Rectangle 125"/>
+          <p:cNvSpPr/>
+          <p:nvPr/>
+        </p:nvSpPr>
+        <p:spPr>
+          <a:xfrm>
+            <a:off x="9158230" y="2299554"/>
+            <a:ext cx="152400" cy="254065"/>
+          </a:xfrm>
+          <a:prstGeom prst="rect">
+            <a:avLst/>
+          </a:prstGeom>
+          <a:solidFill>
+            <a:srgbClr val="7030A0"/>
+          </a:solidFill>
+          <a:ln>
+            <a:solidFill>
+              <a:srgbClr val="7030A0"/>
+            </a:solidFill>
+          </a:ln>
+          <a:effectLst/>
+        </p:spPr>
+        <p:style>
+          <a:lnRef idx="1">
+            <a:schemeClr val="accent3"/>
+          </a:lnRef>
+          <a:fillRef idx="2">
+            <a:schemeClr val="accent3"/>
+          </a:fillRef>
+          <a:effectRef idx="1">
+            <a:schemeClr val="accent3"/>
+          </a:effectRef>
+          <a:fontRef idx="minor">
+            <a:schemeClr val="dk1"/>
+          </a:fontRef>
+        </p:style>
+        <p:txBody>
+          <a:bodyPr rtlCol="0" anchor="ctr"/>
+          <a:lstStyle/>
+          <a:p>
+            <a:pPr algn="ctr"/>
+            <a:endParaRPr lang="en-SG" sz="1400"/>
+          </a:p>
+        </p:txBody>
+      </p:sp>
+      <p:cxnSp>
+        <p:nvCxnSpPr>
+          <p:cNvPr id="134" name="Straight Arrow Connector 133">
+            <a:extLst>
+              <a:ext uri="{FF2B5EF4-FFF2-40B4-BE49-F238E27FC236}">
+                <a16:creationId xmlns:a16="http://schemas.microsoft.com/office/drawing/2014/main" xmlns="" id="{7C9F21BC-13A9-471F-825A-2621FD36355F}"/>
+              </a:ext>
+            </a:extLst>
+          </p:cNvPr>
+          <p:cNvCxnSpPr>
+            <a:cxnSpLocks/>
+            <a:endCxn id="86" idx="2"/>
+          </p:cNvCxnSpPr>
+          <p:nvPr/>
+        </p:nvCxnSpPr>
+        <p:spPr>
+          <a:xfrm>
+            <a:off x="6565122" y="2673122"/>
+            <a:ext cx="979137" cy="4676"/>
+          </a:xfrm>
+          <a:prstGeom prst="straightConnector1">
+            <a:avLst/>
+          </a:prstGeom>
+          <a:ln w="19050">
+            <a:solidFill>
+              <a:srgbClr val="7030A0"/>
+            </a:solidFill>
+            <a:prstDash val="sysDash"/>
+            <a:headEnd type="arrow" w="med" len="med"/>
+            <a:tailEnd type="none" w="med" len="med"/>
+          </a:ln>
+        </p:spPr>
+        <p:style>
+          <a:lnRef idx="1">
+            <a:schemeClr val="accent1"/>
+          </a:lnRef>
+          <a:fillRef idx="0">
+            <a:schemeClr val="accent1"/>
+          </a:fillRef>
+          <a:effectRef idx="0">
+            <a:schemeClr val="accent1"/>
+          </a:effectRef>
+          <a:fontRef idx="minor">
+            <a:schemeClr val="tx1"/>
+          </a:fontRef>
+        </p:style>
+      </p:cxnSp>
+      <p:sp>
+        <p:nvSpPr>
+          <p:cNvPr id="136" name="TextBox 135">
+            <a:extLst>
+              <a:ext uri="{FF2B5EF4-FFF2-40B4-BE49-F238E27FC236}">
+                <a16:creationId xmlns:a16="http://schemas.microsoft.com/office/drawing/2014/main" xmlns="" id="{B85C6184-7378-4E89-A338-72B1E5056F4F}"/>
+              </a:ext>
+            </a:extLst>
+          </p:cNvPr>
+          <p:cNvSpPr txBox="1"/>
+          <p:nvPr/>
+        </p:nvSpPr>
+        <p:spPr>
+          <a:xfrm>
+            <a:off x="4839041" y="2592080"/>
+            <a:ext cx="1103671" cy="169277"/>
+          </a:xfrm>
+          <a:prstGeom prst="rect">
+            <a:avLst/>
+          </a:prstGeom>
+          <a:noFill/>
+        </p:spPr>
+        <p:txBody>
+          <a:bodyPr wrap="square" lIns="0" tIns="0" rIns="0" bIns="0" rtlCol="0">
+            <a:spAutoFit/>
+          </a:bodyPr>
+          <a:lstStyle>
+            <a:defPPr>
+              <a:defRPr lang="en-US"/>
+            </a:defPPr>
+            <a:lvl1pPr algn="r">
+              <a:defRPr sz="1400">
+                <a:solidFill>
+                  <a:srgbClr val="0070C0"/>
+                </a:solidFill>
+              </a:defRPr>
+            </a:lvl1pPr>
+          </a:lstStyle>
+          <a:p>
+            <a:pPr algn="l"/>
+            <a:r>
+              <a:rPr lang="en-US" sz="1100" i="1" dirty="0">
+                <a:solidFill>
+                  <a:srgbClr val="7030A0"/>
+                </a:solidFill>
+              </a:rPr>
+              <a:t>t</a:t>
+            </a:r>
+            <a:r>
+              <a:rPr lang="en-US" sz="1100" i="1" dirty="0" smtClean="0">
+                <a:solidFill>
+                  <a:srgbClr val="7030A0"/>
+                </a:solidFill>
+              </a:rPr>
+              <a:t>able 3</a:t>
+            </a:r>
+            <a:endParaRPr lang="en-US" sz="1100" i="1" dirty="0"/>
+          </a:p>
+        </p:txBody>
+      </p:sp>
+      <p:sp>
+        <p:nvSpPr>
+          <p:cNvPr id="144" name="Rectangle 143"/>
+          <p:cNvSpPr/>
+          <p:nvPr/>
+        </p:nvSpPr>
+        <p:spPr>
+          <a:xfrm>
+            <a:off x="6428515" y="3248006"/>
+            <a:ext cx="145857" cy="185175"/>
+          </a:xfrm>
+          <a:prstGeom prst="rect">
+            <a:avLst/>
+          </a:prstGeom>
+          <a:solidFill>
+            <a:srgbClr val="7030A0"/>
+          </a:solidFill>
+          <a:ln>
+            <a:solidFill>
+              <a:srgbClr val="7030A0"/>
+            </a:solidFill>
+          </a:ln>
+          <a:effectLst/>
+        </p:spPr>
+        <p:style>
+          <a:lnRef idx="1">
+            <a:schemeClr val="accent3"/>
+          </a:lnRef>
+          <a:fillRef idx="2">
+            <a:schemeClr val="accent3"/>
+          </a:fillRef>
+          <a:effectRef idx="1">
+            <a:schemeClr val="accent3"/>
+          </a:effectRef>
+          <a:fontRef idx="minor">
+            <a:schemeClr val="dk1"/>
+          </a:fontRef>
+        </p:style>
+        <p:txBody>
+          <a:bodyPr rtlCol="0" anchor="ctr"/>
+          <a:lstStyle/>
+          <a:p>
+            <a:pPr algn="ctr"/>
+            <a:endParaRPr lang="en-SG" sz="1400"/>
+          </a:p>
+        </p:txBody>
+      </p:sp>
+      <p:cxnSp>
+        <p:nvCxnSpPr>
+          <p:cNvPr id="145" name="Straight Arrow Connector 144"/>
+          <p:cNvCxnSpPr>
+            <a:cxnSpLocks/>
+          </p:cNvCxnSpPr>
+          <p:nvPr/>
+        </p:nvCxnSpPr>
+        <p:spPr>
+          <a:xfrm flipV="1">
+            <a:off x="4097298" y="3267903"/>
+            <a:ext cx="2360081" cy="0"/>
+          </a:xfrm>
+          <a:prstGeom prst="straightConnector1">
+            <a:avLst/>
+          </a:prstGeom>
+          <a:ln w="19050">
+            <a:solidFill>
+              <a:srgbClr val="0070C0"/>
+            </a:solidFill>
+            <a:tailEnd type="arrow"/>
+          </a:ln>
+        </p:spPr>
+        <p:style>
+          <a:lnRef idx="1">
+            <a:schemeClr val="accent1"/>
+          </a:lnRef>
+          <a:fillRef idx="0">
+            <a:schemeClr val="accent1"/>
+          </a:fillRef>
+          <a:effectRef idx="0">
+            <a:schemeClr val="accent1"/>
+          </a:effectRef>
+          <a:fontRef idx="minor">
+            <a:schemeClr val="tx1"/>
+          </a:fontRef>
+        </p:style>
+      </p:cxnSp>
+      <p:cxnSp>
+        <p:nvCxnSpPr>
+          <p:cNvPr id="146" name="Straight Arrow Connector 145">
+            <a:extLst>
+              <a:ext uri="{FF2B5EF4-FFF2-40B4-BE49-F238E27FC236}">
+                <a16:creationId xmlns:a16="http://schemas.microsoft.com/office/drawing/2014/main" xmlns="" id="{7C9F21BC-13A9-471F-825A-2621FD36355F}"/>
+              </a:ext>
+            </a:extLst>
+          </p:cNvPr>
+          <p:cNvCxnSpPr>
+            <a:cxnSpLocks/>
+            <a:endCxn id="144" idx="2"/>
+          </p:cNvCxnSpPr>
+          <p:nvPr/>
+        </p:nvCxnSpPr>
+        <p:spPr>
+          <a:xfrm>
+            <a:off x="4093453" y="3433181"/>
+            <a:ext cx="2407991" cy="0"/>
+          </a:xfrm>
+          <a:prstGeom prst="straightConnector1">
+            <a:avLst/>
+          </a:prstGeom>
+          <a:ln w="19050">
+            <a:solidFill>
+              <a:srgbClr val="7030A0"/>
+            </a:solidFill>
+            <a:prstDash val="sysDash"/>
+            <a:headEnd type="arrow" w="med" len="med"/>
+            <a:tailEnd type="none" w="med" len="med"/>
+          </a:ln>
+        </p:spPr>
+        <p:style>
+          <a:lnRef idx="1">
+            <a:schemeClr val="accent1"/>
+          </a:lnRef>
+          <a:fillRef idx="0">
+            <a:schemeClr val="accent1"/>
+          </a:fillRef>
+          <a:effectRef idx="0">
+            <a:schemeClr val="accent1"/>
+          </a:effectRef>
+          <a:fontRef idx="minor">
+            <a:schemeClr val="tx1"/>
+          </a:fontRef>
+        </p:style>
+      </p:cxnSp>
+      <p:sp>
+        <p:nvSpPr>
+          <p:cNvPr id="147" name="TextBox 146"/>
+          <p:cNvSpPr txBox="1"/>
+          <p:nvPr/>
+        </p:nvSpPr>
+        <p:spPr>
+          <a:xfrm>
+            <a:off x="4271639" y="3640723"/>
+            <a:ext cx="2044944" cy="169277"/>
+          </a:xfrm>
+          <a:prstGeom prst="rect">
+            <a:avLst/>
+          </a:prstGeom>
+          <a:noFill/>
+        </p:spPr>
+        <p:txBody>
+          <a:bodyPr wrap="square" lIns="0" tIns="0" rIns="0" bIns="0" rtlCol="0">
+            <a:spAutoFit/>
+          </a:bodyPr>
+          <a:lstStyle>
+            <a:defPPr>
+              <a:defRPr lang="en-US"/>
+            </a:defPPr>
+            <a:lvl1pPr algn="r">
+              <a:defRPr sz="1400">
+                <a:solidFill>
+                  <a:srgbClr val="0070C0"/>
+                </a:solidFill>
+              </a:defRPr>
+            </a:lvl1pPr>
+          </a:lstStyle>
+          <a:p>
+            <a:pPr algn="l"/>
+            <a:r>
+              <a:rPr lang="en-US" sz="1100" smtClean="0">
+                <a:solidFill>
+                  <a:schemeClr val="accent4">
+                    <a:lumMod val="75000"/>
+                  </a:schemeClr>
+                </a:solidFill>
+              </a:rPr>
+              <a:t>updateFilteredOrderItemList</a:t>
+            </a:r>
+            <a:r>
+              <a:rPr lang="en-US" sz="1100" dirty="0" smtClean="0">
+                <a:solidFill>
+                  <a:schemeClr val="accent4">
+                    <a:lumMod val="75000"/>
+                  </a:schemeClr>
+                </a:solidFill>
+              </a:rPr>
+              <a:t>()</a:t>
+            </a:r>
+            <a:endParaRPr lang="en-US" sz="1100" dirty="0"/>
+          </a:p>
+        </p:txBody>
+      </p:sp>
+      <p:sp>
+        <p:nvSpPr>
+          <p:cNvPr id="148" name="Rectangle 147"/>
+          <p:cNvSpPr/>
+          <p:nvPr/>
+        </p:nvSpPr>
+        <p:spPr>
+          <a:xfrm>
+            <a:off x="6421179" y="3850991"/>
+            <a:ext cx="153193" cy="194286"/>
+          </a:xfrm>
+          <a:prstGeom prst="rect">
+            <a:avLst/>
+          </a:prstGeom>
+          <a:solidFill>
+            <a:srgbClr val="7030A0"/>
+          </a:solidFill>
+          <a:ln>
+            <a:solidFill>
+              <a:srgbClr val="7030A0"/>
+            </a:solidFill>
+          </a:ln>
+          <a:effectLst/>
+        </p:spPr>
+        <p:style>
+          <a:lnRef idx="1">
+            <a:schemeClr val="accent3"/>
+          </a:lnRef>
+          <a:fillRef idx="2">
+            <a:schemeClr val="accent3"/>
+          </a:fillRef>
+          <a:effectRef idx="1">
+            <a:schemeClr val="accent3"/>
+          </a:effectRef>
+          <a:fontRef idx="minor">
+            <a:schemeClr val="dk1"/>
+          </a:fontRef>
+        </p:style>
+        <p:txBody>
+          <a:bodyPr rtlCol="0" anchor="ctr"/>
+          <a:lstStyle/>
+          <a:p>
+            <a:pPr algn="ctr"/>
+            <a:endParaRPr lang="en-SG" sz="1400"/>
+          </a:p>
+        </p:txBody>
+      </p:sp>
+      <p:cxnSp>
+        <p:nvCxnSpPr>
+          <p:cNvPr id="149" name="Straight Arrow Connector 148"/>
+          <p:cNvCxnSpPr>
+            <a:cxnSpLocks/>
+          </p:cNvCxnSpPr>
+          <p:nvPr/>
+        </p:nvCxnSpPr>
+        <p:spPr>
+          <a:xfrm flipV="1">
+            <a:off x="4115323" y="3853295"/>
+            <a:ext cx="2290821" cy="409"/>
+          </a:xfrm>
+          <a:prstGeom prst="straightConnector1">
+            <a:avLst/>
+          </a:prstGeom>
+          <a:ln w="19050">
+            <a:solidFill>
+              <a:srgbClr val="0070C0"/>
+            </a:solidFill>
+            <a:tailEnd type="arrow"/>
+          </a:ln>
+        </p:spPr>
+        <p:style>
+          <a:lnRef idx="1">
+            <a:schemeClr val="accent1"/>
+          </a:lnRef>
+          <a:fillRef idx="0">
+            <a:schemeClr val="accent1"/>
+          </a:fillRef>
+          <a:effectRef idx="0">
+            <a:schemeClr val="accent1"/>
+          </a:effectRef>
+          <a:fontRef idx="minor">
+            <a:schemeClr val="tx1"/>
+          </a:fontRef>
+        </p:style>
+      </p:cxnSp>
+      <p:cxnSp>
+        <p:nvCxnSpPr>
+          <p:cNvPr id="150" name="Straight Arrow Connector 149">
+            <a:extLst>
+              <a:ext uri="{FF2B5EF4-FFF2-40B4-BE49-F238E27FC236}">
+                <a16:creationId xmlns:a16="http://schemas.microsoft.com/office/drawing/2014/main" xmlns="" id="{7C9F21BC-13A9-471F-825A-2621FD36355F}"/>
+              </a:ext>
+            </a:extLst>
+          </p:cNvPr>
+          <p:cNvCxnSpPr>
+            <a:cxnSpLocks/>
+          </p:cNvCxnSpPr>
+          <p:nvPr/>
+        </p:nvCxnSpPr>
+        <p:spPr>
+          <a:xfrm>
+            <a:off x="4078177" y="4045277"/>
+            <a:ext cx="2327299" cy="0"/>
+          </a:xfrm>
+          <a:prstGeom prst="straightConnector1">
+            <a:avLst/>
+          </a:prstGeom>
+          <a:ln w="19050">
+            <a:solidFill>
+              <a:srgbClr val="7030A0"/>
+            </a:solidFill>
+            <a:prstDash val="sysDash"/>
+            <a:headEnd type="arrow" w="med" len="med"/>
+            <a:tailEnd type="none" w="med" len="med"/>
+          </a:ln>
+        </p:spPr>
+        <p:style>
+          <a:lnRef idx="1">
+            <a:schemeClr val="accent1"/>
+          </a:lnRef>
+          <a:fillRef idx="0">
+            <a:schemeClr val="accent1"/>
+          </a:fillRef>
+          <a:effectRef idx="0">
+            <a:schemeClr val="accent1"/>
+          </a:effectRef>
+          <a:fontRef idx="minor">
+            <a:schemeClr val="tx1"/>
+          </a:fontRef>
+        </p:style>
+      </p:cxnSp>
+      <p:sp>
+        <p:nvSpPr>
+          <p:cNvPr id="170" name="TextBox 169"/>
+          <p:cNvSpPr txBox="1"/>
+          <p:nvPr/>
+        </p:nvSpPr>
+        <p:spPr>
+          <a:xfrm>
+            <a:off x="4018481" y="4268610"/>
+            <a:ext cx="769778" cy="507831"/>
+          </a:xfrm>
+          <a:prstGeom prst="rect">
+            <a:avLst/>
+          </a:prstGeom>
+          <a:noFill/>
+        </p:spPr>
+        <p:txBody>
+          <a:bodyPr wrap="square" lIns="0" tIns="0" rIns="0" bIns="0" rtlCol="0">
+            <a:spAutoFit/>
+          </a:bodyPr>
+          <a:lstStyle>
+            <a:defPPr>
+              <a:defRPr lang="en-US"/>
+            </a:defPPr>
+            <a:lvl1pPr algn="r">
+              <a:defRPr sz="1400">
+                <a:solidFill>
+                  <a:srgbClr val="0070C0"/>
+                </a:solidFill>
+              </a:defRPr>
+            </a:lvl1pPr>
+          </a:lstStyle>
+          <a:p>
+            <a:r>
+              <a:rPr lang="en-US" sz="1100" dirty="0"/>
+              <a:t>g</a:t>
+            </a:r>
+            <a:r>
+              <a:rPr lang="en-US" sz="1100" dirty="0" smtClean="0"/>
+              <a:t>enerate</a:t>
+            </a:r>
+            <a:r>
+              <a:rPr lang="en-US" sz="1100" smtClean="0"/>
+              <a:t/>
+            </a:r>
+            <a:br>
+              <a:rPr lang="en-US" sz="1100" smtClean="0"/>
+            </a:br>
+            <a:r>
+              <a:rPr lang="en-US" sz="1100" smtClean="0"/>
+              <a:t>Command</a:t>
+            </a:r>
+            <a:br>
+              <a:rPr lang="en-US" sz="1100" smtClean="0"/>
+            </a:br>
+            <a:r>
+              <a:rPr lang="en-US" sz="1100" smtClean="0"/>
+              <a:t>Result</a:t>
+            </a:r>
+            <a:r>
+              <a:rPr lang="en-US" sz="1100" dirty="0" smtClean="0"/>
+              <a:t>()</a:t>
+            </a:r>
+            <a:endParaRPr lang="en-US" sz="1100" dirty="0"/>
+          </a:p>
+        </p:txBody>
+      </p:sp>
+      <p:cxnSp>
+        <p:nvCxnSpPr>
+          <p:cNvPr id="92" name="Curved Connector 91"/>
+          <p:cNvCxnSpPr/>
+          <p:nvPr/>
+        </p:nvCxnSpPr>
+        <p:spPr>
+          <a:xfrm rot="16200000" flipH="1">
+            <a:off x="3961615" y="5538941"/>
+            <a:ext cx="156923" cy="76200"/>
+          </a:xfrm>
+          <a:prstGeom prst="curvedConnector4">
+            <a:avLst>
+              <a:gd name="adj1" fmla="val -1"/>
+              <a:gd name="adj2" fmla="val 434948"/>
+            </a:avLst>
+          </a:prstGeom>
+          <a:ln w="19050">
+            <a:solidFill>
+              <a:srgbClr val="0070C0"/>
+            </a:solidFill>
+            <a:prstDash val="sysDash"/>
+            <a:tailEnd type="triangle"/>
+          </a:ln>
+        </p:spPr>
+        <p:style>
+          <a:lnRef idx="1">
+            <a:schemeClr val="accent1"/>
+          </a:lnRef>
+          <a:fillRef idx="0">
+            <a:schemeClr val="accent1"/>
+          </a:fillRef>
+          <a:effectRef idx="0">
+            <a:schemeClr val="accent1"/>
+          </a:effectRef>
+          <a:fontRef idx="minor">
+            <a:schemeClr val="tx1"/>
+          </a:fontRef>
+        </p:style>
+      </p:cxnSp>
+      <p:sp>
+        <p:nvSpPr>
+          <p:cNvPr id="96" name="Rectangle 95"/>
+          <p:cNvSpPr/>
+          <p:nvPr/>
+        </p:nvSpPr>
+        <p:spPr>
+          <a:xfrm>
+            <a:off x="4033389" y="4913752"/>
+            <a:ext cx="130260" cy="586547"/>
+          </a:xfrm>
+          <a:prstGeom prst="rect">
+            <a:avLst/>
+          </a:prstGeom>
+          <a:solidFill>
+            <a:srgbClr val="0070C0"/>
+          </a:solidFill>
+          <a:ln w="12700">
+            <a:solidFill>
+              <a:schemeClr val="bg1"/>
+            </a:solidFill>
+          </a:ln>
+          <a:effectLst/>
+        </p:spPr>
+        <p:style>
+          <a:lnRef idx="1">
+            <a:schemeClr val="accent3"/>
+          </a:lnRef>
+          <a:fillRef idx="2">
+            <a:schemeClr val="accent3"/>
+          </a:fillRef>
+          <a:effectRef idx="1">
+            <a:schemeClr val="accent3"/>
+          </a:effectRef>
+          <a:fontRef idx="minor">
+            <a:schemeClr val="dk1"/>
+          </a:fontRef>
+        </p:style>
+        <p:txBody>
+          <a:bodyPr rtlCol="0" anchor="ctr"/>
+          <a:lstStyle/>
+          <a:p>
+            <a:pPr algn="ctr"/>
+            <a:endParaRPr lang="en-SG" sz="1400"/>
+          </a:p>
+        </p:txBody>
+      </p:sp>
+      <p:sp>
+        <p:nvSpPr>
+          <p:cNvPr id="97" name="Rectangle 96"/>
+          <p:cNvSpPr/>
+          <p:nvPr/>
+        </p:nvSpPr>
+        <p:spPr>
+          <a:xfrm>
+            <a:off x="4947188" y="5198747"/>
+            <a:ext cx="148170" cy="135499"/>
+          </a:xfrm>
+          <a:prstGeom prst="rect">
+            <a:avLst/>
+          </a:prstGeom>
+          <a:solidFill>
+            <a:srgbClr val="0070C0"/>
+          </a:solidFill>
+          <a:ln>
+            <a:solidFill>
+              <a:srgbClr val="0070C0"/>
+            </a:solidFill>
+          </a:ln>
+          <a:effectLst/>
+        </p:spPr>
+        <p:style>
+          <a:lnRef idx="1">
+            <a:schemeClr val="accent3"/>
+          </a:lnRef>
+          <a:fillRef idx="2">
+            <a:schemeClr val="accent3"/>
+          </a:fillRef>
+          <a:effectRef idx="1">
+            <a:schemeClr val="accent3"/>
+          </a:effectRef>
+          <a:fontRef idx="minor">
+            <a:schemeClr val="dk1"/>
+          </a:fontRef>
+        </p:style>
+        <p:txBody>
+          <a:bodyPr rtlCol="0" anchor="ctr"/>
+          <a:lstStyle/>
+          <a:p>
+            <a:pPr algn="ctr"/>
+            <a:endParaRPr lang="en-SG" sz="1400"/>
+          </a:p>
+        </p:txBody>
+      </p:sp>
+      <p:cxnSp>
+        <p:nvCxnSpPr>
+          <p:cNvPr id="98" name="Straight Arrow Connector 97"/>
+          <p:cNvCxnSpPr/>
+          <p:nvPr/>
+        </p:nvCxnSpPr>
+        <p:spPr>
+          <a:xfrm flipV="1">
+            <a:off x="4150465" y="5035675"/>
+            <a:ext cx="261909" cy="0"/>
+          </a:xfrm>
+          <a:prstGeom prst="straightConnector1">
+            <a:avLst/>
+          </a:prstGeom>
+          <a:ln w="19050">
+            <a:solidFill>
+              <a:srgbClr val="0070C0"/>
+            </a:solidFill>
+            <a:tailEnd type="arrow"/>
+          </a:ln>
+        </p:spPr>
+        <p:style>
+          <a:lnRef idx="1">
+            <a:schemeClr val="accent1"/>
+          </a:lnRef>
+          <a:fillRef idx="0">
+            <a:schemeClr val="accent1"/>
+          </a:fillRef>
+          <a:effectRef idx="0">
+            <a:schemeClr val="accent1"/>
+          </a:effectRef>
+          <a:fontRef idx="minor">
+            <a:schemeClr val="tx1"/>
+          </a:fontRef>
+        </p:style>
+      </p:cxnSp>
+      <p:cxnSp>
+        <p:nvCxnSpPr>
+          <p:cNvPr id="99" name="Straight Arrow Connector 98"/>
+          <p:cNvCxnSpPr/>
+          <p:nvPr/>
+        </p:nvCxnSpPr>
+        <p:spPr>
+          <a:xfrm flipV="1">
+            <a:off x="4150465" y="5334246"/>
+            <a:ext cx="932859" cy="0"/>
+          </a:xfrm>
+          <a:prstGeom prst="straightConnector1">
+            <a:avLst/>
+          </a:prstGeom>
+          <a:ln w="19050">
+            <a:solidFill>
+              <a:srgbClr val="0070C0"/>
+            </a:solidFill>
+            <a:prstDash val="sysDash"/>
+            <a:headEnd type="arrow" w="med" len="med"/>
+            <a:tailEnd type="none" w="med" len="med"/>
+          </a:ln>
+        </p:spPr>
+        <p:style>
+          <a:lnRef idx="1">
+            <a:schemeClr val="accent1"/>
+          </a:lnRef>
+          <a:fillRef idx="0">
+            <a:schemeClr val="accent1"/>
+          </a:fillRef>
+          <a:effectRef idx="0">
+            <a:schemeClr val="accent1"/>
+          </a:effectRef>
+          <a:fontRef idx="minor">
+            <a:schemeClr val="tx1"/>
+          </a:fontRef>
+        </p:style>
+      </p:cxnSp>
+      <p:cxnSp>
+        <p:nvCxnSpPr>
+          <p:cNvPr id="102" name="Straight Connector 101"/>
+          <p:cNvCxnSpPr>
+            <a:cxnSpLocks/>
+          </p:cNvCxnSpPr>
+          <p:nvPr/>
+        </p:nvCxnSpPr>
+        <p:spPr>
+          <a:xfrm>
+            <a:off x="5021273" y="4969872"/>
+            <a:ext cx="0" cy="818988"/>
+          </a:xfrm>
+          <a:prstGeom prst="line">
+            <a:avLst/>
+          </a:prstGeom>
+          <a:ln w="19050">
+            <a:solidFill>
+              <a:srgbClr val="0070C0"/>
+            </a:solidFill>
+            <a:prstDash val="sysDash"/>
+          </a:ln>
+          <a:effectLst/>
+        </p:spPr>
+        <p:style>
+          <a:lnRef idx="1">
+            <a:schemeClr val="accent1"/>
+          </a:lnRef>
+          <a:fillRef idx="2">
+            <a:schemeClr val="accent1"/>
+          </a:fillRef>
+          <a:effectRef idx="1">
+            <a:schemeClr val="accent1"/>
+          </a:effectRef>
+          <a:fontRef idx="minor">
+            <a:schemeClr val="dk1"/>
+          </a:fontRef>
+        </p:style>
+      </p:cxnSp>
+      <p:sp>
+        <p:nvSpPr>
+          <p:cNvPr id="104" name="Rectangle 62"/>
+          <p:cNvSpPr/>
+          <p:nvPr/>
+        </p:nvSpPr>
+        <p:spPr>
+          <a:xfrm>
+            <a:off x="4412374" y="4851057"/>
+            <a:ext cx="1286425" cy="369236"/>
+          </a:xfrm>
+          <a:prstGeom prst="rect">
+            <a:avLst/>
+          </a:prstGeom>
+          <a:solidFill>
+            <a:srgbClr val="0070C0"/>
+          </a:solidFill>
+          <a:ln w="19050">
+            <a:solidFill>
+              <a:srgbClr val="0070C0"/>
+            </a:solidFill>
+          </a:ln>
+          <a:effectLst/>
+        </p:spPr>
+        <p:style>
+          <a:lnRef idx="1">
+            <a:schemeClr val="accent2"/>
+          </a:lnRef>
+          <a:fillRef idx="2">
+            <a:schemeClr val="accent2"/>
+          </a:fillRef>
+          <a:effectRef idx="1">
+            <a:schemeClr val="accent2"/>
+          </a:effectRef>
+          <a:fontRef idx="minor">
+            <a:schemeClr val="dk1"/>
+          </a:fontRef>
+        </p:style>
+        <p:txBody>
+          <a:bodyPr rtlCol="0" anchor="ctr"/>
+          <a:lstStyle/>
+          <a:p>
+            <a:pPr algn="ctr"/>
+            <a:r>
+              <a:rPr lang="en-US" sz="1200" dirty="0" smtClean="0">
+                <a:solidFill>
+                  <a:schemeClr val="bg1"/>
+                </a:solidFill>
+              </a:rPr>
+              <a:t>result:CommandResult</a:t>
+            </a:r>
+            <a:endParaRPr lang="en-SG" sz="1200" dirty="0">
+              <a:solidFill>
+                <a:schemeClr val="bg1"/>
+              </a:solidFill>
+            </a:endParaRPr>
+          </a:p>
+        </p:txBody>
+      </p:sp>
+      <p:cxnSp>
+        <p:nvCxnSpPr>
+          <p:cNvPr id="105" name="Curved Connector 104"/>
+          <p:cNvCxnSpPr/>
+          <p:nvPr/>
+        </p:nvCxnSpPr>
+        <p:spPr>
+          <a:xfrm rot="16200000" flipH="1">
+            <a:off x="3979547" y="4781578"/>
+            <a:ext cx="156923" cy="76200"/>
+          </a:xfrm>
+          <a:prstGeom prst="curvedConnector4">
+            <a:avLst>
+              <a:gd name="adj1" fmla="val -1"/>
+              <a:gd name="adj2" fmla="val 337387"/>
+            </a:avLst>
+          </a:prstGeom>
+          <a:ln w="19050">
+            <a:solidFill>
+              <a:srgbClr val="0070C0"/>
+            </a:solidFill>
+            <a:tailEnd type="triangle"/>
+          </a:ln>
+        </p:spPr>
+        <p:style>
+          <a:lnRef idx="1">
+            <a:schemeClr val="accent1"/>
+          </a:lnRef>
+          <a:fillRef idx="0">
+            <a:schemeClr val="accent1"/>
+          </a:fillRef>
+          <a:effectRef idx="0">
+            <a:schemeClr val="accent1"/>
+          </a:effectRef>
+          <a:fontRef idx="minor">
+            <a:schemeClr val="tx1"/>
+          </a:fontRef>
+        </p:style>
+      </p:cxnSp>
+      <p:sp>
+        <p:nvSpPr>
+          <p:cNvPr id="107" name="TextBox 106"/>
+          <p:cNvSpPr txBox="1"/>
+          <p:nvPr/>
+        </p:nvSpPr>
+        <p:spPr>
+          <a:xfrm>
+            <a:off x="3960860" y="5608869"/>
+            <a:ext cx="621216" cy="169277"/>
+          </a:xfrm>
+          <a:prstGeom prst="rect">
+            <a:avLst/>
+          </a:prstGeom>
+          <a:noFill/>
+        </p:spPr>
+        <p:txBody>
+          <a:bodyPr wrap="square" lIns="0" tIns="0" rIns="0" bIns="0" rtlCol="0">
+            <a:spAutoFit/>
+          </a:bodyPr>
+          <a:lstStyle>
+            <a:defPPr>
+              <a:defRPr lang="en-US"/>
+            </a:defPPr>
+            <a:lvl1pPr algn="r">
+              <a:defRPr sz="1400">
+                <a:solidFill>
+                  <a:srgbClr val="0070C0"/>
+                </a:solidFill>
+              </a:defRPr>
+            </a:lvl1pPr>
+          </a:lstStyle>
+          <a:p>
+            <a:r>
+              <a:rPr lang="en-US" sz="1100" dirty="0"/>
+              <a:t>result</a:t>
+            </a:r>
+          </a:p>
+        </p:txBody>
+      </p:sp>
+      <p:sp>
+        <p:nvSpPr>
+          <p:cNvPr id="115" name="TextBox 114"/>
+          <p:cNvSpPr txBox="1"/>
+          <p:nvPr/>
+        </p:nvSpPr>
+        <p:spPr>
+          <a:xfrm>
+            <a:off x="2689531" y="1656343"/>
+            <a:ext cx="855809" cy="169277"/>
+          </a:xfrm>
+          <a:prstGeom prst="rect">
+            <a:avLst/>
+          </a:prstGeom>
+          <a:noFill/>
+        </p:spPr>
+        <p:txBody>
+          <a:bodyPr wrap="square" lIns="0" tIns="0" rIns="0" bIns="0" rtlCol="0">
+            <a:spAutoFit/>
+          </a:bodyPr>
+          <a:lstStyle>
+            <a:defPPr>
+              <a:defRPr lang="en-US"/>
+            </a:defPPr>
+            <a:lvl1pPr algn="r">
+              <a:defRPr sz="1400">
+                <a:solidFill>
+                  <a:srgbClr val="0070C0"/>
+                </a:solidFill>
+              </a:defRPr>
+            </a:lvl1pPr>
+          </a:lstStyle>
+          <a:p>
+            <a:r>
+              <a:rPr lang="en-US" sz="1100" dirty="0"/>
+              <a:t>execute()</a:t>
+            </a:r>
+          </a:p>
+        </p:txBody>
+      </p:sp>
+      <p:cxnSp>
+        <p:nvCxnSpPr>
+          <p:cNvPr id="118" name="Straight Arrow Connector 117">
+            <a:extLst>
+              <a:ext uri="{FF2B5EF4-FFF2-40B4-BE49-F238E27FC236}">
+                <a16:creationId xmlns:a16="http://schemas.microsoft.com/office/drawing/2014/main" xmlns="" id="{39916E2E-195A-4DC8-B025-B05FA87E6796}"/>
+              </a:ext>
+            </a:extLst>
+          </p:cNvPr>
+          <p:cNvCxnSpPr>
+            <a:cxnSpLocks/>
+          </p:cNvCxnSpPr>
+          <p:nvPr/>
+        </p:nvCxnSpPr>
+        <p:spPr>
+          <a:xfrm>
+            <a:off x="2511001" y="1857709"/>
+            <a:ext cx="1416711" cy="0"/>
+          </a:xfrm>
+          <a:prstGeom prst="straightConnector1">
+            <a:avLst/>
+          </a:prstGeom>
+          <a:ln w="19050">
+            <a:solidFill>
+              <a:srgbClr val="0070C0"/>
+            </a:solidFill>
+            <a:tailEnd type="arrow"/>
+          </a:ln>
+        </p:spPr>
+        <p:style>
+          <a:lnRef idx="1">
+            <a:schemeClr val="accent1"/>
+          </a:lnRef>
+          <a:fillRef idx="0">
+            <a:schemeClr val="accent1"/>
+          </a:fillRef>
+          <a:effectRef idx="0">
+            <a:schemeClr val="accent1"/>
+          </a:effectRef>
+          <a:fontRef idx="minor">
+            <a:schemeClr val="tx1"/>
+          </a:fontRef>
+        </p:style>
+      </p:cxnSp>
+      <p:sp>
+        <p:nvSpPr>
+          <p:cNvPr id="135" name="TextBox 134"/>
+          <p:cNvSpPr txBox="1"/>
+          <p:nvPr/>
+        </p:nvSpPr>
+        <p:spPr>
+          <a:xfrm>
+            <a:off x="2923135" y="5561884"/>
+            <a:ext cx="621216" cy="169277"/>
+          </a:xfrm>
+          <a:prstGeom prst="rect">
+            <a:avLst/>
+          </a:prstGeom>
+          <a:noFill/>
+        </p:spPr>
+        <p:txBody>
+          <a:bodyPr wrap="square" lIns="0" tIns="0" rIns="0" bIns="0" rtlCol="0">
+            <a:spAutoFit/>
+          </a:bodyPr>
+          <a:lstStyle>
+            <a:defPPr>
+              <a:defRPr lang="en-US"/>
+            </a:defPPr>
+            <a:lvl1pPr algn="r">
+              <a:defRPr sz="1400">
+                <a:solidFill>
+                  <a:srgbClr val="0070C0"/>
+                </a:solidFill>
+              </a:defRPr>
+            </a:lvl1pPr>
+          </a:lstStyle>
+          <a:p>
+            <a:r>
+              <a:rPr lang="en-US" sz="1100" dirty="0"/>
+              <a:t>result</a:t>
+            </a:r>
+          </a:p>
+        </p:txBody>
+      </p:sp>
+    </p:spTree>
+    <p:extLst>
+      <p:ext uri="{BB962C8B-B14F-4D97-AF65-F5344CB8AC3E}">
+        <p14:creationId xmlns:p14="http://schemas.microsoft.com/office/powerpoint/2010/main" val="1950839409"/>
       </p:ext>
     </p:extLst>
   </p:cSld>

--- a/docs/diagrams/TableModeSequenceDiagram.pptx
+++ b/docs/diagrams/TableModeSequenceDiagram.pptx
@@ -213,7 +213,7 @@
           <a:p>
             <a:fld id="{F5CC4B3F-88C1-4FFA-B1B6-F41C21DC6924}" type="datetimeFigureOut">
               <a:rPr lang="en-US" smtClean="0"/>
-              <a:t>4/13/19</a:t>
+              <a:t>4/14/19</a:t>
             </a:fld>
             <a:endParaRPr lang="en-US"/>
           </a:p>
@@ -827,7 +827,7 @@
           <a:p>
             <a:fld id="{78C97017-6FC3-485B-9764-EAC9E56C1D49}" type="datetimeFigureOut">
               <a:rPr lang="en-US" smtClean="0"/>
-              <a:t>4/13/19</a:t>
+              <a:t>4/14/19</a:t>
             </a:fld>
             <a:endParaRPr lang="en-US"/>
           </a:p>
@@ -995,7 +995,7 @@
           <a:p>
             <a:fld id="{78C97017-6FC3-485B-9764-EAC9E56C1D49}" type="datetimeFigureOut">
               <a:rPr lang="en-US" smtClean="0"/>
-              <a:t>4/13/19</a:t>
+              <a:t>4/14/19</a:t>
             </a:fld>
             <a:endParaRPr lang="en-US"/>
           </a:p>
@@ -1173,7 +1173,7 @@
           <a:p>
             <a:fld id="{78C97017-6FC3-485B-9764-EAC9E56C1D49}" type="datetimeFigureOut">
               <a:rPr lang="en-US" smtClean="0"/>
-              <a:t>4/13/19</a:t>
+              <a:t>4/14/19</a:t>
             </a:fld>
             <a:endParaRPr lang="en-US"/>
           </a:p>
@@ -1341,7 +1341,7 @@
           <a:p>
             <a:fld id="{78C97017-6FC3-485B-9764-EAC9E56C1D49}" type="datetimeFigureOut">
               <a:rPr lang="en-US" smtClean="0"/>
-              <a:t>4/13/19</a:t>
+              <a:t>4/14/19</a:t>
             </a:fld>
             <a:endParaRPr lang="en-US"/>
           </a:p>
@@ -1586,7 +1586,7 @@
           <a:p>
             <a:fld id="{78C97017-6FC3-485B-9764-EAC9E56C1D49}" type="datetimeFigureOut">
               <a:rPr lang="en-US" smtClean="0"/>
-              <a:t>4/13/19</a:t>
+              <a:t>4/14/19</a:t>
             </a:fld>
             <a:endParaRPr lang="en-US"/>
           </a:p>
@@ -1871,7 +1871,7 @@
           <a:p>
             <a:fld id="{78C97017-6FC3-485B-9764-EAC9E56C1D49}" type="datetimeFigureOut">
               <a:rPr lang="en-US" smtClean="0"/>
-              <a:t>4/13/19</a:t>
+              <a:t>4/14/19</a:t>
             </a:fld>
             <a:endParaRPr lang="en-US"/>
           </a:p>
@@ -2290,7 +2290,7 @@
           <a:p>
             <a:fld id="{78C97017-6FC3-485B-9764-EAC9E56C1D49}" type="datetimeFigureOut">
               <a:rPr lang="en-US" smtClean="0"/>
-              <a:t>4/13/19</a:t>
+              <a:t>4/14/19</a:t>
             </a:fld>
             <a:endParaRPr lang="en-US"/>
           </a:p>
@@ -2407,7 +2407,7 @@
           <a:p>
             <a:fld id="{78C97017-6FC3-485B-9764-EAC9E56C1D49}" type="datetimeFigureOut">
               <a:rPr lang="en-US" smtClean="0"/>
-              <a:t>4/13/19</a:t>
+              <a:t>4/14/19</a:t>
             </a:fld>
             <a:endParaRPr lang="en-US"/>
           </a:p>
@@ -2502,7 +2502,7 @@
           <a:p>
             <a:fld id="{78C97017-6FC3-485B-9764-EAC9E56C1D49}" type="datetimeFigureOut">
               <a:rPr lang="en-US" smtClean="0"/>
-              <a:t>4/13/19</a:t>
+              <a:t>4/14/19</a:t>
             </a:fld>
             <a:endParaRPr lang="en-US"/>
           </a:p>
@@ -2777,7 +2777,7 @@
           <a:p>
             <a:fld id="{78C97017-6FC3-485B-9764-EAC9E56C1D49}" type="datetimeFigureOut">
               <a:rPr lang="en-US" smtClean="0"/>
-              <a:t>4/13/19</a:t>
+              <a:t>4/14/19</a:t>
             </a:fld>
             <a:endParaRPr lang="en-US"/>
           </a:p>
@@ -3029,7 +3029,7 @@
           <a:p>
             <a:fld id="{78C97017-6FC3-485B-9764-EAC9E56C1D49}" type="datetimeFigureOut">
               <a:rPr lang="en-US" smtClean="0"/>
-              <a:t>4/13/19</a:t>
+              <a:t>4/14/19</a:t>
             </a:fld>
             <a:endParaRPr lang="en-US"/>
           </a:p>
@@ -3240,7 +3240,7 @@
           <a:p>
             <a:fld id="{78C97017-6FC3-485B-9764-EAC9E56C1D49}" type="datetimeFigureOut">
               <a:rPr lang="en-US" smtClean="0"/>
-              <a:t>4/13/19</a:t>
+              <a:t>4/14/19</a:t>
             </a:fld>
             <a:endParaRPr lang="en-US"/>
           </a:p>
@@ -3624,7 +3624,7 @@
         <p:spPr>
           <a:xfrm>
             <a:off x="9157387" y="203716"/>
-            <a:ext cx="3903825" cy="10007084"/>
+            <a:ext cx="4303348" cy="10007084"/>
           </a:xfrm>
           <a:prstGeom prst="roundRect">
             <a:avLst>
@@ -3681,7 +3681,7 @@
           <p:cNvPr id="89" name="Straight Connector 88">
             <a:extLst>
               <a:ext uri="{FF2B5EF4-FFF2-40B4-BE49-F238E27FC236}">
-                <a16:creationId xmlns:a16="http://schemas.microsoft.com/office/drawing/2014/main" xmlns="" id="{E4E1C8CA-49DF-45D8-80A5-D5C8282EE927}"/>
+                <a16:creationId xmlns="" xmlns:a16="http://schemas.microsoft.com/office/drawing/2014/main" id="{E4E1C8CA-49DF-45D8-80A5-D5C8282EE927}"/>
               </a:ext>
             </a:extLst>
           </p:cNvPr>
@@ -4551,12 +4551,20 @@
           <a:p>
             <a:pPr algn="ctr"/>
             <a:r>
+              <a:rPr lang="en-US" sz="1200" dirty="0" err="1" smtClean="0">
+                <a:solidFill>
+                  <a:schemeClr val="bg1"/>
+                </a:solidFill>
+              </a:rPr>
+              <a:t>ror:ReadOnly</a:t>
+            </a:r>
+            <a:r>
               <a:rPr lang="en-US" sz="1200" dirty="0" smtClean="0">
                 <a:solidFill>
                   <a:schemeClr val="bg1"/>
                 </a:solidFill>
               </a:rPr>
-              <a:t>:ReadOnly</a:t>
+              <a:t/>
             </a:r>
             <a:br>
               <a:rPr lang="en-US" sz="1200" dirty="0" smtClean="0">
@@ -4589,8 +4597,8 @@
         </p:nvSpPr>
         <p:spPr>
           <a:xfrm>
-            <a:off x="10698230" y="3450457"/>
-            <a:ext cx="135552" cy="522741"/>
+            <a:off x="10698229" y="3649096"/>
+            <a:ext cx="181193" cy="219495"/>
           </a:xfrm>
           <a:prstGeom prst="rect">
             <a:avLst/>
@@ -4734,8 +4742,8 @@
         </p:nvSpPr>
         <p:spPr>
           <a:xfrm>
-            <a:off x="9627223" y="3338989"/>
-            <a:ext cx="168896" cy="775693"/>
+            <a:off x="9627223" y="3338990"/>
+            <a:ext cx="189202" cy="210990"/>
           </a:xfrm>
           <a:prstGeom prst="rect">
             <a:avLst/>
@@ -4816,7 +4824,7 @@
           <p:cNvPr id="66" name="Straight Arrow Connector 65">
             <a:extLst>
               <a:ext uri="{FF2B5EF4-FFF2-40B4-BE49-F238E27FC236}">
-                <a16:creationId xmlns:a16="http://schemas.microsoft.com/office/drawing/2014/main" xmlns="" id="{39916E2E-195A-4DC8-B025-B05FA87E6796}"/>
+                <a16:creationId xmlns="" xmlns:a16="http://schemas.microsoft.com/office/drawing/2014/main" id="{39916E2E-195A-4DC8-B025-B05FA87E6796}"/>
               </a:ext>
             </a:extLst>
           </p:cNvPr>
@@ -4860,7 +4868,7 @@
           <p:cNvPr id="67" name="Straight Arrow Connector 66">
             <a:extLst>
               <a:ext uri="{FF2B5EF4-FFF2-40B4-BE49-F238E27FC236}">
-                <a16:creationId xmlns:a16="http://schemas.microsoft.com/office/drawing/2014/main" xmlns="" id="{D881596E-177C-4FDC-8E60-CAB90B3D5FAB}"/>
+                <a16:creationId xmlns="" xmlns:a16="http://schemas.microsoft.com/office/drawing/2014/main" id="{D881596E-177C-4FDC-8E60-CAB90B3D5FAB}"/>
               </a:ext>
             </a:extLst>
           </p:cNvPr>
@@ -4904,7 +4912,7 @@
           <p:cNvPr id="69" name="Straight Arrow Connector 68">
             <a:extLst>
               <a:ext uri="{FF2B5EF4-FFF2-40B4-BE49-F238E27FC236}">
-                <a16:creationId xmlns:a16="http://schemas.microsoft.com/office/drawing/2014/main" xmlns="" id="{7C9F21BC-13A9-471F-825A-2621FD36355F}"/>
+                <a16:creationId xmlns="" xmlns:a16="http://schemas.microsoft.com/office/drawing/2014/main" id="{7C9F21BC-13A9-471F-825A-2621FD36355F}"/>
               </a:ext>
             </a:extLst>
           </p:cNvPr>
@@ -4950,7 +4958,7 @@
           <p:cNvPr id="88" name="TextBox 87">
             <a:extLst>
               <a:ext uri="{FF2B5EF4-FFF2-40B4-BE49-F238E27FC236}">
-                <a16:creationId xmlns:a16="http://schemas.microsoft.com/office/drawing/2014/main" xmlns="" id="{B85C6184-7378-4E89-A338-72B1E5056F4F}"/>
+                <a16:creationId xmlns="" xmlns:a16="http://schemas.microsoft.com/office/drawing/2014/main" id="{B85C6184-7378-4E89-A338-72B1E5056F4F}"/>
               </a:ext>
             </a:extLst>
           </p:cNvPr>
@@ -4959,7 +4967,7 @@
         </p:nvSpPr>
         <p:spPr>
           <a:xfrm>
-            <a:off x="10834076" y="3363887"/>
+            <a:off x="10976087" y="3774460"/>
             <a:ext cx="1576367" cy="169277"/>
           </a:xfrm>
           <a:prstGeom prst="rect">
@@ -5020,7 +5028,7 @@
         </p:nvSpPr>
         <p:spPr>
           <a:xfrm>
-            <a:off x="9767276" y="3265268"/>
+            <a:off x="9754700" y="3429000"/>
             <a:ext cx="837100" cy="169277"/>
           </a:xfrm>
           <a:prstGeom prst="rect">
@@ -5068,106 +5076,23 @@
       </p:sp>
       <p:cxnSp>
         <p:nvCxnSpPr>
-          <p:cNvPr id="52" name="Straight Arrow Connector 51"/>
-          <p:cNvCxnSpPr>
-            <a:cxnSpLocks/>
-          </p:cNvCxnSpPr>
-          <p:nvPr/>
-        </p:nvCxnSpPr>
-        <p:spPr>
-          <a:xfrm>
-            <a:off x="9767276" y="3472082"/>
-            <a:ext cx="923068" cy="0"/>
-          </a:xfrm>
-          <a:prstGeom prst="straightConnector1">
-            <a:avLst/>
-          </a:prstGeom>
-          <a:ln w="19050">
-            <a:solidFill>
-              <a:srgbClr val="7030A0"/>
-            </a:solidFill>
-            <a:tailEnd type="arrow"/>
-          </a:ln>
-        </p:spPr>
-        <p:style>
-          <a:lnRef idx="1">
-            <a:schemeClr val="accent1"/>
-          </a:lnRef>
-          <a:fillRef idx="0">
-            <a:schemeClr val="accent1"/>
-          </a:fillRef>
-          <a:effectRef idx="0">
-            <a:schemeClr val="accent1"/>
-          </a:effectRef>
-          <a:fontRef idx="minor">
-            <a:schemeClr val="tx1"/>
-          </a:fontRef>
-        </p:style>
-      </p:cxnSp>
-      <p:cxnSp>
-        <p:nvCxnSpPr>
-          <p:cNvPr id="60" name="Straight Arrow Connector 59">
+          <p:cNvPr id="63" name="Straight Arrow Connector 62">
             <a:extLst>
               <a:ext uri="{FF2B5EF4-FFF2-40B4-BE49-F238E27FC236}">
-                <a16:creationId xmlns:a16="http://schemas.microsoft.com/office/drawing/2014/main" xmlns="" id="{7C9F21BC-13A9-471F-825A-2621FD36355F}"/>
+                <a16:creationId xmlns="" xmlns:a16="http://schemas.microsoft.com/office/drawing/2014/main" id="{7C9F21BC-13A9-471F-825A-2621FD36355F}"/>
               </a:ext>
             </a:extLst>
           </p:cNvPr>
           <p:cNvCxnSpPr>
             <a:cxnSpLocks/>
+            <a:endCxn id="126" idx="2"/>
           </p:cNvCxnSpPr>
           <p:nvPr/>
         </p:nvCxnSpPr>
         <p:spPr>
           <a:xfrm>
-            <a:off x="10843159" y="3818373"/>
-            <a:ext cx="1509517" cy="9352"/>
-          </a:xfrm>
-          <a:prstGeom prst="straightConnector1">
-            <a:avLst/>
-          </a:prstGeom>
-          <a:ln w="19050">
-            <a:solidFill>
-              <a:srgbClr val="7030A0"/>
-            </a:solidFill>
-            <a:prstDash val="sysDash"/>
-            <a:headEnd type="arrow" w="med" len="med"/>
-            <a:tailEnd type="none" w="med" len="med"/>
-          </a:ln>
-        </p:spPr>
-        <p:style>
-          <a:lnRef idx="1">
-            <a:schemeClr val="accent1"/>
-          </a:lnRef>
-          <a:fillRef idx="0">
-            <a:schemeClr val="accent1"/>
-          </a:fillRef>
-          <a:effectRef idx="0">
-            <a:schemeClr val="accent1"/>
-          </a:effectRef>
-          <a:fontRef idx="minor">
-            <a:schemeClr val="tx1"/>
-          </a:fontRef>
-        </p:style>
-      </p:cxnSp>
-      <p:cxnSp>
-        <p:nvCxnSpPr>
-          <p:cNvPr id="63" name="Straight Arrow Connector 62">
-            <a:extLst>
-              <a:ext uri="{FF2B5EF4-FFF2-40B4-BE49-F238E27FC236}">
-                <a16:creationId xmlns:a16="http://schemas.microsoft.com/office/drawing/2014/main" xmlns="" id="{7C9F21BC-13A9-471F-825A-2621FD36355F}"/>
-              </a:ext>
-            </a:extLst>
-          </p:cNvPr>
-          <p:cNvCxnSpPr>
-            <a:cxnSpLocks/>
-          </p:cNvCxnSpPr>
-          <p:nvPr/>
-        </p:nvCxnSpPr>
-        <p:spPr>
-          <a:xfrm>
-            <a:off x="7327769" y="4110960"/>
-            <a:ext cx="2393815" cy="0"/>
+            <a:off x="7342031" y="4208426"/>
+            <a:ext cx="5331339" cy="0"/>
           </a:xfrm>
           <a:prstGeom prst="straightConnector1">
             <a:avLst/>
@@ -6233,7 +6158,7 @@
         </p:nvSpPr>
         <p:spPr>
           <a:xfrm>
-            <a:off x="7819157" y="3094791"/>
+            <a:off x="7819157" y="3124200"/>
             <a:ext cx="1298078" cy="169277"/>
           </a:xfrm>
           <a:prstGeom prst="rect">
@@ -6281,8 +6206,8 @@
         </p:nvSpPr>
         <p:spPr>
           <a:xfrm>
-            <a:off x="12049840" y="2405903"/>
-            <a:ext cx="841636" cy="351261"/>
+            <a:off x="12020342" y="2404419"/>
+            <a:ext cx="1286652" cy="351261"/>
           </a:xfrm>
           <a:prstGeom prst="rect">
             <a:avLst/>
@@ -6317,12 +6242,28 @@
           <a:p>
             <a:pPr algn="ctr"/>
             <a:r>
+              <a:rPr lang="en-US" sz="1200" dirty="0" err="1" smtClean="0">
+                <a:solidFill>
+                  <a:schemeClr val="bg1"/>
+                </a:solidFill>
+              </a:rPr>
+              <a:t>tables:ReadOnly</a:t>
+            </a:r>
+            <a:endParaRPr lang="en-US" sz="1200" dirty="0" smtClean="0">
+              <a:solidFill>
+                <a:schemeClr val="bg1"/>
+              </a:solidFill>
+            </a:endParaRPr>
+          </a:p>
+          <a:p>
+            <a:pPr algn="ctr"/>
+            <a:r>
               <a:rPr lang="en-US" sz="1200" dirty="0" smtClean="0">
                 <a:solidFill>
                   <a:schemeClr val="bg1"/>
                 </a:solidFill>
               </a:rPr>
-              <a:t>:ReadOnlyTables</a:t>
+              <a:t>Tables</a:t>
             </a:r>
             <a:endParaRPr lang="en-SG" sz="1200" dirty="0">
               <a:solidFill>
@@ -6337,7 +6278,7 @@
           <p:cNvPr id="117" name="Straight Connector 116">
             <a:extLst>
               <a:ext uri="{FF2B5EF4-FFF2-40B4-BE49-F238E27FC236}">
-                <a16:creationId xmlns:a16="http://schemas.microsoft.com/office/drawing/2014/main" xmlns="" id="{E4E1C8CA-49DF-45D8-80A5-D5C8282EE927}"/>
+                <a16:creationId xmlns="" xmlns:a16="http://schemas.microsoft.com/office/drawing/2014/main" id="{E4E1C8CA-49DF-45D8-80A5-D5C8282EE927}"/>
               </a:ext>
             </a:extLst>
           </p:cNvPr>
@@ -6348,7 +6289,7 @@
         </p:nvCxnSpPr>
         <p:spPr>
           <a:xfrm flipH="1">
-            <a:off x="12452395" y="2759295"/>
+            <a:off x="12667319" y="2759295"/>
             <a:ext cx="4656" cy="3620772"/>
           </a:xfrm>
           <a:prstGeom prst="line">
@@ -6377,44 +6318,6 @@
           </a:fontRef>
         </p:style>
       </p:cxnSp>
-      <p:cxnSp>
-        <p:nvCxnSpPr>
-          <p:cNvPr id="124" name="Straight Arrow Connector 123"/>
-          <p:cNvCxnSpPr>
-            <a:cxnSpLocks/>
-          </p:cNvCxnSpPr>
-          <p:nvPr/>
-        </p:nvCxnSpPr>
-        <p:spPr>
-          <a:xfrm flipV="1">
-            <a:off x="10834076" y="3589438"/>
-            <a:ext cx="1538015" cy="3384"/>
-          </a:xfrm>
-          <a:prstGeom prst="straightConnector1">
-            <a:avLst/>
-          </a:prstGeom>
-          <a:ln w="19050">
-            <a:solidFill>
-              <a:srgbClr val="7030A0"/>
-            </a:solidFill>
-            <a:tailEnd type="arrow"/>
-          </a:ln>
-        </p:spPr>
-        <p:style>
-          <a:lnRef idx="1">
-            <a:schemeClr val="accent1"/>
-          </a:lnRef>
-          <a:fillRef idx="0">
-            <a:schemeClr val="accent1"/>
-          </a:fillRef>
-          <a:effectRef idx="0">
-            <a:schemeClr val="accent1"/>
-          </a:effectRef>
-          <a:fontRef idx="minor">
-            <a:schemeClr val="tx1"/>
-          </a:fontRef>
-        </p:style>
-      </p:cxnSp>
       <p:sp>
         <p:nvSpPr>
           <p:cNvPr id="126" name="Rectangle 125"/>
@@ -6423,8 +6326,8 @@
         </p:nvSpPr>
         <p:spPr>
           <a:xfrm>
-            <a:off x="12379977" y="3594954"/>
-            <a:ext cx="152400" cy="254065"/>
+            <a:off x="12595775" y="4028855"/>
+            <a:ext cx="155190" cy="179571"/>
           </a:xfrm>
           <a:prstGeom prst="rect">
             <a:avLst/>
@@ -6467,20 +6370,19 @@
           <p:cNvPr id="134" name="Straight Arrow Connector 133">
             <a:extLst>
               <a:ext uri="{FF2B5EF4-FFF2-40B4-BE49-F238E27FC236}">
-                <a16:creationId xmlns:a16="http://schemas.microsoft.com/office/drawing/2014/main" xmlns="" id="{7C9F21BC-13A9-471F-825A-2621FD36355F}"/>
+                <a16:creationId xmlns="" xmlns:a16="http://schemas.microsoft.com/office/drawing/2014/main" id="{7C9F21BC-13A9-471F-825A-2621FD36355F}"/>
               </a:ext>
             </a:extLst>
           </p:cNvPr>
           <p:cNvCxnSpPr>
             <a:cxnSpLocks/>
-            <a:endCxn id="86" idx="2"/>
           </p:cNvCxnSpPr>
           <p:nvPr/>
         </p:nvCxnSpPr>
         <p:spPr>
-          <a:xfrm>
-            <a:off x="9786869" y="3968522"/>
-            <a:ext cx="979137" cy="4676"/>
+          <a:xfrm flipV="1">
+            <a:off x="7337070" y="3868591"/>
+            <a:ext cx="3343615" cy="0"/>
           </a:xfrm>
           <a:prstGeom prst="straightConnector1">
             <a:avLst/>
@@ -6514,7 +6416,7 @@
           <p:cNvPr id="136" name="TextBox 135">
             <a:extLst>
               <a:ext uri="{FF2B5EF4-FFF2-40B4-BE49-F238E27FC236}">
-                <a16:creationId xmlns:a16="http://schemas.microsoft.com/office/drawing/2014/main" xmlns="" id="{B85C6184-7378-4E89-A338-72B1E5056F4F}"/>
+                <a16:creationId xmlns="" xmlns:a16="http://schemas.microsoft.com/office/drawing/2014/main" id="{B85C6184-7378-4E89-A338-72B1E5056F4F}"/>
               </a:ext>
             </a:extLst>
           </p:cNvPr>
@@ -6523,7 +6425,7 @@
         </p:nvSpPr>
         <p:spPr>
           <a:xfrm>
-            <a:off x="8060788" y="3887480"/>
+            <a:off x="8173886" y="4028855"/>
             <a:ext cx="1103671" cy="169277"/>
           </a:xfrm>
           <a:prstGeom prst="rect">
@@ -6659,7 +6561,7 @@
           <p:cNvPr id="146" name="Straight Arrow Connector 145">
             <a:extLst>
               <a:ext uri="{FF2B5EF4-FFF2-40B4-BE49-F238E27FC236}">
-                <a16:creationId xmlns:a16="http://schemas.microsoft.com/office/drawing/2014/main" xmlns="" id="{7C9F21BC-13A9-471F-825A-2621FD36355F}"/>
+                <a16:creationId xmlns="" xmlns:a16="http://schemas.microsoft.com/office/drawing/2014/main" id="{7C9F21BC-13A9-471F-825A-2621FD36355F}"/>
               </a:ext>
             </a:extLst>
           </p:cNvPr>
@@ -6849,7 +6751,7 @@
           <p:cNvPr id="150" name="Straight Arrow Connector 149">
             <a:extLst>
               <a:ext uri="{FF2B5EF4-FFF2-40B4-BE49-F238E27FC236}">
-                <a16:creationId xmlns:a16="http://schemas.microsoft.com/office/drawing/2014/main" xmlns="" id="{7C9F21BC-13A9-471F-825A-2621FD36355F}"/>
+                <a16:creationId xmlns="" xmlns:a16="http://schemas.microsoft.com/office/drawing/2014/main" id="{7C9F21BC-13A9-471F-825A-2621FD36355F}"/>
               </a:ext>
             </a:extLst>
           </p:cNvPr>
@@ -7523,7 +7425,7 @@
           <p:cNvPr id="110" name="Straight Arrow Connector 109">
             <a:extLst>
               <a:ext uri="{FF2B5EF4-FFF2-40B4-BE49-F238E27FC236}">
-                <a16:creationId xmlns:a16="http://schemas.microsoft.com/office/drawing/2014/main" xmlns="" id="{39916E2E-195A-4DC8-B025-B05FA87E6796}"/>
+                <a16:creationId xmlns="" xmlns:a16="http://schemas.microsoft.com/office/drawing/2014/main" id="{39916E2E-195A-4DC8-B025-B05FA87E6796}"/>
               </a:ext>
             </a:extLst>
           </p:cNvPr>
@@ -7567,7 +7469,7 @@
           <p:cNvPr id="112" name="Straight Arrow Connector 111">
             <a:extLst>
               <a:ext uri="{FF2B5EF4-FFF2-40B4-BE49-F238E27FC236}">
-                <a16:creationId xmlns:a16="http://schemas.microsoft.com/office/drawing/2014/main" xmlns="" id="{7C9F21BC-13A9-471F-825A-2621FD36355F}"/>
+                <a16:creationId xmlns="" xmlns:a16="http://schemas.microsoft.com/office/drawing/2014/main" id="{7C9F21BC-13A9-471F-825A-2621FD36355F}"/>
               </a:ext>
             </a:extLst>
           </p:cNvPr>
@@ -8159,7 +8061,7 @@
           <p:cNvPr id="133" name="Straight Arrow Connector 132">
             <a:extLst>
               <a:ext uri="{FF2B5EF4-FFF2-40B4-BE49-F238E27FC236}">
-                <a16:creationId xmlns:a16="http://schemas.microsoft.com/office/drawing/2014/main" xmlns="" id="{7C9F21BC-13A9-471F-825A-2621FD36355F}"/>
+                <a16:creationId xmlns="" xmlns:a16="http://schemas.microsoft.com/office/drawing/2014/main" id="{7C9F21BC-13A9-471F-825A-2621FD36355F}"/>
               </a:ext>
             </a:extLst>
           </p:cNvPr>
@@ -8200,6 +8102,232 @@
           </a:fontRef>
         </p:style>
       </p:cxnSp>
+      <p:cxnSp>
+        <p:nvCxnSpPr>
+          <p:cNvPr id="115" name="Straight Arrow Connector 114">
+            <a:extLst>
+              <a:ext uri="{FF2B5EF4-FFF2-40B4-BE49-F238E27FC236}">
+                <a16:creationId xmlns="" xmlns:a16="http://schemas.microsoft.com/office/drawing/2014/main" id="{7C9F21BC-13A9-471F-825A-2621FD36355F}"/>
+              </a:ext>
+            </a:extLst>
+          </p:cNvPr>
+          <p:cNvCxnSpPr>
+            <a:cxnSpLocks/>
+          </p:cNvCxnSpPr>
+          <p:nvPr/>
+        </p:nvCxnSpPr>
+        <p:spPr>
+          <a:xfrm>
+            <a:off x="7327769" y="3549980"/>
+            <a:ext cx="2393815" cy="0"/>
+          </a:xfrm>
+          <a:prstGeom prst="straightConnector1">
+            <a:avLst/>
+          </a:prstGeom>
+          <a:ln w="19050">
+            <a:solidFill>
+              <a:srgbClr val="7030A0"/>
+            </a:solidFill>
+            <a:prstDash val="sysDash"/>
+            <a:headEnd type="arrow" w="med" len="med"/>
+            <a:tailEnd type="none" w="med" len="med"/>
+          </a:ln>
+        </p:spPr>
+        <p:style>
+          <a:lnRef idx="1">
+            <a:schemeClr val="accent1"/>
+          </a:lnRef>
+          <a:fillRef idx="0">
+            <a:schemeClr val="accent1"/>
+          </a:fillRef>
+          <a:effectRef idx="0">
+            <a:schemeClr val="accent1"/>
+          </a:effectRef>
+          <a:fontRef idx="minor">
+            <a:schemeClr val="tx1"/>
+          </a:fontRef>
+        </p:style>
+      </p:cxnSp>
+      <p:sp>
+        <p:nvSpPr>
+          <p:cNvPr id="118" name="TextBox 117">
+            <a:extLst>
+              <a:ext uri="{FF2B5EF4-FFF2-40B4-BE49-F238E27FC236}">
+                <a16:creationId xmlns="" xmlns:a16="http://schemas.microsoft.com/office/drawing/2014/main" id="{B85C6184-7378-4E89-A338-72B1E5056F4F}"/>
+              </a:ext>
+            </a:extLst>
+          </p:cNvPr>
+          <p:cNvSpPr txBox="1"/>
+          <p:nvPr/>
+        </p:nvSpPr>
+        <p:spPr>
+          <a:xfrm>
+            <a:off x="8192729" y="3352800"/>
+            <a:ext cx="1103671" cy="169277"/>
+          </a:xfrm>
+          <a:prstGeom prst="rect">
+            <a:avLst/>
+          </a:prstGeom>
+          <a:noFill/>
+        </p:spPr>
+        <p:txBody>
+          <a:bodyPr wrap="square" lIns="0" tIns="0" rIns="0" bIns="0" rtlCol="0">
+            <a:spAutoFit/>
+          </a:bodyPr>
+          <a:lstStyle>
+            <a:defPPr>
+              <a:defRPr lang="en-US"/>
+            </a:defPPr>
+            <a:lvl1pPr algn="r">
+              <a:defRPr sz="1400">
+                <a:solidFill>
+                  <a:srgbClr val="0070C0"/>
+                </a:solidFill>
+              </a:defRPr>
+            </a:lvl1pPr>
+          </a:lstStyle>
+          <a:p>
+            <a:pPr algn="l"/>
+            <a:r>
+              <a:rPr lang="en-US" sz="1100" i="1" dirty="0" smtClean="0">
+                <a:solidFill>
+                  <a:srgbClr val="7030A0"/>
+                </a:solidFill>
+              </a:rPr>
+              <a:t>ror</a:t>
+            </a:r>
+            <a:endParaRPr lang="en-US" sz="1100" i="1" dirty="0"/>
+          </a:p>
+        </p:txBody>
+      </p:sp>
+      <p:cxnSp>
+        <p:nvCxnSpPr>
+          <p:cNvPr id="119" name="Straight Arrow Connector 118"/>
+          <p:cNvCxnSpPr>
+            <a:cxnSpLocks/>
+          </p:cNvCxnSpPr>
+          <p:nvPr/>
+        </p:nvCxnSpPr>
+        <p:spPr>
+          <a:xfrm flipV="1">
+            <a:off x="7352103" y="3657600"/>
+            <a:ext cx="3346127" cy="0"/>
+          </a:xfrm>
+          <a:prstGeom prst="straightConnector1">
+            <a:avLst/>
+          </a:prstGeom>
+          <a:ln w="19050">
+            <a:solidFill>
+              <a:srgbClr val="0070C0"/>
+            </a:solidFill>
+            <a:tailEnd type="arrow"/>
+          </a:ln>
+        </p:spPr>
+        <p:style>
+          <a:lnRef idx="1">
+            <a:schemeClr val="accent1"/>
+          </a:lnRef>
+          <a:fillRef idx="0">
+            <a:schemeClr val="accent1"/>
+          </a:fillRef>
+          <a:effectRef idx="0">
+            <a:schemeClr val="accent1"/>
+          </a:effectRef>
+          <a:fontRef idx="minor">
+            <a:schemeClr val="tx1"/>
+          </a:fontRef>
+        </p:style>
+      </p:cxnSp>
+      <p:cxnSp>
+        <p:nvCxnSpPr>
+          <p:cNvPr id="135" name="Straight Arrow Connector 134"/>
+          <p:cNvCxnSpPr>
+            <a:cxnSpLocks/>
+          </p:cNvCxnSpPr>
+          <p:nvPr/>
+        </p:nvCxnSpPr>
+        <p:spPr>
+          <a:xfrm>
+            <a:off x="7342031" y="4028855"/>
+            <a:ext cx="5253744" cy="0"/>
+          </a:xfrm>
+          <a:prstGeom prst="straightConnector1">
+            <a:avLst/>
+          </a:prstGeom>
+          <a:ln w="19050">
+            <a:solidFill>
+              <a:srgbClr val="0070C0"/>
+            </a:solidFill>
+            <a:tailEnd type="arrow"/>
+          </a:ln>
+        </p:spPr>
+        <p:style>
+          <a:lnRef idx="1">
+            <a:schemeClr val="accent1"/>
+          </a:lnRef>
+          <a:fillRef idx="0">
+            <a:schemeClr val="accent1"/>
+          </a:fillRef>
+          <a:effectRef idx="0">
+            <a:schemeClr val="accent1"/>
+          </a:effectRef>
+          <a:fontRef idx="minor">
+            <a:schemeClr val="tx1"/>
+          </a:fontRef>
+        </p:style>
+      </p:cxnSp>
+      <p:sp>
+        <p:nvSpPr>
+          <p:cNvPr id="137" name="TextBox 136">
+            <a:extLst>
+              <a:ext uri="{FF2B5EF4-FFF2-40B4-BE49-F238E27FC236}">
+                <a16:creationId xmlns="" xmlns:a16="http://schemas.microsoft.com/office/drawing/2014/main" id="{B85C6184-7378-4E89-A338-72B1E5056F4F}"/>
+              </a:ext>
+            </a:extLst>
+          </p:cNvPr>
+          <p:cNvSpPr txBox="1"/>
+          <p:nvPr/>
+        </p:nvSpPr>
+        <p:spPr>
+          <a:xfrm>
+            <a:off x="8173885" y="3699314"/>
+            <a:ext cx="1103671" cy="169277"/>
+          </a:xfrm>
+          <a:prstGeom prst="rect">
+            <a:avLst/>
+          </a:prstGeom>
+          <a:noFill/>
+        </p:spPr>
+        <p:txBody>
+          <a:bodyPr wrap="square" lIns="0" tIns="0" rIns="0" bIns="0" rtlCol="0">
+            <a:spAutoFit/>
+          </a:bodyPr>
+          <a:lstStyle>
+            <a:defPPr>
+              <a:defRPr lang="en-US"/>
+            </a:defPPr>
+            <a:lvl1pPr algn="r">
+              <a:defRPr sz="1400">
+                <a:solidFill>
+                  <a:srgbClr val="0070C0"/>
+                </a:solidFill>
+              </a:defRPr>
+            </a:lvl1pPr>
+          </a:lstStyle>
+          <a:p>
+            <a:pPr algn="l"/>
+            <a:r>
+              <a:rPr lang="en-US" sz="1100" i="1" smtClean="0">
+                <a:solidFill>
+                  <a:srgbClr val="7030A0"/>
+                </a:solidFill>
+              </a:rPr>
+              <a:t>tables</a:t>
+            </a:r>
+            <a:endParaRPr lang="en-US" sz="1100" i="1" dirty="0"/>
+          </a:p>
+        </p:txBody>
+      </p:sp>
     </p:spTree>
     <p:extLst>
       <p:ext uri="{BB962C8B-B14F-4D97-AF65-F5344CB8AC3E}">
@@ -8300,7 +8428,7 @@
         <p:spPr>
           <a:xfrm>
             <a:off x="5935640" y="533400"/>
-            <a:ext cx="3903825" cy="5562600"/>
+            <a:ext cx="4328043" cy="5562600"/>
           </a:xfrm>
           <a:prstGeom prst="roundRect">
             <a:avLst>
@@ -8357,7 +8485,7 @@
           <p:cNvPr id="89" name="Straight Connector 88">
             <a:extLst>
               <a:ext uri="{FF2B5EF4-FFF2-40B4-BE49-F238E27FC236}">
-                <a16:creationId xmlns:a16="http://schemas.microsoft.com/office/drawing/2014/main" xmlns="" id="{E4E1C8CA-49DF-45D8-80A5-D5C8282EE927}"/>
+                <a16:creationId xmlns="" xmlns:a16="http://schemas.microsoft.com/office/drawing/2014/main" id="{E4E1C8CA-49DF-45D8-80A5-D5C8282EE927}"/>
               </a:ext>
             </a:extLst>
           </p:cNvPr>
@@ -8520,12 +8648,28 @@
           <a:p>
             <a:pPr algn="ctr"/>
             <a:r>
-              <a:rPr lang="en-US" sz="1200" dirty="0" smtClean="0">
+              <a:rPr lang="en-US" sz="1200" dirty="0" err="1" smtClean="0">
+                <a:solidFill>
+                  <a:schemeClr val="bg1"/>
+                </a:solidFill>
+              </a:rPr>
+              <a:t>ror</a:t>
+            </a:r>
+            <a:r>
+              <a:rPr lang="en-US" sz="1200" dirty="0" err="1" smtClean="0">
                 <a:solidFill>
                   <a:schemeClr val="bg1"/>
                 </a:solidFill>
               </a:rPr>
               <a:t>:ReadOnly</a:t>
+            </a:r>
+            <a:r>
+              <a:rPr lang="en-US" sz="1200" dirty="0" smtClean="0">
+                <a:solidFill>
+                  <a:schemeClr val="bg1"/>
+                </a:solidFill>
+              </a:rPr>
+              <a:t/>
             </a:r>
             <a:br>
               <a:rPr lang="en-US" sz="1200" dirty="0" smtClean="0">
@@ -8552,14 +8696,14 @@
       </p:sp>
       <p:sp>
         <p:nvSpPr>
-          <p:cNvPr id="86" name="Rectangle 85"/>
+          <p:cNvPr id="40" name="Rectangle 62"/>
           <p:cNvSpPr/>
           <p:nvPr/>
         </p:nvSpPr>
         <p:spPr>
           <a:xfrm>
-            <a:off x="7476483" y="2155057"/>
-            <a:ext cx="135552" cy="522741"/>
+            <a:off x="6057803" y="1151623"/>
+            <a:ext cx="841636" cy="300180"/>
           </a:xfrm>
           <a:prstGeom prst="rect">
             <a:avLst/>
@@ -8567,9 +8711,274 @@
           <a:solidFill>
             <a:srgbClr val="7030A0"/>
           </a:solidFill>
+          <a:ln w="19050">
+            <a:solidFill>
+              <a:srgbClr val="7030A0"/>
+            </a:solidFill>
+          </a:ln>
+          <a:effectLst/>
+        </p:spPr>
+        <p:style>
+          <a:lnRef idx="1">
+            <a:schemeClr val="accent2"/>
+          </a:lnRef>
+          <a:fillRef idx="2">
+            <a:schemeClr val="accent2"/>
+          </a:fillRef>
+          <a:effectRef idx="1">
+            <a:schemeClr val="accent2"/>
+          </a:effectRef>
+          <a:fontRef idx="minor">
+            <a:schemeClr val="dk1"/>
+          </a:fontRef>
+        </p:style>
+        <p:txBody>
+          <a:bodyPr rtlCol="0" anchor="ctr"/>
+          <a:lstStyle/>
+          <a:p>
+            <a:pPr algn="ctr"/>
+            <a:r>
+              <a:rPr lang="en-US" sz="1200" dirty="0" smtClean="0">
+                <a:solidFill>
+                  <a:schemeClr val="bg1"/>
+                </a:solidFill>
+              </a:rPr>
+              <a:t>:Model</a:t>
+            </a:r>
+            <a:endParaRPr lang="en-SG" sz="1200" dirty="0">
+              <a:solidFill>
+                <a:schemeClr val="bg1"/>
+              </a:solidFill>
+            </a:endParaRPr>
+          </a:p>
+        </p:txBody>
+      </p:sp>
+      <p:cxnSp>
+        <p:nvCxnSpPr>
+          <p:cNvPr id="46" name="Straight Connector 45"/>
+          <p:cNvCxnSpPr>
+            <a:cxnSpLocks/>
+          </p:cNvCxnSpPr>
+          <p:nvPr/>
+        </p:nvCxnSpPr>
+        <p:spPr>
+          <a:xfrm flipH="1">
+            <a:off x="6497775" y="1442729"/>
+            <a:ext cx="715" cy="3614641"/>
+          </a:xfrm>
+          <a:prstGeom prst="line">
+            <a:avLst/>
+          </a:prstGeom>
+          <a:ln w="19050">
+            <a:solidFill>
+              <a:srgbClr val="7030A0"/>
+            </a:solidFill>
+            <a:prstDash val="sysDash"/>
+          </a:ln>
+          <a:effectLst/>
+        </p:spPr>
+        <p:style>
+          <a:lnRef idx="1">
+            <a:schemeClr val="accent1"/>
+          </a:lnRef>
+          <a:fillRef idx="2">
+            <a:schemeClr val="accent1"/>
+          </a:fillRef>
+          <a:effectRef idx="1">
+            <a:schemeClr val="accent1"/>
+          </a:effectRef>
+          <a:fontRef idx="minor">
+            <a:schemeClr val="dk1"/>
+          </a:fontRef>
+        </p:style>
+      </p:cxnSp>
+      <p:cxnSp>
+        <p:nvCxnSpPr>
+          <p:cNvPr id="69" name="Straight Arrow Connector 68">
+            <a:extLst>
+              <a:ext uri="{FF2B5EF4-FFF2-40B4-BE49-F238E27FC236}">
+                <a16:creationId xmlns="" xmlns:a16="http://schemas.microsoft.com/office/drawing/2014/main" id="{7C9F21BC-13A9-471F-825A-2621FD36355F}"/>
+              </a:ext>
+            </a:extLst>
+          </p:cNvPr>
+          <p:cNvCxnSpPr>
+            <a:cxnSpLocks/>
+          </p:cNvCxnSpPr>
+          <p:nvPr/>
+        </p:nvCxnSpPr>
+        <p:spPr>
+          <a:xfrm>
+            <a:off x="2511001" y="5778146"/>
+            <a:ext cx="1471366" cy="0"/>
+          </a:xfrm>
+          <a:prstGeom prst="straightConnector1">
+            <a:avLst/>
+          </a:prstGeom>
+          <a:ln w="19050">
+            <a:solidFill>
+              <a:srgbClr val="0070C0"/>
+            </a:solidFill>
+            <a:prstDash val="sysDash"/>
+            <a:headEnd type="arrow" w="med" len="med"/>
+            <a:tailEnd type="none" w="med" len="med"/>
+          </a:ln>
+        </p:spPr>
+        <p:style>
+          <a:lnRef idx="1">
+            <a:schemeClr val="accent1"/>
+          </a:lnRef>
+          <a:fillRef idx="0">
+            <a:schemeClr val="accent1"/>
+          </a:fillRef>
+          <a:effectRef idx="0">
+            <a:schemeClr val="accent1"/>
+          </a:effectRef>
+          <a:fontRef idx="minor">
+            <a:schemeClr val="tx1"/>
+          </a:fontRef>
+        </p:style>
+      </p:cxnSp>
+      <p:sp>
+        <p:nvSpPr>
+          <p:cNvPr id="78" name="Rectangle 62"/>
+          <p:cNvSpPr/>
+          <p:nvPr/>
+        </p:nvSpPr>
+        <p:spPr>
+          <a:xfrm>
+            <a:off x="3447493" y="783376"/>
+            <a:ext cx="1108966" cy="369236"/>
+          </a:xfrm>
+          <a:prstGeom prst="rect">
+            <a:avLst/>
+          </a:prstGeom>
+          <a:solidFill>
+            <a:srgbClr val="0070C0"/>
+          </a:solidFill>
+          <a:ln w="19050">
+            <a:solidFill>
+              <a:srgbClr val="0070C0"/>
+            </a:solidFill>
+          </a:ln>
+          <a:effectLst/>
+        </p:spPr>
+        <p:style>
+          <a:lnRef idx="1">
+            <a:schemeClr val="accent2"/>
+          </a:lnRef>
+          <a:fillRef idx="2">
+            <a:schemeClr val="accent2"/>
+          </a:fillRef>
+          <a:effectRef idx="1">
+            <a:schemeClr val="accent2"/>
+          </a:effectRef>
+          <a:fontRef idx="minor">
+            <a:schemeClr val="dk1"/>
+          </a:fontRef>
+        </p:style>
+        <p:txBody>
+          <a:bodyPr rtlCol="0" anchor="ctr"/>
+          <a:lstStyle/>
+          <a:p>
+            <a:pPr algn="ctr"/>
+            <a:r>
+              <a:rPr lang="en-US" sz="1200" smtClean="0">
+                <a:solidFill>
+                  <a:schemeClr val="bg1"/>
+                </a:solidFill>
+              </a:rPr>
+              <a:t>tm:TableMode</a:t>
+            </a:r>
+            <a:r>
+              <a:rPr lang="en-US" sz="1200" dirty="0" smtClean="0">
+                <a:solidFill>
+                  <a:schemeClr val="bg1"/>
+                </a:solidFill>
+              </a:rPr>
+              <a:t/>
+            </a:r>
+            <a:br>
+              <a:rPr lang="en-US" sz="1200" dirty="0" smtClean="0">
+                <a:solidFill>
+                  <a:schemeClr val="bg1"/>
+                </a:solidFill>
+              </a:rPr>
+            </a:br>
+            <a:r>
+              <a:rPr lang="en-US" sz="1200" dirty="0" smtClean="0">
+                <a:solidFill>
+                  <a:schemeClr val="bg1"/>
+                </a:solidFill>
+              </a:rPr>
+              <a:t>Command</a:t>
+            </a:r>
+            <a:endParaRPr lang="en-SG" sz="1200" dirty="0">
+              <a:solidFill>
+                <a:schemeClr val="bg1"/>
+              </a:solidFill>
+            </a:endParaRPr>
+          </a:p>
+        </p:txBody>
+      </p:sp>
+      <p:cxnSp>
+        <p:nvCxnSpPr>
+          <p:cNvPr id="90" name="Straight Connector 89"/>
+          <p:cNvCxnSpPr>
+            <a:cxnSpLocks/>
+          </p:cNvCxnSpPr>
+          <p:nvPr/>
+        </p:nvCxnSpPr>
+        <p:spPr>
+          <a:xfrm>
+            <a:off x="4018481" y="1169553"/>
+            <a:ext cx="34432" cy="3887817"/>
+          </a:xfrm>
+          <a:prstGeom prst="line">
+            <a:avLst/>
+          </a:prstGeom>
+          <a:ln w="19050">
+            <a:solidFill>
+              <a:srgbClr val="0070C0"/>
+            </a:solidFill>
+            <a:prstDash val="sysDash"/>
+          </a:ln>
+          <a:effectLst/>
+        </p:spPr>
+        <p:style>
+          <a:lnRef idx="1">
+            <a:schemeClr val="accent1"/>
+          </a:lnRef>
+          <a:fillRef idx="2">
+            <a:schemeClr val="accent1"/>
+          </a:fillRef>
+          <a:effectRef idx="1">
+            <a:schemeClr val="accent1"/>
+          </a:effectRef>
+          <a:fontRef idx="minor">
+            <a:schemeClr val="dk1"/>
+          </a:fontRef>
+        </p:style>
+      </p:cxnSp>
+      <p:sp>
+        <p:nvSpPr>
+          <p:cNvPr id="106" name="Rectangle 105"/>
+          <p:cNvSpPr/>
+          <p:nvPr/>
+        </p:nvSpPr>
+        <p:spPr>
+          <a:xfrm>
+            <a:off x="3948688" y="1857709"/>
+            <a:ext cx="157334" cy="3931151"/>
+          </a:xfrm>
+          <a:prstGeom prst="rect">
+            <a:avLst/>
+          </a:prstGeom>
+          <a:solidFill>
+            <a:srgbClr val="0070C0"/>
+          </a:solidFill>
           <a:ln>
             <a:solidFill>
-              <a:srgbClr val="7030A0"/>
+              <a:srgbClr val="0070C0"/>
             </a:solidFill>
           </a:ln>
           <a:effectLst/>
@@ -8599,14 +9008,14 @@
       </p:sp>
       <p:sp>
         <p:nvSpPr>
-          <p:cNvPr id="40" name="Rectangle 62"/>
+          <p:cNvPr id="116" name="Rectangle 62"/>
           <p:cNvSpPr/>
           <p:nvPr/>
         </p:nvSpPr>
         <p:spPr>
           <a:xfrm>
-            <a:off x="6057803" y="1151623"/>
-            <a:ext cx="841636" cy="300180"/>
+            <a:off x="8863726" y="1126082"/>
+            <a:ext cx="1221835" cy="351261"/>
           </a:xfrm>
           <a:prstGeom prst="rect">
             <a:avLst/>
@@ -8641,12 +9050,12 @@
           <a:p>
             <a:pPr algn="ctr"/>
             <a:r>
-              <a:rPr lang="en-US" sz="1200" dirty="0" smtClean="0">
+              <a:rPr lang="en-US" sz="1200" smtClean="0">
                 <a:solidFill>
                   <a:schemeClr val="bg1"/>
                 </a:solidFill>
               </a:rPr>
-              <a:t>:Model</a:t>
+              <a:t>tables:ReadOnlyTables</a:t>
             </a:r>
             <a:endParaRPr lang="en-SG" sz="1200" dirty="0">
               <a:solidFill>
@@ -8658,7 +9067,13 @@
       </p:sp>
       <p:cxnSp>
         <p:nvCxnSpPr>
-          <p:cNvPr id="46" name="Straight Connector 45"/>
+          <p:cNvPr id="117" name="Straight Connector 116">
+            <a:extLst>
+              <a:ext uri="{FF2B5EF4-FFF2-40B4-BE49-F238E27FC236}">
+                <a16:creationId xmlns="" xmlns:a16="http://schemas.microsoft.com/office/drawing/2014/main" id="{E4E1C8CA-49DF-45D8-80A5-D5C8282EE927}"/>
+              </a:ext>
+            </a:extLst>
+          </p:cNvPr>
           <p:cNvCxnSpPr>
             <a:cxnSpLocks/>
           </p:cNvCxnSpPr>
@@ -8666,8 +9081,8 @@
         </p:nvCxnSpPr>
         <p:spPr>
           <a:xfrm flipH="1">
-            <a:off x="6497775" y="1442729"/>
-            <a:ext cx="715" cy="3614641"/>
+            <a:off x="9466919" y="1463895"/>
+            <a:ext cx="4656" cy="3620772"/>
           </a:xfrm>
           <a:prstGeom prst="line">
             <a:avLst/>
@@ -8697,14 +9112,14 @@
       </p:cxnSp>
       <p:sp>
         <p:nvSpPr>
-          <p:cNvPr id="49" name="Rectangle 48"/>
+          <p:cNvPr id="144" name="Rectangle 143"/>
           <p:cNvSpPr/>
           <p:nvPr/>
         </p:nvSpPr>
         <p:spPr>
           <a:xfrm>
-            <a:off x="6405476" y="2043589"/>
-            <a:ext cx="168896" cy="775693"/>
+            <a:off x="6428515" y="3248006"/>
+            <a:ext cx="145857" cy="185175"/>
           </a:xfrm>
           <a:prstGeom prst="rect">
             <a:avLst/>
@@ -8744,16 +9159,16 @@
       </p:sp>
       <p:cxnSp>
         <p:nvCxnSpPr>
-          <p:cNvPr id="50" name="Straight Arrow Connector 49"/>
+          <p:cNvPr id="145" name="Straight Arrow Connector 144"/>
           <p:cNvCxnSpPr>
             <a:cxnSpLocks/>
           </p:cNvCxnSpPr>
           <p:nvPr/>
         </p:nvCxnSpPr>
         <p:spPr>
-          <a:xfrm>
-            <a:off x="4130357" y="2043589"/>
-            <a:ext cx="2275119" cy="0"/>
+          <a:xfrm flipV="1">
+            <a:off x="4097298" y="3267903"/>
+            <a:ext cx="2360081" cy="0"/>
           </a:xfrm>
           <a:prstGeom prst="straightConnector1">
             <a:avLst/>
@@ -8782,29 +9197,30 @@
       </p:cxnSp>
       <p:cxnSp>
         <p:nvCxnSpPr>
-          <p:cNvPr id="69" name="Straight Arrow Connector 68">
+          <p:cNvPr id="146" name="Straight Arrow Connector 145">
             <a:extLst>
               <a:ext uri="{FF2B5EF4-FFF2-40B4-BE49-F238E27FC236}">
-                <a16:creationId xmlns:a16="http://schemas.microsoft.com/office/drawing/2014/main" xmlns="" id="{7C9F21BC-13A9-471F-825A-2621FD36355F}"/>
+                <a16:creationId xmlns="" xmlns:a16="http://schemas.microsoft.com/office/drawing/2014/main" id="{7C9F21BC-13A9-471F-825A-2621FD36355F}"/>
               </a:ext>
             </a:extLst>
           </p:cNvPr>
           <p:cNvCxnSpPr>
             <a:cxnSpLocks/>
+            <a:endCxn id="144" idx="2"/>
           </p:cNvCxnSpPr>
           <p:nvPr/>
         </p:nvCxnSpPr>
         <p:spPr>
           <a:xfrm>
-            <a:off x="2511001" y="5778146"/>
-            <a:ext cx="1471366" cy="0"/>
+            <a:off x="4093453" y="3433181"/>
+            <a:ext cx="2407991" cy="0"/>
           </a:xfrm>
           <a:prstGeom prst="straightConnector1">
             <a:avLst/>
           </a:prstGeom>
           <a:ln w="19050">
             <a:solidFill>
-              <a:srgbClr val="0070C0"/>
+              <a:srgbClr val="7030A0"/>
             </a:solidFill>
             <a:prstDash val="sysDash"/>
             <a:headEnd type="arrow" w="med" len="med"/>
@@ -8828,20 +9244,14 @@
       </p:cxnSp>
       <p:sp>
         <p:nvSpPr>
-          <p:cNvPr id="88" name="TextBox 87">
-            <a:extLst>
-              <a:ext uri="{FF2B5EF4-FFF2-40B4-BE49-F238E27FC236}">
-                <a16:creationId xmlns:a16="http://schemas.microsoft.com/office/drawing/2014/main" xmlns="" id="{B85C6184-7378-4E89-A338-72B1E5056F4F}"/>
-              </a:ext>
-            </a:extLst>
-          </p:cNvPr>
+          <p:cNvPr id="147" name="TextBox 146"/>
           <p:cNvSpPr txBox="1"/>
           <p:nvPr/>
         </p:nvSpPr>
         <p:spPr>
           <a:xfrm>
-            <a:off x="7612329" y="2068487"/>
-            <a:ext cx="1576367" cy="169277"/>
+            <a:off x="4271639" y="3640723"/>
+            <a:ext cx="2044944" cy="169277"/>
           </a:xfrm>
           <a:prstGeom prst="rect">
             <a:avLst/>
@@ -8865,29 +9275,26 @@
             </a:lvl1pPr>
           </a:lstStyle>
           <a:p>
+            <a:pPr algn="l"/>
+            <a:r>
+              <a:rPr lang="en-US" sz="1100" smtClean="0">
+                <a:solidFill>
+                  <a:schemeClr val="accent4">
+                    <a:lumMod val="75000"/>
+                  </a:schemeClr>
+                </a:solidFill>
+              </a:rPr>
+              <a:t>updateFilteredOrderItemList</a:t>
+            </a:r>
             <a:r>
               <a:rPr lang="en-US" sz="1100" dirty="0" smtClean="0">
                 <a:solidFill>
-                  <a:srgbClr val="7030A0"/>
+                  <a:schemeClr val="accent4">
+                    <a:lumMod val="75000"/>
+                  </a:schemeClr>
                 </a:solidFill>
               </a:rPr>
-              <a:t>getTableFromNumber(</a:t>
-            </a:r>
-            <a:r>
-              <a:rPr lang="en-US" sz="1100" i="1" dirty="0" smtClean="0">
-                <a:solidFill>
-                  <a:srgbClr val="7030A0"/>
-                </a:solidFill>
-              </a:rPr>
-              <a:t>3</a:t>
-            </a:r>
-            <a:r>
-              <a:rPr lang="en-US" sz="1100" dirty="0" smtClean="0">
-                <a:solidFill>
-                  <a:srgbClr val="7030A0"/>
-                </a:solidFill>
-              </a:rPr>
-              <a:t>)</a:t>
+              <a:t>()</a:t>
             </a:r>
             <a:endParaRPr lang="en-US" sz="1100" dirty="0"/>
           </a:p>
@@ -8895,22 +9302,150 @@
       </p:sp>
       <p:sp>
         <p:nvSpPr>
-          <p:cNvPr id="41" name="TextBox 40"/>
+          <p:cNvPr id="148" name="Rectangle 147"/>
+          <p:cNvSpPr/>
+          <p:nvPr/>
+        </p:nvSpPr>
+        <p:spPr>
+          <a:xfrm>
+            <a:off x="6421179" y="3850991"/>
+            <a:ext cx="153193" cy="194286"/>
+          </a:xfrm>
+          <a:prstGeom prst="rect">
+            <a:avLst/>
+          </a:prstGeom>
+          <a:solidFill>
+            <a:srgbClr val="7030A0"/>
+          </a:solidFill>
+          <a:ln>
+            <a:solidFill>
+              <a:srgbClr val="7030A0"/>
+            </a:solidFill>
+          </a:ln>
+          <a:effectLst/>
+        </p:spPr>
+        <p:style>
+          <a:lnRef idx="1">
+            <a:schemeClr val="accent3"/>
+          </a:lnRef>
+          <a:fillRef idx="2">
+            <a:schemeClr val="accent3"/>
+          </a:fillRef>
+          <a:effectRef idx="1">
+            <a:schemeClr val="accent3"/>
+          </a:effectRef>
+          <a:fontRef idx="minor">
+            <a:schemeClr val="dk1"/>
+          </a:fontRef>
+        </p:style>
+        <p:txBody>
+          <a:bodyPr rtlCol="0" anchor="ctr"/>
+          <a:lstStyle/>
+          <a:p>
+            <a:pPr algn="ctr"/>
+            <a:endParaRPr lang="en-SG" sz="1400"/>
+          </a:p>
+        </p:txBody>
+      </p:sp>
+      <p:cxnSp>
+        <p:nvCxnSpPr>
+          <p:cNvPr id="149" name="Straight Arrow Connector 148"/>
+          <p:cNvCxnSpPr>
+            <a:cxnSpLocks/>
+          </p:cNvCxnSpPr>
+          <p:nvPr/>
+        </p:nvCxnSpPr>
+        <p:spPr>
+          <a:xfrm flipV="1">
+            <a:off x="4115323" y="3853295"/>
+            <a:ext cx="2290821" cy="409"/>
+          </a:xfrm>
+          <a:prstGeom prst="straightConnector1">
+            <a:avLst/>
+          </a:prstGeom>
+          <a:ln w="19050">
+            <a:solidFill>
+              <a:srgbClr val="0070C0"/>
+            </a:solidFill>
+            <a:tailEnd type="arrow"/>
+          </a:ln>
+        </p:spPr>
+        <p:style>
+          <a:lnRef idx="1">
+            <a:schemeClr val="accent1"/>
+          </a:lnRef>
+          <a:fillRef idx="0">
+            <a:schemeClr val="accent1"/>
+          </a:fillRef>
+          <a:effectRef idx="0">
+            <a:schemeClr val="accent1"/>
+          </a:effectRef>
+          <a:fontRef idx="minor">
+            <a:schemeClr val="tx1"/>
+          </a:fontRef>
+        </p:style>
+      </p:cxnSp>
+      <p:cxnSp>
+        <p:nvCxnSpPr>
+          <p:cNvPr id="150" name="Straight Arrow Connector 149">
+            <a:extLst>
+              <a:ext uri="{FF2B5EF4-FFF2-40B4-BE49-F238E27FC236}">
+                <a16:creationId xmlns="" xmlns:a16="http://schemas.microsoft.com/office/drawing/2014/main" id="{7C9F21BC-13A9-471F-825A-2621FD36355F}"/>
+              </a:ext>
+            </a:extLst>
+          </p:cNvPr>
+          <p:cNvCxnSpPr>
+            <a:cxnSpLocks/>
+          </p:cNvCxnSpPr>
+          <p:nvPr/>
+        </p:nvCxnSpPr>
+        <p:spPr>
+          <a:xfrm>
+            <a:off x="4078177" y="4045277"/>
+            <a:ext cx="2327299" cy="0"/>
+          </a:xfrm>
+          <a:prstGeom prst="straightConnector1">
+            <a:avLst/>
+          </a:prstGeom>
+          <a:ln w="19050">
+            <a:solidFill>
+              <a:srgbClr val="7030A0"/>
+            </a:solidFill>
+            <a:prstDash val="sysDash"/>
+            <a:headEnd type="arrow" w="med" len="med"/>
+            <a:tailEnd type="none" w="med" len="med"/>
+          </a:ln>
+        </p:spPr>
+        <p:style>
+          <a:lnRef idx="1">
+            <a:schemeClr val="accent1"/>
+          </a:lnRef>
+          <a:fillRef idx="0">
+            <a:schemeClr val="accent1"/>
+          </a:fillRef>
+          <a:effectRef idx="0">
+            <a:schemeClr val="accent1"/>
+          </a:effectRef>
+          <a:fontRef idx="minor">
+            <a:schemeClr val="tx1"/>
+          </a:fontRef>
+        </p:style>
+      </p:cxnSp>
+      <p:sp>
+        <p:nvSpPr>
+          <p:cNvPr id="170" name="TextBox 169"/>
           <p:cNvSpPr txBox="1"/>
           <p:nvPr/>
         </p:nvSpPr>
         <p:spPr>
           <a:xfrm>
-            <a:off x="6545529" y="1969868"/>
-            <a:ext cx="837100" cy="169277"/>
+            <a:off x="4018481" y="4268610"/>
+            <a:ext cx="769778" cy="507831"/>
           </a:xfrm>
           <a:prstGeom prst="rect">
             <a:avLst/>
           </a:prstGeom>
           <a:noFill/>
-          <a:ln>
-            <a:noFill/>
-          </a:ln>
         </p:spPr>
         <p:txBody>
           <a:bodyPr wrap="square" lIns="0" tIns="0" rIns="0" bIns="0" rtlCol="0">
@@ -8930,42 +9465,190 @@
           </a:lstStyle>
           <a:p>
             <a:r>
-              <a:rPr lang="en-US" sz="1100" dirty="0" smtClean="0">
-                <a:solidFill>
-                  <a:srgbClr val="7030A0"/>
-                </a:solidFill>
-              </a:rPr>
-              <a:t>getTables()</a:t>
-            </a:r>
-            <a:endParaRPr lang="en-US" sz="1100" dirty="0">
-              <a:solidFill>
-                <a:schemeClr val="accent4">
-                  <a:lumMod val="75000"/>
-                </a:schemeClr>
-              </a:solidFill>
-            </a:endParaRPr>
+              <a:rPr lang="en-US" sz="1100" dirty="0"/>
+              <a:t>g</a:t>
+            </a:r>
+            <a:r>
+              <a:rPr lang="en-US" sz="1100" dirty="0" smtClean="0"/>
+              <a:t>enerate</a:t>
+            </a:r>
+            <a:r>
+              <a:rPr lang="en-US" sz="1100" smtClean="0"/>
+              <a:t/>
+            </a:r>
+            <a:br>
+              <a:rPr lang="en-US" sz="1100" smtClean="0"/>
+            </a:br>
+            <a:r>
+              <a:rPr lang="en-US" sz="1100" smtClean="0"/>
+              <a:t>Command</a:t>
+            </a:r>
+            <a:br>
+              <a:rPr lang="en-US" sz="1100" smtClean="0"/>
+            </a:br>
+            <a:r>
+              <a:rPr lang="en-US" sz="1100" smtClean="0"/>
+              <a:t>Result</a:t>
+            </a:r>
+            <a:r>
+              <a:rPr lang="en-US" sz="1100" dirty="0" smtClean="0"/>
+              <a:t>()</a:t>
+            </a:r>
+            <a:endParaRPr lang="en-US" sz="1100" dirty="0"/>
           </a:p>
         </p:txBody>
       </p:sp>
       <p:cxnSp>
         <p:nvCxnSpPr>
-          <p:cNvPr id="52" name="Straight Arrow Connector 51"/>
-          <p:cNvCxnSpPr>
-            <a:cxnSpLocks/>
-          </p:cNvCxnSpPr>
+          <p:cNvPr id="92" name="Curved Connector 91"/>
+          <p:cNvCxnSpPr/>
           <p:nvPr/>
         </p:nvCxnSpPr>
         <p:spPr>
-          <a:xfrm>
-            <a:off x="6545529" y="2176682"/>
-            <a:ext cx="923068" cy="0"/>
-          </a:xfrm>
-          <a:prstGeom prst="straightConnector1">
-            <a:avLst/>
+          <a:xfrm rot="16200000" flipH="1">
+            <a:off x="3961615" y="5538941"/>
+            <a:ext cx="156923" cy="76200"/>
+          </a:xfrm>
+          <a:prstGeom prst="curvedConnector4">
+            <a:avLst>
+              <a:gd name="adj1" fmla="val -1"/>
+              <a:gd name="adj2" fmla="val 434948"/>
+            </a:avLst>
           </a:prstGeom>
           <a:ln w="19050">
             <a:solidFill>
-              <a:srgbClr val="7030A0"/>
+              <a:srgbClr val="0070C0"/>
+            </a:solidFill>
+            <a:prstDash val="sysDash"/>
+            <a:tailEnd type="triangle"/>
+          </a:ln>
+        </p:spPr>
+        <p:style>
+          <a:lnRef idx="1">
+            <a:schemeClr val="accent1"/>
+          </a:lnRef>
+          <a:fillRef idx="0">
+            <a:schemeClr val="accent1"/>
+          </a:fillRef>
+          <a:effectRef idx="0">
+            <a:schemeClr val="accent1"/>
+          </a:effectRef>
+          <a:fontRef idx="minor">
+            <a:schemeClr val="tx1"/>
+          </a:fontRef>
+        </p:style>
+      </p:cxnSp>
+      <p:sp>
+        <p:nvSpPr>
+          <p:cNvPr id="96" name="Rectangle 95"/>
+          <p:cNvSpPr/>
+          <p:nvPr/>
+        </p:nvSpPr>
+        <p:spPr>
+          <a:xfrm>
+            <a:off x="4033389" y="4913752"/>
+            <a:ext cx="130260" cy="586547"/>
+          </a:xfrm>
+          <a:prstGeom prst="rect">
+            <a:avLst/>
+          </a:prstGeom>
+          <a:solidFill>
+            <a:srgbClr val="0070C0"/>
+          </a:solidFill>
+          <a:ln w="12700">
+            <a:solidFill>
+              <a:schemeClr val="bg1"/>
+            </a:solidFill>
+          </a:ln>
+          <a:effectLst/>
+        </p:spPr>
+        <p:style>
+          <a:lnRef idx="1">
+            <a:schemeClr val="accent3"/>
+          </a:lnRef>
+          <a:fillRef idx="2">
+            <a:schemeClr val="accent3"/>
+          </a:fillRef>
+          <a:effectRef idx="1">
+            <a:schemeClr val="accent3"/>
+          </a:effectRef>
+          <a:fontRef idx="minor">
+            <a:schemeClr val="dk1"/>
+          </a:fontRef>
+        </p:style>
+        <p:txBody>
+          <a:bodyPr rtlCol="0" anchor="ctr"/>
+          <a:lstStyle/>
+          <a:p>
+            <a:pPr algn="ctr"/>
+            <a:endParaRPr lang="en-SG" sz="1400"/>
+          </a:p>
+        </p:txBody>
+      </p:sp>
+      <p:sp>
+        <p:nvSpPr>
+          <p:cNvPr id="97" name="Rectangle 96"/>
+          <p:cNvSpPr/>
+          <p:nvPr/>
+        </p:nvSpPr>
+        <p:spPr>
+          <a:xfrm>
+            <a:off x="4947188" y="5198747"/>
+            <a:ext cx="148170" cy="135499"/>
+          </a:xfrm>
+          <a:prstGeom prst="rect">
+            <a:avLst/>
+          </a:prstGeom>
+          <a:solidFill>
+            <a:srgbClr val="0070C0"/>
+          </a:solidFill>
+          <a:ln>
+            <a:solidFill>
+              <a:srgbClr val="0070C0"/>
+            </a:solidFill>
+          </a:ln>
+          <a:effectLst/>
+        </p:spPr>
+        <p:style>
+          <a:lnRef idx="1">
+            <a:schemeClr val="accent3"/>
+          </a:lnRef>
+          <a:fillRef idx="2">
+            <a:schemeClr val="accent3"/>
+          </a:fillRef>
+          <a:effectRef idx="1">
+            <a:schemeClr val="accent3"/>
+          </a:effectRef>
+          <a:fontRef idx="minor">
+            <a:schemeClr val="dk1"/>
+          </a:fontRef>
+        </p:style>
+        <p:txBody>
+          <a:bodyPr rtlCol="0" anchor="ctr"/>
+          <a:lstStyle/>
+          <a:p>
+            <a:pPr algn="ctr"/>
+            <a:endParaRPr lang="en-SG" sz="1400"/>
+          </a:p>
+        </p:txBody>
+      </p:sp>
+      <p:cxnSp>
+        <p:nvCxnSpPr>
+          <p:cNvPr id="98" name="Straight Arrow Connector 97"/>
+          <p:cNvCxnSpPr/>
+          <p:nvPr/>
+        </p:nvCxnSpPr>
+        <p:spPr>
+          <a:xfrm flipV="1">
+            <a:off x="4150465" y="5035675"/>
+            <a:ext cx="261909" cy="0"/>
+          </a:xfrm>
+          <a:prstGeom prst="straightConnector1">
+            <a:avLst/>
+          </a:prstGeom>
+          <a:ln w="19050">
+            <a:solidFill>
+              <a:srgbClr val="0070C0"/>
             </a:solidFill>
             <a:tailEnd type="arrow"/>
           </a:ln>
@@ -8987,29 +9670,21 @@
       </p:cxnSp>
       <p:cxnSp>
         <p:nvCxnSpPr>
-          <p:cNvPr id="60" name="Straight Arrow Connector 59">
-            <a:extLst>
-              <a:ext uri="{FF2B5EF4-FFF2-40B4-BE49-F238E27FC236}">
-                <a16:creationId xmlns:a16="http://schemas.microsoft.com/office/drawing/2014/main" xmlns="" id="{7C9F21BC-13A9-471F-825A-2621FD36355F}"/>
-              </a:ext>
-            </a:extLst>
-          </p:cNvPr>
-          <p:cNvCxnSpPr>
-            <a:cxnSpLocks/>
-          </p:cNvCxnSpPr>
+          <p:cNvPr id="99" name="Straight Arrow Connector 98"/>
+          <p:cNvCxnSpPr/>
           <p:nvPr/>
         </p:nvCxnSpPr>
         <p:spPr>
-          <a:xfrm>
-            <a:off x="7621412" y="2522973"/>
-            <a:ext cx="1509517" cy="9352"/>
+          <a:xfrm flipV="1">
+            <a:off x="4150465" y="5334246"/>
+            <a:ext cx="932859" cy="0"/>
           </a:xfrm>
           <a:prstGeom prst="straightConnector1">
             <a:avLst/>
           </a:prstGeom>
           <a:ln w="19050">
             <a:solidFill>
-              <a:srgbClr val="7030A0"/>
+              <a:srgbClr val="0070C0"/>
             </a:solidFill>
             <a:prstDash val="sysDash"/>
             <a:headEnd type="arrow" w="med" len="med"/>
@@ -9033,13 +9708,7 @@
       </p:cxnSp>
       <p:cxnSp>
         <p:nvCxnSpPr>
-          <p:cNvPr id="63" name="Straight Arrow Connector 62">
-            <a:extLst>
-              <a:ext uri="{FF2B5EF4-FFF2-40B4-BE49-F238E27FC236}">
-                <a16:creationId xmlns:a16="http://schemas.microsoft.com/office/drawing/2014/main" xmlns="" id="{7C9F21BC-13A9-471F-825A-2621FD36355F}"/>
-              </a:ext>
-            </a:extLst>
-          </p:cNvPr>
+          <p:cNvPr id="102" name="Straight Connector 101"/>
           <p:cNvCxnSpPr>
             <a:cxnSpLocks/>
           </p:cNvCxnSpPr>
@@ -9047,46 +9716,45 @@
         </p:nvCxnSpPr>
         <p:spPr>
           <a:xfrm>
-            <a:off x="4106022" y="2815560"/>
-            <a:ext cx="2393815" cy="0"/>
-          </a:xfrm>
-          <a:prstGeom prst="straightConnector1">
+            <a:off x="5021273" y="4969872"/>
+            <a:ext cx="0" cy="818988"/>
+          </a:xfrm>
+          <a:prstGeom prst="line">
             <a:avLst/>
           </a:prstGeom>
           <a:ln w="19050">
             <a:solidFill>
-              <a:srgbClr val="7030A0"/>
+              <a:srgbClr val="0070C0"/>
             </a:solidFill>
             <a:prstDash val="sysDash"/>
-            <a:headEnd type="arrow" w="med" len="med"/>
-            <a:tailEnd type="none" w="med" len="med"/>
           </a:ln>
+          <a:effectLst/>
         </p:spPr>
         <p:style>
           <a:lnRef idx="1">
             <a:schemeClr val="accent1"/>
           </a:lnRef>
-          <a:fillRef idx="0">
+          <a:fillRef idx="2">
             <a:schemeClr val="accent1"/>
           </a:fillRef>
-          <a:effectRef idx="0">
+          <a:effectRef idx="1">
             <a:schemeClr val="accent1"/>
           </a:effectRef>
           <a:fontRef idx="minor">
-            <a:schemeClr val="tx1"/>
+            <a:schemeClr val="dk1"/>
           </a:fontRef>
         </p:style>
       </p:cxnSp>
       <p:sp>
         <p:nvSpPr>
-          <p:cNvPr id="78" name="Rectangle 62"/>
+          <p:cNvPr id="104" name="Rectangle 62"/>
           <p:cNvSpPr/>
           <p:nvPr/>
         </p:nvSpPr>
         <p:spPr>
           <a:xfrm>
-            <a:off x="3447493" y="783376"/>
-            <a:ext cx="1108966" cy="369236"/>
+            <a:off x="4412374" y="4851057"/>
+            <a:ext cx="1286425" cy="369236"/>
           </a:xfrm>
           <a:prstGeom prst="rect">
             <a:avLst/>
@@ -9121,35 +9789,12 @@
           <a:p>
             <a:pPr algn="ctr"/>
             <a:r>
-              <a:rPr lang="en-US" sz="1200" smtClean="0">
+              <a:rPr lang="en-US" sz="1200" dirty="0" smtClean="0">
                 <a:solidFill>
                   <a:schemeClr val="bg1"/>
                 </a:solidFill>
               </a:rPr>
-              <a:t>tm:TableMode</a:t>
-            </a:r>
-            <a:r>
-              <a:rPr lang="en-US" sz="1200" dirty="0" smtClean="0">
-                <a:solidFill>
-                  <a:schemeClr val="bg1"/>
-                </a:solidFill>
-              </a:rPr>
-              <a:t/>
-            </a:r>
-            <a:br>
-              <a:rPr lang="en-US" sz="1200" dirty="0" smtClean="0">
-                <a:solidFill>
-                  <a:schemeClr val="bg1"/>
-                </a:solidFill>
-              </a:rPr>
-            </a:br>
-            <a:r>
-              <a:rPr lang="en-US" sz="1200" dirty="0" smtClean="0">
-                <a:solidFill>
-                  <a:schemeClr val="bg1"/>
-                </a:solidFill>
-              </a:rPr>
-              <a:t>Command</a:t>
+              <a:t>result:CommandResult</a:t>
             </a:r>
             <a:endParaRPr lang="en-SG" sz="1200" dirty="0">
               <a:solidFill>
@@ -9161,63 +9806,227 @@
       </p:sp>
       <p:cxnSp>
         <p:nvCxnSpPr>
-          <p:cNvPr id="90" name="Straight Connector 89"/>
-          <p:cNvCxnSpPr>
-            <a:cxnSpLocks/>
-          </p:cNvCxnSpPr>
+          <p:cNvPr id="105" name="Curved Connector 104"/>
+          <p:cNvCxnSpPr/>
           <p:nvPr/>
         </p:nvCxnSpPr>
         <p:spPr>
-          <a:xfrm>
-            <a:off x="4018481" y="1169553"/>
-            <a:ext cx="34432" cy="3887817"/>
-          </a:xfrm>
-          <a:prstGeom prst="line">
-            <a:avLst/>
+          <a:xfrm rot="16200000" flipH="1">
+            <a:off x="3979547" y="4781578"/>
+            <a:ext cx="156923" cy="76200"/>
+          </a:xfrm>
+          <a:prstGeom prst="curvedConnector4">
+            <a:avLst>
+              <a:gd name="adj1" fmla="val -1"/>
+              <a:gd name="adj2" fmla="val 337387"/>
+            </a:avLst>
           </a:prstGeom>
           <a:ln w="19050">
             <a:solidFill>
               <a:srgbClr val="0070C0"/>
             </a:solidFill>
-            <a:prstDash val="sysDash"/>
+            <a:tailEnd type="triangle"/>
           </a:ln>
-          <a:effectLst/>
         </p:spPr>
         <p:style>
           <a:lnRef idx="1">
             <a:schemeClr val="accent1"/>
           </a:lnRef>
-          <a:fillRef idx="2">
+          <a:fillRef idx="0">
             <a:schemeClr val="accent1"/>
           </a:fillRef>
-          <a:effectRef idx="1">
+          <a:effectRef idx="0">
             <a:schemeClr val="accent1"/>
           </a:effectRef>
           <a:fontRef idx="minor">
-            <a:schemeClr val="dk1"/>
+            <a:schemeClr val="tx1"/>
           </a:fontRef>
         </p:style>
       </p:cxnSp>
       <p:sp>
         <p:nvSpPr>
-          <p:cNvPr id="106" name="Rectangle 105"/>
+          <p:cNvPr id="107" name="TextBox 106"/>
+          <p:cNvSpPr txBox="1"/>
+          <p:nvPr/>
+        </p:nvSpPr>
+        <p:spPr>
+          <a:xfrm>
+            <a:off x="3960860" y="5608869"/>
+            <a:ext cx="621216" cy="169277"/>
+          </a:xfrm>
+          <a:prstGeom prst="rect">
+            <a:avLst/>
+          </a:prstGeom>
+          <a:noFill/>
+        </p:spPr>
+        <p:txBody>
+          <a:bodyPr wrap="square" lIns="0" tIns="0" rIns="0" bIns="0" rtlCol="0">
+            <a:spAutoFit/>
+          </a:bodyPr>
+          <a:lstStyle>
+            <a:defPPr>
+              <a:defRPr lang="en-US"/>
+            </a:defPPr>
+            <a:lvl1pPr algn="r">
+              <a:defRPr sz="1400">
+                <a:solidFill>
+                  <a:srgbClr val="0070C0"/>
+                </a:solidFill>
+              </a:defRPr>
+            </a:lvl1pPr>
+          </a:lstStyle>
+          <a:p>
+            <a:r>
+              <a:rPr lang="en-US" sz="1100" dirty="0"/>
+              <a:t>result</a:t>
+            </a:r>
+          </a:p>
+        </p:txBody>
+      </p:sp>
+      <p:sp>
+        <p:nvSpPr>
+          <p:cNvPr id="115" name="TextBox 114"/>
+          <p:cNvSpPr txBox="1"/>
+          <p:nvPr/>
+        </p:nvSpPr>
+        <p:spPr>
+          <a:xfrm>
+            <a:off x="2689531" y="1656343"/>
+            <a:ext cx="855809" cy="169277"/>
+          </a:xfrm>
+          <a:prstGeom prst="rect">
+            <a:avLst/>
+          </a:prstGeom>
+          <a:noFill/>
+        </p:spPr>
+        <p:txBody>
+          <a:bodyPr wrap="square" lIns="0" tIns="0" rIns="0" bIns="0" rtlCol="0">
+            <a:spAutoFit/>
+          </a:bodyPr>
+          <a:lstStyle>
+            <a:defPPr>
+              <a:defRPr lang="en-US"/>
+            </a:defPPr>
+            <a:lvl1pPr algn="r">
+              <a:defRPr sz="1400">
+                <a:solidFill>
+                  <a:srgbClr val="0070C0"/>
+                </a:solidFill>
+              </a:defRPr>
+            </a:lvl1pPr>
+          </a:lstStyle>
+          <a:p>
+            <a:r>
+              <a:rPr lang="en-US" sz="1100" dirty="0"/>
+              <a:t>execute()</a:t>
+            </a:r>
+          </a:p>
+        </p:txBody>
+      </p:sp>
+      <p:cxnSp>
+        <p:nvCxnSpPr>
+          <p:cNvPr id="118" name="Straight Arrow Connector 117">
+            <a:extLst>
+              <a:ext uri="{FF2B5EF4-FFF2-40B4-BE49-F238E27FC236}">
+                <a16:creationId xmlns="" xmlns:a16="http://schemas.microsoft.com/office/drawing/2014/main" id="{39916E2E-195A-4DC8-B025-B05FA87E6796}"/>
+              </a:ext>
+            </a:extLst>
+          </p:cNvPr>
+          <p:cNvCxnSpPr>
+            <a:cxnSpLocks/>
+          </p:cNvCxnSpPr>
+          <p:nvPr/>
+        </p:nvCxnSpPr>
+        <p:spPr>
+          <a:xfrm>
+            <a:off x="2511001" y="1857709"/>
+            <a:ext cx="1416711" cy="0"/>
+          </a:xfrm>
+          <a:prstGeom prst="straightConnector1">
+            <a:avLst/>
+          </a:prstGeom>
+          <a:ln w="19050">
+            <a:solidFill>
+              <a:srgbClr val="0070C0"/>
+            </a:solidFill>
+            <a:tailEnd type="arrow"/>
+          </a:ln>
+        </p:spPr>
+        <p:style>
+          <a:lnRef idx="1">
+            <a:schemeClr val="accent1"/>
+          </a:lnRef>
+          <a:fillRef idx="0">
+            <a:schemeClr val="accent1"/>
+          </a:fillRef>
+          <a:effectRef idx="0">
+            <a:schemeClr val="accent1"/>
+          </a:effectRef>
+          <a:fontRef idx="minor">
+            <a:schemeClr val="tx1"/>
+          </a:fontRef>
+        </p:style>
+      </p:cxnSp>
+      <p:sp>
+        <p:nvSpPr>
+          <p:cNvPr id="135" name="TextBox 134"/>
+          <p:cNvSpPr txBox="1"/>
+          <p:nvPr/>
+        </p:nvSpPr>
+        <p:spPr>
+          <a:xfrm>
+            <a:off x="2923135" y="5561884"/>
+            <a:ext cx="621216" cy="169277"/>
+          </a:xfrm>
+          <a:prstGeom prst="rect">
+            <a:avLst/>
+          </a:prstGeom>
+          <a:noFill/>
+        </p:spPr>
+        <p:txBody>
+          <a:bodyPr wrap="square" lIns="0" tIns="0" rIns="0" bIns="0" rtlCol="0">
+            <a:spAutoFit/>
+          </a:bodyPr>
+          <a:lstStyle>
+            <a:defPPr>
+              <a:defRPr lang="en-US"/>
+            </a:defPPr>
+            <a:lvl1pPr algn="r">
+              <a:defRPr sz="1400">
+                <a:solidFill>
+                  <a:srgbClr val="0070C0"/>
+                </a:solidFill>
+              </a:defRPr>
+            </a:lvl1pPr>
+          </a:lstStyle>
+          <a:p>
+            <a:r>
+              <a:rPr lang="en-US" sz="1100" dirty="0"/>
+              <a:t>result</a:t>
+            </a:r>
+          </a:p>
+        </p:txBody>
+      </p:sp>
+      <p:sp>
+        <p:nvSpPr>
+          <p:cNvPr id="48" name="Rectangle 47"/>
           <p:cNvSpPr/>
           <p:nvPr/>
         </p:nvSpPr>
         <p:spPr>
           <a:xfrm>
-            <a:off x="3948688" y="1857709"/>
-            <a:ext cx="157334" cy="3931151"/>
+            <a:off x="7478156" y="2353696"/>
+            <a:ext cx="181193" cy="219495"/>
           </a:xfrm>
           <a:prstGeom prst="rect">
             <a:avLst/>
           </a:prstGeom>
           <a:solidFill>
-            <a:srgbClr val="0070C0"/>
+            <a:srgbClr val="7030A0"/>
           </a:solidFill>
           <a:ln>
             <a:solidFill>
-              <a:srgbClr val="0070C0"/>
+              <a:srgbClr val="7030A0"/>
             </a:solidFill>
           </a:ln>
           <a:effectLst/>
@@ -9247,204 +10056,14 @@
       </p:sp>
       <p:sp>
         <p:nvSpPr>
-          <p:cNvPr id="111" name="TextBox 110"/>
-          <p:cNvSpPr txBox="1"/>
-          <p:nvPr/>
-        </p:nvSpPr>
-        <p:spPr>
-          <a:xfrm>
-            <a:off x="4597410" y="1799391"/>
-            <a:ext cx="1298078" cy="169277"/>
-          </a:xfrm>
-          <a:prstGeom prst="rect">
-            <a:avLst/>
-          </a:prstGeom>
-          <a:noFill/>
-        </p:spPr>
-        <p:txBody>
-          <a:bodyPr wrap="square" lIns="0" tIns="0" rIns="0" bIns="0" rtlCol="0">
-            <a:spAutoFit/>
-          </a:bodyPr>
-          <a:lstStyle>
-            <a:defPPr>
-              <a:defRPr lang="en-US"/>
-            </a:defPPr>
-            <a:lvl1pPr algn="r">
-              <a:defRPr sz="1400">
-                <a:solidFill>
-                  <a:srgbClr val="0070C0"/>
-                </a:solidFill>
-              </a:defRPr>
-            </a:lvl1pPr>
-          </a:lstStyle>
-          <a:p>
-            <a:pPr algn="l"/>
-            <a:r>
-              <a:rPr lang="en-US" sz="1100" dirty="0" smtClean="0">
-                <a:solidFill>
-                  <a:schemeClr val="accent4">
-                    <a:lumMod val="75000"/>
-                  </a:schemeClr>
-                </a:solidFill>
-              </a:rPr>
-              <a:t>getRestOrRant()</a:t>
-            </a:r>
-            <a:endParaRPr lang="en-US" sz="1100" dirty="0"/>
-          </a:p>
-        </p:txBody>
-      </p:sp>
-      <p:sp>
-        <p:nvSpPr>
-          <p:cNvPr id="116" name="Rectangle 62"/>
+          <p:cNvPr id="51" name="Rectangle 50"/>
           <p:cNvSpPr/>
           <p:nvPr/>
         </p:nvSpPr>
         <p:spPr>
           <a:xfrm>
-            <a:off x="8828093" y="1110503"/>
-            <a:ext cx="841636" cy="351261"/>
-          </a:xfrm>
-          <a:prstGeom prst="rect">
-            <a:avLst/>
-          </a:prstGeom>
-          <a:solidFill>
-            <a:srgbClr val="7030A0"/>
-          </a:solidFill>
-          <a:ln w="19050">
-            <a:solidFill>
-              <a:srgbClr val="7030A0"/>
-            </a:solidFill>
-          </a:ln>
-          <a:effectLst/>
-        </p:spPr>
-        <p:style>
-          <a:lnRef idx="1">
-            <a:schemeClr val="accent2"/>
-          </a:lnRef>
-          <a:fillRef idx="2">
-            <a:schemeClr val="accent2"/>
-          </a:fillRef>
-          <a:effectRef idx="1">
-            <a:schemeClr val="accent2"/>
-          </a:effectRef>
-          <a:fontRef idx="minor">
-            <a:schemeClr val="dk1"/>
-          </a:fontRef>
-        </p:style>
-        <p:txBody>
-          <a:bodyPr rtlCol="0" anchor="ctr"/>
-          <a:lstStyle/>
-          <a:p>
-            <a:pPr algn="ctr"/>
-            <a:r>
-              <a:rPr lang="en-US" sz="1200" dirty="0" smtClean="0">
-                <a:solidFill>
-                  <a:schemeClr val="bg1"/>
-                </a:solidFill>
-              </a:rPr>
-              <a:t>:ReadOnlyTables</a:t>
-            </a:r>
-            <a:endParaRPr lang="en-SG" sz="1200" dirty="0">
-              <a:solidFill>
-                <a:schemeClr val="bg1"/>
-              </a:solidFill>
-            </a:endParaRPr>
-          </a:p>
-        </p:txBody>
-      </p:sp>
-      <p:cxnSp>
-        <p:nvCxnSpPr>
-          <p:cNvPr id="117" name="Straight Connector 116">
-            <a:extLst>
-              <a:ext uri="{FF2B5EF4-FFF2-40B4-BE49-F238E27FC236}">
-                <a16:creationId xmlns:a16="http://schemas.microsoft.com/office/drawing/2014/main" xmlns="" id="{E4E1C8CA-49DF-45D8-80A5-D5C8282EE927}"/>
-              </a:ext>
-            </a:extLst>
-          </p:cNvPr>
-          <p:cNvCxnSpPr>
-            <a:cxnSpLocks/>
-          </p:cNvCxnSpPr>
-          <p:nvPr/>
-        </p:nvCxnSpPr>
-        <p:spPr>
-          <a:xfrm flipH="1">
-            <a:off x="9230648" y="1463895"/>
-            <a:ext cx="4656" cy="3620772"/>
-          </a:xfrm>
-          <a:prstGeom prst="line">
-            <a:avLst/>
-          </a:prstGeom>
-          <a:ln w="19050">
-            <a:solidFill>
-              <a:srgbClr val="7030A0"/>
-            </a:solidFill>
-            <a:prstDash val="sysDash"/>
-          </a:ln>
-          <a:effectLst/>
-        </p:spPr>
-        <p:style>
-          <a:lnRef idx="1">
-            <a:schemeClr val="accent1"/>
-          </a:lnRef>
-          <a:fillRef idx="2">
-            <a:schemeClr val="accent1"/>
-          </a:fillRef>
-          <a:effectRef idx="1">
-            <a:schemeClr val="accent1"/>
-          </a:effectRef>
-          <a:fontRef idx="minor">
-            <a:schemeClr val="dk1"/>
-          </a:fontRef>
-        </p:style>
-      </p:cxnSp>
-      <p:cxnSp>
-        <p:nvCxnSpPr>
-          <p:cNvPr id="124" name="Straight Arrow Connector 123"/>
-          <p:cNvCxnSpPr>
-            <a:cxnSpLocks/>
-          </p:cNvCxnSpPr>
-          <p:nvPr/>
-        </p:nvCxnSpPr>
-        <p:spPr>
-          <a:xfrm flipV="1">
-            <a:off x="7612329" y="2294038"/>
-            <a:ext cx="1538015" cy="3384"/>
-          </a:xfrm>
-          <a:prstGeom prst="straightConnector1">
-            <a:avLst/>
-          </a:prstGeom>
-          <a:ln w="19050">
-            <a:solidFill>
-              <a:srgbClr val="7030A0"/>
-            </a:solidFill>
-            <a:tailEnd type="arrow"/>
-          </a:ln>
-        </p:spPr>
-        <p:style>
-          <a:lnRef idx="1">
-            <a:schemeClr val="accent1"/>
-          </a:lnRef>
-          <a:fillRef idx="0">
-            <a:schemeClr val="accent1"/>
-          </a:fillRef>
-          <a:effectRef idx="0">
-            <a:schemeClr val="accent1"/>
-          </a:effectRef>
-          <a:fontRef idx="minor">
-            <a:schemeClr val="tx1"/>
-          </a:fontRef>
-        </p:style>
-      </p:cxnSp>
-      <p:sp>
-        <p:nvSpPr>
-          <p:cNvPr id="126" name="Rectangle 125"/>
-          <p:cNvSpPr/>
-          <p:nvPr/>
-        </p:nvSpPr>
-        <p:spPr>
-          <a:xfrm>
-            <a:off x="9158230" y="2299554"/>
-            <a:ext cx="152400" cy="254065"/>
+            <a:off x="6407150" y="2043590"/>
+            <a:ext cx="189202" cy="210990"/>
           </a:xfrm>
           <a:prstGeom prst="rect">
             <a:avLst/>
@@ -9484,34 +10103,25 @@
       </p:sp>
       <p:cxnSp>
         <p:nvCxnSpPr>
-          <p:cNvPr id="134" name="Straight Arrow Connector 133">
-            <a:extLst>
-              <a:ext uri="{FF2B5EF4-FFF2-40B4-BE49-F238E27FC236}">
-                <a16:creationId xmlns:a16="http://schemas.microsoft.com/office/drawing/2014/main" xmlns="" id="{7C9F21BC-13A9-471F-825A-2621FD36355F}"/>
-              </a:ext>
-            </a:extLst>
-          </p:cNvPr>
+          <p:cNvPr id="53" name="Straight Arrow Connector 52"/>
           <p:cNvCxnSpPr>
             <a:cxnSpLocks/>
-            <a:endCxn id="86" idx="2"/>
           </p:cNvCxnSpPr>
           <p:nvPr/>
         </p:nvCxnSpPr>
         <p:spPr>
           <a:xfrm>
-            <a:off x="6565122" y="2673122"/>
-            <a:ext cx="979137" cy="4676"/>
+            <a:off x="4132031" y="2043589"/>
+            <a:ext cx="2275119" cy="0"/>
           </a:xfrm>
           <a:prstGeom prst="straightConnector1">
             <a:avLst/>
           </a:prstGeom>
           <a:ln w="19050">
             <a:solidFill>
-              <a:srgbClr val="7030A0"/>
+              <a:srgbClr val="0070C0"/>
             </a:solidFill>
-            <a:prstDash val="sysDash"/>
-            <a:headEnd type="arrow" w="med" len="med"/>
-            <a:tailEnd type="none" w="med" len="med"/>
+            <a:tailEnd type="arrow"/>
           </a:ln>
         </p:spPr>
         <p:style>
@@ -9531,10 +10141,10 @@
       </p:cxnSp>
       <p:sp>
         <p:nvSpPr>
-          <p:cNvPr id="136" name="TextBox 135">
+          <p:cNvPr id="54" name="TextBox 53">
             <a:extLst>
               <a:ext uri="{FF2B5EF4-FFF2-40B4-BE49-F238E27FC236}">
-                <a16:creationId xmlns:a16="http://schemas.microsoft.com/office/drawing/2014/main" xmlns="" id="{B85C6184-7378-4E89-A338-72B1E5056F4F}"/>
+                <a16:creationId xmlns="" xmlns:a16="http://schemas.microsoft.com/office/drawing/2014/main" id="{B85C6184-7378-4E89-A338-72B1E5056F4F}"/>
               </a:ext>
             </a:extLst>
           </p:cNvPr>
@@ -9543,8 +10153,8 @@
         </p:nvSpPr>
         <p:spPr>
           <a:xfrm>
-            <a:off x="4839041" y="2592080"/>
-            <a:ext cx="1103671" cy="169277"/>
+            <a:off x="7739653" y="2479061"/>
+            <a:ext cx="1576367" cy="169277"/>
           </a:xfrm>
           <a:prstGeom prst="rect">
             <a:avLst/>
@@ -9568,37 +10178,193 @@
             </a:lvl1pPr>
           </a:lstStyle>
           <a:p>
+            <a:r>
+              <a:rPr lang="en-US" sz="1100" dirty="0" smtClean="0">
+                <a:solidFill>
+                  <a:srgbClr val="7030A0"/>
+                </a:solidFill>
+              </a:rPr>
+              <a:t>getTableFromNumber(</a:t>
+            </a:r>
+            <a:r>
+              <a:rPr lang="en-US" sz="1100" i="1" dirty="0" smtClean="0">
+                <a:solidFill>
+                  <a:srgbClr val="7030A0"/>
+                </a:solidFill>
+              </a:rPr>
+              <a:t>3</a:t>
+            </a:r>
+            <a:r>
+              <a:rPr lang="en-US" sz="1100" dirty="0" smtClean="0">
+                <a:solidFill>
+                  <a:srgbClr val="7030A0"/>
+                </a:solidFill>
+              </a:rPr>
+              <a:t>)</a:t>
+            </a:r>
+            <a:endParaRPr lang="en-US" sz="1100" dirty="0"/>
+          </a:p>
+        </p:txBody>
+      </p:sp>
+      <p:sp>
+        <p:nvSpPr>
+          <p:cNvPr id="55" name="TextBox 54"/>
+          <p:cNvSpPr txBox="1"/>
+          <p:nvPr/>
+        </p:nvSpPr>
+        <p:spPr>
+          <a:xfrm>
+            <a:off x="6534627" y="2133600"/>
+            <a:ext cx="837100" cy="169277"/>
+          </a:xfrm>
+          <a:prstGeom prst="rect">
+            <a:avLst/>
+          </a:prstGeom>
+          <a:noFill/>
+          <a:ln>
+            <a:noFill/>
+          </a:ln>
+        </p:spPr>
+        <p:txBody>
+          <a:bodyPr wrap="square" lIns="0" tIns="0" rIns="0" bIns="0" rtlCol="0">
+            <a:spAutoFit/>
+          </a:bodyPr>
+          <a:lstStyle>
+            <a:defPPr>
+              <a:defRPr lang="en-US"/>
+            </a:defPPr>
+            <a:lvl1pPr algn="r">
+              <a:defRPr sz="1400">
+                <a:solidFill>
+                  <a:srgbClr val="0070C0"/>
+                </a:solidFill>
+              </a:defRPr>
+            </a:lvl1pPr>
+          </a:lstStyle>
+          <a:p>
+            <a:r>
+              <a:rPr lang="en-US" sz="1100" dirty="0" smtClean="0">
+                <a:solidFill>
+                  <a:srgbClr val="7030A0"/>
+                </a:solidFill>
+              </a:rPr>
+              <a:t>getTables()</a:t>
+            </a:r>
+            <a:endParaRPr lang="en-US" sz="1100" dirty="0">
+              <a:solidFill>
+                <a:schemeClr val="accent4">
+                  <a:lumMod val="75000"/>
+                </a:schemeClr>
+              </a:solidFill>
+            </a:endParaRPr>
+          </a:p>
+        </p:txBody>
+      </p:sp>
+      <p:cxnSp>
+        <p:nvCxnSpPr>
+          <p:cNvPr id="57" name="Straight Arrow Connector 56">
+            <a:extLst>
+              <a:ext uri="{FF2B5EF4-FFF2-40B4-BE49-F238E27FC236}">
+                <a16:creationId xmlns="" xmlns:a16="http://schemas.microsoft.com/office/drawing/2014/main" id="{7C9F21BC-13A9-471F-825A-2621FD36355F}"/>
+              </a:ext>
+            </a:extLst>
+          </p:cNvPr>
+          <p:cNvCxnSpPr>
+            <a:cxnSpLocks/>
+            <a:endCxn id="59" idx="2"/>
+          </p:cNvCxnSpPr>
+          <p:nvPr/>
+        </p:nvCxnSpPr>
+        <p:spPr>
+          <a:xfrm>
+            <a:off x="4107696" y="2912572"/>
+            <a:ext cx="5366948" cy="454"/>
+          </a:xfrm>
+          <a:prstGeom prst="straightConnector1">
+            <a:avLst/>
+          </a:prstGeom>
+          <a:ln w="19050">
+            <a:solidFill>
+              <a:srgbClr val="7030A0"/>
+            </a:solidFill>
+            <a:prstDash val="sysDash"/>
+            <a:headEnd type="arrow" w="med" len="med"/>
+            <a:tailEnd type="none" w="med" len="med"/>
+          </a:ln>
+        </p:spPr>
+        <p:style>
+          <a:lnRef idx="1">
+            <a:schemeClr val="accent1"/>
+          </a:lnRef>
+          <a:fillRef idx="0">
+            <a:schemeClr val="accent1"/>
+          </a:fillRef>
+          <a:effectRef idx="0">
+            <a:schemeClr val="accent1"/>
+          </a:effectRef>
+          <a:fontRef idx="minor">
+            <a:schemeClr val="tx1"/>
+          </a:fontRef>
+        </p:style>
+      </p:cxnSp>
+      <p:sp>
+        <p:nvSpPr>
+          <p:cNvPr id="58" name="TextBox 57"/>
+          <p:cNvSpPr txBox="1"/>
+          <p:nvPr/>
+        </p:nvSpPr>
+        <p:spPr>
+          <a:xfrm>
+            <a:off x="4599084" y="1828800"/>
+            <a:ext cx="1298078" cy="169277"/>
+          </a:xfrm>
+          <a:prstGeom prst="rect">
+            <a:avLst/>
+          </a:prstGeom>
+          <a:noFill/>
+        </p:spPr>
+        <p:txBody>
+          <a:bodyPr wrap="square" lIns="0" tIns="0" rIns="0" bIns="0" rtlCol="0">
+            <a:spAutoFit/>
+          </a:bodyPr>
+          <a:lstStyle>
+            <a:defPPr>
+              <a:defRPr lang="en-US"/>
+            </a:defPPr>
+            <a:lvl1pPr algn="r">
+              <a:defRPr sz="1400">
+                <a:solidFill>
+                  <a:srgbClr val="0070C0"/>
+                </a:solidFill>
+              </a:defRPr>
+            </a:lvl1pPr>
+          </a:lstStyle>
+          <a:p>
             <a:pPr algn="l"/>
             <a:r>
-              <a:rPr lang="en-US" sz="1100" i="1" dirty="0">
-                <a:solidFill>
-                  <a:srgbClr val="7030A0"/>
+              <a:rPr lang="en-US" sz="1100" dirty="0" smtClean="0">
+                <a:solidFill>
+                  <a:schemeClr val="accent4">
+                    <a:lumMod val="75000"/>
+                  </a:schemeClr>
                 </a:solidFill>
               </a:rPr>
-              <a:t>t</a:t>
-            </a:r>
-            <a:r>
-              <a:rPr lang="en-US" sz="1100" i="1" dirty="0" smtClean="0">
-                <a:solidFill>
-                  <a:srgbClr val="7030A0"/>
-                </a:solidFill>
-              </a:rPr>
-              <a:t>able 3</a:t>
-            </a:r>
-            <a:endParaRPr lang="en-US" sz="1100" i="1" dirty="0"/>
-          </a:p>
-        </p:txBody>
-      </p:sp>
-      <p:sp>
-        <p:nvSpPr>
-          <p:cNvPr id="144" name="Rectangle 143"/>
+              <a:t>getRestOrRant()</a:t>
+            </a:r>
+            <a:endParaRPr lang="en-US" sz="1100" dirty="0"/>
+          </a:p>
+        </p:txBody>
+      </p:sp>
+      <p:sp>
+        <p:nvSpPr>
+          <p:cNvPr id="59" name="Rectangle 58"/>
           <p:cNvSpPr/>
           <p:nvPr/>
         </p:nvSpPr>
         <p:spPr>
           <a:xfrm>
-            <a:off x="6428515" y="3248006"/>
-            <a:ext cx="145857" cy="185175"/>
+            <a:off x="9397049" y="2733455"/>
+            <a:ext cx="155190" cy="179571"/>
           </a:xfrm>
           <a:prstGeom prst="rect">
             <a:avLst/>
@@ -9638,61 +10404,22 @@
       </p:sp>
       <p:cxnSp>
         <p:nvCxnSpPr>
-          <p:cNvPr id="145" name="Straight Arrow Connector 144"/>
-          <p:cNvCxnSpPr>
-            <a:cxnSpLocks/>
-          </p:cNvCxnSpPr>
-          <p:nvPr/>
-        </p:nvCxnSpPr>
-        <p:spPr>
-          <a:xfrm flipV="1">
-            <a:off x="4097298" y="3267903"/>
-            <a:ext cx="2360081" cy="0"/>
-          </a:xfrm>
-          <a:prstGeom prst="straightConnector1">
-            <a:avLst/>
-          </a:prstGeom>
-          <a:ln w="19050">
-            <a:solidFill>
-              <a:srgbClr val="0070C0"/>
-            </a:solidFill>
-            <a:tailEnd type="arrow"/>
-          </a:ln>
-        </p:spPr>
-        <p:style>
-          <a:lnRef idx="1">
-            <a:schemeClr val="accent1"/>
-          </a:lnRef>
-          <a:fillRef idx="0">
-            <a:schemeClr val="accent1"/>
-          </a:fillRef>
-          <a:effectRef idx="0">
-            <a:schemeClr val="accent1"/>
-          </a:effectRef>
-          <a:fontRef idx="minor">
-            <a:schemeClr val="tx1"/>
-          </a:fontRef>
-        </p:style>
-      </p:cxnSp>
-      <p:cxnSp>
-        <p:nvCxnSpPr>
-          <p:cNvPr id="146" name="Straight Arrow Connector 145">
+          <p:cNvPr id="61" name="Straight Arrow Connector 60">
             <a:extLst>
               <a:ext uri="{FF2B5EF4-FFF2-40B4-BE49-F238E27FC236}">
-                <a16:creationId xmlns:a16="http://schemas.microsoft.com/office/drawing/2014/main" xmlns="" id="{7C9F21BC-13A9-471F-825A-2621FD36355F}"/>
+                <a16:creationId xmlns="" xmlns:a16="http://schemas.microsoft.com/office/drawing/2014/main" id="{7C9F21BC-13A9-471F-825A-2621FD36355F}"/>
               </a:ext>
             </a:extLst>
           </p:cNvPr>
           <p:cNvCxnSpPr>
             <a:cxnSpLocks/>
-            <a:endCxn id="144" idx="2"/>
           </p:cNvCxnSpPr>
           <p:nvPr/>
         </p:nvCxnSpPr>
         <p:spPr>
-          <a:xfrm>
-            <a:off x="4093453" y="3433181"/>
-            <a:ext cx="2407991" cy="0"/>
+          <a:xfrm flipV="1">
+            <a:off x="4116997" y="2573191"/>
+            <a:ext cx="3343615" cy="0"/>
           </a:xfrm>
           <a:prstGeom prst="straightConnector1">
             <a:avLst/>
@@ -9723,14 +10450,20 @@
       </p:cxnSp>
       <p:sp>
         <p:nvSpPr>
-          <p:cNvPr id="147" name="TextBox 146"/>
+          <p:cNvPr id="62" name="TextBox 61">
+            <a:extLst>
+              <a:ext uri="{FF2B5EF4-FFF2-40B4-BE49-F238E27FC236}">
+                <a16:creationId xmlns="" xmlns:a16="http://schemas.microsoft.com/office/drawing/2014/main" id="{B85C6184-7378-4E89-A338-72B1E5056F4F}"/>
+              </a:ext>
+            </a:extLst>
+          </p:cNvPr>
           <p:cNvSpPr txBox="1"/>
           <p:nvPr/>
         </p:nvSpPr>
         <p:spPr>
           <a:xfrm>
-            <a:off x="4271639" y="3640723"/>
-            <a:ext cx="2044944" cy="169277"/>
+            <a:off x="4953813" y="2733455"/>
+            <a:ext cx="1103671" cy="169277"/>
           </a:xfrm>
           <a:prstGeom prst="rect">
             <a:avLst/>
@@ -9756,120 +10489,31 @@
           <a:p>
             <a:pPr algn="l"/>
             <a:r>
-              <a:rPr lang="en-US" sz="1100" smtClean="0">
-                <a:solidFill>
-                  <a:schemeClr val="accent4">
-                    <a:lumMod val="75000"/>
-                  </a:schemeClr>
+              <a:rPr lang="en-US" sz="1100" i="1" dirty="0">
+                <a:solidFill>
+                  <a:srgbClr val="7030A0"/>
                 </a:solidFill>
               </a:rPr>
-              <a:t>updateFilteredOrderItemList</a:t>
-            </a:r>
-            <a:r>
-              <a:rPr lang="en-US" sz="1100" dirty="0" smtClean="0">
-                <a:solidFill>
-                  <a:schemeClr val="accent4">
-                    <a:lumMod val="75000"/>
-                  </a:schemeClr>
+              <a:t>t</a:t>
+            </a:r>
+            <a:r>
+              <a:rPr lang="en-US" sz="1100" i="1" dirty="0" smtClean="0">
+                <a:solidFill>
+                  <a:srgbClr val="7030A0"/>
                 </a:solidFill>
               </a:rPr>
-              <a:t>()</a:t>
-            </a:r>
-            <a:endParaRPr lang="en-US" sz="1100" dirty="0"/>
-          </a:p>
-        </p:txBody>
-      </p:sp>
-      <p:sp>
-        <p:nvSpPr>
-          <p:cNvPr id="148" name="Rectangle 147"/>
-          <p:cNvSpPr/>
-          <p:nvPr/>
-        </p:nvSpPr>
-        <p:spPr>
-          <a:xfrm>
-            <a:off x="6421179" y="3850991"/>
-            <a:ext cx="153193" cy="194286"/>
-          </a:xfrm>
-          <a:prstGeom prst="rect">
-            <a:avLst/>
-          </a:prstGeom>
-          <a:solidFill>
-            <a:srgbClr val="7030A0"/>
-          </a:solidFill>
-          <a:ln>
-            <a:solidFill>
-              <a:srgbClr val="7030A0"/>
-            </a:solidFill>
-          </a:ln>
-          <a:effectLst/>
-        </p:spPr>
-        <p:style>
-          <a:lnRef idx="1">
-            <a:schemeClr val="accent3"/>
-          </a:lnRef>
-          <a:fillRef idx="2">
-            <a:schemeClr val="accent3"/>
-          </a:fillRef>
-          <a:effectRef idx="1">
-            <a:schemeClr val="accent3"/>
-          </a:effectRef>
-          <a:fontRef idx="minor">
-            <a:schemeClr val="dk1"/>
-          </a:fontRef>
-        </p:style>
-        <p:txBody>
-          <a:bodyPr rtlCol="0" anchor="ctr"/>
-          <a:lstStyle/>
-          <a:p>
-            <a:pPr algn="ctr"/>
-            <a:endParaRPr lang="en-SG" sz="1400"/>
+              <a:t>able 3</a:t>
+            </a:r>
+            <a:endParaRPr lang="en-US" sz="1100" i="1" dirty="0"/>
           </a:p>
         </p:txBody>
       </p:sp>
       <p:cxnSp>
         <p:nvCxnSpPr>
-          <p:cNvPr id="149" name="Straight Arrow Connector 148"/>
-          <p:cNvCxnSpPr>
-            <a:cxnSpLocks/>
-          </p:cNvCxnSpPr>
-          <p:nvPr/>
-        </p:nvCxnSpPr>
-        <p:spPr>
-          <a:xfrm flipV="1">
-            <a:off x="4115323" y="3853295"/>
-            <a:ext cx="2290821" cy="409"/>
-          </a:xfrm>
-          <a:prstGeom prst="straightConnector1">
-            <a:avLst/>
-          </a:prstGeom>
-          <a:ln w="19050">
-            <a:solidFill>
-              <a:srgbClr val="0070C0"/>
-            </a:solidFill>
-            <a:tailEnd type="arrow"/>
-          </a:ln>
-        </p:spPr>
-        <p:style>
-          <a:lnRef idx="1">
-            <a:schemeClr val="accent1"/>
-          </a:lnRef>
-          <a:fillRef idx="0">
-            <a:schemeClr val="accent1"/>
-          </a:fillRef>
-          <a:effectRef idx="0">
-            <a:schemeClr val="accent1"/>
-          </a:effectRef>
-          <a:fontRef idx="minor">
-            <a:schemeClr val="tx1"/>
-          </a:fontRef>
-        </p:style>
-      </p:cxnSp>
-      <p:cxnSp>
-        <p:nvCxnSpPr>
-          <p:cNvPr id="150" name="Straight Arrow Connector 149">
+          <p:cNvPr id="64" name="Straight Arrow Connector 63">
             <a:extLst>
               <a:ext uri="{FF2B5EF4-FFF2-40B4-BE49-F238E27FC236}">
-                <a16:creationId xmlns:a16="http://schemas.microsoft.com/office/drawing/2014/main" xmlns="" id="{7C9F21BC-13A9-471F-825A-2621FD36355F}"/>
+                <a16:creationId xmlns="" xmlns:a16="http://schemas.microsoft.com/office/drawing/2014/main" id="{7C9F21BC-13A9-471F-825A-2621FD36355F}"/>
               </a:ext>
             </a:extLst>
           </p:cNvPr>
@@ -9880,8 +10524,8 @@
         </p:nvCxnSpPr>
         <p:spPr>
           <a:xfrm>
-            <a:off x="4078177" y="4045277"/>
-            <a:ext cx="2327299" cy="0"/>
+            <a:off x="4107696" y="2254580"/>
+            <a:ext cx="2393815" cy="0"/>
           </a:xfrm>
           <a:prstGeom prst="straightConnector1">
             <a:avLst/>
@@ -9912,14 +10556,20 @@
       </p:cxnSp>
       <p:sp>
         <p:nvSpPr>
-          <p:cNvPr id="170" name="TextBox 169"/>
+          <p:cNvPr id="65" name="TextBox 64">
+            <a:extLst>
+              <a:ext uri="{FF2B5EF4-FFF2-40B4-BE49-F238E27FC236}">
+                <a16:creationId xmlns="" xmlns:a16="http://schemas.microsoft.com/office/drawing/2014/main" id="{B85C6184-7378-4E89-A338-72B1E5056F4F}"/>
+              </a:ext>
+            </a:extLst>
+          </p:cNvPr>
           <p:cNvSpPr txBox="1"/>
           <p:nvPr/>
         </p:nvSpPr>
         <p:spPr>
           <a:xfrm>
-            <a:off x="4018481" y="4268610"/>
-            <a:ext cx="769778" cy="507831"/>
+            <a:off x="4972656" y="2057400"/>
+            <a:ext cx="1103671" cy="169277"/>
           </a:xfrm>
           <a:prstGeom prst="rect">
             <a:avLst/>
@@ -9943,184 +10593,31 @@
             </a:lvl1pPr>
           </a:lstStyle>
           <a:p>
-            <a:r>
-              <a:rPr lang="en-US" sz="1100" dirty="0"/>
-              <a:t>g</a:t>
-            </a:r>
-            <a:r>
-              <a:rPr lang="en-US" sz="1100" dirty="0" smtClean="0"/>
-              <a:t>enerate</a:t>
-            </a:r>
-            <a:r>
-              <a:rPr lang="en-US" sz="1100" smtClean="0"/>
-              <a:t/>
-            </a:r>
-            <a:br>
-              <a:rPr lang="en-US" sz="1100" smtClean="0"/>
-            </a:br>
-            <a:r>
-              <a:rPr lang="en-US" sz="1100" smtClean="0"/>
-              <a:t>Command</a:t>
-            </a:r>
-            <a:br>
-              <a:rPr lang="en-US" sz="1100" smtClean="0"/>
-            </a:br>
-            <a:r>
-              <a:rPr lang="en-US" sz="1100" smtClean="0"/>
-              <a:t>Result</a:t>
-            </a:r>
-            <a:r>
-              <a:rPr lang="en-US" sz="1100" dirty="0" smtClean="0"/>
-              <a:t>()</a:t>
-            </a:r>
-            <a:endParaRPr lang="en-US" sz="1100" dirty="0"/>
+            <a:pPr algn="l"/>
+            <a:r>
+              <a:rPr lang="en-US" sz="1100" i="1" dirty="0" smtClean="0">
+                <a:solidFill>
+                  <a:srgbClr val="7030A0"/>
+                </a:solidFill>
+              </a:rPr>
+              <a:t>ror</a:t>
+            </a:r>
+            <a:endParaRPr lang="en-US" sz="1100" i="1" dirty="0"/>
           </a:p>
         </p:txBody>
       </p:sp>
       <p:cxnSp>
         <p:nvCxnSpPr>
-          <p:cNvPr id="92" name="Curved Connector 91"/>
-          <p:cNvCxnSpPr/>
+          <p:cNvPr id="66" name="Straight Arrow Connector 65"/>
+          <p:cNvCxnSpPr>
+            <a:cxnSpLocks/>
+          </p:cNvCxnSpPr>
           <p:nvPr/>
         </p:nvCxnSpPr>
         <p:spPr>
-          <a:xfrm rot="16200000" flipH="1">
-            <a:off x="3961615" y="5538941"/>
-            <a:ext cx="156923" cy="76200"/>
-          </a:xfrm>
-          <a:prstGeom prst="curvedConnector4">
-            <a:avLst>
-              <a:gd name="adj1" fmla="val -1"/>
-              <a:gd name="adj2" fmla="val 434948"/>
-            </a:avLst>
-          </a:prstGeom>
-          <a:ln w="19050">
-            <a:solidFill>
-              <a:srgbClr val="0070C0"/>
-            </a:solidFill>
-            <a:prstDash val="sysDash"/>
-            <a:tailEnd type="triangle"/>
-          </a:ln>
-        </p:spPr>
-        <p:style>
-          <a:lnRef idx="1">
-            <a:schemeClr val="accent1"/>
-          </a:lnRef>
-          <a:fillRef idx="0">
-            <a:schemeClr val="accent1"/>
-          </a:fillRef>
-          <a:effectRef idx="0">
-            <a:schemeClr val="accent1"/>
-          </a:effectRef>
-          <a:fontRef idx="minor">
-            <a:schemeClr val="tx1"/>
-          </a:fontRef>
-        </p:style>
-      </p:cxnSp>
-      <p:sp>
-        <p:nvSpPr>
-          <p:cNvPr id="96" name="Rectangle 95"/>
-          <p:cNvSpPr/>
-          <p:nvPr/>
-        </p:nvSpPr>
-        <p:spPr>
-          <a:xfrm>
-            <a:off x="4033389" y="4913752"/>
-            <a:ext cx="130260" cy="586547"/>
-          </a:xfrm>
-          <a:prstGeom prst="rect">
-            <a:avLst/>
-          </a:prstGeom>
-          <a:solidFill>
-            <a:srgbClr val="0070C0"/>
-          </a:solidFill>
-          <a:ln w="12700">
-            <a:solidFill>
-              <a:schemeClr val="bg1"/>
-            </a:solidFill>
-          </a:ln>
-          <a:effectLst/>
-        </p:spPr>
-        <p:style>
-          <a:lnRef idx="1">
-            <a:schemeClr val="accent3"/>
-          </a:lnRef>
-          <a:fillRef idx="2">
-            <a:schemeClr val="accent3"/>
-          </a:fillRef>
-          <a:effectRef idx="1">
-            <a:schemeClr val="accent3"/>
-          </a:effectRef>
-          <a:fontRef idx="minor">
-            <a:schemeClr val="dk1"/>
-          </a:fontRef>
-        </p:style>
-        <p:txBody>
-          <a:bodyPr rtlCol="0" anchor="ctr"/>
-          <a:lstStyle/>
-          <a:p>
-            <a:pPr algn="ctr"/>
-            <a:endParaRPr lang="en-SG" sz="1400"/>
-          </a:p>
-        </p:txBody>
-      </p:sp>
-      <p:sp>
-        <p:nvSpPr>
-          <p:cNvPr id="97" name="Rectangle 96"/>
-          <p:cNvSpPr/>
-          <p:nvPr/>
-        </p:nvSpPr>
-        <p:spPr>
-          <a:xfrm>
-            <a:off x="4947188" y="5198747"/>
-            <a:ext cx="148170" cy="135499"/>
-          </a:xfrm>
-          <a:prstGeom prst="rect">
-            <a:avLst/>
-          </a:prstGeom>
-          <a:solidFill>
-            <a:srgbClr val="0070C0"/>
-          </a:solidFill>
-          <a:ln>
-            <a:solidFill>
-              <a:srgbClr val="0070C0"/>
-            </a:solidFill>
-          </a:ln>
-          <a:effectLst/>
-        </p:spPr>
-        <p:style>
-          <a:lnRef idx="1">
-            <a:schemeClr val="accent3"/>
-          </a:lnRef>
-          <a:fillRef idx="2">
-            <a:schemeClr val="accent3"/>
-          </a:fillRef>
-          <a:effectRef idx="1">
-            <a:schemeClr val="accent3"/>
-          </a:effectRef>
-          <a:fontRef idx="minor">
-            <a:schemeClr val="dk1"/>
-          </a:fontRef>
-        </p:style>
-        <p:txBody>
-          <a:bodyPr rtlCol="0" anchor="ctr"/>
-          <a:lstStyle/>
-          <a:p>
-            <a:pPr algn="ctr"/>
-            <a:endParaRPr lang="en-SG" sz="1400"/>
-          </a:p>
-        </p:txBody>
-      </p:sp>
-      <p:cxnSp>
-        <p:nvCxnSpPr>
-          <p:cNvPr id="98" name="Straight Arrow Connector 97"/>
-          <p:cNvCxnSpPr/>
-          <p:nvPr/>
-        </p:nvCxnSpPr>
-        <p:spPr>
           <a:xfrm flipV="1">
-            <a:off x="4150465" y="5035675"/>
-            <a:ext cx="261909" cy="0"/>
+            <a:off x="4132030" y="2362200"/>
+            <a:ext cx="3346127" cy="0"/>
           </a:xfrm>
           <a:prstGeom prst="straightConnector1">
             <a:avLst/>
@@ -10149,14 +10646,16 @@
       </p:cxnSp>
       <p:cxnSp>
         <p:nvCxnSpPr>
-          <p:cNvPr id="99" name="Straight Arrow Connector 98"/>
-          <p:cNvCxnSpPr/>
+          <p:cNvPr id="67" name="Straight Arrow Connector 66"/>
+          <p:cNvCxnSpPr>
+            <a:cxnSpLocks/>
+          </p:cNvCxnSpPr>
           <p:nvPr/>
         </p:nvCxnSpPr>
         <p:spPr>
-          <a:xfrm flipV="1">
-            <a:off x="4150465" y="5334246"/>
-            <a:ext cx="932859" cy="0"/>
+          <a:xfrm>
+            <a:off x="4121958" y="2733455"/>
+            <a:ext cx="5275091" cy="0"/>
           </a:xfrm>
           <a:prstGeom prst="straightConnector1">
             <a:avLst/>
@@ -10165,9 +10664,7 @@
             <a:solidFill>
               <a:srgbClr val="0070C0"/>
             </a:solidFill>
-            <a:prstDash val="sysDash"/>
-            <a:headEnd type="arrow" w="med" len="med"/>
-            <a:tailEnd type="none" w="med" len="med"/>
+            <a:tailEnd type="arrow"/>
           </a:ln>
         </p:spPr>
         <p:style>
@@ -10185,153 +10682,22 @@
           </a:fontRef>
         </p:style>
       </p:cxnSp>
-      <p:cxnSp>
-        <p:nvCxnSpPr>
-          <p:cNvPr id="102" name="Straight Connector 101"/>
-          <p:cNvCxnSpPr>
-            <a:cxnSpLocks/>
-          </p:cNvCxnSpPr>
-          <p:nvPr/>
-        </p:nvCxnSpPr>
-        <p:spPr>
-          <a:xfrm>
-            <a:off x="5021273" y="4969872"/>
-            <a:ext cx="0" cy="818988"/>
-          </a:xfrm>
-          <a:prstGeom prst="line">
-            <a:avLst/>
-          </a:prstGeom>
-          <a:ln w="19050">
-            <a:solidFill>
-              <a:srgbClr val="0070C0"/>
-            </a:solidFill>
-            <a:prstDash val="sysDash"/>
-          </a:ln>
-          <a:effectLst/>
-        </p:spPr>
-        <p:style>
-          <a:lnRef idx="1">
-            <a:schemeClr val="accent1"/>
-          </a:lnRef>
-          <a:fillRef idx="2">
-            <a:schemeClr val="accent1"/>
-          </a:fillRef>
-          <a:effectRef idx="1">
-            <a:schemeClr val="accent1"/>
-          </a:effectRef>
-          <a:fontRef idx="minor">
-            <a:schemeClr val="dk1"/>
-          </a:fontRef>
-        </p:style>
-      </p:cxnSp>
-      <p:sp>
-        <p:nvSpPr>
-          <p:cNvPr id="104" name="Rectangle 62"/>
-          <p:cNvSpPr/>
-          <p:nvPr/>
-        </p:nvSpPr>
-        <p:spPr>
-          <a:xfrm>
-            <a:off x="4412374" y="4851057"/>
-            <a:ext cx="1286425" cy="369236"/>
-          </a:xfrm>
-          <a:prstGeom prst="rect">
-            <a:avLst/>
-          </a:prstGeom>
-          <a:solidFill>
-            <a:srgbClr val="0070C0"/>
-          </a:solidFill>
-          <a:ln w="19050">
-            <a:solidFill>
-              <a:srgbClr val="0070C0"/>
-            </a:solidFill>
-          </a:ln>
-          <a:effectLst/>
-        </p:spPr>
-        <p:style>
-          <a:lnRef idx="1">
-            <a:schemeClr val="accent2"/>
-          </a:lnRef>
-          <a:fillRef idx="2">
-            <a:schemeClr val="accent2"/>
-          </a:fillRef>
-          <a:effectRef idx="1">
-            <a:schemeClr val="accent2"/>
-          </a:effectRef>
-          <a:fontRef idx="minor">
-            <a:schemeClr val="dk1"/>
-          </a:fontRef>
-        </p:style>
-        <p:txBody>
-          <a:bodyPr rtlCol="0" anchor="ctr"/>
-          <a:lstStyle/>
-          <a:p>
-            <a:pPr algn="ctr"/>
-            <a:r>
-              <a:rPr lang="en-US" sz="1200" dirty="0" smtClean="0">
-                <a:solidFill>
-                  <a:schemeClr val="bg1"/>
-                </a:solidFill>
-              </a:rPr>
-              <a:t>result:CommandResult</a:t>
-            </a:r>
-            <a:endParaRPr lang="en-SG" sz="1200" dirty="0">
-              <a:solidFill>
-                <a:schemeClr val="bg1"/>
-              </a:solidFill>
-            </a:endParaRPr>
-          </a:p>
-        </p:txBody>
-      </p:sp>
-      <p:cxnSp>
-        <p:nvCxnSpPr>
-          <p:cNvPr id="105" name="Curved Connector 104"/>
-          <p:cNvCxnSpPr/>
-          <p:nvPr/>
-        </p:nvCxnSpPr>
-        <p:spPr>
-          <a:xfrm rot="16200000" flipH="1">
-            <a:off x="3979547" y="4781578"/>
-            <a:ext cx="156923" cy="76200"/>
-          </a:xfrm>
-          <a:prstGeom prst="curvedConnector4">
-            <a:avLst>
-              <a:gd name="adj1" fmla="val -1"/>
-              <a:gd name="adj2" fmla="val 337387"/>
-            </a:avLst>
-          </a:prstGeom>
-          <a:ln w="19050">
-            <a:solidFill>
-              <a:srgbClr val="0070C0"/>
-            </a:solidFill>
-            <a:tailEnd type="triangle"/>
-          </a:ln>
-        </p:spPr>
-        <p:style>
-          <a:lnRef idx="1">
-            <a:schemeClr val="accent1"/>
-          </a:lnRef>
-          <a:fillRef idx="0">
-            <a:schemeClr val="accent1"/>
-          </a:fillRef>
-          <a:effectRef idx="0">
-            <a:schemeClr val="accent1"/>
-          </a:effectRef>
-          <a:fontRef idx="minor">
-            <a:schemeClr val="tx1"/>
-          </a:fontRef>
-        </p:style>
-      </p:cxnSp>
-      <p:sp>
-        <p:nvSpPr>
-          <p:cNvPr id="107" name="TextBox 106"/>
+      <p:sp>
+        <p:nvSpPr>
+          <p:cNvPr id="68" name="TextBox 67">
+            <a:extLst>
+              <a:ext uri="{FF2B5EF4-FFF2-40B4-BE49-F238E27FC236}">
+                <a16:creationId xmlns="" xmlns:a16="http://schemas.microsoft.com/office/drawing/2014/main" id="{B85C6184-7378-4E89-A338-72B1E5056F4F}"/>
+              </a:ext>
+            </a:extLst>
+          </p:cNvPr>
           <p:cNvSpPr txBox="1"/>
           <p:nvPr/>
         </p:nvSpPr>
         <p:spPr>
           <a:xfrm>
-            <a:off x="3960860" y="5608869"/>
-            <a:ext cx="621216" cy="169277"/>
+            <a:off x="4953812" y="2403914"/>
+            <a:ext cx="1103671" cy="169277"/>
           </a:xfrm>
           <a:prstGeom prst="rect">
             <a:avLst/>
@@ -10355,134 +10721,16 @@
             </a:lvl1pPr>
           </a:lstStyle>
           <a:p>
-            <a:r>
-              <a:rPr lang="en-US" sz="1100" dirty="0"/>
-              <a:t>result</a:t>
-            </a:r>
-          </a:p>
-        </p:txBody>
-      </p:sp>
-      <p:sp>
-        <p:nvSpPr>
-          <p:cNvPr id="115" name="TextBox 114"/>
-          <p:cNvSpPr txBox="1"/>
-          <p:nvPr/>
-        </p:nvSpPr>
-        <p:spPr>
-          <a:xfrm>
-            <a:off x="2689531" y="1656343"/>
-            <a:ext cx="855809" cy="169277"/>
-          </a:xfrm>
-          <a:prstGeom prst="rect">
-            <a:avLst/>
-          </a:prstGeom>
-          <a:noFill/>
-        </p:spPr>
-        <p:txBody>
-          <a:bodyPr wrap="square" lIns="0" tIns="0" rIns="0" bIns="0" rtlCol="0">
-            <a:spAutoFit/>
-          </a:bodyPr>
-          <a:lstStyle>
-            <a:defPPr>
-              <a:defRPr lang="en-US"/>
-            </a:defPPr>
-            <a:lvl1pPr algn="r">
-              <a:defRPr sz="1400">
-                <a:solidFill>
-                  <a:srgbClr val="0070C0"/>
-                </a:solidFill>
-              </a:defRPr>
-            </a:lvl1pPr>
-          </a:lstStyle>
-          <a:p>
-            <a:r>
-              <a:rPr lang="en-US" sz="1100" dirty="0"/>
-              <a:t>execute()</a:t>
-            </a:r>
-          </a:p>
-        </p:txBody>
-      </p:sp>
-      <p:cxnSp>
-        <p:nvCxnSpPr>
-          <p:cNvPr id="118" name="Straight Arrow Connector 117">
-            <a:extLst>
-              <a:ext uri="{FF2B5EF4-FFF2-40B4-BE49-F238E27FC236}">
-                <a16:creationId xmlns:a16="http://schemas.microsoft.com/office/drawing/2014/main" xmlns="" id="{39916E2E-195A-4DC8-B025-B05FA87E6796}"/>
-              </a:ext>
-            </a:extLst>
-          </p:cNvPr>
-          <p:cNvCxnSpPr>
-            <a:cxnSpLocks/>
-          </p:cNvCxnSpPr>
-          <p:nvPr/>
-        </p:nvCxnSpPr>
-        <p:spPr>
-          <a:xfrm>
-            <a:off x="2511001" y="1857709"/>
-            <a:ext cx="1416711" cy="0"/>
-          </a:xfrm>
-          <a:prstGeom prst="straightConnector1">
-            <a:avLst/>
-          </a:prstGeom>
-          <a:ln w="19050">
-            <a:solidFill>
-              <a:srgbClr val="0070C0"/>
-            </a:solidFill>
-            <a:tailEnd type="arrow"/>
-          </a:ln>
-        </p:spPr>
-        <p:style>
-          <a:lnRef idx="1">
-            <a:schemeClr val="accent1"/>
-          </a:lnRef>
-          <a:fillRef idx="0">
-            <a:schemeClr val="accent1"/>
-          </a:fillRef>
-          <a:effectRef idx="0">
-            <a:schemeClr val="accent1"/>
-          </a:effectRef>
-          <a:fontRef idx="minor">
-            <a:schemeClr val="tx1"/>
-          </a:fontRef>
-        </p:style>
-      </p:cxnSp>
-      <p:sp>
-        <p:nvSpPr>
-          <p:cNvPr id="135" name="TextBox 134"/>
-          <p:cNvSpPr txBox="1"/>
-          <p:nvPr/>
-        </p:nvSpPr>
-        <p:spPr>
-          <a:xfrm>
-            <a:off x="2923135" y="5561884"/>
-            <a:ext cx="621216" cy="169277"/>
-          </a:xfrm>
-          <a:prstGeom prst="rect">
-            <a:avLst/>
-          </a:prstGeom>
-          <a:noFill/>
-        </p:spPr>
-        <p:txBody>
-          <a:bodyPr wrap="square" lIns="0" tIns="0" rIns="0" bIns="0" rtlCol="0">
-            <a:spAutoFit/>
-          </a:bodyPr>
-          <a:lstStyle>
-            <a:defPPr>
-              <a:defRPr lang="en-US"/>
-            </a:defPPr>
-            <a:lvl1pPr algn="r">
-              <a:defRPr sz="1400">
-                <a:solidFill>
-                  <a:srgbClr val="0070C0"/>
-                </a:solidFill>
-              </a:defRPr>
-            </a:lvl1pPr>
-          </a:lstStyle>
-          <a:p>
-            <a:r>
-              <a:rPr lang="en-US" sz="1100" dirty="0"/>
-              <a:t>result</a:t>
-            </a:r>
+            <a:pPr algn="l"/>
+            <a:r>
+              <a:rPr lang="en-US" sz="1100" i="1" smtClean="0">
+                <a:solidFill>
+                  <a:srgbClr val="7030A0"/>
+                </a:solidFill>
+              </a:rPr>
+              <a:t>tables</a:t>
+            </a:r>
+            <a:endParaRPr lang="en-US" sz="1100" i="1" dirty="0"/>
           </a:p>
         </p:txBody>
       </p:sp>
